--- a/Running_ASP.NET_Core_Apps_without_a_server.pptx
+++ b/Running_ASP.NET_Core_Apps_without_a_server.pptx
@@ -30,11 +30,11 @@
   <p:notesSz cx="6858000" cy="9144000"/>
   <p:embeddedFontLst>
     <p:embeddedFont>
-      <p:font typeface="Abadi" panose="020B0604020104020204" pitchFamily="34" charset="0"/>
+      <p:font typeface="Abadi" panose="020B0604020202020204" pitchFamily="34" charset="0"/>
       <p:regular r:id="rId20"/>
     </p:embeddedFont>
     <p:embeddedFont>
-      <p:font typeface="Abadi Extra Light" panose="020B0204020104020204" pitchFamily="34" charset="0"/>
+      <p:font typeface="Abadi Extra Light" panose="020B0604020202020204" pitchFamily="34" charset="0"/>
       <p:regular r:id="rId21"/>
     </p:embeddedFont>
     <p:embeddedFont>
@@ -8835,7 +8835,7 @@
           <a:p>
             <a:fld id="{DAA7F685-D00E-46D2-B3D2-7876D02DEA59}" type="datetimeFigureOut">
               <a:rPr lang="en-US" smtClean="0"/>
-              <a:t>3/7/2023</a:t>
+              <a:t>3/16/2023</a:t>
             </a:fld>
             <a:endParaRPr lang="en-US"/>
           </a:p>
@@ -13867,7 +13867,7 @@
         <p:spPr>
           <a:xfrm>
             <a:off x="6034875" y="1707641"/>
-            <a:ext cx="1824538" cy="415498"/>
+            <a:ext cx="1713931" cy="338554"/>
           </a:xfrm>
           <a:prstGeom prst="rect">
             <a:avLst/>
@@ -13891,7 +13891,7 @@
               <a:defRPr/>
             </a:pPr>
             <a:r>
-              <a:rPr lang="en-GB" sz="2100" spc="225" dirty="0">
+              <a:rPr lang="en-GB" sz="1600" spc="225" dirty="0">
                 <a:solidFill>
                   <a:prstClr val="white"/>
                 </a:solidFill>
@@ -13901,7 +13901,7 @@
               </a:rPr>
               <a:t>PUBLISHING</a:t>
             </a:r>
-            <a:endParaRPr lang="en-GB" sz="2100" kern="1200" spc="225" dirty="0">
+            <a:endParaRPr lang="en-GB" sz="1600" kern="1200" spc="225" dirty="0">
               <a:solidFill>
                 <a:prstClr val="black"/>
               </a:solidFill>
@@ -13926,8 +13926,8 @@
         </p:nvSpPr>
         <p:spPr>
           <a:xfrm>
-            <a:off x="594814" y="1048493"/>
-            <a:ext cx="2847254" cy="415498"/>
+            <a:off x="788778" y="1048493"/>
+            <a:ext cx="2653290" cy="338554"/>
           </a:xfrm>
           <a:prstGeom prst="rect">
             <a:avLst/>
@@ -13951,7 +13951,7 @@
               <a:defRPr/>
             </a:pPr>
             <a:r>
-              <a:rPr lang="en-GB" sz="2100" spc="225" dirty="0">
+              <a:rPr lang="en-GB" sz="1600" spc="225" dirty="0">
                 <a:solidFill>
                   <a:prstClr val="white"/>
                 </a:solidFill>
@@ -13961,7 +13961,7 @@
               </a:rPr>
               <a:t>AOT COMPLILATION</a:t>
             </a:r>
-            <a:endParaRPr lang="en-GB" sz="2100" kern="1200" spc="225" dirty="0">
+            <a:endParaRPr lang="en-GB" sz="1600" kern="1200" spc="225" dirty="0">
               <a:solidFill>
                 <a:prstClr val="black"/>
               </a:solidFill>
@@ -13987,7 +13987,7 @@
         <p:spPr>
           <a:xfrm>
             <a:off x="5702704" y="1048493"/>
-            <a:ext cx="3166251" cy="415498"/>
+            <a:ext cx="2914580" cy="338554"/>
           </a:xfrm>
           <a:prstGeom prst="rect">
             <a:avLst/>
@@ -14011,7 +14011,7 @@
               <a:defRPr/>
             </a:pPr>
             <a:r>
-              <a:rPr lang="en-GB" sz="2100" spc="225" dirty="0">
+              <a:rPr lang="en-GB" sz="1600" spc="225" dirty="0">
                 <a:solidFill>
                   <a:prstClr val="white"/>
                 </a:solidFill>
@@ -14021,7 +14021,7 @@
               </a:rPr>
               <a:t>FORMS &amp; VALIDATION</a:t>
             </a:r>
-            <a:endParaRPr lang="en-GB" sz="2100" kern="1200" spc="225" dirty="0">
+            <a:endParaRPr lang="en-GB" sz="1600" kern="1200" spc="225" dirty="0">
               <a:solidFill>
                 <a:prstClr val="black"/>
               </a:solidFill>
@@ -14046,8 +14046,8 @@
         </p:nvSpPr>
         <p:spPr>
           <a:xfrm>
-            <a:off x="-39819" y="389345"/>
-            <a:ext cx="4112024" cy="415498"/>
+            <a:off x="158954" y="389345"/>
+            <a:ext cx="3913251" cy="338554"/>
           </a:xfrm>
           <a:prstGeom prst="rect">
             <a:avLst/>
@@ -14071,7 +14071,7 @@
               <a:defRPr/>
             </a:pPr>
             <a:r>
-              <a:rPr lang="en-GB" sz="2100" spc="225" dirty="0">
+              <a:rPr lang="en-GB" sz="1600" spc="225" dirty="0">
                 <a:solidFill>
                   <a:prstClr val="white"/>
                 </a:solidFill>
@@ -14081,7 +14081,7 @@
               </a:rPr>
               <a:t>ASP.NET CORE EXPERIENCES</a:t>
             </a:r>
-            <a:endParaRPr lang="en-GB" sz="2100" kern="1200" spc="225" dirty="0">
+            <a:endParaRPr lang="en-GB" sz="1600" kern="1200" spc="225" dirty="0">
               <a:solidFill>
                 <a:prstClr val="black"/>
               </a:solidFill>
@@ -14107,7 +14107,7 @@
         <p:spPr>
           <a:xfrm>
             <a:off x="6016947" y="3025937"/>
-            <a:ext cx="2186817" cy="415498"/>
+            <a:ext cx="2044149" cy="338554"/>
           </a:xfrm>
           <a:prstGeom prst="rect">
             <a:avLst/>
@@ -14131,7 +14131,7 @@
               <a:defRPr/>
             </a:pPr>
             <a:r>
-              <a:rPr lang="en-GB" sz="2100" spc="225" dirty="0">
+              <a:rPr lang="en-GB" sz="1600" spc="225" dirty="0">
                 <a:solidFill>
                   <a:prstClr val="white"/>
                 </a:solidFill>
@@ -14141,7 +14141,7 @@
               </a:rPr>
               <a:t>AUTO REBUILD</a:t>
             </a:r>
-            <a:endParaRPr lang="en-GB" sz="2100" kern="1200" spc="225" dirty="0">
+            <a:endParaRPr lang="en-GB" sz="1600" kern="1200" spc="225" dirty="0">
               <a:solidFill>
                 <a:prstClr val="black"/>
               </a:solidFill>
@@ -14166,8 +14166,8 @@
         </p:nvSpPr>
         <p:spPr>
           <a:xfrm>
-            <a:off x="219559" y="3025937"/>
-            <a:ext cx="2925802" cy="415498"/>
+            <a:off x="399096" y="3025937"/>
+            <a:ext cx="2746265" cy="338554"/>
           </a:xfrm>
           <a:prstGeom prst="rect">
             <a:avLst/>
@@ -14191,7 +14191,7 @@
               <a:defRPr/>
             </a:pPr>
             <a:r>
-              <a:rPr lang="en-GB" sz="2100" spc="225" dirty="0">
+              <a:rPr lang="en-GB" sz="1600" spc="225" dirty="0">
                 <a:solidFill>
                   <a:prstClr val="white"/>
                 </a:solidFill>
@@ -14201,7 +14201,7 @@
               </a:rPr>
               <a:t>SMALLER APP SIZES</a:t>
             </a:r>
-            <a:endParaRPr lang="en-GB" sz="2100" kern="1200" spc="225" dirty="0">
+            <a:endParaRPr lang="en-GB" sz="1600" kern="1200" spc="225" dirty="0">
               <a:solidFill>
                 <a:prstClr val="black"/>
               </a:solidFill>
@@ -14227,7 +14227,7 @@
         <p:spPr>
           <a:xfrm>
             <a:off x="5753608" y="3685085"/>
-            <a:ext cx="2066591" cy="415498"/>
+            <a:ext cx="1981633" cy="338554"/>
           </a:xfrm>
           <a:prstGeom prst="rect">
             <a:avLst/>
@@ -14251,7 +14251,7 @@
               <a:defRPr/>
             </a:pPr>
             <a:r>
-              <a:rPr lang="en-GB" sz="2100" spc="225" dirty="0">
+              <a:rPr lang="en-GB" sz="1600" spc="225" dirty="0">
                 <a:solidFill>
                   <a:prstClr val="white"/>
                 </a:solidFill>
@@ -14261,7 +14261,7 @@
               </a:rPr>
               <a:t>SVG SUPPORT</a:t>
             </a:r>
-            <a:endParaRPr lang="en-GB" sz="2100" kern="1200" spc="225" dirty="0">
+            <a:endParaRPr lang="en-GB" sz="1600" kern="1200" spc="225" dirty="0">
               <a:solidFill>
                 <a:prstClr val="black"/>
               </a:solidFill>
@@ -14287,7 +14287,7 @@
         <p:spPr>
           <a:xfrm>
             <a:off x="5135270" y="389345"/>
-            <a:ext cx="3655168" cy="415498"/>
+            <a:ext cx="3462807" cy="338554"/>
           </a:xfrm>
           <a:prstGeom prst="rect">
             <a:avLst/>
@@ -14311,7 +14311,7 @@
               <a:defRPr/>
             </a:pPr>
             <a:r>
-              <a:rPr lang="en-GB" sz="2100" spc="225" dirty="0">
+              <a:rPr lang="en-GB" sz="1600" spc="225" dirty="0">
                 <a:solidFill>
                   <a:prstClr val="white"/>
                 </a:solidFill>
@@ -14321,7 +14321,7 @@
               </a:rPr>
               <a:t>SERVER-SIDE RENDERING</a:t>
             </a:r>
-            <a:endParaRPr lang="en-GB" sz="2100" kern="1200" spc="225" dirty="0">
+            <a:endParaRPr lang="en-GB" sz="1600" kern="1200" spc="225" dirty="0">
               <a:solidFill>
                 <a:prstClr val="black"/>
               </a:solidFill>
@@ -14346,8 +14346,8 @@
         </p:nvSpPr>
         <p:spPr>
           <a:xfrm>
-            <a:off x="1188694" y="1707641"/>
-            <a:ext cx="1944764" cy="415498"/>
+            <a:off x="1328157" y="1707641"/>
+            <a:ext cx="1805301" cy="338554"/>
           </a:xfrm>
           <a:prstGeom prst="rect">
             <a:avLst/>
@@ -14371,7 +14371,7 @@
               <a:defRPr/>
             </a:pPr>
             <a:r>
-              <a:rPr lang="en-GB" sz="2100" spc="225" dirty="0">
+              <a:rPr lang="en-GB" sz="1600" spc="225" dirty="0">
                 <a:solidFill>
                   <a:prstClr val="white"/>
                 </a:solidFill>
@@ -14381,7 +14381,7 @@
               </a:rPr>
               <a:t>HOT RELOAD</a:t>
             </a:r>
-            <a:endParaRPr lang="en-GB" sz="2100" kern="1200" spc="225" dirty="0">
+            <a:endParaRPr lang="en-GB" sz="1600" kern="1200" spc="225" dirty="0">
               <a:solidFill>
                 <a:prstClr val="black"/>
               </a:solidFill>
@@ -14406,8 +14406,8 @@
         </p:nvSpPr>
         <p:spPr>
           <a:xfrm>
-            <a:off x="1151584" y="4344234"/>
-            <a:ext cx="2959465" cy="415498"/>
+            <a:off x="1315092" y="4344234"/>
+            <a:ext cx="2795957" cy="338554"/>
           </a:xfrm>
           <a:prstGeom prst="rect">
             <a:avLst/>
@@ -14431,7 +14431,7 @@
               <a:defRPr/>
             </a:pPr>
             <a:r>
-              <a:rPr lang="en-GB" sz="2100" spc="225" dirty="0">
+              <a:rPr lang="en-GB" sz="1600" spc="225" dirty="0">
                 <a:solidFill>
                   <a:prstClr val="white"/>
                 </a:solidFill>
@@ -14441,7 +14441,7 @@
               </a:rPr>
               <a:t>ERROR BOUNDARIES</a:t>
             </a:r>
-            <a:endParaRPr lang="en-GB" sz="2100" kern="1200" spc="225" dirty="0">
+            <a:endParaRPr lang="en-GB" sz="1600" kern="1200" spc="225" dirty="0">
               <a:solidFill>
                 <a:prstClr val="black"/>
               </a:solidFill>
@@ -14467,7 +14467,7 @@
         <p:spPr>
           <a:xfrm>
             <a:off x="6333668" y="2366789"/>
-            <a:ext cx="2145139" cy="415498"/>
+            <a:ext cx="2012089" cy="338554"/>
           </a:xfrm>
           <a:prstGeom prst="rect">
             <a:avLst/>
@@ -14491,7 +14491,7 @@
               <a:defRPr/>
             </a:pPr>
             <a:r>
-              <a:rPr lang="en-GB" sz="2100" spc="225" dirty="0">
+              <a:rPr lang="en-GB" sz="1600" spc="225" dirty="0">
                 <a:solidFill>
                   <a:prstClr val="white"/>
                 </a:solidFill>
@@ -14501,7 +14501,7 @@
               </a:rPr>
               <a:t>LOCALIZATION</a:t>
             </a:r>
-            <a:endParaRPr lang="en-GB" sz="2100" kern="1200" spc="225" dirty="0">
+            <a:endParaRPr lang="en-GB" sz="1600" kern="1200" spc="225" dirty="0">
               <a:solidFill>
                 <a:prstClr val="black"/>
               </a:solidFill>
@@ -14526,8 +14526,8 @@
         </p:nvSpPr>
         <p:spPr>
           <a:xfrm>
-            <a:off x="654725" y="3685085"/>
-            <a:ext cx="2840842" cy="415498"/>
+            <a:off x="874337" y="3685085"/>
+            <a:ext cx="2621230" cy="338554"/>
           </a:xfrm>
           <a:prstGeom prst="rect">
             <a:avLst/>
@@ -14551,7 +14551,7 @@
               <a:defRPr/>
             </a:pPr>
             <a:r>
-              <a:rPr lang="en-GB" sz="2100" spc="225" dirty="0">
+              <a:rPr lang="en-GB" sz="1600" spc="225" dirty="0">
                 <a:solidFill>
                   <a:prstClr val="white"/>
                 </a:solidFill>
@@ -14561,7 +14561,7 @@
               </a:rPr>
               <a:t>CUSTOM BUNDLING</a:t>
             </a:r>
-            <a:endParaRPr lang="en-GB" sz="2100" kern="1200" spc="225" dirty="0">
+            <a:endParaRPr lang="en-GB" sz="1600" kern="1200" spc="225" dirty="0">
               <a:solidFill>
                 <a:prstClr val="black"/>
               </a:solidFill>
@@ -14587,7 +14587,7 @@
         <p:spPr>
           <a:xfrm>
             <a:off x="5098267" y="4344234"/>
-            <a:ext cx="4052713" cy="415498"/>
+            <a:ext cx="3796232" cy="338554"/>
           </a:xfrm>
           <a:prstGeom prst="rect">
             <a:avLst/>
@@ -14611,7 +14611,7 @@
               <a:defRPr/>
             </a:pPr>
             <a:r>
-              <a:rPr lang="en-GB" sz="2100" spc="225" dirty="0">
+              <a:rPr lang="en-GB" sz="1600" spc="225" dirty="0">
                 <a:solidFill>
                   <a:prstClr val="white"/>
                 </a:solidFill>
@@ -14621,7 +14621,7 @@
               </a:rPr>
               <a:t>RENDER COMPONENTS IN JS</a:t>
             </a:r>
-            <a:endParaRPr lang="en-GB" sz="2100" kern="1200" spc="225" dirty="0">
+            <a:endParaRPr lang="en-GB" sz="1600" kern="1200" spc="225" dirty="0">
               <a:solidFill>
                 <a:prstClr val="black"/>
               </a:solidFill>
@@ -14646,8 +14646,8 @@
         </p:nvSpPr>
         <p:spPr>
           <a:xfrm>
-            <a:off x="-33543" y="2366789"/>
-            <a:ext cx="2868094" cy="415498"/>
+            <a:off x="168437" y="2366789"/>
+            <a:ext cx="2666114" cy="338554"/>
           </a:xfrm>
           <a:prstGeom prst="rect">
             <a:avLst/>
@@ -14671,7 +14671,7 @@
               <a:defRPr/>
             </a:pPr>
             <a:r>
-              <a:rPr lang="en-GB" sz="2100" spc="225" dirty="0">
+              <a:rPr lang="en-GB" sz="1600" spc="225" dirty="0">
                 <a:solidFill>
                   <a:prstClr val="white"/>
                 </a:solidFill>
@@ -14681,7 +14681,7 @@
               </a:rPr>
               <a:t>CUSTOM ELEMENTS</a:t>
             </a:r>
-            <a:endParaRPr lang="en-GB" sz="2100" kern="1200" spc="225" dirty="0">
+            <a:endParaRPr lang="en-GB" sz="1600" kern="1200" spc="225" dirty="0">
               <a:solidFill>
                 <a:prstClr val="black"/>
               </a:solidFill>
@@ -15075,7 +15075,7 @@
               <a:buClrTx/>
               <a:defRPr/>
             </a:pPr>
-            <a:endParaRPr lang="en-GB" sz="2100" kern="1200">
+            <a:endParaRPr lang="en-GB" sz="1600" kern="1200">
               <a:solidFill>
                 <a:prstClr val="white"/>
               </a:solidFill>
@@ -15437,7 +15437,7 @@
               <a:buClrTx/>
               <a:defRPr/>
             </a:pPr>
-            <a:endParaRPr lang="en-GB" sz="2100" kern="1200">
+            <a:endParaRPr lang="en-GB" sz="1600" kern="1200">
               <a:solidFill>
                 <a:prstClr val="white"/>
               </a:solidFill>
@@ -15825,7 +15825,7 @@
               <a:buClrTx/>
               <a:defRPr/>
             </a:pPr>
-            <a:endParaRPr lang="en-GB" sz="2100" kern="1200">
+            <a:endParaRPr lang="en-GB" sz="1600" kern="1200">
               <a:solidFill>
                 <a:prstClr val="white"/>
               </a:solidFill>
@@ -16217,7 +16217,7 @@
               <a:buClrTx/>
               <a:defRPr/>
             </a:pPr>
-            <a:endParaRPr lang="en-GB" sz="2100" kern="1200">
+            <a:endParaRPr lang="en-GB" sz="1600" kern="1200">
               <a:solidFill>
                 <a:prstClr val="white"/>
               </a:solidFill>
@@ -16579,7 +16579,7 @@
               <a:buClrTx/>
               <a:defRPr/>
             </a:pPr>
-            <a:endParaRPr lang="en-GB" sz="2100" kern="1200">
+            <a:endParaRPr lang="en-GB" sz="1600" kern="1200">
               <a:solidFill>
                 <a:prstClr val="white"/>
               </a:solidFill>
@@ -16967,7 +16967,7 @@
               <a:buClrTx/>
               <a:defRPr/>
             </a:pPr>
-            <a:endParaRPr lang="en-GB" sz="2100" kern="1200">
+            <a:endParaRPr lang="en-GB" sz="1600" kern="1200">
               <a:solidFill>
                 <a:prstClr val="white"/>
               </a:solidFill>
@@ -17313,7 +17313,7 @@
               <a:buClrTx/>
               <a:defRPr/>
             </a:pPr>
-            <a:endParaRPr lang="en-GB" sz="2100" kern="1200">
+            <a:endParaRPr lang="en-GB" sz="1600" kern="1200">
               <a:solidFill>
                 <a:prstClr val="white"/>
               </a:solidFill>
@@ -17675,7 +17675,7 @@
               <a:buClrTx/>
               <a:defRPr/>
             </a:pPr>
-            <a:endParaRPr lang="en-GB" sz="2100" kern="1200">
+            <a:endParaRPr lang="en-GB" sz="1600" kern="1200">
               <a:solidFill>
                 <a:prstClr val="white"/>
               </a:solidFill>
@@ -18063,7 +18063,7 @@
               <a:buClrTx/>
               <a:defRPr/>
             </a:pPr>
-            <a:endParaRPr lang="en-GB" sz="2100" kern="1200">
+            <a:endParaRPr lang="en-GB" sz="1600" kern="1200">
               <a:solidFill>
                 <a:prstClr val="white"/>
               </a:solidFill>
@@ -18409,7 +18409,7 @@
               <a:buClrTx/>
               <a:defRPr/>
             </a:pPr>
-            <a:endParaRPr lang="en-GB" sz="2100" kern="1200">
+            <a:endParaRPr lang="en-GB" sz="1600" kern="1200">
               <a:solidFill>
                 <a:prstClr val="white"/>
               </a:solidFill>
@@ -18771,7 +18771,7 @@
               <a:buClrTx/>
               <a:defRPr/>
             </a:pPr>
-            <a:endParaRPr lang="en-GB" sz="2100" kern="1200">
+            <a:endParaRPr lang="en-GB" sz="1600" kern="1200">
               <a:solidFill>
                 <a:prstClr val="white"/>
               </a:solidFill>
@@ -19159,7 +19159,7 @@
               <a:buClrTx/>
               <a:defRPr/>
             </a:pPr>
-            <a:endParaRPr lang="en-GB" sz="2100" kern="1200">
+            <a:endParaRPr lang="en-GB" sz="1600" kern="1200">
               <a:solidFill>
                 <a:prstClr val="white"/>
               </a:solidFill>
@@ -21653,8 +21653,8 @@
         </p:blipFill>
         <p:spPr bwMode="auto">
           <a:xfrm>
-            <a:off x="2279665" y="1727150"/>
-            <a:ext cx="4584671" cy="2191473"/>
+            <a:off x="1224301" y="1423715"/>
+            <a:ext cx="6695397" cy="3200400"/>
           </a:xfrm>
           <a:prstGeom prst="rect">
             <a:avLst/>
@@ -21877,8 +21877,8 @@
         </p:blipFill>
         <p:spPr bwMode="auto">
           <a:xfrm>
-            <a:off x="1947977" y="1433595"/>
-            <a:ext cx="5248047" cy="2529559"/>
+            <a:off x="1252083" y="1392590"/>
+            <a:ext cx="6639833" cy="3200400"/>
           </a:xfrm>
           <a:prstGeom prst="rect">
             <a:avLst/>
@@ -21989,8 +21989,8 @@
         </p:blipFill>
         <p:spPr bwMode="auto">
           <a:xfrm>
-            <a:off x="2256881" y="1566316"/>
-            <a:ext cx="4630238" cy="2778143"/>
+            <a:off x="1905000" y="1488407"/>
+            <a:ext cx="5334000" cy="3200400"/>
           </a:xfrm>
           <a:prstGeom prst="rect">
             <a:avLst/>

--- a/Running_ASP.NET_Core_Apps_without_a_server.pptx
+++ b/Running_ASP.NET_Core_Apps_without_a_server.pptx
@@ -21,20 +21,20 @@
     <p:sldId id="1944" r:id="rId12"/>
     <p:sldId id="1945" r:id="rId13"/>
     <p:sldId id="294" r:id="rId14"/>
-    <p:sldId id="1946" r:id="rId15"/>
-    <p:sldId id="1947" r:id="rId16"/>
-    <p:sldId id="1949" r:id="rId17"/>
+    <p:sldId id="1952" r:id="rId15"/>
+    <p:sldId id="1949" r:id="rId16"/>
+    <p:sldId id="7938" r:id="rId17"/>
     <p:sldId id="278" r:id="rId18"/>
   </p:sldIdLst>
   <p:sldSz cx="9144000" cy="5143500" type="screen16x9"/>
   <p:notesSz cx="6858000" cy="9144000"/>
   <p:embeddedFontLst>
     <p:embeddedFont>
-      <p:font typeface="Abadi" panose="020B0604020202020204" pitchFamily="34" charset="0"/>
+      <p:font typeface="Abadi" panose="020B0604020104020204" pitchFamily="34" charset="0"/>
       <p:regular r:id="rId20"/>
     </p:embeddedFont>
     <p:embeddedFont>
-      <p:font typeface="Abadi Extra Light" panose="020B0604020202020204" pitchFamily="34" charset="0"/>
+      <p:font typeface="Abadi Extra Light" panose="020B0204020104020204" pitchFamily="34" charset="0"/>
       <p:regular r:id="rId21"/>
     </p:embeddedFont>
     <p:embeddedFont>
@@ -1229,6 +1229,1504 @@
 </dgm:colorsDef>
 </file>
 
+<file path=ppt/diagrams/colors2.xml><?xml version="1.0" encoding="utf-8"?>
+<dgm:colorsDef xmlns:dgm="http://schemas.openxmlformats.org/drawingml/2006/diagram" xmlns:a="http://schemas.openxmlformats.org/drawingml/2006/main" uniqueId="urn:microsoft.com/office/officeart/2005/8/colors/accent0_3">
+  <dgm:title val=""/>
+  <dgm:desc val=""/>
+  <dgm:catLst>
+    <dgm:cat type="mainScheme" pri="10300"/>
+  </dgm:catLst>
+  <dgm:styleLbl name="node0">
+    <dgm:fillClrLst meth="repeat">
+      <a:schemeClr val="dk2"/>
+    </dgm:fillClrLst>
+    <dgm:linClrLst meth="repeat">
+      <a:schemeClr val="lt2"/>
+    </dgm:linClrLst>
+    <dgm:effectClrLst/>
+    <dgm:txLinClrLst/>
+    <dgm:txFillClrLst/>
+    <dgm:txEffectClrLst/>
+  </dgm:styleLbl>
+  <dgm:styleLbl name="alignNode1">
+    <dgm:fillClrLst meth="repeat">
+      <a:schemeClr val="dk2"/>
+    </dgm:fillClrLst>
+    <dgm:linClrLst meth="repeat">
+      <a:schemeClr val="dk2"/>
+    </dgm:linClrLst>
+    <dgm:effectClrLst/>
+    <dgm:txLinClrLst/>
+    <dgm:txFillClrLst/>
+    <dgm:txEffectClrLst/>
+  </dgm:styleLbl>
+  <dgm:styleLbl name="node1">
+    <dgm:fillClrLst meth="repeat">
+      <a:schemeClr val="dk2"/>
+    </dgm:fillClrLst>
+    <dgm:linClrLst meth="repeat">
+      <a:schemeClr val="lt2"/>
+    </dgm:linClrLst>
+    <dgm:effectClrLst/>
+    <dgm:txLinClrLst/>
+    <dgm:txFillClrLst/>
+    <dgm:txEffectClrLst/>
+  </dgm:styleLbl>
+  <dgm:styleLbl name="lnNode1">
+    <dgm:fillClrLst meth="repeat">
+      <a:schemeClr val="dk2"/>
+    </dgm:fillClrLst>
+    <dgm:linClrLst meth="repeat">
+      <a:schemeClr val="lt2"/>
+    </dgm:linClrLst>
+    <dgm:effectClrLst/>
+    <dgm:txLinClrLst/>
+    <dgm:txFillClrLst/>
+    <dgm:txEffectClrLst/>
+  </dgm:styleLbl>
+  <dgm:styleLbl name="vennNode1">
+    <dgm:fillClrLst meth="repeat">
+      <a:schemeClr val="dk2">
+        <a:alpha val="50000"/>
+      </a:schemeClr>
+    </dgm:fillClrLst>
+    <dgm:linClrLst meth="repeat">
+      <a:schemeClr val="lt2"/>
+    </dgm:linClrLst>
+    <dgm:effectClrLst/>
+    <dgm:txLinClrLst/>
+    <dgm:txFillClrLst/>
+    <dgm:txEffectClrLst/>
+  </dgm:styleLbl>
+  <dgm:styleLbl name="node2">
+    <dgm:fillClrLst meth="repeat">
+      <a:schemeClr val="dk2"/>
+    </dgm:fillClrLst>
+    <dgm:linClrLst meth="repeat">
+      <a:schemeClr val="lt2"/>
+    </dgm:linClrLst>
+    <dgm:effectClrLst/>
+    <dgm:txLinClrLst/>
+    <dgm:txFillClrLst/>
+    <dgm:txEffectClrLst/>
+  </dgm:styleLbl>
+  <dgm:styleLbl name="node3">
+    <dgm:fillClrLst meth="repeat">
+      <a:schemeClr val="dk2"/>
+    </dgm:fillClrLst>
+    <dgm:linClrLst meth="repeat">
+      <a:schemeClr val="lt2"/>
+    </dgm:linClrLst>
+    <dgm:effectClrLst/>
+    <dgm:txLinClrLst/>
+    <dgm:txFillClrLst/>
+    <dgm:txEffectClrLst/>
+  </dgm:styleLbl>
+  <dgm:styleLbl name="node4">
+    <dgm:fillClrLst meth="repeat">
+      <a:schemeClr val="dk2"/>
+    </dgm:fillClrLst>
+    <dgm:linClrLst meth="repeat">
+      <a:schemeClr val="lt2"/>
+    </dgm:linClrLst>
+    <dgm:effectClrLst/>
+    <dgm:txLinClrLst/>
+    <dgm:txFillClrLst/>
+    <dgm:txEffectClrLst/>
+  </dgm:styleLbl>
+  <dgm:styleLbl name="fgImgPlace1">
+    <dgm:fillClrLst meth="repeat">
+      <a:schemeClr val="dk2">
+        <a:tint val="50000"/>
+      </a:schemeClr>
+    </dgm:fillClrLst>
+    <dgm:linClrLst meth="repeat">
+      <a:schemeClr val="lt2"/>
+    </dgm:linClrLst>
+    <dgm:effectClrLst/>
+    <dgm:txLinClrLst/>
+    <dgm:txFillClrLst meth="repeat">
+      <a:schemeClr val="lt2"/>
+    </dgm:txFillClrLst>
+    <dgm:txEffectClrLst/>
+  </dgm:styleLbl>
+  <dgm:styleLbl name="alignImgPlace1">
+    <dgm:fillClrLst meth="repeat">
+      <a:schemeClr val="dk2">
+        <a:tint val="50000"/>
+      </a:schemeClr>
+    </dgm:fillClrLst>
+    <dgm:linClrLst meth="repeat">
+      <a:schemeClr val="dk2">
+        <a:shade val="80000"/>
+      </a:schemeClr>
+    </dgm:linClrLst>
+    <dgm:effectClrLst/>
+    <dgm:txLinClrLst/>
+    <dgm:txFillClrLst meth="repeat">
+      <a:schemeClr val="lt2"/>
+    </dgm:txFillClrLst>
+    <dgm:txEffectClrLst/>
+  </dgm:styleLbl>
+  <dgm:styleLbl name="bgImgPlace1">
+    <dgm:fillClrLst meth="repeat">
+      <a:schemeClr val="dk2">
+        <a:tint val="50000"/>
+      </a:schemeClr>
+    </dgm:fillClrLst>
+    <dgm:linClrLst meth="repeat">
+      <a:schemeClr val="dk2">
+        <a:shade val="80000"/>
+      </a:schemeClr>
+    </dgm:linClrLst>
+    <dgm:effectClrLst/>
+    <dgm:txLinClrLst/>
+    <dgm:txFillClrLst meth="repeat">
+      <a:schemeClr val="lt2"/>
+    </dgm:txFillClrLst>
+    <dgm:txEffectClrLst/>
+  </dgm:styleLbl>
+  <dgm:styleLbl name="sibTrans2D1">
+    <dgm:fillClrLst meth="repeat">
+      <a:schemeClr val="dk2">
+        <a:tint val="60000"/>
+      </a:schemeClr>
+    </dgm:fillClrLst>
+    <dgm:linClrLst meth="repeat">
+      <a:schemeClr val="dk2">
+        <a:tint val="60000"/>
+      </a:schemeClr>
+    </dgm:linClrLst>
+    <dgm:effectClrLst/>
+    <dgm:txLinClrLst/>
+    <dgm:txFillClrLst/>
+    <dgm:txEffectClrLst/>
+  </dgm:styleLbl>
+  <dgm:styleLbl name="fgSibTrans2D1">
+    <dgm:fillClrLst meth="repeat">
+      <a:schemeClr val="dk2">
+        <a:tint val="60000"/>
+      </a:schemeClr>
+    </dgm:fillClrLst>
+    <dgm:linClrLst meth="repeat">
+      <a:schemeClr val="dk2">
+        <a:tint val="60000"/>
+      </a:schemeClr>
+    </dgm:linClrLst>
+    <dgm:effectClrLst/>
+    <dgm:txLinClrLst/>
+    <dgm:txFillClrLst/>
+    <dgm:txEffectClrLst/>
+  </dgm:styleLbl>
+  <dgm:styleLbl name="bgSibTrans2D1">
+    <dgm:fillClrLst meth="repeat">
+      <a:schemeClr val="dk2">
+        <a:tint val="60000"/>
+      </a:schemeClr>
+    </dgm:fillClrLst>
+    <dgm:linClrLst meth="repeat">
+      <a:schemeClr val="dk2">
+        <a:tint val="60000"/>
+      </a:schemeClr>
+    </dgm:linClrLst>
+    <dgm:effectClrLst/>
+    <dgm:txLinClrLst/>
+    <dgm:txFillClrLst/>
+    <dgm:txEffectClrLst/>
+  </dgm:styleLbl>
+  <dgm:styleLbl name="sibTrans1D1">
+    <dgm:fillClrLst meth="repeat">
+      <a:schemeClr val="dk2"/>
+    </dgm:fillClrLst>
+    <dgm:linClrLst meth="repeat">
+      <a:schemeClr val="dk2"/>
+    </dgm:linClrLst>
+    <dgm:effectClrLst/>
+    <dgm:txLinClrLst/>
+    <dgm:txFillClrLst meth="repeat">
+      <a:schemeClr val="lt2"/>
+    </dgm:txFillClrLst>
+    <dgm:txEffectClrLst/>
+  </dgm:styleLbl>
+  <dgm:styleLbl name="callout">
+    <dgm:fillClrLst meth="repeat">
+      <a:schemeClr val="dk2"/>
+    </dgm:fillClrLst>
+    <dgm:linClrLst meth="repeat">
+      <a:schemeClr val="dk2">
+        <a:tint val="50000"/>
+      </a:schemeClr>
+    </dgm:linClrLst>
+    <dgm:effectClrLst/>
+    <dgm:txLinClrLst/>
+    <dgm:txFillClrLst meth="repeat">
+      <a:schemeClr val="lt2"/>
+    </dgm:txFillClrLst>
+    <dgm:txEffectClrLst/>
+  </dgm:styleLbl>
+  <dgm:styleLbl name="asst0">
+    <dgm:fillClrLst meth="repeat">
+      <a:schemeClr val="dk2"/>
+    </dgm:fillClrLst>
+    <dgm:linClrLst meth="repeat">
+      <a:schemeClr val="lt2"/>
+    </dgm:linClrLst>
+    <dgm:effectClrLst/>
+    <dgm:txLinClrLst/>
+    <dgm:txFillClrLst/>
+    <dgm:txEffectClrLst/>
+  </dgm:styleLbl>
+  <dgm:styleLbl name="asst1">
+    <dgm:fillClrLst meth="repeat">
+      <a:schemeClr val="dk2"/>
+    </dgm:fillClrLst>
+    <dgm:linClrLst meth="repeat">
+      <a:schemeClr val="lt2"/>
+    </dgm:linClrLst>
+    <dgm:effectClrLst/>
+    <dgm:txLinClrLst/>
+    <dgm:txFillClrLst/>
+    <dgm:txEffectClrLst/>
+  </dgm:styleLbl>
+  <dgm:styleLbl name="asst2">
+    <dgm:fillClrLst meth="repeat">
+      <a:schemeClr val="dk2"/>
+    </dgm:fillClrLst>
+    <dgm:linClrLst meth="repeat">
+      <a:schemeClr val="lt2"/>
+    </dgm:linClrLst>
+    <dgm:effectClrLst/>
+    <dgm:txLinClrLst/>
+    <dgm:txFillClrLst/>
+    <dgm:txEffectClrLst/>
+  </dgm:styleLbl>
+  <dgm:styleLbl name="asst3">
+    <dgm:fillClrLst meth="repeat">
+      <a:schemeClr val="dk2"/>
+    </dgm:fillClrLst>
+    <dgm:linClrLst meth="repeat">
+      <a:schemeClr val="lt2"/>
+    </dgm:linClrLst>
+    <dgm:effectClrLst/>
+    <dgm:txLinClrLst/>
+    <dgm:txFillClrLst/>
+    <dgm:txEffectClrLst/>
+  </dgm:styleLbl>
+  <dgm:styleLbl name="asst4">
+    <dgm:fillClrLst meth="repeat">
+      <a:schemeClr val="dk2"/>
+    </dgm:fillClrLst>
+    <dgm:linClrLst meth="repeat">
+      <a:schemeClr val="lt2"/>
+    </dgm:linClrLst>
+    <dgm:effectClrLst/>
+    <dgm:txLinClrLst/>
+    <dgm:txFillClrLst/>
+    <dgm:txEffectClrLst/>
+  </dgm:styleLbl>
+  <dgm:styleLbl name="parChTrans2D1">
+    <dgm:fillClrLst meth="repeat">
+      <a:schemeClr val="dk2">
+        <a:tint val="60000"/>
+      </a:schemeClr>
+    </dgm:fillClrLst>
+    <dgm:linClrLst meth="repeat">
+      <a:schemeClr val="dk2">
+        <a:tint val="60000"/>
+      </a:schemeClr>
+    </dgm:linClrLst>
+    <dgm:effectClrLst/>
+    <dgm:txLinClrLst/>
+    <dgm:txFillClrLst meth="repeat">
+      <a:schemeClr val="lt2"/>
+    </dgm:txFillClrLst>
+    <dgm:txEffectClrLst/>
+  </dgm:styleLbl>
+  <dgm:styleLbl name="parChTrans2D2">
+    <dgm:fillClrLst meth="repeat">
+      <a:schemeClr val="dk2"/>
+    </dgm:fillClrLst>
+    <dgm:linClrLst meth="repeat">
+      <a:schemeClr val="dk2"/>
+    </dgm:linClrLst>
+    <dgm:effectClrLst/>
+    <dgm:txLinClrLst/>
+    <dgm:txFillClrLst meth="repeat">
+      <a:schemeClr val="lt2"/>
+    </dgm:txFillClrLst>
+    <dgm:txEffectClrLst/>
+  </dgm:styleLbl>
+  <dgm:styleLbl name="parChTrans2D3">
+    <dgm:fillClrLst meth="repeat">
+      <a:schemeClr val="dk2"/>
+    </dgm:fillClrLst>
+    <dgm:linClrLst meth="repeat">
+      <a:schemeClr val="dk2"/>
+    </dgm:linClrLst>
+    <dgm:effectClrLst/>
+    <dgm:txLinClrLst/>
+    <dgm:txFillClrLst meth="repeat">
+      <a:schemeClr val="lt2"/>
+    </dgm:txFillClrLst>
+    <dgm:txEffectClrLst/>
+  </dgm:styleLbl>
+  <dgm:styleLbl name="parChTrans2D4">
+    <dgm:fillClrLst meth="repeat">
+      <a:schemeClr val="dk2"/>
+    </dgm:fillClrLst>
+    <dgm:linClrLst meth="repeat">
+      <a:schemeClr val="dk2"/>
+    </dgm:linClrLst>
+    <dgm:effectClrLst/>
+    <dgm:txLinClrLst/>
+    <dgm:txFillClrLst meth="repeat">
+      <a:schemeClr val="lt2"/>
+    </dgm:txFillClrLst>
+    <dgm:txEffectClrLst/>
+  </dgm:styleLbl>
+  <dgm:styleLbl name="parChTrans1D1">
+    <dgm:fillClrLst meth="repeat">
+      <a:schemeClr val="dk2"/>
+    </dgm:fillClrLst>
+    <dgm:linClrLst meth="repeat">
+      <a:schemeClr val="dk2">
+        <a:shade val="60000"/>
+      </a:schemeClr>
+    </dgm:linClrLst>
+    <dgm:effectClrLst/>
+    <dgm:txLinClrLst/>
+    <dgm:txFillClrLst meth="repeat">
+      <a:schemeClr val="tx1"/>
+    </dgm:txFillClrLst>
+    <dgm:txEffectClrLst/>
+  </dgm:styleLbl>
+  <dgm:styleLbl name="parChTrans1D2">
+    <dgm:fillClrLst meth="repeat">
+      <a:schemeClr val="dk2"/>
+    </dgm:fillClrLst>
+    <dgm:linClrLst meth="repeat">
+      <a:schemeClr val="dk2">
+        <a:shade val="60000"/>
+      </a:schemeClr>
+    </dgm:linClrLst>
+    <dgm:effectClrLst/>
+    <dgm:txLinClrLst/>
+    <dgm:txFillClrLst meth="repeat">
+      <a:schemeClr val="tx1"/>
+    </dgm:txFillClrLst>
+    <dgm:txEffectClrLst/>
+  </dgm:styleLbl>
+  <dgm:styleLbl name="parChTrans1D3">
+    <dgm:fillClrLst meth="repeat">
+      <a:schemeClr val="dk2"/>
+    </dgm:fillClrLst>
+    <dgm:linClrLst meth="repeat">
+      <a:schemeClr val="dk2">
+        <a:shade val="80000"/>
+      </a:schemeClr>
+    </dgm:linClrLst>
+    <dgm:effectClrLst/>
+    <dgm:txLinClrLst/>
+    <dgm:txFillClrLst meth="repeat">
+      <a:schemeClr val="tx1"/>
+    </dgm:txFillClrLst>
+    <dgm:txEffectClrLst/>
+  </dgm:styleLbl>
+  <dgm:styleLbl name="parChTrans1D4">
+    <dgm:fillClrLst meth="repeat">
+      <a:schemeClr val="dk2"/>
+    </dgm:fillClrLst>
+    <dgm:linClrLst meth="repeat">
+      <a:schemeClr val="dk2">
+        <a:shade val="80000"/>
+      </a:schemeClr>
+    </dgm:linClrLst>
+    <dgm:effectClrLst/>
+    <dgm:txLinClrLst/>
+    <dgm:txFillClrLst meth="repeat">
+      <a:schemeClr val="tx1"/>
+    </dgm:txFillClrLst>
+    <dgm:txEffectClrLst/>
+  </dgm:styleLbl>
+  <dgm:styleLbl name="fgAcc1">
+    <dgm:fillClrLst meth="repeat">
+      <a:schemeClr val="lt2">
+        <a:alpha val="90000"/>
+      </a:schemeClr>
+    </dgm:fillClrLst>
+    <dgm:linClrLst meth="repeat">
+      <a:schemeClr val="dk2"/>
+    </dgm:linClrLst>
+    <dgm:effectClrLst/>
+    <dgm:txLinClrLst/>
+    <dgm:txFillClrLst meth="repeat">
+      <a:schemeClr val="dk1"/>
+    </dgm:txFillClrLst>
+    <dgm:txEffectClrLst/>
+  </dgm:styleLbl>
+  <dgm:styleLbl name="conFgAcc1">
+    <dgm:fillClrLst meth="repeat">
+      <a:schemeClr val="lt2">
+        <a:alpha val="90000"/>
+      </a:schemeClr>
+    </dgm:fillClrLst>
+    <dgm:linClrLst meth="repeat">
+      <a:schemeClr val="dk2"/>
+    </dgm:linClrLst>
+    <dgm:effectClrLst/>
+    <dgm:txLinClrLst/>
+    <dgm:txFillClrLst meth="repeat">
+      <a:schemeClr val="dk1"/>
+    </dgm:txFillClrLst>
+    <dgm:txEffectClrLst/>
+  </dgm:styleLbl>
+  <dgm:styleLbl name="alignAcc1">
+    <dgm:fillClrLst meth="repeat">
+      <a:schemeClr val="lt2">
+        <a:alpha val="90000"/>
+      </a:schemeClr>
+    </dgm:fillClrLst>
+    <dgm:linClrLst meth="repeat">
+      <a:schemeClr val="dk2"/>
+    </dgm:linClrLst>
+    <dgm:effectClrLst/>
+    <dgm:txLinClrLst/>
+    <dgm:txFillClrLst meth="repeat">
+      <a:schemeClr val="dk1"/>
+    </dgm:txFillClrLst>
+    <dgm:txEffectClrLst/>
+  </dgm:styleLbl>
+  <dgm:styleLbl name="trAlignAcc1">
+    <dgm:fillClrLst meth="repeat">
+      <a:schemeClr val="lt2">
+        <a:alpha val="40000"/>
+      </a:schemeClr>
+    </dgm:fillClrLst>
+    <dgm:linClrLst meth="repeat">
+      <a:schemeClr val="dk2"/>
+    </dgm:linClrLst>
+    <dgm:effectClrLst/>
+    <dgm:txLinClrLst/>
+    <dgm:txFillClrLst meth="repeat">
+      <a:schemeClr val="dk1"/>
+    </dgm:txFillClrLst>
+    <dgm:txEffectClrLst/>
+  </dgm:styleLbl>
+  <dgm:styleLbl name="bgAcc1">
+    <dgm:fillClrLst meth="repeat">
+      <a:schemeClr val="lt2">
+        <a:alpha val="90000"/>
+      </a:schemeClr>
+    </dgm:fillClrLst>
+    <dgm:linClrLst meth="repeat">
+      <a:schemeClr val="dk2"/>
+    </dgm:linClrLst>
+    <dgm:effectClrLst/>
+    <dgm:txLinClrLst/>
+    <dgm:txFillClrLst meth="repeat">
+      <a:schemeClr val="dk1"/>
+    </dgm:txFillClrLst>
+    <dgm:txEffectClrLst/>
+  </dgm:styleLbl>
+  <dgm:styleLbl name="solidFgAcc1">
+    <dgm:fillClrLst meth="repeat">
+      <a:schemeClr val="lt2"/>
+    </dgm:fillClrLst>
+    <dgm:linClrLst meth="repeat">
+      <a:schemeClr val="dk2"/>
+    </dgm:linClrLst>
+    <dgm:effectClrLst/>
+    <dgm:txLinClrLst/>
+    <dgm:txFillClrLst meth="repeat">
+      <a:schemeClr val="dk1"/>
+    </dgm:txFillClrLst>
+    <dgm:txEffectClrLst/>
+  </dgm:styleLbl>
+  <dgm:styleLbl name="solidAlignAcc1">
+    <dgm:fillClrLst meth="repeat">
+      <a:schemeClr val="lt2"/>
+    </dgm:fillClrLst>
+    <dgm:linClrLst meth="repeat">
+      <a:schemeClr val="dk2"/>
+    </dgm:linClrLst>
+    <dgm:effectClrLst/>
+    <dgm:txLinClrLst/>
+    <dgm:txFillClrLst meth="repeat">
+      <a:schemeClr val="dk1"/>
+    </dgm:txFillClrLst>
+    <dgm:txEffectClrLst/>
+  </dgm:styleLbl>
+  <dgm:styleLbl name="solidBgAcc1">
+    <dgm:fillClrLst meth="repeat">
+      <a:schemeClr val="lt2"/>
+    </dgm:fillClrLst>
+    <dgm:linClrLst meth="repeat">
+      <a:schemeClr val="dk2"/>
+    </dgm:linClrLst>
+    <dgm:effectClrLst/>
+    <dgm:txLinClrLst/>
+    <dgm:txFillClrLst meth="repeat">
+      <a:schemeClr val="dk1"/>
+    </dgm:txFillClrLst>
+    <dgm:txEffectClrLst/>
+  </dgm:styleLbl>
+  <dgm:styleLbl name="fgAccFollowNode1">
+    <dgm:fillClrLst meth="repeat">
+      <a:schemeClr val="dk2">
+        <a:alpha val="90000"/>
+        <a:tint val="40000"/>
+      </a:schemeClr>
+    </dgm:fillClrLst>
+    <dgm:linClrLst meth="repeat">
+      <a:schemeClr val="dk2">
+        <a:alpha val="90000"/>
+        <a:tint val="40000"/>
+      </a:schemeClr>
+    </dgm:linClrLst>
+    <dgm:effectClrLst/>
+    <dgm:txLinClrLst/>
+    <dgm:txFillClrLst meth="repeat">
+      <a:schemeClr val="dk1"/>
+    </dgm:txFillClrLst>
+    <dgm:txEffectClrLst/>
+  </dgm:styleLbl>
+  <dgm:styleLbl name="alignAccFollowNode1">
+    <dgm:fillClrLst meth="repeat">
+      <a:schemeClr val="dk2">
+        <a:alpha val="90000"/>
+        <a:tint val="40000"/>
+      </a:schemeClr>
+    </dgm:fillClrLst>
+    <dgm:linClrLst meth="repeat">
+      <a:schemeClr val="dk2">
+        <a:alpha val="90000"/>
+        <a:tint val="40000"/>
+      </a:schemeClr>
+    </dgm:linClrLst>
+    <dgm:effectClrLst/>
+    <dgm:txLinClrLst/>
+    <dgm:txFillClrLst meth="repeat">
+      <a:schemeClr val="dk1"/>
+    </dgm:txFillClrLst>
+    <dgm:txEffectClrLst/>
+  </dgm:styleLbl>
+  <dgm:styleLbl name="bgAccFollowNode1">
+    <dgm:fillClrLst meth="repeat">
+      <a:schemeClr val="dk2">
+        <a:alpha val="90000"/>
+        <a:tint val="40000"/>
+      </a:schemeClr>
+    </dgm:fillClrLst>
+    <dgm:linClrLst meth="repeat">
+      <a:schemeClr val="dk2">
+        <a:alpha val="90000"/>
+        <a:tint val="40000"/>
+      </a:schemeClr>
+    </dgm:linClrLst>
+    <dgm:effectClrLst/>
+    <dgm:txLinClrLst/>
+    <dgm:txFillClrLst meth="repeat">
+      <a:schemeClr val="dk1"/>
+    </dgm:txFillClrLst>
+    <dgm:txEffectClrLst/>
+  </dgm:styleLbl>
+  <dgm:styleLbl name="fgAcc0">
+    <dgm:fillClrLst meth="repeat">
+      <a:schemeClr val="lt2">
+        <a:alpha val="90000"/>
+      </a:schemeClr>
+    </dgm:fillClrLst>
+    <dgm:linClrLst meth="repeat">
+      <a:schemeClr val="dk2"/>
+    </dgm:linClrLst>
+    <dgm:effectClrLst/>
+    <dgm:txLinClrLst/>
+    <dgm:txFillClrLst meth="repeat">
+      <a:schemeClr val="dk1"/>
+    </dgm:txFillClrLst>
+    <dgm:txEffectClrLst/>
+  </dgm:styleLbl>
+  <dgm:styleLbl name="fgAcc2">
+    <dgm:fillClrLst meth="repeat">
+      <a:schemeClr val="lt2">
+        <a:alpha val="90000"/>
+      </a:schemeClr>
+    </dgm:fillClrLst>
+    <dgm:linClrLst meth="repeat">
+      <a:schemeClr val="dk2"/>
+    </dgm:linClrLst>
+    <dgm:effectClrLst/>
+    <dgm:txLinClrLst/>
+    <dgm:txFillClrLst meth="repeat">
+      <a:schemeClr val="dk1"/>
+    </dgm:txFillClrLst>
+    <dgm:txEffectClrLst/>
+  </dgm:styleLbl>
+  <dgm:styleLbl name="fgAcc3">
+    <dgm:fillClrLst meth="repeat">
+      <a:schemeClr val="lt2">
+        <a:alpha val="90000"/>
+      </a:schemeClr>
+    </dgm:fillClrLst>
+    <dgm:linClrLst meth="repeat">
+      <a:schemeClr val="dk2"/>
+    </dgm:linClrLst>
+    <dgm:effectClrLst/>
+    <dgm:txLinClrLst/>
+    <dgm:txFillClrLst meth="repeat">
+      <a:schemeClr val="dk1"/>
+    </dgm:txFillClrLst>
+    <dgm:txEffectClrLst/>
+  </dgm:styleLbl>
+  <dgm:styleLbl name="fgAcc4">
+    <dgm:fillClrLst meth="repeat">
+      <a:schemeClr val="lt2">
+        <a:alpha val="90000"/>
+      </a:schemeClr>
+    </dgm:fillClrLst>
+    <dgm:linClrLst meth="repeat">
+      <a:schemeClr val="dk2"/>
+    </dgm:linClrLst>
+    <dgm:effectClrLst/>
+    <dgm:txLinClrLst/>
+    <dgm:txFillClrLst meth="repeat">
+      <a:schemeClr val="dk1"/>
+    </dgm:txFillClrLst>
+    <dgm:txEffectClrLst/>
+  </dgm:styleLbl>
+  <dgm:styleLbl name="bgShp">
+    <dgm:fillClrLst meth="repeat">
+      <a:schemeClr val="dk2">
+        <a:tint val="40000"/>
+      </a:schemeClr>
+    </dgm:fillClrLst>
+    <dgm:linClrLst meth="repeat">
+      <a:schemeClr val="dk2"/>
+    </dgm:linClrLst>
+    <dgm:effectClrLst/>
+    <dgm:txLinClrLst/>
+    <dgm:txFillClrLst meth="repeat">
+      <a:schemeClr val="dk1"/>
+    </dgm:txFillClrLst>
+    <dgm:txEffectClrLst/>
+  </dgm:styleLbl>
+  <dgm:styleLbl name="dkBgShp">
+    <dgm:fillClrLst meth="repeat">
+      <a:schemeClr val="dk2">
+        <a:shade val="80000"/>
+      </a:schemeClr>
+    </dgm:fillClrLst>
+    <dgm:linClrLst meth="repeat">
+      <a:schemeClr val="dk2"/>
+    </dgm:linClrLst>
+    <dgm:effectClrLst/>
+    <dgm:txLinClrLst/>
+    <dgm:txFillClrLst meth="repeat">
+      <a:schemeClr val="lt1"/>
+    </dgm:txFillClrLst>
+    <dgm:txEffectClrLst/>
+  </dgm:styleLbl>
+  <dgm:styleLbl name="trBgShp">
+    <dgm:fillClrLst meth="repeat">
+      <a:schemeClr val="dk2">
+        <a:tint val="50000"/>
+        <a:alpha val="40000"/>
+      </a:schemeClr>
+    </dgm:fillClrLst>
+    <dgm:linClrLst meth="repeat">
+      <a:schemeClr val="dk2"/>
+    </dgm:linClrLst>
+    <dgm:effectClrLst/>
+    <dgm:txLinClrLst/>
+    <dgm:txFillClrLst meth="repeat">
+      <a:schemeClr val="lt1"/>
+    </dgm:txFillClrLst>
+    <dgm:txEffectClrLst/>
+  </dgm:styleLbl>
+  <dgm:styleLbl name="fgShp">
+    <dgm:fillClrLst meth="repeat">
+      <a:schemeClr val="dk2">
+        <a:tint val="60000"/>
+      </a:schemeClr>
+    </dgm:fillClrLst>
+    <dgm:linClrLst meth="repeat">
+      <a:schemeClr val="lt2"/>
+    </dgm:linClrLst>
+    <dgm:effectClrLst/>
+    <dgm:txLinClrLst/>
+    <dgm:txFillClrLst meth="repeat">
+      <a:schemeClr val="dk1"/>
+    </dgm:txFillClrLst>
+    <dgm:txEffectClrLst/>
+  </dgm:styleLbl>
+  <dgm:styleLbl name="revTx">
+    <dgm:fillClrLst meth="repeat">
+      <a:schemeClr val="lt2">
+        <a:alpha val="0"/>
+      </a:schemeClr>
+    </dgm:fillClrLst>
+    <dgm:linClrLst meth="repeat">
+      <a:schemeClr val="dk1">
+        <a:alpha val="0"/>
+      </a:schemeClr>
+    </dgm:linClrLst>
+    <dgm:effectClrLst/>
+    <dgm:txLinClrLst/>
+    <dgm:txFillClrLst meth="repeat">
+      <a:schemeClr val="tx1"/>
+    </dgm:txFillClrLst>
+    <dgm:txEffectClrLst/>
+  </dgm:styleLbl>
+</dgm:colorsDef>
+</file>
+
+<file path=ppt/diagrams/colors3.xml><?xml version="1.0" encoding="utf-8"?>
+<dgm:colorsDef xmlns:dgm="http://schemas.openxmlformats.org/drawingml/2006/diagram" xmlns:a="http://schemas.openxmlformats.org/drawingml/2006/main" uniqueId="urn:microsoft.com/office/officeart/2005/8/colors/accent1_2">
+  <dgm:title val=""/>
+  <dgm:desc val=""/>
+  <dgm:catLst>
+    <dgm:cat type="accent1" pri="11200"/>
+  </dgm:catLst>
+  <dgm:styleLbl name="node0">
+    <dgm:fillClrLst meth="repeat">
+      <a:schemeClr val="accent1"/>
+    </dgm:fillClrLst>
+    <dgm:linClrLst meth="repeat">
+      <a:schemeClr val="lt1"/>
+    </dgm:linClrLst>
+    <dgm:effectClrLst/>
+    <dgm:txLinClrLst/>
+    <dgm:txFillClrLst/>
+    <dgm:txEffectClrLst/>
+  </dgm:styleLbl>
+  <dgm:styleLbl name="alignNode1">
+    <dgm:fillClrLst meth="repeat">
+      <a:schemeClr val="accent1"/>
+    </dgm:fillClrLst>
+    <dgm:linClrLst meth="repeat">
+      <a:schemeClr val="accent1"/>
+    </dgm:linClrLst>
+    <dgm:effectClrLst/>
+    <dgm:txLinClrLst/>
+    <dgm:txFillClrLst/>
+    <dgm:txEffectClrLst/>
+  </dgm:styleLbl>
+  <dgm:styleLbl name="node1">
+    <dgm:fillClrLst meth="repeat">
+      <a:schemeClr val="accent1"/>
+    </dgm:fillClrLst>
+    <dgm:linClrLst meth="repeat">
+      <a:schemeClr val="lt1"/>
+    </dgm:linClrLst>
+    <dgm:effectClrLst/>
+    <dgm:txLinClrLst/>
+    <dgm:txFillClrLst/>
+    <dgm:txEffectClrLst/>
+  </dgm:styleLbl>
+  <dgm:styleLbl name="lnNode1">
+    <dgm:fillClrLst meth="repeat">
+      <a:schemeClr val="accent1"/>
+    </dgm:fillClrLst>
+    <dgm:linClrLst meth="repeat">
+      <a:schemeClr val="lt1"/>
+    </dgm:linClrLst>
+    <dgm:effectClrLst/>
+    <dgm:txLinClrLst/>
+    <dgm:txFillClrLst/>
+    <dgm:txEffectClrLst/>
+  </dgm:styleLbl>
+  <dgm:styleLbl name="vennNode1">
+    <dgm:fillClrLst meth="repeat">
+      <a:schemeClr val="accent1">
+        <a:alpha val="50000"/>
+      </a:schemeClr>
+    </dgm:fillClrLst>
+    <dgm:linClrLst meth="repeat">
+      <a:schemeClr val="lt1"/>
+    </dgm:linClrLst>
+    <dgm:effectClrLst/>
+    <dgm:txLinClrLst/>
+    <dgm:txFillClrLst/>
+    <dgm:txEffectClrLst/>
+  </dgm:styleLbl>
+  <dgm:styleLbl name="node2">
+    <dgm:fillClrLst meth="repeat">
+      <a:schemeClr val="accent1"/>
+    </dgm:fillClrLst>
+    <dgm:linClrLst meth="repeat">
+      <a:schemeClr val="lt1"/>
+    </dgm:linClrLst>
+    <dgm:effectClrLst/>
+    <dgm:txLinClrLst/>
+    <dgm:txFillClrLst/>
+    <dgm:txEffectClrLst/>
+  </dgm:styleLbl>
+  <dgm:styleLbl name="node3">
+    <dgm:fillClrLst meth="repeat">
+      <a:schemeClr val="accent1"/>
+    </dgm:fillClrLst>
+    <dgm:linClrLst meth="repeat">
+      <a:schemeClr val="lt1"/>
+    </dgm:linClrLst>
+    <dgm:effectClrLst/>
+    <dgm:txLinClrLst/>
+    <dgm:txFillClrLst/>
+    <dgm:txEffectClrLst/>
+  </dgm:styleLbl>
+  <dgm:styleLbl name="node4">
+    <dgm:fillClrLst meth="repeat">
+      <a:schemeClr val="accent1"/>
+    </dgm:fillClrLst>
+    <dgm:linClrLst meth="repeat">
+      <a:schemeClr val="lt1"/>
+    </dgm:linClrLst>
+    <dgm:effectClrLst/>
+    <dgm:txLinClrLst/>
+    <dgm:txFillClrLst/>
+    <dgm:txEffectClrLst/>
+  </dgm:styleLbl>
+  <dgm:styleLbl name="fgImgPlace1">
+    <dgm:fillClrLst meth="repeat">
+      <a:schemeClr val="accent1">
+        <a:tint val="50000"/>
+      </a:schemeClr>
+    </dgm:fillClrLst>
+    <dgm:linClrLst meth="repeat">
+      <a:schemeClr val="lt1"/>
+    </dgm:linClrLst>
+    <dgm:effectClrLst/>
+    <dgm:txLinClrLst/>
+    <dgm:txFillClrLst meth="repeat">
+      <a:schemeClr val="lt1"/>
+    </dgm:txFillClrLst>
+    <dgm:txEffectClrLst/>
+  </dgm:styleLbl>
+  <dgm:styleLbl name="alignImgPlace1">
+    <dgm:fillClrLst meth="repeat">
+      <a:schemeClr val="accent1">
+        <a:tint val="50000"/>
+      </a:schemeClr>
+    </dgm:fillClrLst>
+    <dgm:linClrLst meth="repeat">
+      <a:schemeClr val="lt1"/>
+    </dgm:linClrLst>
+    <dgm:effectClrLst/>
+    <dgm:txLinClrLst/>
+    <dgm:txFillClrLst meth="repeat">
+      <a:schemeClr val="lt1"/>
+    </dgm:txFillClrLst>
+    <dgm:txEffectClrLst/>
+  </dgm:styleLbl>
+  <dgm:styleLbl name="bgImgPlace1">
+    <dgm:fillClrLst meth="repeat">
+      <a:schemeClr val="accent1">
+        <a:tint val="50000"/>
+      </a:schemeClr>
+    </dgm:fillClrLst>
+    <dgm:linClrLst meth="repeat">
+      <a:schemeClr val="lt1"/>
+    </dgm:linClrLst>
+    <dgm:effectClrLst/>
+    <dgm:txLinClrLst/>
+    <dgm:txFillClrLst meth="repeat">
+      <a:schemeClr val="lt1"/>
+    </dgm:txFillClrLst>
+    <dgm:txEffectClrLst/>
+  </dgm:styleLbl>
+  <dgm:styleLbl name="sibTrans2D1">
+    <dgm:fillClrLst meth="repeat">
+      <a:schemeClr val="accent1">
+        <a:tint val="60000"/>
+      </a:schemeClr>
+    </dgm:fillClrLst>
+    <dgm:linClrLst meth="repeat">
+      <a:schemeClr val="accent1">
+        <a:tint val="60000"/>
+      </a:schemeClr>
+    </dgm:linClrLst>
+    <dgm:effectClrLst/>
+    <dgm:txLinClrLst/>
+    <dgm:txFillClrLst/>
+    <dgm:txEffectClrLst/>
+  </dgm:styleLbl>
+  <dgm:styleLbl name="fgSibTrans2D1">
+    <dgm:fillClrLst meth="repeat">
+      <a:schemeClr val="accent1">
+        <a:tint val="60000"/>
+      </a:schemeClr>
+    </dgm:fillClrLst>
+    <dgm:linClrLst meth="repeat">
+      <a:schemeClr val="accent1">
+        <a:tint val="60000"/>
+      </a:schemeClr>
+    </dgm:linClrLst>
+    <dgm:effectClrLst/>
+    <dgm:txLinClrLst/>
+    <dgm:txFillClrLst/>
+    <dgm:txEffectClrLst/>
+  </dgm:styleLbl>
+  <dgm:styleLbl name="bgSibTrans2D1">
+    <dgm:fillClrLst meth="repeat">
+      <a:schemeClr val="accent1">
+        <a:tint val="60000"/>
+      </a:schemeClr>
+    </dgm:fillClrLst>
+    <dgm:linClrLst meth="repeat">
+      <a:schemeClr val="accent1">
+        <a:tint val="60000"/>
+      </a:schemeClr>
+    </dgm:linClrLst>
+    <dgm:effectClrLst/>
+    <dgm:txLinClrLst/>
+    <dgm:txFillClrLst/>
+    <dgm:txEffectClrLst/>
+  </dgm:styleLbl>
+  <dgm:styleLbl name="sibTrans1D1">
+    <dgm:fillClrLst meth="repeat">
+      <a:schemeClr val="accent1"/>
+    </dgm:fillClrLst>
+    <dgm:linClrLst meth="repeat">
+      <a:schemeClr val="accent1"/>
+    </dgm:linClrLst>
+    <dgm:effectClrLst/>
+    <dgm:txLinClrLst/>
+    <dgm:txFillClrLst meth="repeat">
+      <a:schemeClr val="tx1"/>
+    </dgm:txFillClrLst>
+    <dgm:txEffectClrLst/>
+  </dgm:styleLbl>
+  <dgm:styleLbl name="callout">
+    <dgm:fillClrLst meth="repeat">
+      <a:schemeClr val="accent1"/>
+    </dgm:fillClrLst>
+    <dgm:linClrLst meth="repeat">
+      <a:schemeClr val="accent1">
+        <a:tint val="50000"/>
+      </a:schemeClr>
+    </dgm:linClrLst>
+    <dgm:effectClrLst/>
+    <dgm:txLinClrLst/>
+    <dgm:txFillClrLst meth="repeat">
+      <a:schemeClr val="tx1"/>
+    </dgm:txFillClrLst>
+    <dgm:txEffectClrLst/>
+  </dgm:styleLbl>
+  <dgm:styleLbl name="asst0">
+    <dgm:fillClrLst meth="repeat">
+      <a:schemeClr val="accent1"/>
+    </dgm:fillClrLst>
+    <dgm:linClrLst meth="repeat">
+      <a:schemeClr val="lt1"/>
+    </dgm:linClrLst>
+    <dgm:effectClrLst/>
+    <dgm:txLinClrLst/>
+    <dgm:txFillClrLst/>
+    <dgm:txEffectClrLst/>
+  </dgm:styleLbl>
+  <dgm:styleLbl name="asst1">
+    <dgm:fillClrLst meth="repeat">
+      <a:schemeClr val="accent1"/>
+    </dgm:fillClrLst>
+    <dgm:linClrLst meth="repeat">
+      <a:schemeClr val="lt1"/>
+    </dgm:linClrLst>
+    <dgm:effectClrLst/>
+    <dgm:txLinClrLst/>
+    <dgm:txFillClrLst/>
+    <dgm:txEffectClrLst/>
+  </dgm:styleLbl>
+  <dgm:styleLbl name="asst2">
+    <dgm:fillClrLst meth="repeat">
+      <a:schemeClr val="accent1"/>
+    </dgm:fillClrLst>
+    <dgm:linClrLst meth="repeat">
+      <a:schemeClr val="lt1"/>
+    </dgm:linClrLst>
+    <dgm:effectClrLst/>
+    <dgm:txLinClrLst/>
+    <dgm:txFillClrLst/>
+    <dgm:txEffectClrLst/>
+  </dgm:styleLbl>
+  <dgm:styleLbl name="asst3">
+    <dgm:fillClrLst meth="repeat">
+      <a:schemeClr val="accent1"/>
+    </dgm:fillClrLst>
+    <dgm:linClrLst meth="repeat">
+      <a:schemeClr val="lt1"/>
+    </dgm:linClrLst>
+    <dgm:effectClrLst/>
+    <dgm:txLinClrLst/>
+    <dgm:txFillClrLst/>
+    <dgm:txEffectClrLst/>
+  </dgm:styleLbl>
+  <dgm:styleLbl name="asst4">
+    <dgm:fillClrLst meth="repeat">
+      <a:schemeClr val="accent1"/>
+    </dgm:fillClrLst>
+    <dgm:linClrLst meth="repeat">
+      <a:schemeClr val="lt1"/>
+    </dgm:linClrLst>
+    <dgm:effectClrLst/>
+    <dgm:txLinClrLst/>
+    <dgm:txFillClrLst/>
+    <dgm:txEffectClrLst/>
+  </dgm:styleLbl>
+  <dgm:styleLbl name="parChTrans2D1">
+    <dgm:fillClrLst meth="repeat">
+      <a:schemeClr val="accent1">
+        <a:tint val="60000"/>
+      </a:schemeClr>
+    </dgm:fillClrLst>
+    <dgm:linClrLst meth="repeat">
+      <a:schemeClr val="accent1">
+        <a:tint val="60000"/>
+      </a:schemeClr>
+    </dgm:linClrLst>
+    <dgm:effectClrLst/>
+    <dgm:txLinClrLst/>
+    <dgm:txFillClrLst meth="repeat">
+      <a:schemeClr val="lt1"/>
+    </dgm:txFillClrLst>
+    <dgm:txEffectClrLst/>
+  </dgm:styleLbl>
+  <dgm:styleLbl name="parChTrans2D2">
+    <dgm:fillClrLst meth="repeat">
+      <a:schemeClr val="accent1"/>
+    </dgm:fillClrLst>
+    <dgm:linClrLst meth="repeat">
+      <a:schemeClr val="accent1"/>
+    </dgm:linClrLst>
+    <dgm:effectClrLst/>
+    <dgm:txLinClrLst/>
+    <dgm:txFillClrLst meth="repeat">
+      <a:schemeClr val="lt1"/>
+    </dgm:txFillClrLst>
+    <dgm:txEffectClrLst/>
+  </dgm:styleLbl>
+  <dgm:styleLbl name="parChTrans2D3">
+    <dgm:fillClrLst meth="repeat">
+      <a:schemeClr val="accent1"/>
+    </dgm:fillClrLst>
+    <dgm:linClrLst meth="repeat">
+      <a:schemeClr val="accent1"/>
+    </dgm:linClrLst>
+    <dgm:effectClrLst/>
+    <dgm:txLinClrLst/>
+    <dgm:txFillClrLst meth="repeat">
+      <a:schemeClr val="lt1"/>
+    </dgm:txFillClrLst>
+    <dgm:txEffectClrLst/>
+  </dgm:styleLbl>
+  <dgm:styleLbl name="parChTrans2D4">
+    <dgm:fillClrLst meth="repeat">
+      <a:schemeClr val="accent1"/>
+    </dgm:fillClrLst>
+    <dgm:linClrLst meth="repeat">
+      <a:schemeClr val="accent1"/>
+    </dgm:linClrLst>
+    <dgm:effectClrLst/>
+    <dgm:txLinClrLst/>
+    <dgm:txFillClrLst meth="repeat">
+      <a:schemeClr val="lt1"/>
+    </dgm:txFillClrLst>
+    <dgm:txEffectClrLst/>
+  </dgm:styleLbl>
+  <dgm:styleLbl name="parChTrans1D1">
+    <dgm:fillClrLst meth="repeat">
+      <a:schemeClr val="accent1"/>
+    </dgm:fillClrLst>
+    <dgm:linClrLst meth="repeat">
+      <a:schemeClr val="accent1">
+        <a:shade val="60000"/>
+      </a:schemeClr>
+    </dgm:linClrLst>
+    <dgm:effectClrLst/>
+    <dgm:txLinClrLst/>
+    <dgm:txFillClrLst meth="repeat">
+      <a:schemeClr val="tx1"/>
+    </dgm:txFillClrLst>
+    <dgm:txEffectClrLst/>
+  </dgm:styleLbl>
+  <dgm:styleLbl name="parChTrans1D2">
+    <dgm:fillClrLst meth="repeat">
+      <a:schemeClr val="accent1"/>
+    </dgm:fillClrLst>
+    <dgm:linClrLst meth="repeat">
+      <a:schemeClr val="accent1">
+        <a:shade val="60000"/>
+      </a:schemeClr>
+    </dgm:linClrLst>
+    <dgm:effectClrLst/>
+    <dgm:txLinClrLst/>
+    <dgm:txFillClrLst meth="repeat">
+      <a:schemeClr val="tx1"/>
+    </dgm:txFillClrLst>
+    <dgm:txEffectClrLst/>
+  </dgm:styleLbl>
+  <dgm:styleLbl name="parChTrans1D3">
+    <dgm:fillClrLst meth="repeat">
+      <a:schemeClr val="accent1"/>
+    </dgm:fillClrLst>
+    <dgm:linClrLst meth="repeat">
+      <a:schemeClr val="accent1">
+        <a:shade val="80000"/>
+      </a:schemeClr>
+    </dgm:linClrLst>
+    <dgm:effectClrLst/>
+    <dgm:txLinClrLst/>
+    <dgm:txFillClrLst meth="repeat">
+      <a:schemeClr val="tx1"/>
+    </dgm:txFillClrLst>
+    <dgm:txEffectClrLst/>
+  </dgm:styleLbl>
+  <dgm:styleLbl name="parChTrans1D4">
+    <dgm:fillClrLst meth="repeat">
+      <a:schemeClr val="accent1"/>
+    </dgm:fillClrLst>
+    <dgm:linClrLst meth="repeat">
+      <a:schemeClr val="accent1">
+        <a:shade val="80000"/>
+      </a:schemeClr>
+    </dgm:linClrLst>
+    <dgm:effectClrLst/>
+    <dgm:txLinClrLst/>
+    <dgm:txFillClrLst meth="repeat">
+      <a:schemeClr val="tx1"/>
+    </dgm:txFillClrLst>
+    <dgm:txEffectClrLst/>
+  </dgm:styleLbl>
+  <dgm:styleLbl name="fgAcc1">
+    <dgm:fillClrLst meth="repeat">
+      <a:schemeClr val="lt1">
+        <a:alpha val="90000"/>
+      </a:schemeClr>
+    </dgm:fillClrLst>
+    <dgm:linClrLst meth="repeat">
+      <a:schemeClr val="accent1"/>
+    </dgm:linClrLst>
+    <dgm:effectClrLst/>
+    <dgm:txLinClrLst/>
+    <dgm:txFillClrLst meth="repeat">
+      <a:schemeClr val="dk1"/>
+    </dgm:txFillClrLst>
+    <dgm:txEffectClrLst/>
+  </dgm:styleLbl>
+  <dgm:styleLbl name="conFgAcc1">
+    <dgm:fillClrLst meth="repeat">
+      <a:schemeClr val="lt1">
+        <a:alpha val="90000"/>
+      </a:schemeClr>
+    </dgm:fillClrLst>
+    <dgm:linClrLst meth="repeat">
+      <a:schemeClr val="accent1"/>
+    </dgm:linClrLst>
+    <dgm:effectClrLst/>
+    <dgm:txLinClrLst/>
+    <dgm:txFillClrLst meth="repeat">
+      <a:schemeClr val="dk1"/>
+    </dgm:txFillClrLst>
+    <dgm:txEffectClrLst/>
+  </dgm:styleLbl>
+  <dgm:styleLbl name="alignAcc1">
+    <dgm:fillClrLst meth="repeat">
+      <a:schemeClr val="lt1">
+        <a:alpha val="90000"/>
+      </a:schemeClr>
+    </dgm:fillClrLst>
+    <dgm:linClrLst meth="repeat">
+      <a:schemeClr val="accent1"/>
+    </dgm:linClrLst>
+    <dgm:effectClrLst/>
+    <dgm:txLinClrLst/>
+    <dgm:txFillClrLst meth="repeat">
+      <a:schemeClr val="dk1"/>
+    </dgm:txFillClrLst>
+    <dgm:txEffectClrLst/>
+  </dgm:styleLbl>
+  <dgm:styleLbl name="trAlignAcc1">
+    <dgm:fillClrLst meth="repeat">
+      <a:schemeClr val="lt1">
+        <a:alpha val="40000"/>
+      </a:schemeClr>
+    </dgm:fillClrLst>
+    <dgm:linClrLst meth="repeat">
+      <a:schemeClr val="accent1"/>
+    </dgm:linClrLst>
+    <dgm:effectClrLst/>
+    <dgm:txLinClrLst/>
+    <dgm:txFillClrLst meth="repeat">
+      <a:schemeClr val="dk1"/>
+    </dgm:txFillClrLst>
+    <dgm:txEffectClrLst/>
+  </dgm:styleLbl>
+  <dgm:styleLbl name="bgAcc1">
+    <dgm:fillClrLst meth="repeat">
+      <a:schemeClr val="lt1">
+        <a:alpha val="90000"/>
+      </a:schemeClr>
+    </dgm:fillClrLst>
+    <dgm:linClrLst meth="repeat">
+      <a:schemeClr val="accent1"/>
+    </dgm:linClrLst>
+    <dgm:effectClrLst/>
+    <dgm:txLinClrLst/>
+    <dgm:txFillClrLst meth="repeat">
+      <a:schemeClr val="dk1"/>
+    </dgm:txFillClrLst>
+    <dgm:txEffectClrLst/>
+  </dgm:styleLbl>
+  <dgm:styleLbl name="solidFgAcc1">
+    <dgm:fillClrLst meth="repeat">
+      <a:schemeClr val="lt1"/>
+    </dgm:fillClrLst>
+    <dgm:linClrLst meth="repeat">
+      <a:schemeClr val="accent1"/>
+    </dgm:linClrLst>
+    <dgm:effectClrLst/>
+    <dgm:txLinClrLst/>
+    <dgm:txFillClrLst meth="repeat">
+      <a:schemeClr val="dk1"/>
+    </dgm:txFillClrLst>
+    <dgm:txEffectClrLst/>
+  </dgm:styleLbl>
+  <dgm:styleLbl name="solidAlignAcc1">
+    <dgm:fillClrLst meth="repeat">
+      <a:schemeClr val="lt1"/>
+    </dgm:fillClrLst>
+    <dgm:linClrLst meth="repeat">
+      <a:schemeClr val="accent1"/>
+    </dgm:linClrLst>
+    <dgm:effectClrLst/>
+    <dgm:txLinClrLst/>
+    <dgm:txFillClrLst meth="repeat">
+      <a:schemeClr val="dk1"/>
+    </dgm:txFillClrLst>
+    <dgm:txEffectClrLst/>
+  </dgm:styleLbl>
+  <dgm:styleLbl name="solidBgAcc1">
+    <dgm:fillClrLst meth="repeat">
+      <a:schemeClr val="lt1"/>
+    </dgm:fillClrLst>
+    <dgm:linClrLst meth="repeat">
+      <a:schemeClr val="accent1"/>
+    </dgm:linClrLst>
+    <dgm:effectClrLst/>
+    <dgm:txLinClrLst/>
+    <dgm:txFillClrLst meth="repeat">
+      <a:schemeClr val="dk1"/>
+    </dgm:txFillClrLst>
+    <dgm:txEffectClrLst/>
+  </dgm:styleLbl>
+  <dgm:styleLbl name="fgAccFollowNode1">
+    <dgm:fillClrLst meth="repeat">
+      <a:schemeClr val="accent1">
+        <a:alpha val="90000"/>
+        <a:tint val="40000"/>
+      </a:schemeClr>
+    </dgm:fillClrLst>
+    <dgm:linClrLst meth="repeat">
+      <a:schemeClr val="accent1">
+        <a:alpha val="90000"/>
+        <a:tint val="40000"/>
+      </a:schemeClr>
+    </dgm:linClrLst>
+    <dgm:effectClrLst/>
+    <dgm:txLinClrLst/>
+    <dgm:txFillClrLst meth="repeat">
+      <a:schemeClr val="dk1"/>
+    </dgm:txFillClrLst>
+    <dgm:txEffectClrLst/>
+  </dgm:styleLbl>
+  <dgm:styleLbl name="alignAccFollowNode1">
+    <dgm:fillClrLst meth="repeat">
+      <a:schemeClr val="accent1">
+        <a:alpha val="90000"/>
+        <a:tint val="40000"/>
+      </a:schemeClr>
+    </dgm:fillClrLst>
+    <dgm:linClrLst meth="repeat">
+      <a:schemeClr val="accent1">
+        <a:alpha val="90000"/>
+        <a:tint val="40000"/>
+      </a:schemeClr>
+    </dgm:linClrLst>
+    <dgm:effectClrLst/>
+    <dgm:txLinClrLst/>
+    <dgm:txFillClrLst meth="repeat">
+      <a:schemeClr val="dk1"/>
+    </dgm:txFillClrLst>
+    <dgm:txEffectClrLst/>
+  </dgm:styleLbl>
+  <dgm:styleLbl name="bgAccFollowNode1">
+    <dgm:fillClrLst meth="repeat">
+      <a:schemeClr val="accent1">
+        <a:alpha val="90000"/>
+        <a:tint val="40000"/>
+      </a:schemeClr>
+    </dgm:fillClrLst>
+    <dgm:linClrLst meth="repeat">
+      <a:schemeClr val="accent1">
+        <a:alpha val="90000"/>
+        <a:tint val="40000"/>
+      </a:schemeClr>
+    </dgm:linClrLst>
+    <dgm:effectClrLst/>
+    <dgm:txLinClrLst/>
+    <dgm:txFillClrLst meth="repeat">
+      <a:schemeClr val="dk1"/>
+    </dgm:txFillClrLst>
+    <dgm:txEffectClrLst/>
+  </dgm:styleLbl>
+  <dgm:styleLbl name="fgAcc0">
+    <dgm:fillClrLst meth="repeat">
+      <a:schemeClr val="lt1">
+        <a:alpha val="90000"/>
+      </a:schemeClr>
+    </dgm:fillClrLst>
+    <dgm:linClrLst meth="repeat">
+      <a:schemeClr val="accent1"/>
+    </dgm:linClrLst>
+    <dgm:effectClrLst/>
+    <dgm:txLinClrLst/>
+    <dgm:txFillClrLst meth="repeat">
+      <a:schemeClr val="dk1"/>
+    </dgm:txFillClrLst>
+    <dgm:txEffectClrLst/>
+  </dgm:styleLbl>
+  <dgm:styleLbl name="fgAcc2">
+    <dgm:fillClrLst meth="repeat">
+      <a:schemeClr val="lt1">
+        <a:alpha val="90000"/>
+      </a:schemeClr>
+    </dgm:fillClrLst>
+    <dgm:linClrLst meth="repeat">
+      <a:schemeClr val="accent1"/>
+    </dgm:linClrLst>
+    <dgm:effectClrLst/>
+    <dgm:txLinClrLst/>
+    <dgm:txFillClrLst meth="repeat">
+      <a:schemeClr val="dk1"/>
+    </dgm:txFillClrLst>
+    <dgm:txEffectClrLst/>
+  </dgm:styleLbl>
+  <dgm:styleLbl name="fgAcc3">
+    <dgm:fillClrLst meth="repeat">
+      <a:schemeClr val="lt1">
+        <a:alpha val="90000"/>
+      </a:schemeClr>
+    </dgm:fillClrLst>
+    <dgm:linClrLst meth="repeat">
+      <a:schemeClr val="accent1"/>
+    </dgm:linClrLst>
+    <dgm:effectClrLst/>
+    <dgm:txLinClrLst/>
+    <dgm:txFillClrLst meth="repeat">
+      <a:schemeClr val="dk1"/>
+    </dgm:txFillClrLst>
+    <dgm:txEffectClrLst/>
+  </dgm:styleLbl>
+  <dgm:styleLbl name="fgAcc4">
+    <dgm:fillClrLst meth="repeat">
+      <a:schemeClr val="lt1">
+        <a:alpha val="90000"/>
+      </a:schemeClr>
+    </dgm:fillClrLst>
+    <dgm:linClrLst meth="repeat">
+      <a:schemeClr val="accent1"/>
+    </dgm:linClrLst>
+    <dgm:effectClrLst/>
+    <dgm:txLinClrLst/>
+    <dgm:txFillClrLst meth="repeat">
+      <a:schemeClr val="dk1"/>
+    </dgm:txFillClrLst>
+    <dgm:txEffectClrLst/>
+  </dgm:styleLbl>
+  <dgm:styleLbl name="bgShp">
+    <dgm:fillClrLst meth="repeat">
+      <a:schemeClr val="accent1">
+        <a:tint val="40000"/>
+      </a:schemeClr>
+    </dgm:fillClrLst>
+    <dgm:linClrLst meth="repeat">
+      <a:schemeClr val="accent1"/>
+    </dgm:linClrLst>
+    <dgm:effectClrLst/>
+    <dgm:txLinClrLst/>
+    <dgm:txFillClrLst meth="repeat">
+      <a:schemeClr val="dk1"/>
+    </dgm:txFillClrLst>
+    <dgm:txEffectClrLst/>
+  </dgm:styleLbl>
+  <dgm:styleLbl name="dkBgShp">
+    <dgm:fillClrLst meth="repeat">
+      <a:schemeClr val="accent1">
+        <a:shade val="80000"/>
+      </a:schemeClr>
+    </dgm:fillClrLst>
+    <dgm:linClrLst meth="repeat">
+      <a:schemeClr val="accent1"/>
+    </dgm:linClrLst>
+    <dgm:effectClrLst/>
+    <dgm:txLinClrLst/>
+    <dgm:txFillClrLst meth="repeat">
+      <a:schemeClr val="lt1"/>
+    </dgm:txFillClrLst>
+    <dgm:txEffectClrLst/>
+  </dgm:styleLbl>
+  <dgm:styleLbl name="trBgShp">
+    <dgm:fillClrLst meth="repeat">
+      <a:schemeClr val="accent1">
+        <a:tint val="50000"/>
+        <a:alpha val="40000"/>
+      </a:schemeClr>
+    </dgm:fillClrLst>
+    <dgm:linClrLst meth="repeat">
+      <a:schemeClr val="accent1"/>
+    </dgm:linClrLst>
+    <dgm:effectClrLst/>
+    <dgm:txLinClrLst/>
+    <dgm:txFillClrLst meth="repeat">
+      <a:schemeClr val="lt1"/>
+    </dgm:txFillClrLst>
+    <dgm:txEffectClrLst/>
+  </dgm:styleLbl>
+  <dgm:styleLbl name="fgShp">
+    <dgm:fillClrLst meth="repeat">
+      <a:schemeClr val="accent1">
+        <a:tint val="60000"/>
+      </a:schemeClr>
+    </dgm:fillClrLst>
+    <dgm:linClrLst meth="repeat">
+      <a:schemeClr val="lt1"/>
+    </dgm:linClrLst>
+    <dgm:effectClrLst/>
+    <dgm:txLinClrLst/>
+    <dgm:txFillClrLst meth="repeat">
+      <a:schemeClr val="dk1"/>
+    </dgm:txFillClrLst>
+    <dgm:txEffectClrLst/>
+  </dgm:styleLbl>
+  <dgm:styleLbl name="revTx">
+    <dgm:fillClrLst meth="repeat">
+      <a:schemeClr val="lt1">
+        <a:alpha val="0"/>
+      </a:schemeClr>
+    </dgm:fillClrLst>
+    <dgm:linClrLst meth="repeat">
+      <a:schemeClr val="dk1">
+        <a:alpha val="0"/>
+      </a:schemeClr>
+    </dgm:linClrLst>
+    <dgm:effectClrLst/>
+    <dgm:txLinClrLst/>
+    <dgm:txFillClrLst meth="repeat">
+      <a:schemeClr val="tx1"/>
+    </dgm:txFillClrLst>
+    <dgm:txEffectClrLst/>
+  </dgm:styleLbl>
+</dgm:colorsDef>
+</file>
+
 <file path=ppt/diagrams/data1.xml><?xml version="1.0" encoding="utf-8"?>
 <dgm:dataModel xmlns:dgm="http://schemas.openxmlformats.org/drawingml/2006/diagram" xmlns:a="http://schemas.openxmlformats.org/drawingml/2006/main">
   <dgm:ptLst>
@@ -1562,6 +3060,554 @@
     <dgm:cxn modelId="{6D9A163A-3809-48C6-BAFF-34E1A9BD9F6D}" type="presParOf" srcId="{CAF962D1-55B7-4474-B49B-A9A542FA2524}" destId="{874E14D0-6FCE-4B70-966F-F981E0DDFB56}" srcOrd="8" destOrd="0" presId="urn:microsoft.com/office/officeart/2005/8/layout/default"/>
     <dgm:cxn modelId="{B5E23ACC-AC72-4D03-AB29-8DFC91A5350E}" type="presParOf" srcId="{CAF962D1-55B7-4474-B49B-A9A542FA2524}" destId="{CBBFEB33-4274-46D0-BFEA-50CB84C2036C}" srcOrd="9" destOrd="0" presId="urn:microsoft.com/office/officeart/2005/8/layout/default"/>
     <dgm:cxn modelId="{06071F4C-F757-4ABD-BDF6-5464FF13DE8A}" type="presParOf" srcId="{CAF962D1-55B7-4474-B49B-A9A542FA2524}" destId="{FC2A4175-A014-4BA9-A308-1178449BB809}" srcOrd="10" destOrd="0" presId="urn:microsoft.com/office/officeart/2005/8/layout/default"/>
+  </dgm:cxnLst>
+  <dgm:bg/>
+  <dgm:whole/>
+  <dgm:extLst>
+    <a:ext uri="http://schemas.microsoft.com/office/drawing/2008/diagram">
+      <dsp:dataModelExt xmlns:dsp="http://schemas.microsoft.com/office/drawing/2008/diagram" relId="rId6" minVer="http://schemas.openxmlformats.org/drawingml/2006/diagram"/>
+    </a:ext>
+  </dgm:extLst>
+</dgm:dataModel>
+</file>
+
+<file path=ppt/diagrams/data2.xml><?xml version="1.0" encoding="utf-8"?>
+<dgm:dataModel xmlns:dgm="http://schemas.openxmlformats.org/drawingml/2006/diagram" xmlns:a="http://schemas.openxmlformats.org/drawingml/2006/main">
+  <dgm:ptLst>
+    <dgm:pt modelId="{61570C70-D8BE-4552-BBCA-012AF590A5D7}" type="doc">
+      <dgm:prSet loTypeId="urn:microsoft.com/office/officeart/2018/5/layout/IconCircleLabelList" loCatId="icon" qsTypeId="urn:microsoft.com/office/officeart/2005/8/quickstyle/simple1" qsCatId="simple" csTypeId="urn:microsoft.com/office/officeart/2005/8/colors/accent0_3" csCatId="mainScheme" phldr="1"/>
+      <dgm:spPr/>
+      <dgm:t>
+        <a:bodyPr/>
+        <a:lstStyle/>
+        <a:p>
+          <a:endParaRPr lang="en-US"/>
+        </a:p>
+      </dgm:t>
+    </dgm:pt>
+    <dgm:pt modelId="{A0B36DD5-33D0-4DF0-A18C-F83F7DF10961}">
+      <dgm:prSet/>
+      <dgm:spPr/>
+      <dgm:t>
+        <a:bodyPr/>
+        <a:lstStyle/>
+        <a:p>
+          <a:pPr>
+            <a:lnSpc>
+              <a:spcPct val="100000"/>
+            </a:lnSpc>
+            <a:defRPr cap="all"/>
+          </a:pPr>
+          <a:r>
+            <a:rPr lang="en-US" dirty="0"/>
+            <a:t>Fast</a:t>
+          </a:r>
+        </a:p>
+      </dgm:t>
+    </dgm:pt>
+    <dgm:pt modelId="{56BD4061-26EE-44F5-8667-CA9D2C868FC6}" type="parTrans" cxnId="{21421060-0DB7-406E-9FA2-EBCBA2481432}">
+      <dgm:prSet/>
+      <dgm:spPr/>
+      <dgm:t>
+        <a:bodyPr/>
+        <a:lstStyle/>
+        <a:p>
+          <a:endParaRPr lang="en-US"/>
+        </a:p>
+      </dgm:t>
+    </dgm:pt>
+    <dgm:pt modelId="{DC2D2294-05CA-48BC-9BAA-19897CBDC4A5}" type="sibTrans" cxnId="{21421060-0DB7-406E-9FA2-EBCBA2481432}">
+      <dgm:prSet/>
+      <dgm:spPr/>
+      <dgm:t>
+        <a:bodyPr/>
+        <a:lstStyle/>
+        <a:p>
+          <a:endParaRPr lang="en-US"/>
+        </a:p>
+      </dgm:t>
+    </dgm:pt>
+    <dgm:pt modelId="{CE47AF51-D23F-457D-B588-1FA51B06A402}">
+      <dgm:prSet/>
+      <dgm:spPr/>
+      <dgm:t>
+        <a:bodyPr/>
+        <a:lstStyle/>
+        <a:p>
+          <a:pPr>
+            <a:lnSpc>
+              <a:spcPct val="100000"/>
+            </a:lnSpc>
+            <a:defRPr cap="all"/>
+          </a:pPr>
+          <a:r>
+            <a:rPr lang="en-US" b="0" i="0" dirty="0"/>
+            <a:t>Interactive</a:t>
+          </a:r>
+          <a:endParaRPr lang="en-US" dirty="0"/>
+        </a:p>
+      </dgm:t>
+    </dgm:pt>
+    <dgm:pt modelId="{01C975F8-7587-4256-8D71-66B3C13325B2}" type="parTrans" cxnId="{2969EACD-62C7-4522-9155-FB44538AFCFE}">
+      <dgm:prSet/>
+      <dgm:spPr/>
+      <dgm:t>
+        <a:bodyPr/>
+        <a:lstStyle/>
+        <a:p>
+          <a:endParaRPr lang="en-US"/>
+        </a:p>
+      </dgm:t>
+    </dgm:pt>
+    <dgm:pt modelId="{44C51E72-BDE4-4341-9473-0F423695FA9E}" type="sibTrans" cxnId="{2969EACD-62C7-4522-9155-FB44538AFCFE}">
+      <dgm:prSet/>
+      <dgm:spPr/>
+      <dgm:t>
+        <a:bodyPr/>
+        <a:lstStyle/>
+        <a:p>
+          <a:endParaRPr lang="en-US"/>
+        </a:p>
+      </dgm:t>
+    </dgm:pt>
+    <dgm:pt modelId="{CA8B0FC3-7F53-4283-A4D4-E8702A284FD1}">
+      <dgm:prSet/>
+      <dgm:spPr/>
+      <dgm:t>
+        <a:bodyPr/>
+        <a:lstStyle/>
+        <a:p>
+          <a:pPr>
+            <a:lnSpc>
+              <a:spcPct val="100000"/>
+            </a:lnSpc>
+            <a:defRPr cap="all"/>
+          </a:pPr>
+          <a:r>
+            <a:rPr lang="en-US" b="0" i="0" dirty="0"/>
+            <a:t>Flexibility</a:t>
+          </a:r>
+          <a:endParaRPr lang="en-US" dirty="0"/>
+        </a:p>
+      </dgm:t>
+    </dgm:pt>
+    <dgm:pt modelId="{3BB21531-65C4-4E10-96E2-DE260885D871}" type="parTrans" cxnId="{60F45BC4-B5F3-4AC2-8ABD-E4A814E3F51B}">
+      <dgm:prSet/>
+      <dgm:spPr/>
+      <dgm:t>
+        <a:bodyPr/>
+        <a:lstStyle/>
+        <a:p>
+          <a:endParaRPr lang="en-US"/>
+        </a:p>
+      </dgm:t>
+    </dgm:pt>
+    <dgm:pt modelId="{8C2B39B0-4557-4479-AFB8-720C92ACE5F0}" type="sibTrans" cxnId="{60F45BC4-B5F3-4AC2-8ABD-E4A814E3F51B}">
+      <dgm:prSet/>
+      <dgm:spPr/>
+      <dgm:t>
+        <a:bodyPr/>
+        <a:lstStyle/>
+        <a:p>
+          <a:endParaRPr lang="en-US"/>
+        </a:p>
+      </dgm:t>
+    </dgm:pt>
+    <dgm:pt modelId="{C371FFBA-669F-41D0-BE97-3A444245CD88}" type="pres">
+      <dgm:prSet presAssocID="{61570C70-D8BE-4552-BBCA-012AF590A5D7}" presName="root" presStyleCnt="0">
+        <dgm:presLayoutVars>
+          <dgm:dir/>
+          <dgm:resizeHandles val="exact"/>
+        </dgm:presLayoutVars>
+      </dgm:prSet>
+      <dgm:spPr/>
+    </dgm:pt>
+    <dgm:pt modelId="{6D53971F-9C2B-4558-91C4-1A1C985EA0B0}" type="pres">
+      <dgm:prSet presAssocID="{A0B36DD5-33D0-4DF0-A18C-F83F7DF10961}" presName="compNode" presStyleCnt="0"/>
+      <dgm:spPr/>
+    </dgm:pt>
+    <dgm:pt modelId="{5D5F3496-96AB-470A-9977-CB0A19AC2EA2}" type="pres">
+      <dgm:prSet presAssocID="{A0B36DD5-33D0-4DF0-A18C-F83F7DF10961}" presName="iconBgRect" presStyleLbl="bgShp" presStyleIdx="0" presStyleCnt="3"/>
+      <dgm:spPr/>
+    </dgm:pt>
+    <dgm:pt modelId="{672DB88E-3C55-448D-8BAE-E6F9BFCC2069}" type="pres">
+      <dgm:prSet presAssocID="{A0B36DD5-33D0-4DF0-A18C-F83F7DF10961}" presName="iconRect" presStyleLbl="node1" presStyleIdx="0" presStyleCnt="3"/>
+      <dgm:spPr>
+        <a:blipFill>
+          <a:blip xmlns:r="http://schemas.openxmlformats.org/officeDocument/2006/relationships" r:embed="rId1">
+            <a:extLst>
+              <a:ext uri="{28A0092B-C50C-407E-A947-70E740481C1C}">
+                <a14:useLocalDpi xmlns:a14="http://schemas.microsoft.com/office/drawing/2010/main" val="0"/>
+              </a:ext>
+              <a:ext uri="{96DAC541-7B7A-43D3-8B79-37D633B846F1}">
+                <asvg:svgBlip xmlns:asvg="http://schemas.microsoft.com/office/drawing/2016/SVG/main" r:embed="rId2"/>
+              </a:ext>
+            </a:extLst>
+          </a:blip>
+          <a:stretch>
+            <a:fillRect/>
+          </a:stretch>
+        </a:blipFill>
+        <a:ln>
+          <a:noFill/>
+        </a:ln>
+      </dgm:spPr>
+      <dgm:extLst>
+        <a:ext uri="{E40237B7-FDA0-4F09-8148-C483321AD2D9}">
+          <dgm14:cNvPr xmlns:dgm14="http://schemas.microsoft.com/office/drawing/2010/diagram" id="0" name="" descr="Loading"/>
+        </a:ext>
+      </dgm:extLst>
+    </dgm:pt>
+    <dgm:pt modelId="{5B771C0B-78FA-4BC4-A55D-B744A1DCD5BE}" type="pres">
+      <dgm:prSet presAssocID="{A0B36DD5-33D0-4DF0-A18C-F83F7DF10961}" presName="spaceRect" presStyleCnt="0"/>
+      <dgm:spPr/>
+    </dgm:pt>
+    <dgm:pt modelId="{B1AC168A-3998-4151-A46F-2CD0CD517B0F}" type="pres">
+      <dgm:prSet presAssocID="{A0B36DD5-33D0-4DF0-A18C-F83F7DF10961}" presName="textRect" presStyleLbl="revTx" presStyleIdx="0" presStyleCnt="3">
+        <dgm:presLayoutVars>
+          <dgm:chMax val="1"/>
+          <dgm:chPref val="1"/>
+        </dgm:presLayoutVars>
+      </dgm:prSet>
+      <dgm:spPr/>
+    </dgm:pt>
+    <dgm:pt modelId="{0D5A7ABA-78DD-44AB-A56B-F4E1E405AB38}" type="pres">
+      <dgm:prSet presAssocID="{DC2D2294-05CA-48BC-9BAA-19897CBDC4A5}" presName="sibTrans" presStyleCnt="0"/>
+      <dgm:spPr/>
+    </dgm:pt>
+    <dgm:pt modelId="{03BA0F71-471F-4719-8A55-8AD12AC6FC3E}" type="pres">
+      <dgm:prSet presAssocID="{CE47AF51-D23F-457D-B588-1FA51B06A402}" presName="compNode" presStyleCnt="0"/>
+      <dgm:spPr/>
+    </dgm:pt>
+    <dgm:pt modelId="{1BC5345D-F734-4051-AB3E-9577ABF20E54}" type="pres">
+      <dgm:prSet presAssocID="{CE47AF51-D23F-457D-B588-1FA51B06A402}" presName="iconBgRect" presStyleLbl="bgShp" presStyleIdx="1" presStyleCnt="3"/>
+      <dgm:spPr/>
+    </dgm:pt>
+    <dgm:pt modelId="{56A3C1CE-24A6-4746-B43C-D9C7FD5CEFD1}" type="pres">
+      <dgm:prSet presAssocID="{CE47AF51-D23F-457D-B588-1FA51B06A402}" presName="iconRect" presStyleLbl="node1" presStyleIdx="1" presStyleCnt="3"/>
+      <dgm:spPr>
+        <a:blipFill>
+          <a:blip xmlns:r="http://schemas.openxmlformats.org/officeDocument/2006/relationships" r:embed="rId3">
+            <a:extLst>
+              <a:ext uri="{28A0092B-C50C-407E-A947-70E740481C1C}">
+                <a14:useLocalDpi xmlns:a14="http://schemas.microsoft.com/office/drawing/2010/main" val="0"/>
+              </a:ext>
+              <a:ext uri="{96DAC541-7B7A-43D3-8B79-37D633B846F1}">
+                <asvg:svgBlip xmlns:asvg="http://schemas.microsoft.com/office/drawing/2016/SVG/main" r:embed="rId4"/>
+              </a:ext>
+            </a:extLst>
+          </a:blip>
+          <a:srcRect/>
+          <a:stretch>
+            <a:fillRect/>
+          </a:stretch>
+        </a:blipFill>
+        <a:ln>
+          <a:noFill/>
+        </a:ln>
+      </dgm:spPr>
+      <dgm:extLst>
+        <a:ext uri="{E40237B7-FDA0-4F09-8148-C483321AD2D9}">
+          <dgm14:cNvPr xmlns:dgm14="http://schemas.microsoft.com/office/drawing/2010/diagram" id="0" name="" descr="Touchscreen with solid fill"/>
+        </a:ext>
+      </dgm:extLst>
+    </dgm:pt>
+    <dgm:pt modelId="{D4B65A1E-E43D-4415-B6DB-A576FB4D7D95}" type="pres">
+      <dgm:prSet presAssocID="{CE47AF51-D23F-457D-B588-1FA51B06A402}" presName="spaceRect" presStyleCnt="0"/>
+      <dgm:spPr/>
+    </dgm:pt>
+    <dgm:pt modelId="{AC3AFF4F-7FCD-4AC1-9186-DF10B9BFBC56}" type="pres">
+      <dgm:prSet presAssocID="{CE47AF51-D23F-457D-B588-1FA51B06A402}" presName="textRect" presStyleLbl="revTx" presStyleIdx="1" presStyleCnt="3">
+        <dgm:presLayoutVars>
+          <dgm:chMax val="1"/>
+          <dgm:chPref val="1"/>
+        </dgm:presLayoutVars>
+      </dgm:prSet>
+      <dgm:spPr/>
+    </dgm:pt>
+    <dgm:pt modelId="{AB447832-1B7A-4BB0-81C0-9D65D369E838}" type="pres">
+      <dgm:prSet presAssocID="{44C51E72-BDE4-4341-9473-0F423695FA9E}" presName="sibTrans" presStyleCnt="0"/>
+      <dgm:spPr/>
+    </dgm:pt>
+    <dgm:pt modelId="{4FAA13DD-E007-4FAC-A454-3C52F14DA716}" type="pres">
+      <dgm:prSet presAssocID="{CA8B0FC3-7F53-4283-A4D4-E8702A284FD1}" presName="compNode" presStyleCnt="0"/>
+      <dgm:spPr/>
+    </dgm:pt>
+    <dgm:pt modelId="{8FFD953F-3314-4B69-AC23-8A357060DD5B}" type="pres">
+      <dgm:prSet presAssocID="{CA8B0FC3-7F53-4283-A4D4-E8702A284FD1}" presName="iconBgRect" presStyleLbl="bgShp" presStyleIdx="2" presStyleCnt="3"/>
+      <dgm:spPr/>
+    </dgm:pt>
+    <dgm:pt modelId="{75A5F130-5F33-4CDC-B302-1D49F2F22232}" type="pres">
+      <dgm:prSet presAssocID="{CA8B0FC3-7F53-4283-A4D4-E8702A284FD1}" presName="iconRect" presStyleLbl="node1" presStyleIdx="2" presStyleCnt="3"/>
+      <dgm:spPr>
+        <a:blipFill>
+          <a:blip xmlns:r="http://schemas.openxmlformats.org/officeDocument/2006/relationships" r:embed="rId5">
+            <a:extLst>
+              <a:ext uri="{96DAC541-7B7A-43D3-8B79-37D633B846F1}">
+                <asvg:svgBlip xmlns:asvg="http://schemas.microsoft.com/office/drawing/2016/SVG/main" r:embed="rId6"/>
+              </a:ext>
+            </a:extLst>
+          </a:blip>
+          <a:srcRect/>
+          <a:stretch>
+            <a:fillRect/>
+          </a:stretch>
+        </a:blipFill>
+        <a:ln>
+          <a:noFill/>
+        </a:ln>
+      </dgm:spPr>
+      <dgm:extLst>
+        <a:ext uri="{E40237B7-FDA0-4F09-8148-C483321AD2D9}">
+          <dgm14:cNvPr xmlns:dgm14="http://schemas.microsoft.com/office/drawing/2010/diagram" id="0" name="" descr="Gears with solid fill"/>
+        </a:ext>
+      </dgm:extLst>
+    </dgm:pt>
+    <dgm:pt modelId="{82230F49-60A2-41BE-AE0E-394992D6FBE0}" type="pres">
+      <dgm:prSet presAssocID="{CA8B0FC3-7F53-4283-A4D4-E8702A284FD1}" presName="spaceRect" presStyleCnt="0"/>
+      <dgm:spPr/>
+    </dgm:pt>
+    <dgm:pt modelId="{ABF9FBF5-6F73-4C50-839E-9F8F8DBDFD33}" type="pres">
+      <dgm:prSet presAssocID="{CA8B0FC3-7F53-4283-A4D4-E8702A284FD1}" presName="textRect" presStyleLbl="revTx" presStyleIdx="2" presStyleCnt="3">
+        <dgm:presLayoutVars>
+          <dgm:chMax val="1"/>
+          <dgm:chPref val="1"/>
+        </dgm:presLayoutVars>
+      </dgm:prSet>
+      <dgm:spPr/>
+    </dgm:pt>
+  </dgm:ptLst>
+  <dgm:cxnLst>
+    <dgm:cxn modelId="{781E4909-1A4F-49B6-8828-4DFB71EAB86F}" type="presOf" srcId="{A0B36DD5-33D0-4DF0-A18C-F83F7DF10961}" destId="{B1AC168A-3998-4151-A46F-2CD0CD517B0F}" srcOrd="0" destOrd="0" presId="urn:microsoft.com/office/officeart/2018/5/layout/IconCircleLabelList"/>
+    <dgm:cxn modelId="{96D70833-CF40-4510-B422-45D557940C1A}" type="presOf" srcId="{CA8B0FC3-7F53-4283-A4D4-E8702A284FD1}" destId="{ABF9FBF5-6F73-4C50-839E-9F8F8DBDFD33}" srcOrd="0" destOrd="0" presId="urn:microsoft.com/office/officeart/2018/5/layout/IconCircleLabelList"/>
+    <dgm:cxn modelId="{21421060-0DB7-406E-9FA2-EBCBA2481432}" srcId="{61570C70-D8BE-4552-BBCA-012AF590A5D7}" destId="{A0B36DD5-33D0-4DF0-A18C-F83F7DF10961}" srcOrd="0" destOrd="0" parTransId="{56BD4061-26EE-44F5-8667-CA9D2C868FC6}" sibTransId="{DC2D2294-05CA-48BC-9BAA-19897CBDC4A5}"/>
+    <dgm:cxn modelId="{E730D245-7687-417B-AC08-F1A93EF6D0AD}" type="presOf" srcId="{61570C70-D8BE-4552-BBCA-012AF590A5D7}" destId="{C371FFBA-669F-41D0-BE97-3A444245CD88}" srcOrd="0" destOrd="0" presId="urn:microsoft.com/office/officeart/2018/5/layout/IconCircleLabelList"/>
+    <dgm:cxn modelId="{60F45BC4-B5F3-4AC2-8ABD-E4A814E3F51B}" srcId="{61570C70-D8BE-4552-BBCA-012AF590A5D7}" destId="{CA8B0FC3-7F53-4283-A4D4-E8702A284FD1}" srcOrd="2" destOrd="0" parTransId="{3BB21531-65C4-4E10-96E2-DE260885D871}" sibTransId="{8C2B39B0-4557-4479-AFB8-720C92ACE5F0}"/>
+    <dgm:cxn modelId="{2969EACD-62C7-4522-9155-FB44538AFCFE}" srcId="{61570C70-D8BE-4552-BBCA-012AF590A5D7}" destId="{CE47AF51-D23F-457D-B588-1FA51B06A402}" srcOrd="1" destOrd="0" parTransId="{01C975F8-7587-4256-8D71-66B3C13325B2}" sibTransId="{44C51E72-BDE4-4341-9473-0F423695FA9E}"/>
+    <dgm:cxn modelId="{2E67BBD9-54F7-4EEF-8987-F909FC287343}" type="presOf" srcId="{CE47AF51-D23F-457D-B588-1FA51B06A402}" destId="{AC3AFF4F-7FCD-4AC1-9186-DF10B9BFBC56}" srcOrd="0" destOrd="0" presId="urn:microsoft.com/office/officeart/2018/5/layout/IconCircleLabelList"/>
+    <dgm:cxn modelId="{3A367633-824B-4E13-A6C2-97E501549319}" type="presParOf" srcId="{C371FFBA-669F-41D0-BE97-3A444245CD88}" destId="{6D53971F-9C2B-4558-91C4-1A1C985EA0B0}" srcOrd="0" destOrd="0" presId="urn:microsoft.com/office/officeart/2018/5/layout/IconCircleLabelList"/>
+    <dgm:cxn modelId="{CCE780A0-3A61-4186-91F1-4B02A924A5E8}" type="presParOf" srcId="{6D53971F-9C2B-4558-91C4-1A1C985EA0B0}" destId="{5D5F3496-96AB-470A-9977-CB0A19AC2EA2}" srcOrd="0" destOrd="0" presId="urn:microsoft.com/office/officeart/2018/5/layout/IconCircleLabelList"/>
+    <dgm:cxn modelId="{51FFE8B8-17A5-4A66-B903-E6B6035D5E38}" type="presParOf" srcId="{6D53971F-9C2B-4558-91C4-1A1C985EA0B0}" destId="{672DB88E-3C55-448D-8BAE-E6F9BFCC2069}" srcOrd="1" destOrd="0" presId="urn:microsoft.com/office/officeart/2018/5/layout/IconCircleLabelList"/>
+    <dgm:cxn modelId="{DDAA3DB2-A8C1-41E9-A5F0-E8C24EF82ADA}" type="presParOf" srcId="{6D53971F-9C2B-4558-91C4-1A1C985EA0B0}" destId="{5B771C0B-78FA-4BC4-A55D-B744A1DCD5BE}" srcOrd="2" destOrd="0" presId="urn:microsoft.com/office/officeart/2018/5/layout/IconCircleLabelList"/>
+    <dgm:cxn modelId="{00069E23-572E-4867-9FD8-8D7D6EDA8202}" type="presParOf" srcId="{6D53971F-9C2B-4558-91C4-1A1C985EA0B0}" destId="{B1AC168A-3998-4151-A46F-2CD0CD517B0F}" srcOrd="3" destOrd="0" presId="urn:microsoft.com/office/officeart/2018/5/layout/IconCircleLabelList"/>
+    <dgm:cxn modelId="{9E537C75-B689-46D9-B41D-620CFB3562FD}" type="presParOf" srcId="{C371FFBA-669F-41D0-BE97-3A444245CD88}" destId="{0D5A7ABA-78DD-44AB-A56B-F4E1E405AB38}" srcOrd="1" destOrd="0" presId="urn:microsoft.com/office/officeart/2018/5/layout/IconCircleLabelList"/>
+    <dgm:cxn modelId="{7A1FD8E0-7108-49BB-BEB0-DA83DF611EDD}" type="presParOf" srcId="{C371FFBA-669F-41D0-BE97-3A444245CD88}" destId="{03BA0F71-471F-4719-8A55-8AD12AC6FC3E}" srcOrd="2" destOrd="0" presId="urn:microsoft.com/office/officeart/2018/5/layout/IconCircleLabelList"/>
+    <dgm:cxn modelId="{80F198ED-E005-4173-BEEA-41E90A71E398}" type="presParOf" srcId="{03BA0F71-471F-4719-8A55-8AD12AC6FC3E}" destId="{1BC5345D-F734-4051-AB3E-9577ABF20E54}" srcOrd="0" destOrd="0" presId="urn:microsoft.com/office/officeart/2018/5/layout/IconCircleLabelList"/>
+    <dgm:cxn modelId="{E10A789A-F9B3-4C98-82AF-F895A72BF6C9}" type="presParOf" srcId="{03BA0F71-471F-4719-8A55-8AD12AC6FC3E}" destId="{56A3C1CE-24A6-4746-B43C-D9C7FD5CEFD1}" srcOrd="1" destOrd="0" presId="urn:microsoft.com/office/officeart/2018/5/layout/IconCircleLabelList"/>
+    <dgm:cxn modelId="{6D388AF2-BD36-4E87-9672-25E2B893D889}" type="presParOf" srcId="{03BA0F71-471F-4719-8A55-8AD12AC6FC3E}" destId="{D4B65A1E-E43D-4415-B6DB-A576FB4D7D95}" srcOrd="2" destOrd="0" presId="urn:microsoft.com/office/officeart/2018/5/layout/IconCircleLabelList"/>
+    <dgm:cxn modelId="{F3AF720E-3ADB-4A68-AD97-3662EFC0DDCC}" type="presParOf" srcId="{03BA0F71-471F-4719-8A55-8AD12AC6FC3E}" destId="{AC3AFF4F-7FCD-4AC1-9186-DF10B9BFBC56}" srcOrd="3" destOrd="0" presId="urn:microsoft.com/office/officeart/2018/5/layout/IconCircleLabelList"/>
+    <dgm:cxn modelId="{294A1D87-B501-4515-B7CD-3573DB9A8E82}" type="presParOf" srcId="{C371FFBA-669F-41D0-BE97-3A444245CD88}" destId="{AB447832-1B7A-4BB0-81C0-9D65D369E838}" srcOrd="3" destOrd="0" presId="urn:microsoft.com/office/officeart/2018/5/layout/IconCircleLabelList"/>
+    <dgm:cxn modelId="{2BC81CBC-068C-49FD-899B-3951FE3C05FC}" type="presParOf" srcId="{C371FFBA-669F-41D0-BE97-3A444245CD88}" destId="{4FAA13DD-E007-4FAC-A454-3C52F14DA716}" srcOrd="4" destOrd="0" presId="urn:microsoft.com/office/officeart/2018/5/layout/IconCircleLabelList"/>
+    <dgm:cxn modelId="{ED8F531C-0B13-497D-995C-A56279161318}" type="presParOf" srcId="{4FAA13DD-E007-4FAC-A454-3C52F14DA716}" destId="{8FFD953F-3314-4B69-AC23-8A357060DD5B}" srcOrd="0" destOrd="0" presId="urn:microsoft.com/office/officeart/2018/5/layout/IconCircleLabelList"/>
+    <dgm:cxn modelId="{77E11FB9-20F3-44FE-843A-1ADC002427B2}" type="presParOf" srcId="{4FAA13DD-E007-4FAC-A454-3C52F14DA716}" destId="{75A5F130-5F33-4CDC-B302-1D49F2F22232}" srcOrd="1" destOrd="0" presId="urn:microsoft.com/office/officeart/2018/5/layout/IconCircleLabelList"/>
+    <dgm:cxn modelId="{B5379098-0EBC-43D4-AA2C-85C5CF0201B1}" type="presParOf" srcId="{4FAA13DD-E007-4FAC-A454-3C52F14DA716}" destId="{82230F49-60A2-41BE-AE0E-394992D6FBE0}" srcOrd="2" destOrd="0" presId="urn:microsoft.com/office/officeart/2018/5/layout/IconCircleLabelList"/>
+    <dgm:cxn modelId="{35501AC8-A8DF-4268-9C8B-6A250E059438}" type="presParOf" srcId="{4FAA13DD-E007-4FAC-A454-3C52F14DA716}" destId="{ABF9FBF5-6F73-4C50-839E-9F8F8DBDFD33}" srcOrd="3" destOrd="0" presId="urn:microsoft.com/office/officeart/2018/5/layout/IconCircleLabelList"/>
+  </dgm:cxnLst>
+  <dgm:bg>
+    <a:noFill/>
+  </dgm:bg>
+  <dgm:whole/>
+  <dgm:extLst>
+    <a:ext uri="http://schemas.microsoft.com/office/drawing/2008/diagram">
+      <dsp:dataModelExt xmlns:dsp="http://schemas.microsoft.com/office/drawing/2008/diagram" relId="rId6" minVer="http://schemas.openxmlformats.org/drawingml/2006/diagram"/>
+    </a:ext>
+  </dgm:extLst>
+</dgm:dataModel>
+</file>
+
+<file path=ppt/diagrams/data3.xml><?xml version="1.0" encoding="utf-8"?>
+<dgm:dataModel xmlns:dgm="http://schemas.openxmlformats.org/drawingml/2006/diagram" xmlns:a="http://schemas.openxmlformats.org/drawingml/2006/main">
+  <dgm:ptLst>
+    <dgm:pt modelId="{A38BAA6F-E6FE-4B89-91A4-ED88FF670D82}" type="doc">
+      <dgm:prSet loTypeId="urn:microsoft.com/office/officeart/2005/8/layout/equation2" loCatId="relationship" qsTypeId="urn:microsoft.com/office/officeart/2005/8/quickstyle/simple1" qsCatId="simple" csTypeId="urn:microsoft.com/office/officeart/2005/8/colors/accent1_2" csCatId="accent1" phldr="1"/>
+      <dgm:spPr/>
+    </dgm:pt>
+    <dgm:pt modelId="{45B0062B-4E8C-41A9-98EB-33F9A792EA76}">
+      <dgm:prSet phldrT="[Text]"/>
+      <dgm:spPr/>
+      <dgm:t>
+        <a:bodyPr/>
+        <a:lstStyle/>
+        <a:p>
+          <a:r>
+            <a:rPr lang="en-US" dirty="0"/>
+            <a:t>MVC / Razor Pages</a:t>
+          </a:r>
+        </a:p>
+      </dgm:t>
+    </dgm:pt>
+    <dgm:pt modelId="{7F73B3D3-13A1-4E66-8D30-5EEAAE3ACD25}" type="parTrans" cxnId="{3F02634A-CABB-4CFA-A2FC-E7EA2212CC5F}">
+      <dgm:prSet/>
+      <dgm:spPr/>
+      <dgm:t>
+        <a:bodyPr/>
+        <a:lstStyle/>
+        <a:p>
+          <a:endParaRPr lang="en-US"/>
+        </a:p>
+      </dgm:t>
+    </dgm:pt>
+    <dgm:pt modelId="{D6EA8A3F-9C0D-4A2B-BE5C-B441030BF890}" type="sibTrans" cxnId="{3F02634A-CABB-4CFA-A2FC-E7EA2212CC5F}">
+      <dgm:prSet/>
+      <dgm:spPr/>
+      <dgm:t>
+        <a:bodyPr/>
+        <a:lstStyle/>
+        <a:p>
+          <a:endParaRPr lang="en-US"/>
+        </a:p>
+      </dgm:t>
+    </dgm:pt>
+    <dgm:pt modelId="{FBF22E97-7364-4B62-94BD-21D37100513B}">
+      <dgm:prSet phldrT="[Text]"/>
+      <dgm:spPr/>
+      <dgm:t>
+        <a:bodyPr/>
+        <a:lstStyle/>
+        <a:p>
+          <a:r>
+            <a:rPr lang="en-US" dirty="0"/>
+            <a:t>Blazor</a:t>
+          </a:r>
+        </a:p>
+      </dgm:t>
+    </dgm:pt>
+    <dgm:pt modelId="{A68762CA-E149-4BD3-AC3D-BFE7B01EA937}" type="parTrans" cxnId="{5B120CFC-10A1-4A4E-B247-07105C481E8B}">
+      <dgm:prSet/>
+      <dgm:spPr/>
+      <dgm:t>
+        <a:bodyPr/>
+        <a:lstStyle/>
+        <a:p>
+          <a:endParaRPr lang="en-US"/>
+        </a:p>
+      </dgm:t>
+    </dgm:pt>
+    <dgm:pt modelId="{B216F113-926A-4E9A-8E75-C2E3D5213546}" type="sibTrans" cxnId="{5B120CFC-10A1-4A4E-B247-07105C481E8B}">
+      <dgm:prSet/>
+      <dgm:spPr/>
+      <dgm:t>
+        <a:bodyPr/>
+        <a:lstStyle/>
+        <a:p>
+          <a:endParaRPr lang="en-US"/>
+        </a:p>
+      </dgm:t>
+    </dgm:pt>
+    <dgm:pt modelId="{2A700E22-52E2-45F5-9F21-46375B02DC7E}">
+      <dgm:prSet phldrT="[Text]"/>
+      <dgm:spPr/>
+      <dgm:t>
+        <a:bodyPr/>
+        <a:lstStyle/>
+        <a:p>
+          <a:r>
+            <a:rPr lang="en-US" dirty="0"/>
+            <a:t>Blazor United</a:t>
+          </a:r>
+        </a:p>
+      </dgm:t>
+    </dgm:pt>
+    <dgm:pt modelId="{90B3AB4A-4B98-4D3F-85F4-2A00B09F9376}" type="parTrans" cxnId="{4A326FA2-CF16-4D13-8E45-DDE0EE339F2E}">
+      <dgm:prSet/>
+      <dgm:spPr/>
+      <dgm:t>
+        <a:bodyPr/>
+        <a:lstStyle/>
+        <a:p>
+          <a:endParaRPr lang="en-US"/>
+        </a:p>
+      </dgm:t>
+    </dgm:pt>
+    <dgm:pt modelId="{78A877F2-8B42-4FD4-8F95-4CBE562CBDEA}" type="sibTrans" cxnId="{4A326FA2-CF16-4D13-8E45-DDE0EE339F2E}">
+      <dgm:prSet/>
+      <dgm:spPr/>
+      <dgm:t>
+        <a:bodyPr/>
+        <a:lstStyle/>
+        <a:p>
+          <a:endParaRPr lang="en-US"/>
+        </a:p>
+      </dgm:t>
+    </dgm:pt>
+    <dgm:pt modelId="{3E244CA3-906E-4ED0-B560-4D2E33B89035}" type="pres">
+      <dgm:prSet presAssocID="{A38BAA6F-E6FE-4B89-91A4-ED88FF670D82}" presName="Name0" presStyleCnt="0">
+        <dgm:presLayoutVars>
+          <dgm:dir/>
+          <dgm:resizeHandles val="exact"/>
+        </dgm:presLayoutVars>
+      </dgm:prSet>
+      <dgm:spPr/>
+    </dgm:pt>
+    <dgm:pt modelId="{710536C6-484C-4A97-8E2D-CD9849830BF8}" type="pres">
+      <dgm:prSet presAssocID="{A38BAA6F-E6FE-4B89-91A4-ED88FF670D82}" presName="vNodes" presStyleCnt="0"/>
+      <dgm:spPr/>
+    </dgm:pt>
+    <dgm:pt modelId="{6B064F5B-8E5A-4221-A303-C91B60EA2E9D}" type="pres">
+      <dgm:prSet presAssocID="{45B0062B-4E8C-41A9-98EB-33F9A792EA76}" presName="node" presStyleLbl="node1" presStyleIdx="0" presStyleCnt="3">
+        <dgm:presLayoutVars>
+          <dgm:bulletEnabled val="1"/>
+        </dgm:presLayoutVars>
+      </dgm:prSet>
+      <dgm:spPr/>
+    </dgm:pt>
+    <dgm:pt modelId="{4695EDC4-43DD-46A9-87E2-4591E3F11C6A}" type="pres">
+      <dgm:prSet presAssocID="{D6EA8A3F-9C0D-4A2B-BE5C-B441030BF890}" presName="spacerT" presStyleCnt="0"/>
+      <dgm:spPr/>
+    </dgm:pt>
+    <dgm:pt modelId="{C1443A3A-6B4A-471E-BD2A-CA1C8EFFA354}" type="pres">
+      <dgm:prSet presAssocID="{D6EA8A3F-9C0D-4A2B-BE5C-B441030BF890}" presName="sibTrans" presStyleLbl="sibTrans2D1" presStyleIdx="0" presStyleCnt="2"/>
+      <dgm:spPr/>
+    </dgm:pt>
+    <dgm:pt modelId="{A3ECC9D7-2230-46FC-8EC8-6C5BAA042DCA}" type="pres">
+      <dgm:prSet presAssocID="{D6EA8A3F-9C0D-4A2B-BE5C-B441030BF890}" presName="spacerB" presStyleCnt="0"/>
+      <dgm:spPr/>
+    </dgm:pt>
+    <dgm:pt modelId="{F78DDD49-B9F7-4FD8-B00A-096EA9792532}" type="pres">
+      <dgm:prSet presAssocID="{FBF22E97-7364-4B62-94BD-21D37100513B}" presName="node" presStyleLbl="node1" presStyleIdx="1" presStyleCnt="3">
+        <dgm:presLayoutVars>
+          <dgm:bulletEnabled val="1"/>
+        </dgm:presLayoutVars>
+      </dgm:prSet>
+      <dgm:spPr/>
+    </dgm:pt>
+    <dgm:pt modelId="{9930EA4D-AF62-4F8C-9426-81638F6F12F9}" type="pres">
+      <dgm:prSet presAssocID="{A38BAA6F-E6FE-4B89-91A4-ED88FF670D82}" presName="sibTransLast" presStyleLbl="sibTrans2D1" presStyleIdx="1" presStyleCnt="2"/>
+      <dgm:spPr/>
+    </dgm:pt>
+    <dgm:pt modelId="{2B201AB3-F0D7-4B4A-B5F7-4EB286FD22B0}" type="pres">
+      <dgm:prSet presAssocID="{A38BAA6F-E6FE-4B89-91A4-ED88FF670D82}" presName="connectorText" presStyleLbl="sibTrans2D1" presStyleIdx="1" presStyleCnt="2"/>
+      <dgm:spPr/>
+    </dgm:pt>
+    <dgm:pt modelId="{FC13CEE2-2A02-46E2-930C-22EC2E205271}" type="pres">
+      <dgm:prSet presAssocID="{A38BAA6F-E6FE-4B89-91A4-ED88FF670D82}" presName="lastNode" presStyleLbl="node1" presStyleIdx="2" presStyleCnt="3" custLinFactX="19756" custLinFactNeighborX="100000" custLinFactNeighborY="1255">
+        <dgm:presLayoutVars>
+          <dgm:bulletEnabled val="1"/>
+        </dgm:presLayoutVars>
+      </dgm:prSet>
+      <dgm:spPr/>
+    </dgm:pt>
+  </dgm:ptLst>
+  <dgm:cxnLst>
+    <dgm:cxn modelId="{E6C6760C-FB22-4150-9C18-9585BD2CB3CB}" type="presOf" srcId="{D6EA8A3F-9C0D-4A2B-BE5C-B441030BF890}" destId="{C1443A3A-6B4A-471E-BD2A-CA1C8EFFA354}" srcOrd="0" destOrd="0" presId="urn:microsoft.com/office/officeart/2005/8/layout/equation2"/>
+    <dgm:cxn modelId="{C158232C-451D-4027-A27B-A6CD6533847A}" type="presOf" srcId="{45B0062B-4E8C-41A9-98EB-33F9A792EA76}" destId="{6B064F5B-8E5A-4221-A303-C91B60EA2E9D}" srcOrd="0" destOrd="0" presId="urn:microsoft.com/office/officeart/2005/8/layout/equation2"/>
+    <dgm:cxn modelId="{6805872F-0575-4F27-A093-2450FD8BF137}" type="presOf" srcId="{A38BAA6F-E6FE-4B89-91A4-ED88FF670D82}" destId="{3E244CA3-906E-4ED0-B560-4D2E33B89035}" srcOrd="0" destOrd="0" presId="urn:microsoft.com/office/officeart/2005/8/layout/equation2"/>
+    <dgm:cxn modelId="{3F02634A-CABB-4CFA-A2FC-E7EA2212CC5F}" srcId="{A38BAA6F-E6FE-4B89-91A4-ED88FF670D82}" destId="{45B0062B-4E8C-41A9-98EB-33F9A792EA76}" srcOrd="0" destOrd="0" parTransId="{7F73B3D3-13A1-4E66-8D30-5EEAAE3ACD25}" sibTransId="{D6EA8A3F-9C0D-4A2B-BE5C-B441030BF890}"/>
+    <dgm:cxn modelId="{6D9ED46D-C929-4651-8E11-2243066513BF}" type="presOf" srcId="{B216F113-926A-4E9A-8E75-C2E3D5213546}" destId="{2B201AB3-F0D7-4B4A-B5F7-4EB286FD22B0}" srcOrd="1" destOrd="0" presId="urn:microsoft.com/office/officeart/2005/8/layout/equation2"/>
+    <dgm:cxn modelId="{8679127B-46EE-488E-9E44-336FC863C3AA}" type="presOf" srcId="{B216F113-926A-4E9A-8E75-C2E3D5213546}" destId="{9930EA4D-AF62-4F8C-9426-81638F6F12F9}" srcOrd="0" destOrd="0" presId="urn:microsoft.com/office/officeart/2005/8/layout/equation2"/>
+    <dgm:cxn modelId="{BF2A0398-9C85-4FB6-A183-E6C9B12C6D02}" type="presOf" srcId="{2A700E22-52E2-45F5-9F21-46375B02DC7E}" destId="{FC13CEE2-2A02-46E2-930C-22EC2E205271}" srcOrd="0" destOrd="0" presId="urn:microsoft.com/office/officeart/2005/8/layout/equation2"/>
+    <dgm:cxn modelId="{4A326FA2-CF16-4D13-8E45-DDE0EE339F2E}" srcId="{A38BAA6F-E6FE-4B89-91A4-ED88FF670D82}" destId="{2A700E22-52E2-45F5-9F21-46375B02DC7E}" srcOrd="2" destOrd="0" parTransId="{90B3AB4A-4B98-4D3F-85F4-2A00B09F9376}" sibTransId="{78A877F2-8B42-4FD4-8F95-4CBE562CBDEA}"/>
+    <dgm:cxn modelId="{6F781AAC-FF9F-4B8B-8410-4E1C9F1EB4FC}" type="presOf" srcId="{FBF22E97-7364-4B62-94BD-21D37100513B}" destId="{F78DDD49-B9F7-4FD8-B00A-096EA9792532}" srcOrd="0" destOrd="0" presId="urn:microsoft.com/office/officeart/2005/8/layout/equation2"/>
+    <dgm:cxn modelId="{5B120CFC-10A1-4A4E-B247-07105C481E8B}" srcId="{A38BAA6F-E6FE-4B89-91A4-ED88FF670D82}" destId="{FBF22E97-7364-4B62-94BD-21D37100513B}" srcOrd="1" destOrd="0" parTransId="{A68762CA-E149-4BD3-AC3D-BFE7B01EA937}" sibTransId="{B216F113-926A-4E9A-8E75-C2E3D5213546}"/>
+    <dgm:cxn modelId="{E46B7AC8-7DF1-4305-B3FC-3013167E62BF}" type="presParOf" srcId="{3E244CA3-906E-4ED0-B560-4D2E33B89035}" destId="{710536C6-484C-4A97-8E2D-CD9849830BF8}" srcOrd="0" destOrd="0" presId="urn:microsoft.com/office/officeart/2005/8/layout/equation2"/>
+    <dgm:cxn modelId="{8D9A0568-7561-4E09-A58A-73237109E73B}" type="presParOf" srcId="{710536C6-484C-4A97-8E2D-CD9849830BF8}" destId="{6B064F5B-8E5A-4221-A303-C91B60EA2E9D}" srcOrd="0" destOrd="0" presId="urn:microsoft.com/office/officeart/2005/8/layout/equation2"/>
+    <dgm:cxn modelId="{929584AB-A68C-477B-BDF2-E7D0689A7EFD}" type="presParOf" srcId="{710536C6-484C-4A97-8E2D-CD9849830BF8}" destId="{4695EDC4-43DD-46A9-87E2-4591E3F11C6A}" srcOrd="1" destOrd="0" presId="urn:microsoft.com/office/officeart/2005/8/layout/equation2"/>
+    <dgm:cxn modelId="{62722CD4-2EC5-49C9-A63F-40FF2B689B66}" type="presParOf" srcId="{710536C6-484C-4A97-8E2D-CD9849830BF8}" destId="{C1443A3A-6B4A-471E-BD2A-CA1C8EFFA354}" srcOrd="2" destOrd="0" presId="urn:microsoft.com/office/officeart/2005/8/layout/equation2"/>
+    <dgm:cxn modelId="{E13B7499-26C8-437E-8C3F-2F8743C958EF}" type="presParOf" srcId="{710536C6-484C-4A97-8E2D-CD9849830BF8}" destId="{A3ECC9D7-2230-46FC-8EC8-6C5BAA042DCA}" srcOrd="3" destOrd="0" presId="urn:microsoft.com/office/officeart/2005/8/layout/equation2"/>
+    <dgm:cxn modelId="{49E4DC22-B396-4E55-858C-1931D49588C6}" type="presParOf" srcId="{710536C6-484C-4A97-8E2D-CD9849830BF8}" destId="{F78DDD49-B9F7-4FD8-B00A-096EA9792532}" srcOrd="4" destOrd="0" presId="urn:microsoft.com/office/officeart/2005/8/layout/equation2"/>
+    <dgm:cxn modelId="{D9EDEAEC-537D-4908-980E-F7DB53F320E2}" type="presParOf" srcId="{3E244CA3-906E-4ED0-B560-4D2E33B89035}" destId="{9930EA4D-AF62-4F8C-9426-81638F6F12F9}" srcOrd="1" destOrd="0" presId="urn:microsoft.com/office/officeart/2005/8/layout/equation2"/>
+    <dgm:cxn modelId="{3848EAB9-1506-42F0-AA32-AAAD1CCEB435}" type="presParOf" srcId="{9930EA4D-AF62-4F8C-9426-81638F6F12F9}" destId="{2B201AB3-F0D7-4B4A-B5F7-4EB286FD22B0}" srcOrd="0" destOrd="0" presId="urn:microsoft.com/office/officeart/2005/8/layout/equation2"/>
+    <dgm:cxn modelId="{8BE41431-3833-4A5B-B29A-8DD9EDDEC914}" type="presParOf" srcId="{3E244CA3-906E-4ED0-B560-4D2E33B89035}" destId="{FC13CEE2-2A02-46E2-930C-22EC2E205271}" srcOrd="2" destOrd="0" presId="urn:microsoft.com/office/officeart/2005/8/layout/equation2"/>
   </dgm:cxnLst>
   <dgm:bg/>
   <dgm:whole/>
@@ -2047,6 +4093,849 @@
 </dsp:drawing>
 </file>
 
+<file path=ppt/diagrams/drawing2.xml><?xml version="1.0" encoding="utf-8"?>
+<dsp:drawing xmlns:dgm="http://schemas.openxmlformats.org/drawingml/2006/diagram" xmlns:dsp="http://schemas.microsoft.com/office/drawing/2008/diagram" xmlns:a="http://schemas.openxmlformats.org/drawingml/2006/main">
+  <dsp:spTree>
+    <dsp:nvGrpSpPr>
+      <dsp:cNvPr id="0" name=""/>
+      <dsp:cNvGrpSpPr/>
+    </dsp:nvGrpSpPr>
+    <dsp:grpSpPr/>
+    <dsp:sp modelId="{5D5F3496-96AB-470A-9977-CB0A19AC2EA2}">
+      <dsp:nvSpPr>
+        <dsp:cNvPr id="0" name=""/>
+        <dsp:cNvSpPr/>
+      </dsp:nvSpPr>
+      <dsp:spPr>
+        <a:xfrm>
+          <a:off x="505866" y="538649"/>
+          <a:ext cx="1338187" cy="1338187"/>
+        </a:xfrm>
+        <a:prstGeom prst="ellipse">
+          <a:avLst/>
+        </a:prstGeom>
+        <a:solidFill>
+          <a:schemeClr val="dk2">
+            <a:tint val="40000"/>
+            <a:hueOff val="0"/>
+            <a:satOff val="0"/>
+            <a:lumOff val="0"/>
+            <a:alphaOff val="0"/>
+          </a:schemeClr>
+        </a:solidFill>
+        <a:ln>
+          <a:noFill/>
+        </a:ln>
+        <a:effectLst/>
+      </dsp:spPr>
+      <dsp:style>
+        <a:lnRef idx="0">
+          <a:scrgbClr r="0" g="0" b="0"/>
+        </a:lnRef>
+        <a:fillRef idx="1">
+          <a:scrgbClr r="0" g="0" b="0"/>
+        </a:fillRef>
+        <a:effectRef idx="0">
+          <a:scrgbClr r="0" g="0" b="0"/>
+        </a:effectRef>
+        <a:fontRef idx="minor"/>
+      </dsp:style>
+    </dsp:sp>
+    <dsp:sp modelId="{672DB88E-3C55-448D-8BAE-E6F9BFCC2069}">
+      <dsp:nvSpPr>
+        <dsp:cNvPr id="0" name=""/>
+        <dsp:cNvSpPr/>
+      </dsp:nvSpPr>
+      <dsp:spPr>
+        <a:xfrm>
+          <a:off x="791054" y="823837"/>
+          <a:ext cx="767812" cy="767812"/>
+        </a:xfrm>
+        <a:prstGeom prst="rect">
+          <a:avLst/>
+        </a:prstGeom>
+        <a:blipFill>
+          <a:blip xmlns:r="http://schemas.openxmlformats.org/officeDocument/2006/relationships" r:embed="rId1">
+            <a:extLst>
+              <a:ext uri="{28A0092B-C50C-407E-A947-70E740481C1C}">
+                <a14:useLocalDpi xmlns:a14="http://schemas.microsoft.com/office/drawing/2010/main" val="0"/>
+              </a:ext>
+              <a:ext uri="{96DAC541-7B7A-43D3-8B79-37D633B846F1}">
+                <asvg:svgBlip xmlns:asvg="http://schemas.microsoft.com/office/drawing/2016/SVG/main" r:embed="rId2"/>
+              </a:ext>
+            </a:extLst>
+          </a:blip>
+          <a:stretch>
+            <a:fillRect/>
+          </a:stretch>
+        </a:blipFill>
+        <a:ln w="25400" cap="flat" cmpd="sng" algn="ctr">
+          <a:noFill/>
+          <a:prstDash val="solid"/>
+        </a:ln>
+        <a:effectLst/>
+      </dsp:spPr>
+      <dsp:style>
+        <a:lnRef idx="2">
+          <a:scrgbClr r="0" g="0" b="0"/>
+        </a:lnRef>
+        <a:fillRef idx="1">
+          <a:scrgbClr r="0" g="0" b="0"/>
+        </a:fillRef>
+        <a:effectRef idx="0">
+          <a:scrgbClr r="0" g="0" b="0"/>
+        </a:effectRef>
+        <a:fontRef idx="minor">
+          <a:schemeClr val="lt1"/>
+        </a:fontRef>
+      </dsp:style>
+    </dsp:sp>
+    <dsp:sp modelId="{B1AC168A-3998-4151-A46F-2CD0CD517B0F}">
+      <dsp:nvSpPr>
+        <dsp:cNvPr id="0" name=""/>
+        <dsp:cNvSpPr/>
+      </dsp:nvSpPr>
+      <dsp:spPr>
+        <a:xfrm>
+          <a:off x="78085" y="2293650"/>
+          <a:ext cx="2193750" cy="720000"/>
+        </a:xfrm>
+        <a:prstGeom prst="rect">
+          <a:avLst/>
+        </a:prstGeom>
+        <a:noFill/>
+        <a:ln>
+          <a:noFill/>
+        </a:ln>
+        <a:effectLst/>
+      </dsp:spPr>
+      <dsp:style>
+        <a:lnRef idx="0">
+          <a:scrgbClr r="0" g="0" b="0"/>
+        </a:lnRef>
+        <a:fillRef idx="0">
+          <a:scrgbClr r="0" g="0" b="0"/>
+        </a:fillRef>
+        <a:effectRef idx="0">
+          <a:scrgbClr r="0" g="0" b="0"/>
+        </a:effectRef>
+        <a:fontRef idx="minor"/>
+      </dsp:style>
+      <dsp:txBody>
+        <a:bodyPr spcFirstLastPara="0" vert="horz" wrap="square" lIns="0" tIns="0" rIns="0" bIns="0" numCol="1" spcCol="1270" anchor="t" anchorCtr="0">
+          <a:noAutofit/>
+        </a:bodyPr>
+        <a:lstStyle/>
+        <a:p>
+          <a:pPr marL="0" lvl="0" indent="0" algn="ctr" defTabSz="1155700">
+            <a:lnSpc>
+              <a:spcPct val="100000"/>
+            </a:lnSpc>
+            <a:spcBef>
+              <a:spcPct val="0"/>
+            </a:spcBef>
+            <a:spcAft>
+              <a:spcPct val="35000"/>
+            </a:spcAft>
+            <a:buNone/>
+            <a:defRPr cap="all"/>
+          </a:pPr>
+          <a:r>
+            <a:rPr lang="en-US" sz="2600" kern="1200" dirty="0"/>
+            <a:t>Fast</a:t>
+          </a:r>
+        </a:p>
+      </dsp:txBody>
+      <dsp:txXfrm>
+        <a:off x="78085" y="2293650"/>
+        <a:ext cx="2193750" cy="720000"/>
+      </dsp:txXfrm>
+    </dsp:sp>
+    <dsp:sp modelId="{1BC5345D-F734-4051-AB3E-9577ABF20E54}">
+      <dsp:nvSpPr>
+        <dsp:cNvPr id="0" name=""/>
+        <dsp:cNvSpPr/>
+      </dsp:nvSpPr>
+      <dsp:spPr>
+        <a:xfrm>
+          <a:off x="3083522" y="538649"/>
+          <a:ext cx="1338187" cy="1338187"/>
+        </a:xfrm>
+        <a:prstGeom prst="ellipse">
+          <a:avLst/>
+        </a:prstGeom>
+        <a:solidFill>
+          <a:schemeClr val="dk2">
+            <a:tint val="40000"/>
+            <a:hueOff val="0"/>
+            <a:satOff val="0"/>
+            <a:lumOff val="0"/>
+            <a:alphaOff val="0"/>
+          </a:schemeClr>
+        </a:solidFill>
+        <a:ln>
+          <a:noFill/>
+        </a:ln>
+        <a:effectLst/>
+      </dsp:spPr>
+      <dsp:style>
+        <a:lnRef idx="0">
+          <a:scrgbClr r="0" g="0" b="0"/>
+        </a:lnRef>
+        <a:fillRef idx="1">
+          <a:scrgbClr r="0" g="0" b="0"/>
+        </a:fillRef>
+        <a:effectRef idx="0">
+          <a:scrgbClr r="0" g="0" b="0"/>
+        </a:effectRef>
+        <a:fontRef idx="minor"/>
+      </dsp:style>
+    </dsp:sp>
+    <dsp:sp modelId="{56A3C1CE-24A6-4746-B43C-D9C7FD5CEFD1}">
+      <dsp:nvSpPr>
+        <dsp:cNvPr id="0" name=""/>
+        <dsp:cNvSpPr/>
+      </dsp:nvSpPr>
+      <dsp:spPr>
+        <a:xfrm>
+          <a:off x="3368710" y="823837"/>
+          <a:ext cx="767812" cy="767812"/>
+        </a:xfrm>
+        <a:prstGeom prst="rect">
+          <a:avLst/>
+        </a:prstGeom>
+        <a:blipFill>
+          <a:blip xmlns:r="http://schemas.openxmlformats.org/officeDocument/2006/relationships" r:embed="rId3">
+            <a:extLst>
+              <a:ext uri="{28A0092B-C50C-407E-A947-70E740481C1C}">
+                <a14:useLocalDpi xmlns:a14="http://schemas.microsoft.com/office/drawing/2010/main" val="0"/>
+              </a:ext>
+              <a:ext uri="{96DAC541-7B7A-43D3-8B79-37D633B846F1}">
+                <asvg:svgBlip xmlns:asvg="http://schemas.microsoft.com/office/drawing/2016/SVG/main" r:embed="rId4"/>
+              </a:ext>
+            </a:extLst>
+          </a:blip>
+          <a:srcRect/>
+          <a:stretch>
+            <a:fillRect/>
+          </a:stretch>
+        </a:blipFill>
+        <a:ln w="25400" cap="flat" cmpd="sng" algn="ctr">
+          <a:noFill/>
+          <a:prstDash val="solid"/>
+        </a:ln>
+        <a:effectLst/>
+      </dsp:spPr>
+      <dsp:style>
+        <a:lnRef idx="2">
+          <a:scrgbClr r="0" g="0" b="0"/>
+        </a:lnRef>
+        <a:fillRef idx="1">
+          <a:scrgbClr r="0" g="0" b="0"/>
+        </a:fillRef>
+        <a:effectRef idx="0">
+          <a:scrgbClr r="0" g="0" b="0"/>
+        </a:effectRef>
+        <a:fontRef idx="minor">
+          <a:schemeClr val="lt1"/>
+        </a:fontRef>
+      </dsp:style>
+    </dsp:sp>
+    <dsp:sp modelId="{AC3AFF4F-7FCD-4AC1-9186-DF10B9BFBC56}">
+      <dsp:nvSpPr>
+        <dsp:cNvPr id="0" name=""/>
+        <dsp:cNvSpPr/>
+      </dsp:nvSpPr>
+      <dsp:spPr>
+        <a:xfrm>
+          <a:off x="2655741" y="2293650"/>
+          <a:ext cx="2193750" cy="720000"/>
+        </a:xfrm>
+        <a:prstGeom prst="rect">
+          <a:avLst/>
+        </a:prstGeom>
+        <a:noFill/>
+        <a:ln>
+          <a:noFill/>
+        </a:ln>
+        <a:effectLst/>
+      </dsp:spPr>
+      <dsp:style>
+        <a:lnRef idx="0">
+          <a:scrgbClr r="0" g="0" b="0"/>
+        </a:lnRef>
+        <a:fillRef idx="0">
+          <a:scrgbClr r="0" g="0" b="0"/>
+        </a:fillRef>
+        <a:effectRef idx="0">
+          <a:scrgbClr r="0" g="0" b="0"/>
+        </a:effectRef>
+        <a:fontRef idx="minor"/>
+      </dsp:style>
+      <dsp:txBody>
+        <a:bodyPr spcFirstLastPara="0" vert="horz" wrap="square" lIns="0" tIns="0" rIns="0" bIns="0" numCol="1" spcCol="1270" anchor="t" anchorCtr="0">
+          <a:noAutofit/>
+        </a:bodyPr>
+        <a:lstStyle/>
+        <a:p>
+          <a:pPr marL="0" lvl="0" indent="0" algn="ctr" defTabSz="1155700">
+            <a:lnSpc>
+              <a:spcPct val="100000"/>
+            </a:lnSpc>
+            <a:spcBef>
+              <a:spcPct val="0"/>
+            </a:spcBef>
+            <a:spcAft>
+              <a:spcPct val="35000"/>
+            </a:spcAft>
+            <a:buNone/>
+            <a:defRPr cap="all"/>
+          </a:pPr>
+          <a:r>
+            <a:rPr lang="en-US" sz="2600" b="0" i="0" kern="1200" dirty="0"/>
+            <a:t>Interactive</a:t>
+          </a:r>
+          <a:endParaRPr lang="en-US" sz="2600" kern="1200" dirty="0"/>
+        </a:p>
+      </dsp:txBody>
+      <dsp:txXfrm>
+        <a:off x="2655741" y="2293650"/>
+        <a:ext cx="2193750" cy="720000"/>
+      </dsp:txXfrm>
+    </dsp:sp>
+    <dsp:sp modelId="{8FFD953F-3314-4B69-AC23-8A357060DD5B}">
+      <dsp:nvSpPr>
+        <dsp:cNvPr id="0" name=""/>
+        <dsp:cNvSpPr/>
+      </dsp:nvSpPr>
+      <dsp:spPr>
+        <a:xfrm>
+          <a:off x="5661179" y="538649"/>
+          <a:ext cx="1338187" cy="1338187"/>
+        </a:xfrm>
+        <a:prstGeom prst="ellipse">
+          <a:avLst/>
+        </a:prstGeom>
+        <a:solidFill>
+          <a:schemeClr val="dk2">
+            <a:tint val="40000"/>
+            <a:hueOff val="0"/>
+            <a:satOff val="0"/>
+            <a:lumOff val="0"/>
+            <a:alphaOff val="0"/>
+          </a:schemeClr>
+        </a:solidFill>
+        <a:ln>
+          <a:noFill/>
+        </a:ln>
+        <a:effectLst/>
+      </dsp:spPr>
+      <dsp:style>
+        <a:lnRef idx="0">
+          <a:scrgbClr r="0" g="0" b="0"/>
+        </a:lnRef>
+        <a:fillRef idx="1">
+          <a:scrgbClr r="0" g="0" b="0"/>
+        </a:fillRef>
+        <a:effectRef idx="0">
+          <a:scrgbClr r="0" g="0" b="0"/>
+        </a:effectRef>
+        <a:fontRef idx="minor"/>
+      </dsp:style>
+    </dsp:sp>
+    <dsp:sp modelId="{75A5F130-5F33-4CDC-B302-1D49F2F22232}">
+      <dsp:nvSpPr>
+        <dsp:cNvPr id="0" name=""/>
+        <dsp:cNvSpPr/>
+      </dsp:nvSpPr>
+      <dsp:spPr>
+        <a:xfrm>
+          <a:off x="5946366" y="823837"/>
+          <a:ext cx="767812" cy="767812"/>
+        </a:xfrm>
+        <a:prstGeom prst="rect">
+          <a:avLst/>
+        </a:prstGeom>
+        <a:blipFill>
+          <a:blip xmlns:r="http://schemas.openxmlformats.org/officeDocument/2006/relationships" r:embed="rId5">
+            <a:extLst>
+              <a:ext uri="{96DAC541-7B7A-43D3-8B79-37D633B846F1}">
+                <asvg:svgBlip xmlns:asvg="http://schemas.microsoft.com/office/drawing/2016/SVG/main" r:embed="rId6"/>
+              </a:ext>
+            </a:extLst>
+          </a:blip>
+          <a:srcRect/>
+          <a:stretch>
+            <a:fillRect/>
+          </a:stretch>
+        </a:blipFill>
+        <a:ln w="25400" cap="flat" cmpd="sng" algn="ctr">
+          <a:noFill/>
+          <a:prstDash val="solid"/>
+        </a:ln>
+        <a:effectLst/>
+      </dsp:spPr>
+      <dsp:style>
+        <a:lnRef idx="2">
+          <a:scrgbClr r="0" g="0" b="0"/>
+        </a:lnRef>
+        <a:fillRef idx="1">
+          <a:scrgbClr r="0" g="0" b="0"/>
+        </a:fillRef>
+        <a:effectRef idx="0">
+          <a:scrgbClr r="0" g="0" b="0"/>
+        </a:effectRef>
+        <a:fontRef idx="minor">
+          <a:schemeClr val="lt1"/>
+        </a:fontRef>
+      </dsp:style>
+    </dsp:sp>
+    <dsp:sp modelId="{ABF9FBF5-6F73-4C50-839E-9F8F8DBDFD33}">
+      <dsp:nvSpPr>
+        <dsp:cNvPr id="0" name=""/>
+        <dsp:cNvSpPr/>
+      </dsp:nvSpPr>
+      <dsp:spPr>
+        <a:xfrm>
+          <a:off x="5233397" y="2293650"/>
+          <a:ext cx="2193750" cy="720000"/>
+        </a:xfrm>
+        <a:prstGeom prst="rect">
+          <a:avLst/>
+        </a:prstGeom>
+        <a:noFill/>
+        <a:ln>
+          <a:noFill/>
+        </a:ln>
+        <a:effectLst/>
+      </dsp:spPr>
+      <dsp:style>
+        <a:lnRef idx="0">
+          <a:scrgbClr r="0" g="0" b="0"/>
+        </a:lnRef>
+        <a:fillRef idx="0">
+          <a:scrgbClr r="0" g="0" b="0"/>
+        </a:fillRef>
+        <a:effectRef idx="0">
+          <a:scrgbClr r="0" g="0" b="0"/>
+        </a:effectRef>
+        <a:fontRef idx="minor"/>
+      </dsp:style>
+      <dsp:txBody>
+        <a:bodyPr spcFirstLastPara="0" vert="horz" wrap="square" lIns="0" tIns="0" rIns="0" bIns="0" numCol="1" spcCol="1270" anchor="t" anchorCtr="0">
+          <a:noAutofit/>
+        </a:bodyPr>
+        <a:lstStyle/>
+        <a:p>
+          <a:pPr marL="0" lvl="0" indent="0" algn="ctr" defTabSz="1155700">
+            <a:lnSpc>
+              <a:spcPct val="100000"/>
+            </a:lnSpc>
+            <a:spcBef>
+              <a:spcPct val="0"/>
+            </a:spcBef>
+            <a:spcAft>
+              <a:spcPct val="35000"/>
+            </a:spcAft>
+            <a:buNone/>
+            <a:defRPr cap="all"/>
+          </a:pPr>
+          <a:r>
+            <a:rPr lang="en-US" sz="2600" b="0" i="0" kern="1200" dirty="0"/>
+            <a:t>Flexibility</a:t>
+          </a:r>
+          <a:endParaRPr lang="en-US" sz="2600" kern="1200" dirty="0"/>
+        </a:p>
+      </dsp:txBody>
+      <dsp:txXfrm>
+        <a:off x="5233397" y="2293650"/>
+        <a:ext cx="2193750" cy="720000"/>
+      </dsp:txXfrm>
+    </dsp:sp>
+  </dsp:spTree>
+</dsp:drawing>
+</file>
+
+<file path=ppt/diagrams/drawing3.xml><?xml version="1.0" encoding="utf-8"?>
+<dsp:drawing xmlns:dgm="http://schemas.openxmlformats.org/drawingml/2006/diagram" xmlns:dsp="http://schemas.microsoft.com/office/drawing/2008/diagram" xmlns:a="http://schemas.openxmlformats.org/drawingml/2006/main">
+  <dsp:spTree>
+    <dsp:nvGrpSpPr>
+      <dsp:cNvPr id="0" name=""/>
+      <dsp:cNvGrpSpPr/>
+    </dsp:nvGrpSpPr>
+    <dsp:grpSpPr/>
+    <dsp:sp modelId="{6B064F5B-8E5A-4221-A303-C91B60EA2E9D}">
+      <dsp:nvSpPr>
+        <dsp:cNvPr id="0" name=""/>
+        <dsp:cNvSpPr/>
+      </dsp:nvSpPr>
+      <dsp:spPr>
+        <a:xfrm>
+          <a:off x="1198531" y="1094"/>
+          <a:ext cx="1101008" cy="1101008"/>
+        </a:xfrm>
+        <a:prstGeom prst="ellipse">
+          <a:avLst/>
+        </a:prstGeom>
+        <a:solidFill>
+          <a:schemeClr val="accent1">
+            <a:hueOff val="0"/>
+            <a:satOff val="0"/>
+            <a:lumOff val="0"/>
+            <a:alphaOff val="0"/>
+          </a:schemeClr>
+        </a:solidFill>
+        <a:ln w="25400" cap="flat" cmpd="sng" algn="ctr">
+          <a:solidFill>
+            <a:schemeClr val="lt1">
+              <a:hueOff val="0"/>
+              <a:satOff val="0"/>
+              <a:lumOff val="0"/>
+              <a:alphaOff val="0"/>
+            </a:schemeClr>
+          </a:solidFill>
+          <a:prstDash val="solid"/>
+        </a:ln>
+        <a:effectLst/>
+      </dsp:spPr>
+      <dsp:style>
+        <a:lnRef idx="2">
+          <a:scrgbClr r="0" g="0" b="0"/>
+        </a:lnRef>
+        <a:fillRef idx="1">
+          <a:scrgbClr r="0" g="0" b="0"/>
+        </a:fillRef>
+        <a:effectRef idx="0">
+          <a:scrgbClr r="0" g="0" b="0"/>
+        </a:effectRef>
+        <a:fontRef idx="minor">
+          <a:schemeClr val="lt1"/>
+        </a:fontRef>
+      </dsp:style>
+      <dsp:txBody>
+        <a:bodyPr spcFirstLastPara="0" vert="horz" wrap="square" lIns="22860" tIns="22860" rIns="22860" bIns="22860" numCol="1" spcCol="1270" anchor="ctr" anchorCtr="0">
+          <a:noAutofit/>
+        </a:bodyPr>
+        <a:lstStyle/>
+        <a:p>
+          <a:pPr marL="0" lvl="0" indent="0" algn="ctr" defTabSz="800100">
+            <a:lnSpc>
+              <a:spcPct val="90000"/>
+            </a:lnSpc>
+            <a:spcBef>
+              <a:spcPct val="0"/>
+            </a:spcBef>
+            <a:spcAft>
+              <a:spcPct val="35000"/>
+            </a:spcAft>
+            <a:buNone/>
+          </a:pPr>
+          <a:r>
+            <a:rPr lang="en-US" sz="1800" kern="1200" dirty="0"/>
+            <a:t>MVC / Razor Pages</a:t>
+          </a:r>
+        </a:p>
+      </dsp:txBody>
+      <dsp:txXfrm>
+        <a:off x="1359770" y="162333"/>
+        <a:ext cx="778530" cy="778530"/>
+      </dsp:txXfrm>
+    </dsp:sp>
+    <dsp:sp modelId="{C1443A3A-6B4A-471E-BD2A-CA1C8EFFA354}">
+      <dsp:nvSpPr>
+        <dsp:cNvPr id="0" name=""/>
+        <dsp:cNvSpPr/>
+      </dsp:nvSpPr>
+      <dsp:spPr>
+        <a:xfrm>
+          <a:off x="1429743" y="1191505"/>
+          <a:ext cx="638585" cy="638585"/>
+        </a:xfrm>
+        <a:prstGeom prst="mathPlus">
+          <a:avLst/>
+        </a:prstGeom>
+        <a:solidFill>
+          <a:schemeClr val="accent1">
+            <a:tint val="60000"/>
+            <a:hueOff val="0"/>
+            <a:satOff val="0"/>
+            <a:lumOff val="0"/>
+            <a:alphaOff val="0"/>
+          </a:schemeClr>
+        </a:solidFill>
+        <a:ln>
+          <a:noFill/>
+        </a:ln>
+        <a:effectLst/>
+      </dsp:spPr>
+      <dsp:style>
+        <a:lnRef idx="0">
+          <a:scrgbClr r="0" g="0" b="0"/>
+        </a:lnRef>
+        <a:fillRef idx="1">
+          <a:scrgbClr r="0" g="0" b="0"/>
+        </a:fillRef>
+        <a:effectRef idx="0">
+          <a:scrgbClr r="0" g="0" b="0"/>
+        </a:effectRef>
+        <a:fontRef idx="minor">
+          <a:schemeClr val="lt1"/>
+        </a:fontRef>
+      </dsp:style>
+      <dsp:txBody>
+        <a:bodyPr spcFirstLastPara="0" vert="horz" wrap="square" lIns="0" tIns="0" rIns="0" bIns="0" numCol="1" spcCol="1270" anchor="ctr" anchorCtr="0">
+          <a:noAutofit/>
+        </a:bodyPr>
+        <a:lstStyle/>
+        <a:p>
+          <a:pPr marL="0" lvl="0" indent="0" algn="ctr" defTabSz="488950">
+            <a:lnSpc>
+              <a:spcPct val="90000"/>
+            </a:lnSpc>
+            <a:spcBef>
+              <a:spcPct val="0"/>
+            </a:spcBef>
+            <a:spcAft>
+              <a:spcPct val="35000"/>
+            </a:spcAft>
+            <a:buNone/>
+          </a:pPr>
+          <a:endParaRPr lang="en-US" sz="1100" kern="1200"/>
+        </a:p>
+      </dsp:txBody>
+      <dsp:txXfrm>
+        <a:off x="1514387" y="1435700"/>
+        <a:ext cx="469297" cy="150195"/>
+      </dsp:txXfrm>
+    </dsp:sp>
+    <dsp:sp modelId="{F78DDD49-B9F7-4FD8-B00A-096EA9792532}">
+      <dsp:nvSpPr>
+        <dsp:cNvPr id="0" name=""/>
+        <dsp:cNvSpPr/>
+      </dsp:nvSpPr>
+      <dsp:spPr>
+        <a:xfrm>
+          <a:off x="1198531" y="1919493"/>
+          <a:ext cx="1101008" cy="1101008"/>
+        </a:xfrm>
+        <a:prstGeom prst="ellipse">
+          <a:avLst/>
+        </a:prstGeom>
+        <a:solidFill>
+          <a:schemeClr val="accent1">
+            <a:hueOff val="0"/>
+            <a:satOff val="0"/>
+            <a:lumOff val="0"/>
+            <a:alphaOff val="0"/>
+          </a:schemeClr>
+        </a:solidFill>
+        <a:ln w="25400" cap="flat" cmpd="sng" algn="ctr">
+          <a:solidFill>
+            <a:schemeClr val="lt1">
+              <a:hueOff val="0"/>
+              <a:satOff val="0"/>
+              <a:lumOff val="0"/>
+              <a:alphaOff val="0"/>
+            </a:schemeClr>
+          </a:solidFill>
+          <a:prstDash val="solid"/>
+        </a:ln>
+        <a:effectLst/>
+      </dsp:spPr>
+      <dsp:style>
+        <a:lnRef idx="2">
+          <a:scrgbClr r="0" g="0" b="0"/>
+        </a:lnRef>
+        <a:fillRef idx="1">
+          <a:scrgbClr r="0" g="0" b="0"/>
+        </a:fillRef>
+        <a:effectRef idx="0">
+          <a:scrgbClr r="0" g="0" b="0"/>
+        </a:effectRef>
+        <a:fontRef idx="minor">
+          <a:schemeClr val="lt1"/>
+        </a:fontRef>
+      </dsp:style>
+      <dsp:txBody>
+        <a:bodyPr spcFirstLastPara="0" vert="horz" wrap="square" lIns="22860" tIns="22860" rIns="22860" bIns="22860" numCol="1" spcCol="1270" anchor="ctr" anchorCtr="0">
+          <a:noAutofit/>
+        </a:bodyPr>
+        <a:lstStyle/>
+        <a:p>
+          <a:pPr marL="0" lvl="0" indent="0" algn="ctr" defTabSz="800100">
+            <a:lnSpc>
+              <a:spcPct val="90000"/>
+            </a:lnSpc>
+            <a:spcBef>
+              <a:spcPct val="0"/>
+            </a:spcBef>
+            <a:spcAft>
+              <a:spcPct val="35000"/>
+            </a:spcAft>
+            <a:buNone/>
+          </a:pPr>
+          <a:r>
+            <a:rPr lang="en-US" sz="1800" kern="1200" dirty="0"/>
+            <a:t>Blazor</a:t>
+          </a:r>
+        </a:p>
+      </dsp:txBody>
+      <dsp:txXfrm>
+        <a:off x="1359770" y="2080732"/>
+        <a:ext cx="778530" cy="778530"/>
+      </dsp:txXfrm>
+    </dsp:sp>
+    <dsp:sp modelId="{9930EA4D-AF62-4F8C-9426-81638F6F12F9}">
+      <dsp:nvSpPr>
+        <dsp:cNvPr id="0" name=""/>
+        <dsp:cNvSpPr/>
+      </dsp:nvSpPr>
+      <dsp:spPr>
+        <a:xfrm rot="27878">
+          <a:off x="2738594" y="1317810"/>
+          <a:ext cx="930857" cy="409575"/>
+        </a:xfrm>
+        <a:prstGeom prst="rightArrow">
+          <a:avLst>
+            <a:gd name="adj1" fmla="val 60000"/>
+            <a:gd name="adj2" fmla="val 50000"/>
+          </a:avLst>
+        </a:prstGeom>
+        <a:solidFill>
+          <a:schemeClr val="accent1">
+            <a:tint val="60000"/>
+            <a:hueOff val="0"/>
+            <a:satOff val="0"/>
+            <a:lumOff val="0"/>
+            <a:alphaOff val="0"/>
+          </a:schemeClr>
+        </a:solidFill>
+        <a:ln>
+          <a:noFill/>
+        </a:ln>
+        <a:effectLst/>
+      </dsp:spPr>
+      <dsp:style>
+        <a:lnRef idx="0">
+          <a:scrgbClr r="0" g="0" b="0"/>
+        </a:lnRef>
+        <a:fillRef idx="1">
+          <a:scrgbClr r="0" g="0" b="0"/>
+        </a:fillRef>
+        <a:effectRef idx="0">
+          <a:scrgbClr r="0" g="0" b="0"/>
+        </a:effectRef>
+        <a:fontRef idx="minor">
+          <a:schemeClr val="lt1"/>
+        </a:fontRef>
+      </dsp:style>
+      <dsp:txBody>
+        <a:bodyPr spcFirstLastPara="0" vert="horz" wrap="square" lIns="0" tIns="0" rIns="0" bIns="0" numCol="1" spcCol="1270" anchor="ctr" anchorCtr="0">
+          <a:noAutofit/>
+        </a:bodyPr>
+        <a:lstStyle/>
+        <a:p>
+          <a:pPr marL="0" lvl="0" indent="0" algn="ctr" defTabSz="666750">
+            <a:lnSpc>
+              <a:spcPct val="90000"/>
+            </a:lnSpc>
+            <a:spcBef>
+              <a:spcPct val="0"/>
+            </a:spcBef>
+            <a:spcAft>
+              <a:spcPct val="35000"/>
+            </a:spcAft>
+            <a:buNone/>
+          </a:pPr>
+          <a:endParaRPr lang="en-US" sz="1500" kern="1200"/>
+        </a:p>
+      </dsp:txBody>
+      <dsp:txXfrm>
+        <a:off x="2738596" y="1399227"/>
+        <a:ext cx="807985" cy="245745"/>
+      </dsp:txXfrm>
+    </dsp:sp>
+    <dsp:sp modelId="{FC13CEE2-2A02-46E2-930C-22EC2E205271}">
+      <dsp:nvSpPr>
+        <dsp:cNvPr id="0" name=""/>
+        <dsp:cNvSpPr/>
+      </dsp:nvSpPr>
+      <dsp:spPr>
+        <a:xfrm>
+          <a:off x="4055781" y="437424"/>
+          <a:ext cx="2202017" cy="2202017"/>
+        </a:xfrm>
+        <a:prstGeom prst="ellipse">
+          <a:avLst/>
+        </a:prstGeom>
+        <a:solidFill>
+          <a:schemeClr val="accent1">
+            <a:hueOff val="0"/>
+            <a:satOff val="0"/>
+            <a:lumOff val="0"/>
+            <a:alphaOff val="0"/>
+          </a:schemeClr>
+        </a:solidFill>
+        <a:ln w="25400" cap="flat" cmpd="sng" algn="ctr">
+          <a:solidFill>
+            <a:schemeClr val="lt1">
+              <a:hueOff val="0"/>
+              <a:satOff val="0"/>
+              <a:lumOff val="0"/>
+              <a:alphaOff val="0"/>
+            </a:schemeClr>
+          </a:solidFill>
+          <a:prstDash val="solid"/>
+        </a:ln>
+        <a:effectLst/>
+      </dsp:spPr>
+      <dsp:style>
+        <a:lnRef idx="2">
+          <a:scrgbClr r="0" g="0" b="0"/>
+        </a:lnRef>
+        <a:fillRef idx="1">
+          <a:scrgbClr r="0" g="0" b="0"/>
+        </a:fillRef>
+        <a:effectRef idx="0">
+          <a:scrgbClr r="0" g="0" b="0"/>
+        </a:effectRef>
+        <a:fontRef idx="minor">
+          <a:schemeClr val="lt1"/>
+        </a:fontRef>
+      </dsp:style>
+      <dsp:txBody>
+        <a:bodyPr spcFirstLastPara="0" vert="horz" wrap="square" lIns="49530" tIns="49530" rIns="49530" bIns="49530" numCol="1" spcCol="1270" anchor="ctr" anchorCtr="0">
+          <a:noAutofit/>
+        </a:bodyPr>
+        <a:lstStyle/>
+        <a:p>
+          <a:pPr marL="0" lvl="0" indent="0" algn="ctr" defTabSz="1733550">
+            <a:lnSpc>
+              <a:spcPct val="90000"/>
+            </a:lnSpc>
+            <a:spcBef>
+              <a:spcPct val="0"/>
+            </a:spcBef>
+            <a:spcAft>
+              <a:spcPct val="35000"/>
+            </a:spcAft>
+            <a:buNone/>
+          </a:pPr>
+          <a:r>
+            <a:rPr lang="en-US" sz="3900" kern="1200" dirty="0"/>
+            <a:t>Blazor United</a:t>
+          </a:r>
+        </a:p>
+      </dsp:txBody>
+      <dsp:txXfrm>
+        <a:off x="4378259" y="759902"/>
+        <a:ext cx="1557061" cy="1557061"/>
+      </dsp:txXfrm>
+    </dsp:sp>
+  </dsp:spTree>
+</dsp:drawing>
+</file>
+
 <file path=ppt/diagrams/layout1.xml><?xml version="1.0" encoding="utf-8"?>
 <dgm:layoutDef xmlns:dgm="http://schemas.openxmlformats.org/drawingml/2006/diagram" xmlns:a="http://schemas.openxmlformats.org/drawingml/2006/main" uniqueId="urn:microsoft.com/office/officeart/2005/8/layout/default">
   <dgm:title val=""/>
@@ -2194,7 +5083,2555 @@
 </dgm:layoutDef>
 </file>
 
+<file path=ppt/diagrams/layout2.xml><?xml version="1.0" encoding="utf-8"?>
+<dgm:layoutDef xmlns:dgm="http://schemas.openxmlformats.org/drawingml/2006/diagram" xmlns:a="http://schemas.openxmlformats.org/drawingml/2006/main" uniqueId="urn:microsoft.com/office/officeart/2018/5/layout/IconCircleLabelList">
+  <dgm:title val="Icon Circle Label List"/>
+  <dgm:desc val="Use to show non-sequential or grouped chunks of information accompanied by a related visuals. Works best with icons or small pictures with short text captions."/>
+  <dgm:catLst>
+    <dgm:cat type="icon" pri="500"/>
+  </dgm:catLst>
+  <dgm:sampData useDef="1">
+    <dgm:dataModel>
+      <dgm:ptLst/>
+      <dgm:bg/>
+      <dgm:whole/>
+    </dgm:dataModel>
+  </dgm:sampData>
+  <dgm:styleData useDef="1">
+    <dgm:dataModel>
+      <dgm:ptLst/>
+      <dgm:bg/>
+      <dgm:whole/>
+    </dgm:dataModel>
+  </dgm:styleData>
+  <dgm:clrData useDef="1">
+    <dgm:dataModel>
+      <dgm:ptLst/>
+      <dgm:bg/>
+      <dgm:whole/>
+    </dgm:dataModel>
+  </dgm:clrData>
+  <dgm:layoutNode name="root">
+    <dgm:varLst>
+      <dgm:dir/>
+      <dgm:resizeHandles val="exact"/>
+    </dgm:varLst>
+    <dgm:choose name="Name0">
+      <dgm:if name="Name1" axis="self" func="var" arg="dir" op="equ" val="norm">
+        <dgm:alg type="snake">
+          <dgm:param type="grDir" val="tL"/>
+          <dgm:param type="flowDir" val="row"/>
+          <dgm:param type="contDir" val="sameDir"/>
+          <dgm:param type="off" val="ctr"/>
+          <dgm:param type="vertAlign" val="mid"/>
+          <dgm:param type="horzAlign" val="ctr"/>
+        </dgm:alg>
+      </dgm:if>
+      <dgm:else name="Name2">
+        <dgm:alg type="snake">
+          <dgm:param type="grDir" val="tR"/>
+          <dgm:param type="flowDir" val="row"/>
+          <dgm:param type="contDir" val="sameDir"/>
+          <dgm:param type="off" val="ctr"/>
+          <dgm:param type="vertAlign" val="mid"/>
+          <dgm:param type="horzAlign" val="ctr"/>
+        </dgm:alg>
+      </dgm:else>
+    </dgm:choose>
+    <dgm:shape xmlns:r="http://schemas.openxmlformats.org/officeDocument/2006/relationships" r:blip="">
+      <dgm:adjLst/>
+    </dgm:shape>
+    <dgm:presOf/>
+    <dgm:choose name="Name3">
+      <dgm:if name="Name4" axis="ch" ptType="node" func="cnt" op="lte" val="2">
+        <dgm:constrLst>
+          <dgm:constr type="h" for="ch" forName="compNode" refType="h" fact="0.4"/>
+          <dgm:constr type="w" for="ch" forName="compNode" val="100"/>
+          <dgm:constr type="w" for="ch" forName="sibTrans" refType="w" refFor="ch" refForName="compNode" fact="0.175"/>
+          <dgm:constr type="sp" refType="w" refFor="ch" refForName="compNode" op="equ" fact="0.25"/>
+          <dgm:constr type="primFontSz" for="des" ptType="node" op="equ" val="44"/>
+          <dgm:constr type="h" for="des" forName="compNode" op="equ"/>
+          <dgm:constr type="h" for="des" forName="textRect" op="equ"/>
+        </dgm:constrLst>
+      </dgm:if>
+      <dgm:if name="Name5" axis="ch" ptType="node" func="cnt" op="lte" val="3">
+        <dgm:constrLst>
+          <dgm:constr type="h" for="ch" forName="compNode" refType="h" fact="0.4"/>
+          <dgm:constr type="w" for="ch" forName="compNode" val="100"/>
+          <dgm:constr type="w" for="ch" forName="sibTrans" refType="w" refFor="ch" refForName="compNode" fact="0.175"/>
+          <dgm:constr type="sp" refType="w" refFor="ch" refForName="compNode" op="equ" fact="0.25"/>
+          <dgm:constr type="primFontSz" for="des" ptType="node" op="equ" val="40"/>
+          <dgm:constr type="h" for="des" forName="compNode" op="equ"/>
+          <dgm:constr type="h" for="des" forName="textRect" op="equ"/>
+        </dgm:constrLst>
+      </dgm:if>
+      <dgm:if name="Name6" axis="ch" ptType="node" func="cnt" op="lte" val="4">
+        <dgm:constrLst>
+          <dgm:constr type="h" for="ch" forName="compNode" refType="h" fact="0.4"/>
+          <dgm:constr type="w" for="ch" forName="compNode" refType="w"/>
+          <dgm:constr type="w" for="ch" forName="sibTrans" refType="w" refFor="ch" refForName="compNode" fact="0.175"/>
+          <dgm:constr type="sp" refType="w" refFor="ch" refForName="compNode" op="equ" fact="0.25"/>
+          <dgm:constr type="primFontSz" for="des" ptType="node" op="equ" val="32"/>
+          <dgm:constr type="h" for="des" forName="compNode" op="equ"/>
+          <dgm:constr type="h" for="des" forName="textRect" op="equ"/>
+        </dgm:constrLst>
+      </dgm:if>
+      <dgm:else name="Name7">
+        <dgm:constrLst>
+          <dgm:constr type="h" for="ch" forName="compNode" refType="h" fact="0.4"/>
+          <dgm:constr type="w" for="ch" forName="compNode" refType="w"/>
+          <dgm:constr type="w" for="ch" forName="sibTrans" refType="w" refFor="ch" refForName="compNode" fact="0.175"/>
+          <dgm:constr type="sp" refType="w" refFor="ch" refForName="compNode" op="equ" fact="0.25"/>
+          <dgm:constr type="primFontSz" for="des" ptType="node" op="equ" val="24"/>
+          <dgm:constr type="h" for="des" forName="compNode" op="equ"/>
+          <dgm:constr type="h" for="des" forName="textRect" op="equ"/>
+        </dgm:constrLst>
+      </dgm:else>
+    </dgm:choose>
+    <dgm:ruleLst>
+      <dgm:rule type="w" for="ch" forName="compNode" val="50" fact="NaN" max="NaN"/>
+    </dgm:ruleLst>
+    <dgm:forEach name="Name8" axis="ch" ptType="node">
+      <dgm:layoutNode name="compNode">
+        <dgm:alg type="composite"/>
+        <dgm:shape xmlns:r="http://schemas.openxmlformats.org/officeDocument/2006/relationships" r:blip="">
+          <dgm:adjLst/>
+        </dgm:shape>
+        <dgm:presOf axis="self"/>
+        <dgm:constrLst>
+          <dgm:constr type="w" for="ch" forName="iconBgRect" refType="w" fact="0.61"/>
+          <dgm:constr type="h" for="ch" forName="iconBgRect" refType="w" refFor="ch" refForName="iconBgRect"/>
+          <dgm:constr type="t" for="ch" forName="iconBgRect"/>
+          <dgm:constr type="ctrX" for="ch" forName="iconBgRect" refType="w" fact="0.5"/>
+          <dgm:constr type="w" for="ch" forName="iconRect" refType="w" fact="0.35"/>
+          <dgm:constr type="h" for="ch" forName="iconRect" refType="w" refFor="ch" refForName="iconRect"/>
+          <dgm:constr type="ctrX" for="ch" forName="iconRect" refType="ctrX" refFor="ch" refForName="iconBgRect"/>
+          <dgm:constr type="ctrY" for="ch" forName="iconRect" refType="ctrY" refFor="ch" refForName="iconBgRect"/>
+          <dgm:constr type="h" for="ch" forName="spaceRect" refType="w" fact="0.19"/>
+          <dgm:constr type="w" for="ch" forName="spaceRect" refType="w"/>
+          <dgm:constr type="l" for="ch" forName="spaceRect"/>
+          <dgm:constr type="t" for="ch" forName="spaceRect" refType="b" refFor="ch" refForName="iconBgRect"/>
+          <dgm:constr type="h" for="ch" forName="textRect" val="20"/>
+          <dgm:constr type="w" for="ch" forName="textRect" refType="w"/>
+          <dgm:constr type="l" for="ch" forName="textRect"/>
+          <dgm:constr type="t" for="ch" forName="textRect" refType="b" refFor="ch" refForName="spaceRect"/>
+        </dgm:constrLst>
+        <dgm:ruleLst>
+          <dgm:rule type="h" val="INF" fact="NaN" max="NaN"/>
+        </dgm:ruleLst>
+        <dgm:layoutNode name="iconBgRect" styleLbl="bgShp">
+          <dgm:alg type="sp"/>
+          <dgm:shape xmlns:r="http://schemas.openxmlformats.org/officeDocument/2006/relationships" type="ellipse" r:blip="">
+            <dgm:adjLst/>
+          </dgm:shape>
+          <dgm:presOf/>
+          <dgm:constrLst/>
+          <dgm:ruleLst/>
+        </dgm:layoutNode>
+        <dgm:layoutNode name="iconRect" styleLbl="node1">
+          <dgm:alg type="sp"/>
+          <dgm:shape xmlns:r="http://schemas.openxmlformats.org/officeDocument/2006/relationships" type="rect" r:blip="" blipPhldr="1">
+            <dgm:adjLst/>
+          </dgm:shape>
+          <dgm:presOf/>
+          <dgm:constrLst/>
+          <dgm:ruleLst/>
+        </dgm:layoutNode>
+        <dgm:layoutNode name="spaceRect">
+          <dgm:alg type="sp"/>
+          <dgm:shape xmlns:r="http://schemas.openxmlformats.org/officeDocument/2006/relationships" r:blip="">
+            <dgm:adjLst/>
+          </dgm:shape>
+          <dgm:presOf/>
+          <dgm:constrLst/>
+          <dgm:ruleLst/>
+        </dgm:layoutNode>
+        <dgm:layoutNode name="textRect" styleLbl="revTx">
+          <dgm:varLst>
+            <dgm:chMax val="1"/>
+            <dgm:chPref val="1"/>
+          </dgm:varLst>
+          <dgm:alg type="tx">
+            <dgm:param type="txAnchorVert" val="t"/>
+          </dgm:alg>
+          <dgm:shape xmlns:r="http://schemas.openxmlformats.org/officeDocument/2006/relationships" type="rect" r:blip="">
+            <dgm:adjLst/>
+          </dgm:shape>
+          <dgm:presOf axis="self" ptType="node"/>
+          <dgm:constrLst>
+            <dgm:constr type="lMarg"/>
+            <dgm:constr type="rMarg"/>
+            <dgm:constr type="tMarg"/>
+            <dgm:constr type="bMarg"/>
+          </dgm:constrLst>
+          <dgm:ruleLst>
+            <dgm:rule type="primFontSz" val="11" fact="NaN" max="NaN"/>
+            <dgm:rule type="h" val="INF" fact="NaN" max="NaN"/>
+          </dgm:ruleLst>
+        </dgm:layoutNode>
+      </dgm:layoutNode>
+      <dgm:forEach name="Name9" axis="followSib" ptType="sibTrans" cnt="1">
+        <dgm:layoutNode name="sibTrans">
+          <dgm:alg type="sp"/>
+          <dgm:shape xmlns:r="http://schemas.openxmlformats.org/officeDocument/2006/relationships" r:blip="">
+            <dgm:adjLst/>
+          </dgm:shape>
+          <dgm:presOf axis="self"/>
+          <dgm:constrLst/>
+          <dgm:ruleLst/>
+        </dgm:layoutNode>
+      </dgm:forEach>
+    </dgm:forEach>
+  </dgm:layoutNode>
+  <dgm:extLst>
+    <a:ext uri="{68A01E43-0DF5-4B5B-8FA6-DAF915123BFB}">
+      <dgm1612:lstStyle xmlns:dgm1612="http://schemas.microsoft.com/office/drawing/2016/12/diagram">
+        <a:lvl1pPr>
+          <a:lnSpc>
+            <a:spcPct val="100000"/>
+          </a:lnSpc>
+          <a:defRPr cap="all"/>
+        </a:lvl1pPr>
+      </dgm1612:lstStyle>
+    </a:ext>
+  </dgm:extLst>
+</dgm:layoutDef>
+</file>
+
+<file path=ppt/diagrams/layout3.xml><?xml version="1.0" encoding="utf-8"?>
+<dgm:layoutDef xmlns:dgm="http://schemas.openxmlformats.org/drawingml/2006/diagram" xmlns:a="http://schemas.openxmlformats.org/drawingml/2006/main" uniqueId="urn:microsoft.com/office/officeart/2005/8/layout/equation2">
+  <dgm:title val=""/>
+  <dgm:desc val=""/>
+  <dgm:catLst>
+    <dgm:cat type="relationship" pri="18000"/>
+    <dgm:cat type="process" pri="26000"/>
+  </dgm:catLst>
+  <dgm:sampData useDef="1">
+    <dgm:dataModel>
+      <dgm:ptLst/>
+      <dgm:bg/>
+      <dgm:whole/>
+    </dgm:dataModel>
+  </dgm:sampData>
+  <dgm:styleData>
+    <dgm:dataModel>
+      <dgm:ptLst>
+        <dgm:pt modelId="0" type="doc"/>
+        <dgm:pt modelId="1"/>
+        <dgm:pt modelId="2"/>
+      </dgm:ptLst>
+      <dgm:cxnLst>
+        <dgm:cxn modelId="3" srcId="0" destId="1" srcOrd="0" destOrd="0"/>
+        <dgm:cxn modelId="4" srcId="0" destId="2" srcOrd="1" destOrd="0"/>
+      </dgm:cxnLst>
+      <dgm:bg/>
+      <dgm:whole/>
+    </dgm:dataModel>
+  </dgm:styleData>
+  <dgm:clrData>
+    <dgm:dataModel>
+      <dgm:ptLst>
+        <dgm:pt modelId="0" type="doc"/>
+        <dgm:pt modelId="1"/>
+        <dgm:pt modelId="2"/>
+        <dgm:pt modelId="3"/>
+        <dgm:pt modelId="4"/>
+      </dgm:ptLst>
+      <dgm:cxnLst>
+        <dgm:cxn modelId="5" srcId="0" destId="1" srcOrd="0" destOrd="0"/>
+        <dgm:cxn modelId="6" srcId="0" destId="2" srcOrd="1" destOrd="0"/>
+        <dgm:cxn modelId="7" srcId="0" destId="3" srcOrd="2" destOrd="0"/>
+        <dgm:cxn modelId="8" srcId="0" destId="4" srcOrd="3" destOrd="0"/>
+      </dgm:cxnLst>
+      <dgm:bg/>
+      <dgm:whole/>
+    </dgm:dataModel>
+  </dgm:clrData>
+  <dgm:layoutNode name="Name0">
+    <dgm:varLst>
+      <dgm:dir/>
+      <dgm:resizeHandles val="exact"/>
+    </dgm:varLst>
+    <dgm:choose name="Name1">
+      <dgm:if name="Name2" func="var" arg="dir" op="equ" val="norm">
+        <dgm:alg type="lin">
+          <dgm:param type="linDir" val="fromL"/>
+          <dgm:param type="fallback" val="2D"/>
+        </dgm:alg>
+      </dgm:if>
+      <dgm:else name="Name3">
+        <dgm:alg type="lin">
+          <dgm:param type="linDir" val="fromR"/>
+          <dgm:param type="fallback" val="2D"/>
+        </dgm:alg>
+      </dgm:else>
+    </dgm:choose>
+    <dgm:shape xmlns:r="http://schemas.openxmlformats.org/officeDocument/2006/relationships" r:blip="">
+      <dgm:adjLst/>
+    </dgm:shape>
+    <dgm:presOf/>
+    <dgm:choose name="Name4">
+      <dgm:if name="Name5" axis="ch" ptType="node" func="cnt" op="gte" val="3">
+        <dgm:constrLst>
+          <dgm:constr type="h" for="des" forName="node" refType="w" fact="0.5"/>
+          <dgm:constr type="w" for="ch" forName="lastNode" refType="w"/>
+          <dgm:constr type="w" for="des" forName="node" refType="h" refFor="des" refForName="node"/>
+          <dgm:constr type="w" for="ch" forName="sibTransLast" refType="h" refFor="des" refForName="node" fact="0.6"/>
+          <dgm:constr type="h" for="des" forName="sibTrans" refType="h" refFor="des" refForName="node" op="equ" fact="0.58"/>
+          <dgm:constr type="w" for="des" forName="sibTrans" refType="h" refFor="des" refForName="sibTrans" op="equ"/>
+          <dgm:constr type="primFontSz" for="ch" forName="lastNode" op="equ" val="65"/>
+          <dgm:constr type="primFontSz" for="des" forName="node" op="equ" val="65"/>
+          <dgm:constr type="primFontSz" for="des" forName="sibTrans" val="55"/>
+          <dgm:constr type="primFontSz" for="des" forName="sibTrans" refType="primFontSz" refFor="des" refForName="node" op="lte" fact="0.8"/>
+          <dgm:constr type="primFontSz" for="des" forName="connectorText" refType="primFontSz" refFor="des" refForName="node" op="lte" fact="0.8"/>
+          <dgm:constr type="primFontSz" for="des" forName="connectorText" refType="primFontSz" refFor="des" refForName="sibTrans" op="equ"/>
+          <dgm:constr type="h" for="des" forName="spacerT" refType="h" refFor="des" refForName="sibTrans" fact="0.14"/>
+          <dgm:constr type="h" for="des" forName="spacerB" refType="h" refFor="des" refForName="sibTrans" fact="0.14"/>
+        </dgm:constrLst>
+      </dgm:if>
+      <dgm:else name="Name6">
+        <dgm:constrLst>
+          <dgm:constr type="h" for="des" forName="node" refType="w"/>
+          <dgm:constr type="w" for="ch" forName="lastNode" refType="w"/>
+          <dgm:constr type="w" for="des" forName="node" refType="h" refFor="des" refForName="node"/>
+          <dgm:constr type="w" for="ch" forName="sibTransLast" refType="h" refFor="des" refForName="node" fact="0.6"/>
+          <dgm:constr type="h" for="des" forName="sibTrans" refType="h" refFor="des" refForName="node" op="equ" fact="0.58"/>
+          <dgm:constr type="w" for="des" forName="sibTrans" refType="h" refFor="des" refForName="sibTrans" op="equ"/>
+          <dgm:constr type="primFontSz" for="des" forName="node" val="65"/>
+          <dgm:constr type="primFontSz" for="ch" forName="lastNode" refType="primFontSz" refFor="des" refForName="node" op="equ"/>
+          <dgm:constr type="primFontSz" for="des" forName="sibTrans" val="55"/>
+          <dgm:constr type="primFontSz" for="des" forName="connectorText" refType="primFontSz" refFor="des" refForName="node" op="lte" fact="0.8"/>
+          <dgm:constr type="primFontSz" for="des" forName="connectorText" refType="primFontSz" refFor="des" refForName="sibTrans" op="equ"/>
+          <dgm:constr type="h" for="des" forName="spacerT" refType="h" refFor="des" refForName="sibTrans" fact="0.14"/>
+          <dgm:constr type="h" for="des" forName="spacerB" refType="h" refFor="des" refForName="sibTrans" fact="0.14"/>
+        </dgm:constrLst>
+      </dgm:else>
+    </dgm:choose>
+    <dgm:ruleLst/>
+    <dgm:choose name="Name7">
+      <dgm:if name="Name8" axis="ch" ptType="node" func="cnt" op="gte" val="1">
+        <dgm:layoutNode name="vNodes">
+          <dgm:alg type="lin">
+            <dgm:param type="linDir" val="fromT"/>
+            <dgm:param type="fallback" val="2D"/>
+          </dgm:alg>
+          <dgm:shape xmlns:r="http://schemas.openxmlformats.org/officeDocument/2006/relationships" r:blip="">
+            <dgm:adjLst/>
+          </dgm:shape>
+          <dgm:presOf/>
+          <dgm:constrLst/>
+          <dgm:ruleLst/>
+          <dgm:forEach name="Name9" axis="ch" ptType="node">
+            <dgm:choose name="Name10">
+              <dgm:if name="Name11" axis="self" func="revPos" op="neq" val="1">
+                <dgm:layoutNode name="node">
+                  <dgm:varLst>
+                    <dgm:bulletEnabled val="1"/>
+                  </dgm:varLst>
+                  <dgm:alg type="tx">
+                    <dgm:param type="txAnchorVertCh" val="mid"/>
+                  </dgm:alg>
+                  <dgm:shape xmlns:r="http://schemas.openxmlformats.org/officeDocument/2006/relationships" type="ellipse" r:blip="">
+                    <dgm:adjLst/>
+                  </dgm:shape>
+                  <dgm:presOf axis="desOrSelf" ptType="node"/>
+                  <dgm:constrLst>
+                    <dgm:constr type="tMarg" refType="primFontSz" fact="0.1"/>
+                    <dgm:constr type="bMarg" refType="primFontSz" fact="0.1"/>
+                    <dgm:constr type="lMarg" refType="primFontSz" fact="0.1"/>
+                    <dgm:constr type="rMarg" refType="primFontSz" fact="0.1"/>
+                  </dgm:constrLst>
+                  <dgm:ruleLst>
+                    <dgm:rule type="primFontSz" val="5" fact="NaN" max="NaN"/>
+                  </dgm:ruleLst>
+                </dgm:layoutNode>
+                <dgm:choose name="Name12">
+                  <dgm:if name="Name13" axis="self" ptType="node" func="revPos" op="gt" val="2">
+                    <dgm:forEach name="sibTransForEach" axis="followSib" ptType="sibTrans" cnt="1">
+                      <dgm:layoutNode name="spacerT">
+                        <dgm:alg type="sp"/>
+                        <dgm:shape xmlns:r="http://schemas.openxmlformats.org/officeDocument/2006/relationships" r:blip="">
+                          <dgm:adjLst/>
+                        </dgm:shape>
+                        <dgm:presOf axis="self"/>
+                        <dgm:constrLst/>
+                        <dgm:ruleLst/>
+                      </dgm:layoutNode>
+                      <dgm:layoutNode name="sibTrans">
+                        <dgm:alg type="tx"/>
+                        <dgm:shape xmlns:r="http://schemas.openxmlformats.org/officeDocument/2006/relationships" type="mathPlus" r:blip="">
+                          <dgm:adjLst/>
+                        </dgm:shape>
+                        <dgm:presOf axis="self"/>
+                        <dgm:constrLst>
+                          <dgm:constr type="h" refType="w"/>
+                          <dgm:constr type="lMarg"/>
+                          <dgm:constr type="rMarg"/>
+                          <dgm:constr type="tMarg"/>
+                          <dgm:constr type="bMarg"/>
+                        </dgm:constrLst>
+                        <dgm:ruleLst>
+                          <dgm:rule type="primFontSz" val="5" fact="NaN" max="NaN"/>
+                        </dgm:ruleLst>
+                      </dgm:layoutNode>
+                      <dgm:layoutNode name="spacerB">
+                        <dgm:alg type="sp"/>
+                        <dgm:shape xmlns:r="http://schemas.openxmlformats.org/officeDocument/2006/relationships" r:blip="">
+                          <dgm:adjLst/>
+                        </dgm:shape>
+                        <dgm:presOf axis="self"/>
+                        <dgm:constrLst/>
+                        <dgm:ruleLst/>
+                      </dgm:layoutNode>
+                    </dgm:forEach>
+                  </dgm:if>
+                  <dgm:else name="Name14"/>
+                </dgm:choose>
+              </dgm:if>
+              <dgm:else name="Name15"/>
+            </dgm:choose>
+          </dgm:forEach>
+        </dgm:layoutNode>
+        <dgm:choose name="Name16">
+          <dgm:if name="Name17" axis="ch" ptType="node" func="cnt" op="gt" val="1">
+            <dgm:layoutNode name="sibTransLast">
+              <dgm:alg type="conn">
+                <dgm:param type="begPts" val="auto"/>
+                <dgm:param type="endPts" val="auto"/>
+                <dgm:param type="srcNode" val="vNodes"/>
+                <dgm:param type="dstNode" val="lastNode"/>
+              </dgm:alg>
+              <dgm:shape xmlns:r="http://schemas.openxmlformats.org/officeDocument/2006/relationships" type="conn" r:blip="">
+                <dgm:adjLst/>
+              </dgm:shape>
+              <dgm:presOf axis="ch" ptType="sibTrans" st="-1" cnt="1"/>
+              <dgm:constrLst>
+                <dgm:constr type="h" refType="w" fact="0.62"/>
+                <dgm:constr type="connDist"/>
+                <dgm:constr type="begPad" refType="connDist" fact="0.25"/>
+                <dgm:constr type="endPad" refType="connDist" fact="0.22"/>
+              </dgm:constrLst>
+              <dgm:ruleLst/>
+              <dgm:layoutNode name="connectorText">
+                <dgm:alg type="tx">
+                  <dgm:param type="autoTxRot" val="grav"/>
+                </dgm:alg>
+                <dgm:shape xmlns:r="http://schemas.openxmlformats.org/officeDocument/2006/relationships" type="conn" r:blip="" hideGeom="1">
+                  <dgm:adjLst/>
+                </dgm:shape>
+                <dgm:presOf axis="ch desOrSelf" ptType="sibTrans sibTrans" st="-1 1" cnt="1 0"/>
+                <dgm:constrLst>
+                  <dgm:constr type="lMarg"/>
+                  <dgm:constr type="rMarg"/>
+                  <dgm:constr type="tMarg"/>
+                  <dgm:constr type="bMarg"/>
+                </dgm:constrLst>
+                <dgm:ruleLst>
+                  <dgm:rule type="primFontSz" val="5" fact="NaN" max="NaN"/>
+                </dgm:ruleLst>
+              </dgm:layoutNode>
+            </dgm:layoutNode>
+          </dgm:if>
+          <dgm:else name="Name18"/>
+        </dgm:choose>
+        <dgm:layoutNode name="lastNode">
+          <dgm:varLst>
+            <dgm:bulletEnabled val="1"/>
+          </dgm:varLst>
+          <dgm:alg type="tx">
+            <dgm:param type="txAnchorVertCh" val="mid"/>
+          </dgm:alg>
+          <dgm:shape xmlns:r="http://schemas.openxmlformats.org/officeDocument/2006/relationships" type="ellipse" r:blip="">
+            <dgm:adjLst/>
+          </dgm:shape>
+          <dgm:presOf axis="ch desOrSelf" ptType="node node" st="-1 1" cnt="1 0"/>
+          <dgm:constrLst>
+            <dgm:constr type="h" refType="w"/>
+            <dgm:constr type="tMarg" refType="primFontSz" fact="0.1"/>
+            <dgm:constr type="bMarg" refType="primFontSz" fact="0.1"/>
+            <dgm:constr type="lMarg" refType="primFontSz" fact="0.1"/>
+            <dgm:constr type="rMarg" refType="primFontSz" fact="0.1"/>
+          </dgm:constrLst>
+          <dgm:ruleLst>
+            <dgm:rule type="primFontSz" val="5" fact="NaN" max="NaN"/>
+          </dgm:ruleLst>
+        </dgm:layoutNode>
+      </dgm:if>
+      <dgm:else name="Name19"/>
+    </dgm:choose>
+  </dgm:layoutNode>
+</dgm:layoutDef>
+</file>
+
 <file path=ppt/diagrams/quickStyle1.xml><?xml version="1.0" encoding="utf-8"?>
+<dgm:styleDef xmlns:dgm="http://schemas.openxmlformats.org/drawingml/2006/diagram" xmlns:a="http://schemas.openxmlformats.org/drawingml/2006/main" uniqueId="urn:microsoft.com/office/officeart/2005/8/quickstyle/simple1">
+  <dgm:title val=""/>
+  <dgm:desc val=""/>
+  <dgm:catLst>
+    <dgm:cat type="simple" pri="10100"/>
+  </dgm:catLst>
+  <dgm:scene3d>
+    <a:camera prst="orthographicFront"/>
+    <a:lightRig rig="threePt" dir="t"/>
+  </dgm:scene3d>
+  <dgm:styleLbl name="node0">
+    <dgm:scene3d>
+      <a:camera prst="orthographicFront"/>
+      <a:lightRig rig="threePt" dir="t"/>
+    </dgm:scene3d>
+    <dgm:sp3d/>
+    <dgm:txPr/>
+    <dgm:style>
+      <a:lnRef idx="2">
+        <a:scrgbClr r="0" g="0" b="0"/>
+      </a:lnRef>
+      <a:fillRef idx="1">
+        <a:scrgbClr r="0" g="0" b="0"/>
+      </a:fillRef>
+      <a:effectRef idx="0">
+        <a:scrgbClr r="0" g="0" b="0"/>
+      </a:effectRef>
+      <a:fontRef idx="minor">
+        <a:schemeClr val="lt1"/>
+      </a:fontRef>
+    </dgm:style>
+  </dgm:styleLbl>
+  <dgm:styleLbl name="lnNode1">
+    <dgm:scene3d>
+      <a:camera prst="orthographicFront"/>
+      <a:lightRig rig="threePt" dir="t"/>
+    </dgm:scene3d>
+    <dgm:sp3d/>
+    <dgm:txPr/>
+    <dgm:style>
+      <a:lnRef idx="2">
+        <a:scrgbClr r="0" g="0" b="0"/>
+      </a:lnRef>
+      <a:fillRef idx="1">
+        <a:scrgbClr r="0" g="0" b="0"/>
+      </a:fillRef>
+      <a:effectRef idx="0">
+        <a:scrgbClr r="0" g="0" b="0"/>
+      </a:effectRef>
+      <a:fontRef idx="minor">
+        <a:schemeClr val="lt1"/>
+      </a:fontRef>
+    </dgm:style>
+  </dgm:styleLbl>
+  <dgm:styleLbl name="vennNode1">
+    <dgm:scene3d>
+      <a:camera prst="orthographicFront"/>
+      <a:lightRig rig="threePt" dir="t"/>
+    </dgm:scene3d>
+    <dgm:sp3d/>
+    <dgm:txPr/>
+    <dgm:style>
+      <a:lnRef idx="2">
+        <a:scrgbClr r="0" g="0" b="0"/>
+      </a:lnRef>
+      <a:fillRef idx="1">
+        <a:scrgbClr r="0" g="0" b="0"/>
+      </a:fillRef>
+      <a:effectRef idx="0">
+        <a:scrgbClr r="0" g="0" b="0"/>
+      </a:effectRef>
+      <a:fontRef idx="minor">
+        <a:schemeClr val="tx1"/>
+      </a:fontRef>
+    </dgm:style>
+  </dgm:styleLbl>
+  <dgm:styleLbl name="alignNode1">
+    <dgm:scene3d>
+      <a:camera prst="orthographicFront"/>
+      <a:lightRig rig="threePt" dir="t"/>
+    </dgm:scene3d>
+    <dgm:sp3d/>
+    <dgm:txPr/>
+    <dgm:style>
+      <a:lnRef idx="2">
+        <a:scrgbClr r="0" g="0" b="0"/>
+      </a:lnRef>
+      <a:fillRef idx="1">
+        <a:scrgbClr r="0" g="0" b="0"/>
+      </a:fillRef>
+      <a:effectRef idx="0">
+        <a:scrgbClr r="0" g="0" b="0"/>
+      </a:effectRef>
+      <a:fontRef idx="minor">
+        <a:schemeClr val="lt1"/>
+      </a:fontRef>
+    </dgm:style>
+  </dgm:styleLbl>
+  <dgm:styleLbl name="node1">
+    <dgm:scene3d>
+      <a:camera prst="orthographicFront"/>
+      <a:lightRig rig="threePt" dir="t"/>
+    </dgm:scene3d>
+    <dgm:sp3d/>
+    <dgm:txPr/>
+    <dgm:style>
+      <a:lnRef idx="2">
+        <a:scrgbClr r="0" g="0" b="0"/>
+      </a:lnRef>
+      <a:fillRef idx="1">
+        <a:scrgbClr r="0" g="0" b="0"/>
+      </a:fillRef>
+      <a:effectRef idx="0">
+        <a:scrgbClr r="0" g="0" b="0"/>
+      </a:effectRef>
+      <a:fontRef idx="minor">
+        <a:schemeClr val="lt1"/>
+      </a:fontRef>
+    </dgm:style>
+  </dgm:styleLbl>
+  <dgm:styleLbl name="node2">
+    <dgm:scene3d>
+      <a:camera prst="orthographicFront"/>
+      <a:lightRig rig="threePt" dir="t"/>
+    </dgm:scene3d>
+    <dgm:sp3d/>
+    <dgm:txPr/>
+    <dgm:style>
+      <a:lnRef idx="2">
+        <a:scrgbClr r="0" g="0" b="0"/>
+      </a:lnRef>
+      <a:fillRef idx="1">
+        <a:scrgbClr r="0" g="0" b="0"/>
+      </a:fillRef>
+      <a:effectRef idx="0">
+        <a:scrgbClr r="0" g="0" b="0"/>
+      </a:effectRef>
+      <a:fontRef idx="minor">
+        <a:schemeClr val="lt1"/>
+      </a:fontRef>
+    </dgm:style>
+  </dgm:styleLbl>
+  <dgm:styleLbl name="node3">
+    <dgm:scene3d>
+      <a:camera prst="orthographicFront"/>
+      <a:lightRig rig="threePt" dir="t"/>
+    </dgm:scene3d>
+    <dgm:sp3d/>
+    <dgm:txPr/>
+    <dgm:style>
+      <a:lnRef idx="2">
+        <a:scrgbClr r="0" g="0" b="0"/>
+      </a:lnRef>
+      <a:fillRef idx="1">
+        <a:scrgbClr r="0" g="0" b="0"/>
+      </a:fillRef>
+      <a:effectRef idx="0">
+        <a:scrgbClr r="0" g="0" b="0"/>
+      </a:effectRef>
+      <a:fontRef idx="minor">
+        <a:schemeClr val="lt1"/>
+      </a:fontRef>
+    </dgm:style>
+  </dgm:styleLbl>
+  <dgm:styleLbl name="node4">
+    <dgm:scene3d>
+      <a:camera prst="orthographicFront"/>
+      <a:lightRig rig="threePt" dir="t"/>
+    </dgm:scene3d>
+    <dgm:sp3d/>
+    <dgm:txPr/>
+    <dgm:style>
+      <a:lnRef idx="2">
+        <a:scrgbClr r="0" g="0" b="0"/>
+      </a:lnRef>
+      <a:fillRef idx="1">
+        <a:scrgbClr r="0" g="0" b="0"/>
+      </a:fillRef>
+      <a:effectRef idx="0">
+        <a:scrgbClr r="0" g="0" b="0"/>
+      </a:effectRef>
+      <a:fontRef idx="minor">
+        <a:schemeClr val="lt1"/>
+      </a:fontRef>
+    </dgm:style>
+  </dgm:styleLbl>
+  <dgm:styleLbl name="fgImgPlace1">
+    <dgm:scene3d>
+      <a:camera prst="orthographicFront"/>
+      <a:lightRig rig="threePt" dir="t"/>
+    </dgm:scene3d>
+    <dgm:sp3d/>
+    <dgm:txPr/>
+    <dgm:style>
+      <a:lnRef idx="2">
+        <a:scrgbClr r="0" g="0" b="0"/>
+      </a:lnRef>
+      <a:fillRef idx="1">
+        <a:scrgbClr r="0" g="0" b="0"/>
+      </a:fillRef>
+      <a:effectRef idx="0">
+        <a:scrgbClr r="0" g="0" b="0"/>
+      </a:effectRef>
+      <a:fontRef idx="minor"/>
+    </dgm:style>
+  </dgm:styleLbl>
+  <dgm:styleLbl name="alignImgPlace1">
+    <dgm:scene3d>
+      <a:camera prst="orthographicFront"/>
+      <a:lightRig rig="threePt" dir="t"/>
+    </dgm:scene3d>
+    <dgm:sp3d/>
+    <dgm:txPr/>
+    <dgm:style>
+      <a:lnRef idx="2">
+        <a:scrgbClr r="0" g="0" b="0"/>
+      </a:lnRef>
+      <a:fillRef idx="1">
+        <a:scrgbClr r="0" g="0" b="0"/>
+      </a:fillRef>
+      <a:effectRef idx="0">
+        <a:scrgbClr r="0" g="0" b="0"/>
+      </a:effectRef>
+      <a:fontRef idx="minor"/>
+    </dgm:style>
+  </dgm:styleLbl>
+  <dgm:styleLbl name="bgImgPlace1">
+    <dgm:scene3d>
+      <a:camera prst="orthographicFront"/>
+      <a:lightRig rig="threePt" dir="t"/>
+    </dgm:scene3d>
+    <dgm:sp3d/>
+    <dgm:txPr/>
+    <dgm:style>
+      <a:lnRef idx="2">
+        <a:scrgbClr r="0" g="0" b="0"/>
+      </a:lnRef>
+      <a:fillRef idx="1">
+        <a:scrgbClr r="0" g="0" b="0"/>
+      </a:fillRef>
+      <a:effectRef idx="0">
+        <a:scrgbClr r="0" g="0" b="0"/>
+      </a:effectRef>
+      <a:fontRef idx="minor"/>
+    </dgm:style>
+  </dgm:styleLbl>
+  <dgm:styleLbl name="sibTrans2D1">
+    <dgm:scene3d>
+      <a:camera prst="orthographicFront"/>
+      <a:lightRig rig="threePt" dir="t"/>
+    </dgm:scene3d>
+    <dgm:sp3d/>
+    <dgm:txPr/>
+    <dgm:style>
+      <a:lnRef idx="0">
+        <a:scrgbClr r="0" g="0" b="0"/>
+      </a:lnRef>
+      <a:fillRef idx="1">
+        <a:scrgbClr r="0" g="0" b="0"/>
+      </a:fillRef>
+      <a:effectRef idx="0">
+        <a:scrgbClr r="0" g="0" b="0"/>
+      </a:effectRef>
+      <a:fontRef idx="minor">
+        <a:schemeClr val="lt1"/>
+      </a:fontRef>
+    </dgm:style>
+  </dgm:styleLbl>
+  <dgm:styleLbl name="fgSibTrans2D1">
+    <dgm:scene3d>
+      <a:camera prst="orthographicFront"/>
+      <a:lightRig rig="threePt" dir="t"/>
+    </dgm:scene3d>
+    <dgm:sp3d/>
+    <dgm:txPr/>
+    <dgm:style>
+      <a:lnRef idx="0">
+        <a:scrgbClr r="0" g="0" b="0"/>
+      </a:lnRef>
+      <a:fillRef idx="1">
+        <a:scrgbClr r="0" g="0" b="0"/>
+      </a:fillRef>
+      <a:effectRef idx="0">
+        <a:scrgbClr r="0" g="0" b="0"/>
+      </a:effectRef>
+      <a:fontRef idx="minor">
+        <a:schemeClr val="lt1"/>
+      </a:fontRef>
+    </dgm:style>
+  </dgm:styleLbl>
+  <dgm:styleLbl name="bgSibTrans2D1">
+    <dgm:scene3d>
+      <a:camera prst="orthographicFront"/>
+      <a:lightRig rig="threePt" dir="t"/>
+    </dgm:scene3d>
+    <dgm:sp3d/>
+    <dgm:txPr/>
+    <dgm:style>
+      <a:lnRef idx="0">
+        <a:scrgbClr r="0" g="0" b="0"/>
+      </a:lnRef>
+      <a:fillRef idx="1">
+        <a:scrgbClr r="0" g="0" b="0"/>
+      </a:fillRef>
+      <a:effectRef idx="0">
+        <a:scrgbClr r="0" g="0" b="0"/>
+      </a:effectRef>
+      <a:fontRef idx="minor">
+        <a:schemeClr val="lt1"/>
+      </a:fontRef>
+    </dgm:style>
+  </dgm:styleLbl>
+  <dgm:styleLbl name="sibTrans1D1">
+    <dgm:scene3d>
+      <a:camera prst="orthographicFront"/>
+      <a:lightRig rig="threePt" dir="t"/>
+    </dgm:scene3d>
+    <dgm:sp3d/>
+    <dgm:txPr/>
+    <dgm:style>
+      <a:lnRef idx="1">
+        <a:scrgbClr r="0" g="0" b="0"/>
+      </a:lnRef>
+      <a:fillRef idx="0">
+        <a:scrgbClr r="0" g="0" b="0"/>
+      </a:fillRef>
+      <a:effectRef idx="0">
+        <a:scrgbClr r="0" g="0" b="0"/>
+      </a:effectRef>
+      <a:fontRef idx="minor"/>
+    </dgm:style>
+  </dgm:styleLbl>
+  <dgm:styleLbl name="callout">
+    <dgm:scene3d>
+      <a:camera prst="orthographicFront"/>
+      <a:lightRig rig="threePt" dir="t"/>
+    </dgm:scene3d>
+    <dgm:sp3d/>
+    <dgm:txPr/>
+    <dgm:style>
+      <a:lnRef idx="2">
+        <a:scrgbClr r="0" g="0" b="0"/>
+      </a:lnRef>
+      <a:fillRef idx="1">
+        <a:scrgbClr r="0" g="0" b="0"/>
+      </a:fillRef>
+      <a:effectRef idx="0">
+        <a:scrgbClr r="0" g="0" b="0"/>
+      </a:effectRef>
+      <a:fontRef idx="minor"/>
+    </dgm:style>
+  </dgm:styleLbl>
+  <dgm:styleLbl name="asst0">
+    <dgm:scene3d>
+      <a:camera prst="orthographicFront"/>
+      <a:lightRig rig="threePt" dir="t"/>
+    </dgm:scene3d>
+    <dgm:sp3d/>
+    <dgm:txPr/>
+    <dgm:style>
+      <a:lnRef idx="2">
+        <a:scrgbClr r="0" g="0" b="0"/>
+      </a:lnRef>
+      <a:fillRef idx="1">
+        <a:scrgbClr r="0" g="0" b="0"/>
+      </a:fillRef>
+      <a:effectRef idx="0">
+        <a:scrgbClr r="0" g="0" b="0"/>
+      </a:effectRef>
+      <a:fontRef idx="minor">
+        <a:schemeClr val="lt1"/>
+      </a:fontRef>
+    </dgm:style>
+  </dgm:styleLbl>
+  <dgm:styleLbl name="asst1">
+    <dgm:scene3d>
+      <a:camera prst="orthographicFront"/>
+      <a:lightRig rig="threePt" dir="t"/>
+    </dgm:scene3d>
+    <dgm:sp3d/>
+    <dgm:txPr/>
+    <dgm:style>
+      <a:lnRef idx="2">
+        <a:scrgbClr r="0" g="0" b="0"/>
+      </a:lnRef>
+      <a:fillRef idx="1">
+        <a:scrgbClr r="0" g="0" b="0"/>
+      </a:fillRef>
+      <a:effectRef idx="0">
+        <a:scrgbClr r="0" g="0" b="0"/>
+      </a:effectRef>
+      <a:fontRef idx="minor">
+        <a:schemeClr val="lt1"/>
+      </a:fontRef>
+    </dgm:style>
+  </dgm:styleLbl>
+  <dgm:styleLbl name="asst2">
+    <dgm:scene3d>
+      <a:camera prst="orthographicFront"/>
+      <a:lightRig rig="threePt" dir="t"/>
+    </dgm:scene3d>
+    <dgm:sp3d/>
+    <dgm:txPr/>
+    <dgm:style>
+      <a:lnRef idx="2">
+        <a:scrgbClr r="0" g="0" b="0"/>
+      </a:lnRef>
+      <a:fillRef idx="1">
+        <a:scrgbClr r="0" g="0" b="0"/>
+      </a:fillRef>
+      <a:effectRef idx="0">
+        <a:scrgbClr r="0" g="0" b="0"/>
+      </a:effectRef>
+      <a:fontRef idx="minor">
+        <a:schemeClr val="lt1"/>
+      </a:fontRef>
+    </dgm:style>
+  </dgm:styleLbl>
+  <dgm:styleLbl name="asst3">
+    <dgm:scene3d>
+      <a:camera prst="orthographicFront"/>
+      <a:lightRig rig="threePt" dir="t"/>
+    </dgm:scene3d>
+    <dgm:sp3d/>
+    <dgm:txPr/>
+    <dgm:style>
+      <a:lnRef idx="2">
+        <a:scrgbClr r="0" g="0" b="0"/>
+      </a:lnRef>
+      <a:fillRef idx="1">
+        <a:scrgbClr r="0" g="0" b="0"/>
+      </a:fillRef>
+      <a:effectRef idx="0">
+        <a:scrgbClr r="0" g="0" b="0"/>
+      </a:effectRef>
+      <a:fontRef idx="minor">
+        <a:schemeClr val="lt1"/>
+      </a:fontRef>
+    </dgm:style>
+  </dgm:styleLbl>
+  <dgm:styleLbl name="asst4">
+    <dgm:scene3d>
+      <a:camera prst="orthographicFront"/>
+      <a:lightRig rig="threePt" dir="t"/>
+    </dgm:scene3d>
+    <dgm:sp3d/>
+    <dgm:txPr/>
+    <dgm:style>
+      <a:lnRef idx="2">
+        <a:scrgbClr r="0" g="0" b="0"/>
+      </a:lnRef>
+      <a:fillRef idx="1">
+        <a:scrgbClr r="0" g="0" b="0"/>
+      </a:fillRef>
+      <a:effectRef idx="0">
+        <a:scrgbClr r="0" g="0" b="0"/>
+      </a:effectRef>
+      <a:fontRef idx="minor">
+        <a:schemeClr val="lt1"/>
+      </a:fontRef>
+    </dgm:style>
+  </dgm:styleLbl>
+  <dgm:styleLbl name="parChTrans2D1">
+    <dgm:scene3d>
+      <a:camera prst="orthographicFront"/>
+      <a:lightRig rig="threePt" dir="t"/>
+    </dgm:scene3d>
+    <dgm:sp3d/>
+    <dgm:txPr/>
+    <dgm:style>
+      <a:lnRef idx="2">
+        <a:scrgbClr r="0" g="0" b="0"/>
+      </a:lnRef>
+      <a:fillRef idx="1">
+        <a:scrgbClr r="0" g="0" b="0"/>
+      </a:fillRef>
+      <a:effectRef idx="0">
+        <a:scrgbClr r="0" g="0" b="0"/>
+      </a:effectRef>
+      <a:fontRef idx="minor">
+        <a:schemeClr val="lt1"/>
+      </a:fontRef>
+    </dgm:style>
+  </dgm:styleLbl>
+  <dgm:styleLbl name="parChTrans2D2">
+    <dgm:scene3d>
+      <a:camera prst="orthographicFront"/>
+      <a:lightRig rig="threePt" dir="t"/>
+    </dgm:scene3d>
+    <dgm:sp3d/>
+    <dgm:txPr/>
+    <dgm:style>
+      <a:lnRef idx="2">
+        <a:scrgbClr r="0" g="0" b="0"/>
+      </a:lnRef>
+      <a:fillRef idx="1">
+        <a:scrgbClr r="0" g="0" b="0"/>
+      </a:fillRef>
+      <a:effectRef idx="0">
+        <a:scrgbClr r="0" g="0" b="0"/>
+      </a:effectRef>
+      <a:fontRef idx="minor">
+        <a:schemeClr val="lt1"/>
+      </a:fontRef>
+    </dgm:style>
+  </dgm:styleLbl>
+  <dgm:styleLbl name="parChTrans2D3">
+    <dgm:scene3d>
+      <a:camera prst="orthographicFront"/>
+      <a:lightRig rig="threePt" dir="t"/>
+    </dgm:scene3d>
+    <dgm:sp3d/>
+    <dgm:txPr/>
+    <dgm:style>
+      <a:lnRef idx="2">
+        <a:scrgbClr r="0" g="0" b="0"/>
+      </a:lnRef>
+      <a:fillRef idx="1">
+        <a:scrgbClr r="0" g="0" b="0"/>
+      </a:fillRef>
+      <a:effectRef idx="0">
+        <a:scrgbClr r="0" g="0" b="0"/>
+      </a:effectRef>
+      <a:fontRef idx="minor">
+        <a:schemeClr val="lt1"/>
+      </a:fontRef>
+    </dgm:style>
+  </dgm:styleLbl>
+  <dgm:styleLbl name="parChTrans2D4">
+    <dgm:scene3d>
+      <a:camera prst="orthographicFront"/>
+      <a:lightRig rig="threePt" dir="t"/>
+    </dgm:scene3d>
+    <dgm:sp3d/>
+    <dgm:txPr/>
+    <dgm:style>
+      <a:lnRef idx="2">
+        <a:scrgbClr r="0" g="0" b="0"/>
+      </a:lnRef>
+      <a:fillRef idx="1">
+        <a:scrgbClr r="0" g="0" b="0"/>
+      </a:fillRef>
+      <a:effectRef idx="0">
+        <a:scrgbClr r="0" g="0" b="0"/>
+      </a:effectRef>
+      <a:fontRef idx="minor">
+        <a:schemeClr val="lt1"/>
+      </a:fontRef>
+    </dgm:style>
+  </dgm:styleLbl>
+  <dgm:styleLbl name="parChTrans1D1">
+    <dgm:scene3d>
+      <a:camera prst="orthographicFront"/>
+      <a:lightRig rig="threePt" dir="t"/>
+    </dgm:scene3d>
+    <dgm:sp3d/>
+    <dgm:txPr/>
+    <dgm:style>
+      <a:lnRef idx="2">
+        <a:scrgbClr r="0" g="0" b="0"/>
+      </a:lnRef>
+      <a:fillRef idx="0">
+        <a:scrgbClr r="0" g="0" b="0"/>
+      </a:fillRef>
+      <a:effectRef idx="0">
+        <a:scrgbClr r="0" g="0" b="0"/>
+      </a:effectRef>
+      <a:fontRef idx="minor"/>
+    </dgm:style>
+  </dgm:styleLbl>
+  <dgm:styleLbl name="parChTrans1D2">
+    <dgm:scene3d>
+      <a:camera prst="orthographicFront"/>
+      <a:lightRig rig="threePt" dir="t"/>
+    </dgm:scene3d>
+    <dgm:sp3d/>
+    <dgm:txPr/>
+    <dgm:style>
+      <a:lnRef idx="2">
+        <a:scrgbClr r="0" g="0" b="0"/>
+      </a:lnRef>
+      <a:fillRef idx="0">
+        <a:scrgbClr r="0" g="0" b="0"/>
+      </a:fillRef>
+      <a:effectRef idx="0">
+        <a:scrgbClr r="0" g="0" b="0"/>
+      </a:effectRef>
+      <a:fontRef idx="minor"/>
+    </dgm:style>
+  </dgm:styleLbl>
+  <dgm:styleLbl name="parChTrans1D3">
+    <dgm:scene3d>
+      <a:camera prst="orthographicFront"/>
+      <a:lightRig rig="threePt" dir="t"/>
+    </dgm:scene3d>
+    <dgm:sp3d/>
+    <dgm:txPr/>
+    <dgm:style>
+      <a:lnRef idx="2">
+        <a:scrgbClr r="0" g="0" b="0"/>
+      </a:lnRef>
+      <a:fillRef idx="0">
+        <a:scrgbClr r="0" g="0" b="0"/>
+      </a:fillRef>
+      <a:effectRef idx="0">
+        <a:scrgbClr r="0" g="0" b="0"/>
+      </a:effectRef>
+      <a:fontRef idx="minor"/>
+    </dgm:style>
+  </dgm:styleLbl>
+  <dgm:styleLbl name="parChTrans1D4">
+    <dgm:scene3d>
+      <a:camera prst="orthographicFront"/>
+      <a:lightRig rig="threePt" dir="t"/>
+    </dgm:scene3d>
+    <dgm:sp3d/>
+    <dgm:txPr/>
+    <dgm:style>
+      <a:lnRef idx="2">
+        <a:scrgbClr r="0" g="0" b="0"/>
+      </a:lnRef>
+      <a:fillRef idx="0">
+        <a:scrgbClr r="0" g="0" b="0"/>
+      </a:fillRef>
+      <a:effectRef idx="0">
+        <a:scrgbClr r="0" g="0" b="0"/>
+      </a:effectRef>
+      <a:fontRef idx="minor"/>
+    </dgm:style>
+  </dgm:styleLbl>
+  <dgm:styleLbl name="fgAcc1">
+    <dgm:scene3d>
+      <a:camera prst="orthographicFront"/>
+      <a:lightRig rig="threePt" dir="t"/>
+    </dgm:scene3d>
+    <dgm:sp3d/>
+    <dgm:txPr/>
+    <dgm:style>
+      <a:lnRef idx="2">
+        <a:scrgbClr r="0" g="0" b="0"/>
+      </a:lnRef>
+      <a:fillRef idx="1">
+        <a:scrgbClr r="0" g="0" b="0"/>
+      </a:fillRef>
+      <a:effectRef idx="0">
+        <a:scrgbClr r="0" g="0" b="0"/>
+      </a:effectRef>
+      <a:fontRef idx="minor"/>
+    </dgm:style>
+  </dgm:styleLbl>
+  <dgm:styleLbl name="conFgAcc1">
+    <dgm:scene3d>
+      <a:camera prst="orthographicFront"/>
+      <a:lightRig rig="threePt" dir="t"/>
+    </dgm:scene3d>
+    <dgm:sp3d/>
+    <dgm:txPr/>
+    <dgm:style>
+      <a:lnRef idx="2">
+        <a:scrgbClr r="0" g="0" b="0"/>
+      </a:lnRef>
+      <a:fillRef idx="1">
+        <a:scrgbClr r="0" g="0" b="0"/>
+      </a:fillRef>
+      <a:effectRef idx="0">
+        <a:scrgbClr r="0" g="0" b="0"/>
+      </a:effectRef>
+      <a:fontRef idx="minor"/>
+    </dgm:style>
+  </dgm:styleLbl>
+  <dgm:styleLbl name="alignAcc1">
+    <dgm:scene3d>
+      <a:camera prst="orthographicFront"/>
+      <a:lightRig rig="threePt" dir="t"/>
+    </dgm:scene3d>
+    <dgm:sp3d/>
+    <dgm:txPr/>
+    <dgm:style>
+      <a:lnRef idx="2">
+        <a:scrgbClr r="0" g="0" b="0"/>
+      </a:lnRef>
+      <a:fillRef idx="1">
+        <a:scrgbClr r="0" g="0" b="0"/>
+      </a:fillRef>
+      <a:effectRef idx="0">
+        <a:scrgbClr r="0" g="0" b="0"/>
+      </a:effectRef>
+      <a:fontRef idx="minor"/>
+    </dgm:style>
+  </dgm:styleLbl>
+  <dgm:styleLbl name="trAlignAcc1">
+    <dgm:scene3d>
+      <a:camera prst="orthographicFront"/>
+      <a:lightRig rig="threePt" dir="t"/>
+    </dgm:scene3d>
+    <dgm:sp3d/>
+    <dgm:txPr/>
+    <dgm:style>
+      <a:lnRef idx="1">
+        <a:scrgbClr r="0" g="0" b="0"/>
+      </a:lnRef>
+      <a:fillRef idx="1">
+        <a:scrgbClr r="0" g="0" b="0"/>
+      </a:fillRef>
+      <a:effectRef idx="0">
+        <a:scrgbClr r="0" g="0" b="0"/>
+      </a:effectRef>
+      <a:fontRef idx="minor"/>
+    </dgm:style>
+  </dgm:styleLbl>
+  <dgm:styleLbl name="bgAcc1">
+    <dgm:scene3d>
+      <a:camera prst="orthographicFront"/>
+      <a:lightRig rig="threePt" dir="t"/>
+    </dgm:scene3d>
+    <dgm:sp3d/>
+    <dgm:txPr/>
+    <dgm:style>
+      <a:lnRef idx="2">
+        <a:scrgbClr r="0" g="0" b="0"/>
+      </a:lnRef>
+      <a:fillRef idx="1">
+        <a:scrgbClr r="0" g="0" b="0"/>
+      </a:fillRef>
+      <a:effectRef idx="0">
+        <a:scrgbClr r="0" g="0" b="0"/>
+      </a:effectRef>
+      <a:fontRef idx="minor"/>
+    </dgm:style>
+  </dgm:styleLbl>
+  <dgm:styleLbl name="solidFgAcc1">
+    <dgm:scene3d>
+      <a:camera prst="orthographicFront"/>
+      <a:lightRig rig="threePt" dir="t"/>
+    </dgm:scene3d>
+    <dgm:sp3d/>
+    <dgm:txPr/>
+    <dgm:style>
+      <a:lnRef idx="2">
+        <a:scrgbClr r="0" g="0" b="0"/>
+      </a:lnRef>
+      <a:fillRef idx="1">
+        <a:scrgbClr r="0" g="0" b="0"/>
+      </a:fillRef>
+      <a:effectRef idx="0">
+        <a:scrgbClr r="0" g="0" b="0"/>
+      </a:effectRef>
+      <a:fontRef idx="minor"/>
+    </dgm:style>
+  </dgm:styleLbl>
+  <dgm:styleLbl name="solidAlignAcc1">
+    <dgm:scene3d>
+      <a:camera prst="orthographicFront"/>
+      <a:lightRig rig="threePt" dir="t"/>
+    </dgm:scene3d>
+    <dgm:sp3d/>
+    <dgm:txPr/>
+    <dgm:style>
+      <a:lnRef idx="2">
+        <a:scrgbClr r="0" g="0" b="0"/>
+      </a:lnRef>
+      <a:fillRef idx="1">
+        <a:scrgbClr r="0" g="0" b="0"/>
+      </a:fillRef>
+      <a:effectRef idx="0">
+        <a:scrgbClr r="0" g="0" b="0"/>
+      </a:effectRef>
+      <a:fontRef idx="minor"/>
+    </dgm:style>
+  </dgm:styleLbl>
+  <dgm:styleLbl name="solidBgAcc1">
+    <dgm:scene3d>
+      <a:camera prst="orthographicFront"/>
+      <a:lightRig rig="threePt" dir="t"/>
+    </dgm:scene3d>
+    <dgm:sp3d/>
+    <dgm:txPr/>
+    <dgm:style>
+      <a:lnRef idx="2">
+        <a:scrgbClr r="0" g="0" b="0"/>
+      </a:lnRef>
+      <a:fillRef idx="1">
+        <a:scrgbClr r="0" g="0" b="0"/>
+      </a:fillRef>
+      <a:effectRef idx="0">
+        <a:scrgbClr r="0" g="0" b="0"/>
+      </a:effectRef>
+      <a:fontRef idx="minor"/>
+    </dgm:style>
+  </dgm:styleLbl>
+  <dgm:styleLbl name="fgAccFollowNode1">
+    <dgm:scene3d>
+      <a:camera prst="orthographicFront"/>
+      <a:lightRig rig="threePt" dir="t"/>
+    </dgm:scene3d>
+    <dgm:sp3d/>
+    <dgm:txPr/>
+    <dgm:style>
+      <a:lnRef idx="2">
+        <a:scrgbClr r="0" g="0" b="0"/>
+      </a:lnRef>
+      <a:fillRef idx="1">
+        <a:scrgbClr r="0" g="0" b="0"/>
+      </a:fillRef>
+      <a:effectRef idx="0">
+        <a:scrgbClr r="0" g="0" b="0"/>
+      </a:effectRef>
+      <a:fontRef idx="minor"/>
+    </dgm:style>
+  </dgm:styleLbl>
+  <dgm:styleLbl name="alignAccFollowNode1">
+    <dgm:scene3d>
+      <a:camera prst="orthographicFront"/>
+      <a:lightRig rig="threePt" dir="t"/>
+    </dgm:scene3d>
+    <dgm:sp3d/>
+    <dgm:txPr/>
+    <dgm:style>
+      <a:lnRef idx="2">
+        <a:scrgbClr r="0" g="0" b="0"/>
+      </a:lnRef>
+      <a:fillRef idx="1">
+        <a:scrgbClr r="0" g="0" b="0"/>
+      </a:fillRef>
+      <a:effectRef idx="0">
+        <a:scrgbClr r="0" g="0" b="0"/>
+      </a:effectRef>
+      <a:fontRef idx="minor"/>
+    </dgm:style>
+  </dgm:styleLbl>
+  <dgm:styleLbl name="bgAccFollowNode1">
+    <dgm:scene3d>
+      <a:camera prst="orthographicFront"/>
+      <a:lightRig rig="threePt" dir="t"/>
+    </dgm:scene3d>
+    <dgm:sp3d/>
+    <dgm:txPr/>
+    <dgm:style>
+      <a:lnRef idx="2">
+        <a:scrgbClr r="0" g="0" b="0"/>
+      </a:lnRef>
+      <a:fillRef idx="1">
+        <a:scrgbClr r="0" g="0" b="0"/>
+      </a:fillRef>
+      <a:effectRef idx="0">
+        <a:scrgbClr r="0" g="0" b="0"/>
+      </a:effectRef>
+      <a:fontRef idx="minor"/>
+    </dgm:style>
+  </dgm:styleLbl>
+  <dgm:styleLbl name="fgAcc0">
+    <dgm:scene3d>
+      <a:camera prst="orthographicFront"/>
+      <a:lightRig rig="threePt" dir="t"/>
+    </dgm:scene3d>
+    <dgm:sp3d/>
+    <dgm:txPr/>
+    <dgm:style>
+      <a:lnRef idx="2">
+        <a:scrgbClr r="0" g="0" b="0"/>
+      </a:lnRef>
+      <a:fillRef idx="1">
+        <a:scrgbClr r="0" g="0" b="0"/>
+      </a:fillRef>
+      <a:effectRef idx="0">
+        <a:scrgbClr r="0" g="0" b="0"/>
+      </a:effectRef>
+      <a:fontRef idx="minor"/>
+    </dgm:style>
+  </dgm:styleLbl>
+  <dgm:styleLbl name="fgAcc2">
+    <dgm:scene3d>
+      <a:camera prst="orthographicFront"/>
+      <a:lightRig rig="threePt" dir="t"/>
+    </dgm:scene3d>
+    <dgm:sp3d/>
+    <dgm:txPr/>
+    <dgm:style>
+      <a:lnRef idx="2">
+        <a:scrgbClr r="0" g="0" b="0"/>
+      </a:lnRef>
+      <a:fillRef idx="1">
+        <a:scrgbClr r="0" g="0" b="0"/>
+      </a:fillRef>
+      <a:effectRef idx="0">
+        <a:scrgbClr r="0" g="0" b="0"/>
+      </a:effectRef>
+      <a:fontRef idx="minor"/>
+    </dgm:style>
+  </dgm:styleLbl>
+  <dgm:styleLbl name="fgAcc3">
+    <dgm:scene3d>
+      <a:camera prst="orthographicFront"/>
+      <a:lightRig rig="threePt" dir="t"/>
+    </dgm:scene3d>
+    <dgm:sp3d/>
+    <dgm:txPr/>
+    <dgm:style>
+      <a:lnRef idx="2">
+        <a:scrgbClr r="0" g="0" b="0"/>
+      </a:lnRef>
+      <a:fillRef idx="1">
+        <a:scrgbClr r="0" g="0" b="0"/>
+      </a:fillRef>
+      <a:effectRef idx="0">
+        <a:scrgbClr r="0" g="0" b="0"/>
+      </a:effectRef>
+      <a:fontRef idx="minor"/>
+    </dgm:style>
+  </dgm:styleLbl>
+  <dgm:styleLbl name="fgAcc4">
+    <dgm:scene3d>
+      <a:camera prst="orthographicFront"/>
+      <a:lightRig rig="threePt" dir="t"/>
+    </dgm:scene3d>
+    <dgm:sp3d/>
+    <dgm:txPr/>
+    <dgm:style>
+      <a:lnRef idx="2">
+        <a:scrgbClr r="0" g="0" b="0"/>
+      </a:lnRef>
+      <a:fillRef idx="1">
+        <a:scrgbClr r="0" g="0" b="0"/>
+      </a:fillRef>
+      <a:effectRef idx="0">
+        <a:scrgbClr r="0" g="0" b="0"/>
+      </a:effectRef>
+      <a:fontRef idx="minor"/>
+    </dgm:style>
+  </dgm:styleLbl>
+  <dgm:styleLbl name="bgShp">
+    <dgm:scene3d>
+      <a:camera prst="orthographicFront"/>
+      <a:lightRig rig="threePt" dir="t"/>
+    </dgm:scene3d>
+    <dgm:sp3d/>
+    <dgm:txPr/>
+    <dgm:style>
+      <a:lnRef idx="0">
+        <a:scrgbClr r="0" g="0" b="0"/>
+      </a:lnRef>
+      <a:fillRef idx="1">
+        <a:scrgbClr r="0" g="0" b="0"/>
+      </a:fillRef>
+      <a:effectRef idx="0">
+        <a:scrgbClr r="0" g="0" b="0"/>
+      </a:effectRef>
+      <a:fontRef idx="minor"/>
+    </dgm:style>
+  </dgm:styleLbl>
+  <dgm:styleLbl name="dkBgShp">
+    <dgm:scene3d>
+      <a:camera prst="orthographicFront"/>
+      <a:lightRig rig="threePt" dir="t"/>
+    </dgm:scene3d>
+    <dgm:sp3d/>
+    <dgm:txPr/>
+    <dgm:style>
+      <a:lnRef idx="0">
+        <a:scrgbClr r="0" g="0" b="0"/>
+      </a:lnRef>
+      <a:fillRef idx="1">
+        <a:scrgbClr r="0" g="0" b="0"/>
+      </a:fillRef>
+      <a:effectRef idx="0">
+        <a:scrgbClr r="0" g="0" b="0"/>
+      </a:effectRef>
+      <a:fontRef idx="minor"/>
+    </dgm:style>
+  </dgm:styleLbl>
+  <dgm:styleLbl name="trBgShp">
+    <dgm:scene3d>
+      <a:camera prst="orthographicFront"/>
+      <a:lightRig rig="threePt" dir="t"/>
+    </dgm:scene3d>
+    <dgm:sp3d/>
+    <dgm:txPr/>
+    <dgm:style>
+      <a:lnRef idx="0">
+        <a:scrgbClr r="0" g="0" b="0"/>
+      </a:lnRef>
+      <a:fillRef idx="1">
+        <a:scrgbClr r="0" g="0" b="0"/>
+      </a:fillRef>
+      <a:effectRef idx="0">
+        <a:scrgbClr r="0" g="0" b="0"/>
+      </a:effectRef>
+      <a:fontRef idx="minor"/>
+    </dgm:style>
+  </dgm:styleLbl>
+  <dgm:styleLbl name="fgShp">
+    <dgm:scene3d>
+      <a:camera prst="orthographicFront"/>
+      <a:lightRig rig="threePt" dir="t"/>
+    </dgm:scene3d>
+    <dgm:sp3d/>
+    <dgm:txPr/>
+    <dgm:style>
+      <a:lnRef idx="2">
+        <a:scrgbClr r="0" g="0" b="0"/>
+      </a:lnRef>
+      <a:fillRef idx="1">
+        <a:scrgbClr r="0" g="0" b="0"/>
+      </a:fillRef>
+      <a:effectRef idx="0">
+        <a:scrgbClr r="0" g="0" b="0"/>
+      </a:effectRef>
+      <a:fontRef idx="minor"/>
+    </dgm:style>
+  </dgm:styleLbl>
+  <dgm:styleLbl name="revTx">
+    <dgm:scene3d>
+      <a:camera prst="orthographicFront"/>
+      <a:lightRig rig="threePt" dir="t"/>
+    </dgm:scene3d>
+    <dgm:sp3d/>
+    <dgm:txPr/>
+    <dgm:style>
+      <a:lnRef idx="0">
+        <a:scrgbClr r="0" g="0" b="0"/>
+      </a:lnRef>
+      <a:fillRef idx="0">
+        <a:scrgbClr r="0" g="0" b="0"/>
+      </a:fillRef>
+      <a:effectRef idx="0">
+        <a:scrgbClr r="0" g="0" b="0"/>
+      </a:effectRef>
+      <a:fontRef idx="minor"/>
+    </dgm:style>
+  </dgm:styleLbl>
+</dgm:styleDef>
+</file>
+
+<file path=ppt/diagrams/quickStyle2.xml><?xml version="1.0" encoding="utf-8"?>
+<dgm:styleDef xmlns:dgm="http://schemas.openxmlformats.org/drawingml/2006/diagram" xmlns:a="http://schemas.openxmlformats.org/drawingml/2006/main" uniqueId="urn:microsoft.com/office/officeart/2005/8/quickstyle/simple1">
+  <dgm:title val=""/>
+  <dgm:desc val=""/>
+  <dgm:catLst>
+    <dgm:cat type="simple" pri="10100"/>
+  </dgm:catLst>
+  <dgm:scene3d>
+    <a:camera prst="orthographicFront"/>
+    <a:lightRig rig="threePt" dir="t"/>
+  </dgm:scene3d>
+  <dgm:styleLbl name="node0">
+    <dgm:scene3d>
+      <a:camera prst="orthographicFront"/>
+      <a:lightRig rig="threePt" dir="t"/>
+    </dgm:scene3d>
+    <dgm:sp3d/>
+    <dgm:txPr/>
+    <dgm:style>
+      <a:lnRef idx="2">
+        <a:scrgbClr r="0" g="0" b="0"/>
+      </a:lnRef>
+      <a:fillRef idx="1">
+        <a:scrgbClr r="0" g="0" b="0"/>
+      </a:fillRef>
+      <a:effectRef idx="0">
+        <a:scrgbClr r="0" g="0" b="0"/>
+      </a:effectRef>
+      <a:fontRef idx="minor">
+        <a:schemeClr val="lt1"/>
+      </a:fontRef>
+    </dgm:style>
+  </dgm:styleLbl>
+  <dgm:styleLbl name="lnNode1">
+    <dgm:scene3d>
+      <a:camera prst="orthographicFront"/>
+      <a:lightRig rig="threePt" dir="t"/>
+    </dgm:scene3d>
+    <dgm:sp3d/>
+    <dgm:txPr/>
+    <dgm:style>
+      <a:lnRef idx="2">
+        <a:scrgbClr r="0" g="0" b="0"/>
+      </a:lnRef>
+      <a:fillRef idx="1">
+        <a:scrgbClr r="0" g="0" b="0"/>
+      </a:fillRef>
+      <a:effectRef idx="0">
+        <a:scrgbClr r="0" g="0" b="0"/>
+      </a:effectRef>
+      <a:fontRef idx="minor">
+        <a:schemeClr val="lt1"/>
+      </a:fontRef>
+    </dgm:style>
+  </dgm:styleLbl>
+  <dgm:styleLbl name="vennNode1">
+    <dgm:scene3d>
+      <a:camera prst="orthographicFront"/>
+      <a:lightRig rig="threePt" dir="t"/>
+    </dgm:scene3d>
+    <dgm:sp3d/>
+    <dgm:txPr/>
+    <dgm:style>
+      <a:lnRef idx="2">
+        <a:scrgbClr r="0" g="0" b="0"/>
+      </a:lnRef>
+      <a:fillRef idx="1">
+        <a:scrgbClr r="0" g="0" b="0"/>
+      </a:fillRef>
+      <a:effectRef idx="0">
+        <a:scrgbClr r="0" g="0" b="0"/>
+      </a:effectRef>
+      <a:fontRef idx="minor">
+        <a:schemeClr val="tx1"/>
+      </a:fontRef>
+    </dgm:style>
+  </dgm:styleLbl>
+  <dgm:styleLbl name="alignNode1">
+    <dgm:scene3d>
+      <a:camera prst="orthographicFront"/>
+      <a:lightRig rig="threePt" dir="t"/>
+    </dgm:scene3d>
+    <dgm:sp3d/>
+    <dgm:txPr/>
+    <dgm:style>
+      <a:lnRef idx="2">
+        <a:scrgbClr r="0" g="0" b="0"/>
+      </a:lnRef>
+      <a:fillRef idx="1">
+        <a:scrgbClr r="0" g="0" b="0"/>
+      </a:fillRef>
+      <a:effectRef idx="0">
+        <a:scrgbClr r="0" g="0" b="0"/>
+      </a:effectRef>
+      <a:fontRef idx="minor">
+        <a:schemeClr val="lt1"/>
+      </a:fontRef>
+    </dgm:style>
+  </dgm:styleLbl>
+  <dgm:styleLbl name="node1">
+    <dgm:scene3d>
+      <a:camera prst="orthographicFront"/>
+      <a:lightRig rig="threePt" dir="t"/>
+    </dgm:scene3d>
+    <dgm:sp3d/>
+    <dgm:txPr/>
+    <dgm:style>
+      <a:lnRef idx="2">
+        <a:scrgbClr r="0" g="0" b="0"/>
+      </a:lnRef>
+      <a:fillRef idx="1">
+        <a:scrgbClr r="0" g="0" b="0"/>
+      </a:fillRef>
+      <a:effectRef idx="0">
+        <a:scrgbClr r="0" g="0" b="0"/>
+      </a:effectRef>
+      <a:fontRef idx="minor">
+        <a:schemeClr val="lt1"/>
+      </a:fontRef>
+    </dgm:style>
+  </dgm:styleLbl>
+  <dgm:styleLbl name="node2">
+    <dgm:scene3d>
+      <a:camera prst="orthographicFront"/>
+      <a:lightRig rig="threePt" dir="t"/>
+    </dgm:scene3d>
+    <dgm:sp3d/>
+    <dgm:txPr/>
+    <dgm:style>
+      <a:lnRef idx="2">
+        <a:scrgbClr r="0" g="0" b="0"/>
+      </a:lnRef>
+      <a:fillRef idx="1">
+        <a:scrgbClr r="0" g="0" b="0"/>
+      </a:fillRef>
+      <a:effectRef idx="0">
+        <a:scrgbClr r="0" g="0" b="0"/>
+      </a:effectRef>
+      <a:fontRef idx="minor">
+        <a:schemeClr val="lt1"/>
+      </a:fontRef>
+    </dgm:style>
+  </dgm:styleLbl>
+  <dgm:styleLbl name="node3">
+    <dgm:scene3d>
+      <a:camera prst="orthographicFront"/>
+      <a:lightRig rig="threePt" dir="t"/>
+    </dgm:scene3d>
+    <dgm:sp3d/>
+    <dgm:txPr/>
+    <dgm:style>
+      <a:lnRef idx="2">
+        <a:scrgbClr r="0" g="0" b="0"/>
+      </a:lnRef>
+      <a:fillRef idx="1">
+        <a:scrgbClr r="0" g="0" b="0"/>
+      </a:fillRef>
+      <a:effectRef idx="0">
+        <a:scrgbClr r="0" g="0" b="0"/>
+      </a:effectRef>
+      <a:fontRef idx="minor">
+        <a:schemeClr val="lt1"/>
+      </a:fontRef>
+    </dgm:style>
+  </dgm:styleLbl>
+  <dgm:styleLbl name="node4">
+    <dgm:scene3d>
+      <a:camera prst="orthographicFront"/>
+      <a:lightRig rig="threePt" dir="t"/>
+    </dgm:scene3d>
+    <dgm:sp3d/>
+    <dgm:txPr/>
+    <dgm:style>
+      <a:lnRef idx="2">
+        <a:scrgbClr r="0" g="0" b="0"/>
+      </a:lnRef>
+      <a:fillRef idx="1">
+        <a:scrgbClr r="0" g="0" b="0"/>
+      </a:fillRef>
+      <a:effectRef idx="0">
+        <a:scrgbClr r="0" g="0" b="0"/>
+      </a:effectRef>
+      <a:fontRef idx="minor">
+        <a:schemeClr val="lt1"/>
+      </a:fontRef>
+    </dgm:style>
+  </dgm:styleLbl>
+  <dgm:styleLbl name="fgImgPlace1">
+    <dgm:scene3d>
+      <a:camera prst="orthographicFront"/>
+      <a:lightRig rig="threePt" dir="t"/>
+    </dgm:scene3d>
+    <dgm:sp3d/>
+    <dgm:txPr/>
+    <dgm:style>
+      <a:lnRef idx="2">
+        <a:scrgbClr r="0" g="0" b="0"/>
+      </a:lnRef>
+      <a:fillRef idx="1">
+        <a:scrgbClr r="0" g="0" b="0"/>
+      </a:fillRef>
+      <a:effectRef idx="0">
+        <a:scrgbClr r="0" g="0" b="0"/>
+      </a:effectRef>
+      <a:fontRef idx="minor"/>
+    </dgm:style>
+  </dgm:styleLbl>
+  <dgm:styleLbl name="alignImgPlace1">
+    <dgm:scene3d>
+      <a:camera prst="orthographicFront"/>
+      <a:lightRig rig="threePt" dir="t"/>
+    </dgm:scene3d>
+    <dgm:sp3d/>
+    <dgm:txPr/>
+    <dgm:style>
+      <a:lnRef idx="2">
+        <a:scrgbClr r="0" g="0" b="0"/>
+      </a:lnRef>
+      <a:fillRef idx="1">
+        <a:scrgbClr r="0" g="0" b="0"/>
+      </a:fillRef>
+      <a:effectRef idx="0">
+        <a:scrgbClr r="0" g="0" b="0"/>
+      </a:effectRef>
+      <a:fontRef idx="minor"/>
+    </dgm:style>
+  </dgm:styleLbl>
+  <dgm:styleLbl name="bgImgPlace1">
+    <dgm:scene3d>
+      <a:camera prst="orthographicFront"/>
+      <a:lightRig rig="threePt" dir="t"/>
+    </dgm:scene3d>
+    <dgm:sp3d/>
+    <dgm:txPr/>
+    <dgm:style>
+      <a:lnRef idx="2">
+        <a:scrgbClr r="0" g="0" b="0"/>
+      </a:lnRef>
+      <a:fillRef idx="1">
+        <a:scrgbClr r="0" g="0" b="0"/>
+      </a:fillRef>
+      <a:effectRef idx="0">
+        <a:scrgbClr r="0" g="0" b="0"/>
+      </a:effectRef>
+      <a:fontRef idx="minor"/>
+    </dgm:style>
+  </dgm:styleLbl>
+  <dgm:styleLbl name="sibTrans2D1">
+    <dgm:scene3d>
+      <a:camera prst="orthographicFront"/>
+      <a:lightRig rig="threePt" dir="t"/>
+    </dgm:scene3d>
+    <dgm:sp3d/>
+    <dgm:txPr/>
+    <dgm:style>
+      <a:lnRef idx="0">
+        <a:scrgbClr r="0" g="0" b="0"/>
+      </a:lnRef>
+      <a:fillRef idx="1">
+        <a:scrgbClr r="0" g="0" b="0"/>
+      </a:fillRef>
+      <a:effectRef idx="0">
+        <a:scrgbClr r="0" g="0" b="0"/>
+      </a:effectRef>
+      <a:fontRef idx="minor">
+        <a:schemeClr val="lt1"/>
+      </a:fontRef>
+    </dgm:style>
+  </dgm:styleLbl>
+  <dgm:styleLbl name="fgSibTrans2D1">
+    <dgm:scene3d>
+      <a:camera prst="orthographicFront"/>
+      <a:lightRig rig="threePt" dir="t"/>
+    </dgm:scene3d>
+    <dgm:sp3d/>
+    <dgm:txPr/>
+    <dgm:style>
+      <a:lnRef idx="0">
+        <a:scrgbClr r="0" g="0" b="0"/>
+      </a:lnRef>
+      <a:fillRef idx="1">
+        <a:scrgbClr r="0" g="0" b="0"/>
+      </a:fillRef>
+      <a:effectRef idx="0">
+        <a:scrgbClr r="0" g="0" b="0"/>
+      </a:effectRef>
+      <a:fontRef idx="minor">
+        <a:schemeClr val="lt1"/>
+      </a:fontRef>
+    </dgm:style>
+  </dgm:styleLbl>
+  <dgm:styleLbl name="bgSibTrans2D1">
+    <dgm:scene3d>
+      <a:camera prst="orthographicFront"/>
+      <a:lightRig rig="threePt" dir="t"/>
+    </dgm:scene3d>
+    <dgm:sp3d/>
+    <dgm:txPr/>
+    <dgm:style>
+      <a:lnRef idx="0">
+        <a:scrgbClr r="0" g="0" b="0"/>
+      </a:lnRef>
+      <a:fillRef idx="1">
+        <a:scrgbClr r="0" g="0" b="0"/>
+      </a:fillRef>
+      <a:effectRef idx="0">
+        <a:scrgbClr r="0" g="0" b="0"/>
+      </a:effectRef>
+      <a:fontRef idx="minor">
+        <a:schemeClr val="lt1"/>
+      </a:fontRef>
+    </dgm:style>
+  </dgm:styleLbl>
+  <dgm:styleLbl name="sibTrans1D1">
+    <dgm:scene3d>
+      <a:camera prst="orthographicFront"/>
+      <a:lightRig rig="threePt" dir="t"/>
+    </dgm:scene3d>
+    <dgm:sp3d/>
+    <dgm:txPr/>
+    <dgm:style>
+      <a:lnRef idx="1">
+        <a:scrgbClr r="0" g="0" b="0"/>
+      </a:lnRef>
+      <a:fillRef idx="0">
+        <a:scrgbClr r="0" g="0" b="0"/>
+      </a:fillRef>
+      <a:effectRef idx="0">
+        <a:scrgbClr r="0" g="0" b="0"/>
+      </a:effectRef>
+      <a:fontRef idx="minor"/>
+    </dgm:style>
+  </dgm:styleLbl>
+  <dgm:styleLbl name="callout">
+    <dgm:scene3d>
+      <a:camera prst="orthographicFront"/>
+      <a:lightRig rig="threePt" dir="t"/>
+    </dgm:scene3d>
+    <dgm:sp3d/>
+    <dgm:txPr/>
+    <dgm:style>
+      <a:lnRef idx="2">
+        <a:scrgbClr r="0" g="0" b="0"/>
+      </a:lnRef>
+      <a:fillRef idx="1">
+        <a:scrgbClr r="0" g="0" b="0"/>
+      </a:fillRef>
+      <a:effectRef idx="0">
+        <a:scrgbClr r="0" g="0" b="0"/>
+      </a:effectRef>
+      <a:fontRef idx="minor"/>
+    </dgm:style>
+  </dgm:styleLbl>
+  <dgm:styleLbl name="asst0">
+    <dgm:scene3d>
+      <a:camera prst="orthographicFront"/>
+      <a:lightRig rig="threePt" dir="t"/>
+    </dgm:scene3d>
+    <dgm:sp3d/>
+    <dgm:txPr/>
+    <dgm:style>
+      <a:lnRef idx="2">
+        <a:scrgbClr r="0" g="0" b="0"/>
+      </a:lnRef>
+      <a:fillRef idx="1">
+        <a:scrgbClr r="0" g="0" b="0"/>
+      </a:fillRef>
+      <a:effectRef idx="0">
+        <a:scrgbClr r="0" g="0" b="0"/>
+      </a:effectRef>
+      <a:fontRef idx="minor">
+        <a:schemeClr val="lt1"/>
+      </a:fontRef>
+    </dgm:style>
+  </dgm:styleLbl>
+  <dgm:styleLbl name="asst1">
+    <dgm:scene3d>
+      <a:camera prst="orthographicFront"/>
+      <a:lightRig rig="threePt" dir="t"/>
+    </dgm:scene3d>
+    <dgm:sp3d/>
+    <dgm:txPr/>
+    <dgm:style>
+      <a:lnRef idx="2">
+        <a:scrgbClr r="0" g="0" b="0"/>
+      </a:lnRef>
+      <a:fillRef idx="1">
+        <a:scrgbClr r="0" g="0" b="0"/>
+      </a:fillRef>
+      <a:effectRef idx="0">
+        <a:scrgbClr r="0" g="0" b="0"/>
+      </a:effectRef>
+      <a:fontRef idx="minor">
+        <a:schemeClr val="lt1"/>
+      </a:fontRef>
+    </dgm:style>
+  </dgm:styleLbl>
+  <dgm:styleLbl name="asst2">
+    <dgm:scene3d>
+      <a:camera prst="orthographicFront"/>
+      <a:lightRig rig="threePt" dir="t"/>
+    </dgm:scene3d>
+    <dgm:sp3d/>
+    <dgm:txPr/>
+    <dgm:style>
+      <a:lnRef idx="2">
+        <a:scrgbClr r="0" g="0" b="0"/>
+      </a:lnRef>
+      <a:fillRef idx="1">
+        <a:scrgbClr r="0" g="0" b="0"/>
+      </a:fillRef>
+      <a:effectRef idx="0">
+        <a:scrgbClr r="0" g="0" b="0"/>
+      </a:effectRef>
+      <a:fontRef idx="minor">
+        <a:schemeClr val="lt1"/>
+      </a:fontRef>
+    </dgm:style>
+  </dgm:styleLbl>
+  <dgm:styleLbl name="asst3">
+    <dgm:scene3d>
+      <a:camera prst="orthographicFront"/>
+      <a:lightRig rig="threePt" dir="t"/>
+    </dgm:scene3d>
+    <dgm:sp3d/>
+    <dgm:txPr/>
+    <dgm:style>
+      <a:lnRef idx="2">
+        <a:scrgbClr r="0" g="0" b="0"/>
+      </a:lnRef>
+      <a:fillRef idx="1">
+        <a:scrgbClr r="0" g="0" b="0"/>
+      </a:fillRef>
+      <a:effectRef idx="0">
+        <a:scrgbClr r="0" g="0" b="0"/>
+      </a:effectRef>
+      <a:fontRef idx="minor">
+        <a:schemeClr val="lt1"/>
+      </a:fontRef>
+    </dgm:style>
+  </dgm:styleLbl>
+  <dgm:styleLbl name="asst4">
+    <dgm:scene3d>
+      <a:camera prst="orthographicFront"/>
+      <a:lightRig rig="threePt" dir="t"/>
+    </dgm:scene3d>
+    <dgm:sp3d/>
+    <dgm:txPr/>
+    <dgm:style>
+      <a:lnRef idx="2">
+        <a:scrgbClr r="0" g="0" b="0"/>
+      </a:lnRef>
+      <a:fillRef idx="1">
+        <a:scrgbClr r="0" g="0" b="0"/>
+      </a:fillRef>
+      <a:effectRef idx="0">
+        <a:scrgbClr r="0" g="0" b="0"/>
+      </a:effectRef>
+      <a:fontRef idx="minor">
+        <a:schemeClr val="lt1"/>
+      </a:fontRef>
+    </dgm:style>
+  </dgm:styleLbl>
+  <dgm:styleLbl name="parChTrans2D1">
+    <dgm:scene3d>
+      <a:camera prst="orthographicFront"/>
+      <a:lightRig rig="threePt" dir="t"/>
+    </dgm:scene3d>
+    <dgm:sp3d/>
+    <dgm:txPr/>
+    <dgm:style>
+      <a:lnRef idx="2">
+        <a:scrgbClr r="0" g="0" b="0"/>
+      </a:lnRef>
+      <a:fillRef idx="1">
+        <a:scrgbClr r="0" g="0" b="0"/>
+      </a:fillRef>
+      <a:effectRef idx="0">
+        <a:scrgbClr r="0" g="0" b="0"/>
+      </a:effectRef>
+      <a:fontRef idx="minor">
+        <a:schemeClr val="lt1"/>
+      </a:fontRef>
+    </dgm:style>
+  </dgm:styleLbl>
+  <dgm:styleLbl name="parChTrans2D2">
+    <dgm:scene3d>
+      <a:camera prst="orthographicFront"/>
+      <a:lightRig rig="threePt" dir="t"/>
+    </dgm:scene3d>
+    <dgm:sp3d/>
+    <dgm:txPr/>
+    <dgm:style>
+      <a:lnRef idx="2">
+        <a:scrgbClr r="0" g="0" b="0"/>
+      </a:lnRef>
+      <a:fillRef idx="1">
+        <a:scrgbClr r="0" g="0" b="0"/>
+      </a:fillRef>
+      <a:effectRef idx="0">
+        <a:scrgbClr r="0" g="0" b="0"/>
+      </a:effectRef>
+      <a:fontRef idx="minor">
+        <a:schemeClr val="lt1"/>
+      </a:fontRef>
+    </dgm:style>
+  </dgm:styleLbl>
+  <dgm:styleLbl name="parChTrans2D3">
+    <dgm:scene3d>
+      <a:camera prst="orthographicFront"/>
+      <a:lightRig rig="threePt" dir="t"/>
+    </dgm:scene3d>
+    <dgm:sp3d/>
+    <dgm:txPr/>
+    <dgm:style>
+      <a:lnRef idx="2">
+        <a:scrgbClr r="0" g="0" b="0"/>
+      </a:lnRef>
+      <a:fillRef idx="1">
+        <a:scrgbClr r="0" g="0" b="0"/>
+      </a:fillRef>
+      <a:effectRef idx="0">
+        <a:scrgbClr r="0" g="0" b="0"/>
+      </a:effectRef>
+      <a:fontRef idx="minor">
+        <a:schemeClr val="lt1"/>
+      </a:fontRef>
+    </dgm:style>
+  </dgm:styleLbl>
+  <dgm:styleLbl name="parChTrans2D4">
+    <dgm:scene3d>
+      <a:camera prst="orthographicFront"/>
+      <a:lightRig rig="threePt" dir="t"/>
+    </dgm:scene3d>
+    <dgm:sp3d/>
+    <dgm:txPr/>
+    <dgm:style>
+      <a:lnRef idx="2">
+        <a:scrgbClr r="0" g="0" b="0"/>
+      </a:lnRef>
+      <a:fillRef idx="1">
+        <a:scrgbClr r="0" g="0" b="0"/>
+      </a:fillRef>
+      <a:effectRef idx="0">
+        <a:scrgbClr r="0" g="0" b="0"/>
+      </a:effectRef>
+      <a:fontRef idx="minor">
+        <a:schemeClr val="lt1"/>
+      </a:fontRef>
+    </dgm:style>
+  </dgm:styleLbl>
+  <dgm:styleLbl name="parChTrans1D1">
+    <dgm:scene3d>
+      <a:camera prst="orthographicFront"/>
+      <a:lightRig rig="threePt" dir="t"/>
+    </dgm:scene3d>
+    <dgm:sp3d/>
+    <dgm:txPr/>
+    <dgm:style>
+      <a:lnRef idx="2">
+        <a:scrgbClr r="0" g="0" b="0"/>
+      </a:lnRef>
+      <a:fillRef idx="0">
+        <a:scrgbClr r="0" g="0" b="0"/>
+      </a:fillRef>
+      <a:effectRef idx="0">
+        <a:scrgbClr r="0" g="0" b="0"/>
+      </a:effectRef>
+      <a:fontRef idx="minor"/>
+    </dgm:style>
+  </dgm:styleLbl>
+  <dgm:styleLbl name="parChTrans1D2">
+    <dgm:scene3d>
+      <a:camera prst="orthographicFront"/>
+      <a:lightRig rig="threePt" dir="t"/>
+    </dgm:scene3d>
+    <dgm:sp3d/>
+    <dgm:txPr/>
+    <dgm:style>
+      <a:lnRef idx="2">
+        <a:scrgbClr r="0" g="0" b="0"/>
+      </a:lnRef>
+      <a:fillRef idx="0">
+        <a:scrgbClr r="0" g="0" b="0"/>
+      </a:fillRef>
+      <a:effectRef idx="0">
+        <a:scrgbClr r="0" g="0" b="0"/>
+      </a:effectRef>
+      <a:fontRef idx="minor"/>
+    </dgm:style>
+  </dgm:styleLbl>
+  <dgm:styleLbl name="parChTrans1D3">
+    <dgm:scene3d>
+      <a:camera prst="orthographicFront"/>
+      <a:lightRig rig="threePt" dir="t"/>
+    </dgm:scene3d>
+    <dgm:sp3d/>
+    <dgm:txPr/>
+    <dgm:style>
+      <a:lnRef idx="2">
+        <a:scrgbClr r="0" g="0" b="0"/>
+      </a:lnRef>
+      <a:fillRef idx="0">
+        <a:scrgbClr r="0" g="0" b="0"/>
+      </a:fillRef>
+      <a:effectRef idx="0">
+        <a:scrgbClr r="0" g="0" b="0"/>
+      </a:effectRef>
+      <a:fontRef idx="minor"/>
+    </dgm:style>
+  </dgm:styleLbl>
+  <dgm:styleLbl name="parChTrans1D4">
+    <dgm:scene3d>
+      <a:camera prst="orthographicFront"/>
+      <a:lightRig rig="threePt" dir="t"/>
+    </dgm:scene3d>
+    <dgm:sp3d/>
+    <dgm:txPr/>
+    <dgm:style>
+      <a:lnRef idx="2">
+        <a:scrgbClr r="0" g="0" b="0"/>
+      </a:lnRef>
+      <a:fillRef idx="0">
+        <a:scrgbClr r="0" g="0" b="0"/>
+      </a:fillRef>
+      <a:effectRef idx="0">
+        <a:scrgbClr r="0" g="0" b="0"/>
+      </a:effectRef>
+      <a:fontRef idx="minor"/>
+    </dgm:style>
+  </dgm:styleLbl>
+  <dgm:styleLbl name="fgAcc1">
+    <dgm:scene3d>
+      <a:camera prst="orthographicFront"/>
+      <a:lightRig rig="threePt" dir="t"/>
+    </dgm:scene3d>
+    <dgm:sp3d/>
+    <dgm:txPr/>
+    <dgm:style>
+      <a:lnRef idx="2">
+        <a:scrgbClr r="0" g="0" b="0"/>
+      </a:lnRef>
+      <a:fillRef idx="1">
+        <a:scrgbClr r="0" g="0" b="0"/>
+      </a:fillRef>
+      <a:effectRef idx="0">
+        <a:scrgbClr r="0" g="0" b="0"/>
+      </a:effectRef>
+      <a:fontRef idx="minor"/>
+    </dgm:style>
+  </dgm:styleLbl>
+  <dgm:styleLbl name="conFgAcc1">
+    <dgm:scene3d>
+      <a:camera prst="orthographicFront"/>
+      <a:lightRig rig="threePt" dir="t"/>
+    </dgm:scene3d>
+    <dgm:sp3d/>
+    <dgm:txPr/>
+    <dgm:style>
+      <a:lnRef idx="2">
+        <a:scrgbClr r="0" g="0" b="0"/>
+      </a:lnRef>
+      <a:fillRef idx="1">
+        <a:scrgbClr r="0" g="0" b="0"/>
+      </a:fillRef>
+      <a:effectRef idx="0">
+        <a:scrgbClr r="0" g="0" b="0"/>
+      </a:effectRef>
+      <a:fontRef idx="minor"/>
+    </dgm:style>
+  </dgm:styleLbl>
+  <dgm:styleLbl name="alignAcc1">
+    <dgm:scene3d>
+      <a:camera prst="orthographicFront"/>
+      <a:lightRig rig="threePt" dir="t"/>
+    </dgm:scene3d>
+    <dgm:sp3d/>
+    <dgm:txPr/>
+    <dgm:style>
+      <a:lnRef idx="2">
+        <a:scrgbClr r="0" g="0" b="0"/>
+      </a:lnRef>
+      <a:fillRef idx="1">
+        <a:scrgbClr r="0" g="0" b="0"/>
+      </a:fillRef>
+      <a:effectRef idx="0">
+        <a:scrgbClr r="0" g="0" b="0"/>
+      </a:effectRef>
+      <a:fontRef idx="minor"/>
+    </dgm:style>
+  </dgm:styleLbl>
+  <dgm:styleLbl name="trAlignAcc1">
+    <dgm:scene3d>
+      <a:camera prst="orthographicFront"/>
+      <a:lightRig rig="threePt" dir="t"/>
+    </dgm:scene3d>
+    <dgm:sp3d/>
+    <dgm:txPr/>
+    <dgm:style>
+      <a:lnRef idx="1">
+        <a:scrgbClr r="0" g="0" b="0"/>
+      </a:lnRef>
+      <a:fillRef idx="1">
+        <a:scrgbClr r="0" g="0" b="0"/>
+      </a:fillRef>
+      <a:effectRef idx="0">
+        <a:scrgbClr r="0" g="0" b="0"/>
+      </a:effectRef>
+      <a:fontRef idx="minor"/>
+    </dgm:style>
+  </dgm:styleLbl>
+  <dgm:styleLbl name="bgAcc1">
+    <dgm:scene3d>
+      <a:camera prst="orthographicFront"/>
+      <a:lightRig rig="threePt" dir="t"/>
+    </dgm:scene3d>
+    <dgm:sp3d/>
+    <dgm:txPr/>
+    <dgm:style>
+      <a:lnRef idx="2">
+        <a:scrgbClr r="0" g="0" b="0"/>
+      </a:lnRef>
+      <a:fillRef idx="1">
+        <a:scrgbClr r="0" g="0" b="0"/>
+      </a:fillRef>
+      <a:effectRef idx="0">
+        <a:scrgbClr r="0" g="0" b="0"/>
+      </a:effectRef>
+      <a:fontRef idx="minor"/>
+    </dgm:style>
+  </dgm:styleLbl>
+  <dgm:styleLbl name="solidFgAcc1">
+    <dgm:scene3d>
+      <a:camera prst="orthographicFront"/>
+      <a:lightRig rig="threePt" dir="t"/>
+    </dgm:scene3d>
+    <dgm:sp3d/>
+    <dgm:txPr/>
+    <dgm:style>
+      <a:lnRef idx="2">
+        <a:scrgbClr r="0" g="0" b="0"/>
+      </a:lnRef>
+      <a:fillRef idx="1">
+        <a:scrgbClr r="0" g="0" b="0"/>
+      </a:fillRef>
+      <a:effectRef idx="0">
+        <a:scrgbClr r="0" g="0" b="0"/>
+      </a:effectRef>
+      <a:fontRef idx="minor"/>
+    </dgm:style>
+  </dgm:styleLbl>
+  <dgm:styleLbl name="solidAlignAcc1">
+    <dgm:scene3d>
+      <a:camera prst="orthographicFront"/>
+      <a:lightRig rig="threePt" dir="t"/>
+    </dgm:scene3d>
+    <dgm:sp3d/>
+    <dgm:txPr/>
+    <dgm:style>
+      <a:lnRef idx="2">
+        <a:scrgbClr r="0" g="0" b="0"/>
+      </a:lnRef>
+      <a:fillRef idx="1">
+        <a:scrgbClr r="0" g="0" b="0"/>
+      </a:fillRef>
+      <a:effectRef idx="0">
+        <a:scrgbClr r="0" g="0" b="0"/>
+      </a:effectRef>
+      <a:fontRef idx="minor"/>
+    </dgm:style>
+  </dgm:styleLbl>
+  <dgm:styleLbl name="solidBgAcc1">
+    <dgm:scene3d>
+      <a:camera prst="orthographicFront"/>
+      <a:lightRig rig="threePt" dir="t"/>
+    </dgm:scene3d>
+    <dgm:sp3d/>
+    <dgm:txPr/>
+    <dgm:style>
+      <a:lnRef idx="2">
+        <a:scrgbClr r="0" g="0" b="0"/>
+      </a:lnRef>
+      <a:fillRef idx="1">
+        <a:scrgbClr r="0" g="0" b="0"/>
+      </a:fillRef>
+      <a:effectRef idx="0">
+        <a:scrgbClr r="0" g="0" b="0"/>
+      </a:effectRef>
+      <a:fontRef idx="minor"/>
+    </dgm:style>
+  </dgm:styleLbl>
+  <dgm:styleLbl name="fgAccFollowNode1">
+    <dgm:scene3d>
+      <a:camera prst="orthographicFront"/>
+      <a:lightRig rig="threePt" dir="t"/>
+    </dgm:scene3d>
+    <dgm:sp3d/>
+    <dgm:txPr/>
+    <dgm:style>
+      <a:lnRef idx="2">
+        <a:scrgbClr r="0" g="0" b="0"/>
+      </a:lnRef>
+      <a:fillRef idx="1">
+        <a:scrgbClr r="0" g="0" b="0"/>
+      </a:fillRef>
+      <a:effectRef idx="0">
+        <a:scrgbClr r="0" g="0" b="0"/>
+      </a:effectRef>
+      <a:fontRef idx="minor"/>
+    </dgm:style>
+  </dgm:styleLbl>
+  <dgm:styleLbl name="alignAccFollowNode1">
+    <dgm:scene3d>
+      <a:camera prst="orthographicFront"/>
+      <a:lightRig rig="threePt" dir="t"/>
+    </dgm:scene3d>
+    <dgm:sp3d/>
+    <dgm:txPr/>
+    <dgm:style>
+      <a:lnRef idx="2">
+        <a:scrgbClr r="0" g="0" b="0"/>
+      </a:lnRef>
+      <a:fillRef idx="1">
+        <a:scrgbClr r="0" g="0" b="0"/>
+      </a:fillRef>
+      <a:effectRef idx="0">
+        <a:scrgbClr r="0" g="0" b="0"/>
+      </a:effectRef>
+      <a:fontRef idx="minor"/>
+    </dgm:style>
+  </dgm:styleLbl>
+  <dgm:styleLbl name="bgAccFollowNode1">
+    <dgm:scene3d>
+      <a:camera prst="orthographicFront"/>
+      <a:lightRig rig="threePt" dir="t"/>
+    </dgm:scene3d>
+    <dgm:sp3d/>
+    <dgm:txPr/>
+    <dgm:style>
+      <a:lnRef idx="2">
+        <a:scrgbClr r="0" g="0" b="0"/>
+      </a:lnRef>
+      <a:fillRef idx="1">
+        <a:scrgbClr r="0" g="0" b="0"/>
+      </a:fillRef>
+      <a:effectRef idx="0">
+        <a:scrgbClr r="0" g="0" b="0"/>
+      </a:effectRef>
+      <a:fontRef idx="minor"/>
+    </dgm:style>
+  </dgm:styleLbl>
+  <dgm:styleLbl name="fgAcc0">
+    <dgm:scene3d>
+      <a:camera prst="orthographicFront"/>
+      <a:lightRig rig="threePt" dir="t"/>
+    </dgm:scene3d>
+    <dgm:sp3d/>
+    <dgm:txPr/>
+    <dgm:style>
+      <a:lnRef idx="2">
+        <a:scrgbClr r="0" g="0" b="0"/>
+      </a:lnRef>
+      <a:fillRef idx="1">
+        <a:scrgbClr r="0" g="0" b="0"/>
+      </a:fillRef>
+      <a:effectRef idx="0">
+        <a:scrgbClr r="0" g="0" b="0"/>
+      </a:effectRef>
+      <a:fontRef idx="minor"/>
+    </dgm:style>
+  </dgm:styleLbl>
+  <dgm:styleLbl name="fgAcc2">
+    <dgm:scene3d>
+      <a:camera prst="orthographicFront"/>
+      <a:lightRig rig="threePt" dir="t"/>
+    </dgm:scene3d>
+    <dgm:sp3d/>
+    <dgm:txPr/>
+    <dgm:style>
+      <a:lnRef idx="2">
+        <a:scrgbClr r="0" g="0" b="0"/>
+      </a:lnRef>
+      <a:fillRef idx="1">
+        <a:scrgbClr r="0" g="0" b="0"/>
+      </a:fillRef>
+      <a:effectRef idx="0">
+        <a:scrgbClr r="0" g="0" b="0"/>
+      </a:effectRef>
+      <a:fontRef idx="minor"/>
+    </dgm:style>
+  </dgm:styleLbl>
+  <dgm:styleLbl name="fgAcc3">
+    <dgm:scene3d>
+      <a:camera prst="orthographicFront"/>
+      <a:lightRig rig="threePt" dir="t"/>
+    </dgm:scene3d>
+    <dgm:sp3d/>
+    <dgm:txPr/>
+    <dgm:style>
+      <a:lnRef idx="2">
+        <a:scrgbClr r="0" g="0" b="0"/>
+      </a:lnRef>
+      <a:fillRef idx="1">
+        <a:scrgbClr r="0" g="0" b="0"/>
+      </a:fillRef>
+      <a:effectRef idx="0">
+        <a:scrgbClr r="0" g="0" b="0"/>
+      </a:effectRef>
+      <a:fontRef idx="minor"/>
+    </dgm:style>
+  </dgm:styleLbl>
+  <dgm:styleLbl name="fgAcc4">
+    <dgm:scene3d>
+      <a:camera prst="orthographicFront"/>
+      <a:lightRig rig="threePt" dir="t"/>
+    </dgm:scene3d>
+    <dgm:sp3d/>
+    <dgm:txPr/>
+    <dgm:style>
+      <a:lnRef idx="2">
+        <a:scrgbClr r="0" g="0" b="0"/>
+      </a:lnRef>
+      <a:fillRef idx="1">
+        <a:scrgbClr r="0" g="0" b="0"/>
+      </a:fillRef>
+      <a:effectRef idx="0">
+        <a:scrgbClr r="0" g="0" b="0"/>
+      </a:effectRef>
+      <a:fontRef idx="minor"/>
+    </dgm:style>
+  </dgm:styleLbl>
+  <dgm:styleLbl name="bgShp">
+    <dgm:scene3d>
+      <a:camera prst="orthographicFront"/>
+      <a:lightRig rig="threePt" dir="t"/>
+    </dgm:scene3d>
+    <dgm:sp3d/>
+    <dgm:txPr/>
+    <dgm:style>
+      <a:lnRef idx="0">
+        <a:scrgbClr r="0" g="0" b="0"/>
+      </a:lnRef>
+      <a:fillRef idx="1">
+        <a:scrgbClr r="0" g="0" b="0"/>
+      </a:fillRef>
+      <a:effectRef idx="0">
+        <a:scrgbClr r="0" g="0" b="0"/>
+      </a:effectRef>
+      <a:fontRef idx="minor"/>
+    </dgm:style>
+  </dgm:styleLbl>
+  <dgm:styleLbl name="dkBgShp">
+    <dgm:scene3d>
+      <a:camera prst="orthographicFront"/>
+      <a:lightRig rig="threePt" dir="t"/>
+    </dgm:scene3d>
+    <dgm:sp3d/>
+    <dgm:txPr/>
+    <dgm:style>
+      <a:lnRef idx="0">
+        <a:scrgbClr r="0" g="0" b="0"/>
+      </a:lnRef>
+      <a:fillRef idx="1">
+        <a:scrgbClr r="0" g="0" b="0"/>
+      </a:fillRef>
+      <a:effectRef idx="0">
+        <a:scrgbClr r="0" g="0" b="0"/>
+      </a:effectRef>
+      <a:fontRef idx="minor"/>
+    </dgm:style>
+  </dgm:styleLbl>
+  <dgm:styleLbl name="trBgShp">
+    <dgm:scene3d>
+      <a:camera prst="orthographicFront"/>
+      <a:lightRig rig="threePt" dir="t"/>
+    </dgm:scene3d>
+    <dgm:sp3d/>
+    <dgm:txPr/>
+    <dgm:style>
+      <a:lnRef idx="0">
+        <a:scrgbClr r="0" g="0" b="0"/>
+      </a:lnRef>
+      <a:fillRef idx="1">
+        <a:scrgbClr r="0" g="0" b="0"/>
+      </a:fillRef>
+      <a:effectRef idx="0">
+        <a:scrgbClr r="0" g="0" b="0"/>
+      </a:effectRef>
+      <a:fontRef idx="minor"/>
+    </dgm:style>
+  </dgm:styleLbl>
+  <dgm:styleLbl name="fgShp">
+    <dgm:scene3d>
+      <a:camera prst="orthographicFront"/>
+      <a:lightRig rig="threePt" dir="t"/>
+    </dgm:scene3d>
+    <dgm:sp3d/>
+    <dgm:txPr/>
+    <dgm:style>
+      <a:lnRef idx="2">
+        <a:scrgbClr r="0" g="0" b="0"/>
+      </a:lnRef>
+      <a:fillRef idx="1">
+        <a:scrgbClr r="0" g="0" b="0"/>
+      </a:fillRef>
+      <a:effectRef idx="0">
+        <a:scrgbClr r="0" g="0" b="0"/>
+      </a:effectRef>
+      <a:fontRef idx="minor"/>
+    </dgm:style>
+  </dgm:styleLbl>
+  <dgm:styleLbl name="revTx">
+    <dgm:scene3d>
+      <a:camera prst="orthographicFront"/>
+      <a:lightRig rig="threePt" dir="t"/>
+    </dgm:scene3d>
+    <dgm:sp3d/>
+    <dgm:txPr/>
+    <dgm:style>
+      <a:lnRef idx="0">
+        <a:scrgbClr r="0" g="0" b="0"/>
+      </a:lnRef>
+      <a:fillRef idx="0">
+        <a:scrgbClr r="0" g="0" b="0"/>
+      </a:fillRef>
+      <a:effectRef idx="0">
+        <a:scrgbClr r="0" g="0" b="0"/>
+      </a:effectRef>
+      <a:fontRef idx="minor"/>
+    </dgm:style>
+  </dgm:styleLbl>
+</dgm:styleDef>
+</file>
+
+<file path=ppt/diagrams/quickStyle3.xml><?xml version="1.0" encoding="utf-8"?>
 <dgm:styleDef xmlns:dgm="http://schemas.openxmlformats.org/drawingml/2006/diagram" xmlns:a="http://schemas.openxmlformats.org/drawingml/2006/main" uniqueId="urn:microsoft.com/office/officeart/2005/8/quickstyle/simple1">
   <dgm:title val=""/>
   <dgm:desc val=""/>
@@ -3865,7 +9302,119 @@
               </a:spcAft>
               <a:buNone/>
             </a:pPr>
-            <a:endParaRPr/>
+            <a:r>
+              <a:rPr lang="en-US" dirty="0"/>
+              <a:t>For most of us that have watched modern .NET since that time we know what happens next, but let’s talk a little about how we got to where we are.</a:t>
+            </a:r>
+          </a:p>
+          <a:p>
+            <a:pPr marL="0" lvl="0" indent="0" algn="l" rtl="0">
+              <a:spcBef>
+                <a:spcPts val="0"/>
+              </a:spcBef>
+              <a:spcAft>
+                <a:spcPts val="0"/>
+              </a:spcAft>
+              <a:buNone/>
+            </a:pPr>
+            <a:endParaRPr lang="en-US" dirty="0"/>
+          </a:p>
+          <a:p>
+            <a:pPr marL="0" lvl="0" indent="0" algn="l" rtl="0">
+              <a:spcBef>
+                <a:spcPts val="0"/>
+              </a:spcBef>
+              <a:spcAft>
+                <a:spcPts val="0"/>
+              </a:spcAft>
+              <a:buNone/>
+            </a:pPr>
+            <a:r>
+              <a:rPr lang="en-US" dirty="0"/>
+              <a:t>In that video, Steve also shows Web Assembly, released in March of 2017</a:t>
+            </a:r>
+          </a:p>
+          <a:p>
+            <a:pPr marL="0" lvl="0" indent="0" algn="l" rtl="0">
+              <a:spcBef>
+                <a:spcPts val="0"/>
+              </a:spcBef>
+              <a:spcAft>
+                <a:spcPts val="0"/>
+              </a:spcAft>
+              <a:buNone/>
+            </a:pPr>
+            <a:endParaRPr lang="en-US" dirty="0"/>
+          </a:p>
+          <a:p>
+            <a:pPr marL="0" lvl="0" indent="0" algn="l" rtl="0">
+              <a:spcBef>
+                <a:spcPts val="0"/>
+              </a:spcBef>
+              <a:spcAft>
+                <a:spcPts val="0"/>
+              </a:spcAft>
+              <a:buNone/>
+            </a:pPr>
+            <a:r>
+              <a:rPr lang="en-US" dirty="0"/>
+              <a:t>Portable binary code format that aims to support ANY language</a:t>
+            </a:r>
+          </a:p>
+          <a:p>
+            <a:pPr marL="0" lvl="0" indent="0" algn="l" rtl="0">
+              <a:spcBef>
+                <a:spcPts val="0"/>
+              </a:spcBef>
+              <a:spcAft>
+                <a:spcPts val="0"/>
+              </a:spcAft>
+              <a:buNone/>
+            </a:pPr>
+            <a:endParaRPr lang="en-US" dirty="0"/>
+          </a:p>
+          <a:p>
+            <a:pPr marL="0" lvl="0" indent="0" algn="l" rtl="0">
+              <a:spcBef>
+                <a:spcPts val="0"/>
+              </a:spcBef>
+              <a:spcAft>
+                <a:spcPts val="0"/>
+              </a:spcAft>
+              <a:buNone/>
+            </a:pPr>
+            <a:r>
+              <a:rPr lang="en-US" dirty="0"/>
+              <a:t>This translate into being able to execute code written in nearly any programming language inside the browser sandbox if the application is compiled the right way</a:t>
+            </a:r>
+          </a:p>
+          <a:p>
+            <a:pPr marL="0" lvl="0" indent="0" algn="l" rtl="0">
+              <a:spcBef>
+                <a:spcPts val="0"/>
+              </a:spcBef>
+              <a:spcAft>
+                <a:spcPts val="0"/>
+              </a:spcAft>
+              <a:buNone/>
+            </a:pPr>
+            <a:endParaRPr lang="en-US" dirty="0"/>
+          </a:p>
+          <a:p>
+            <a:pPr marL="0" lvl="0" indent="0" algn="l" rtl="0">
+              <a:spcBef>
+                <a:spcPts val="0"/>
+              </a:spcBef>
+              <a:spcAft>
+                <a:spcPts val="0"/>
+              </a:spcAft>
+              <a:buNone/>
+            </a:pPr>
+            <a:r>
+              <a:rPr lang="en-US" dirty="0"/>
+              <a:t>It is supported in 4 of the largest browsers in the world </a:t>
+            </a:r>
+            <a:endParaRPr dirty="0"/>
           </a:p>
         </p:txBody>
       </p:sp>
@@ -3969,7 +9518,104 @@
               </a:spcAft>
               <a:buNone/>
             </a:pPr>
-            <a:endParaRPr/>
+            <a:r>
+              <a:rPr lang="en-US" dirty="0"/>
+              <a:t>Ok, so at this point we have WASM and we have a cool demo using C# runs in the browser, now what?</a:t>
+            </a:r>
+          </a:p>
+          <a:p>
+            <a:pPr marL="0" lvl="0" indent="0" algn="l" rtl="0">
+              <a:spcBef>
+                <a:spcPts val="0"/>
+              </a:spcBef>
+              <a:spcAft>
+                <a:spcPts val="0"/>
+              </a:spcAft>
+              <a:buNone/>
+            </a:pPr>
+            <a:endParaRPr lang="en-US" dirty="0"/>
+          </a:p>
+          <a:p>
+            <a:pPr marL="0" lvl="0" indent="0" algn="l" rtl="0">
+              <a:spcBef>
+                <a:spcPts val="0"/>
+              </a:spcBef>
+              <a:spcAft>
+                <a:spcPts val="0"/>
+              </a:spcAft>
+              <a:buNone/>
+            </a:pPr>
+            <a:r>
+              <a:rPr lang="en-US" dirty="0"/>
+              <a:t>That is when Blazor comes in</a:t>
+            </a:r>
+          </a:p>
+          <a:p>
+            <a:pPr marL="0" lvl="0" indent="0" algn="l" rtl="0">
+              <a:spcBef>
+                <a:spcPts val="0"/>
+              </a:spcBef>
+              <a:spcAft>
+                <a:spcPts val="0"/>
+              </a:spcAft>
+              <a:buNone/>
+            </a:pPr>
+            <a:endParaRPr lang="en-US" dirty="0"/>
+          </a:p>
+          <a:p>
+            <a:pPr marL="0" lvl="0" indent="0" algn="l" rtl="0">
+              <a:spcBef>
+                <a:spcPts val="0"/>
+              </a:spcBef>
+              <a:spcAft>
+                <a:spcPts val="0"/>
+              </a:spcAft>
+              <a:buNone/>
+            </a:pPr>
+            <a:r>
+              <a:rPr lang="en-US" dirty="0"/>
+              <a:t>Uses Web Assembly and the </a:t>
+            </a:r>
+            <a:r>
+              <a:rPr lang="en-US" dirty="0" err="1"/>
+              <a:t>monoruntime</a:t>
+            </a:r>
+            <a:r>
+              <a:rPr lang="en-US" dirty="0"/>
+              <a:t> to allow Web 2.0 experiences in the browser with a programming language that typically requires a server (ASP.NET Core Kestrel for </a:t>
+            </a:r>
+            <a:r>
+              <a:rPr lang="en-US" dirty="0" err="1"/>
+              <a:t>iinstance</a:t>
+            </a:r>
+            <a:r>
+              <a:rPr lang="en-US" dirty="0"/>
+              <a:t>)</a:t>
+            </a:r>
+          </a:p>
+          <a:p>
+            <a:pPr marL="0" lvl="0" indent="0" algn="l" rtl="0">
+              <a:spcBef>
+                <a:spcPts val="0"/>
+              </a:spcBef>
+              <a:spcAft>
+                <a:spcPts val="0"/>
+              </a:spcAft>
+              <a:buNone/>
+            </a:pPr>
+            <a:endParaRPr lang="en-US"/>
+          </a:p>
+          <a:p>
+            <a:pPr marL="0" lvl="0" indent="0" algn="l" rtl="0">
+              <a:spcBef>
+                <a:spcPts val="0"/>
+              </a:spcBef>
+              <a:spcAft>
+                <a:spcPts val="0"/>
+              </a:spcAft>
+              <a:buNone/>
+            </a:pPr>
+            <a:endParaRPr lang="en-US"/>
           </a:p>
         </p:txBody>
       </p:sp>
@@ -4174,7 +9820,7 @@
     </p:spTree>
     <p:extLst>
       <p:ext uri="{BB962C8B-B14F-4D97-AF65-F5344CB8AC3E}">
-        <p14:creationId xmlns:p14="http://schemas.microsoft.com/office/powerpoint/2010/main" val="3261862684"/>
+        <p14:creationId xmlns:p14="http://schemas.microsoft.com/office/powerpoint/2010/main" val="3933927702"/>
       </p:ext>
     </p:extLst>
   </p:cSld>
@@ -4185,115 +9831,6 @@
 </file>
 
 <file path=ppt/notesSlides/notesSlide14.xml><?xml version="1.0" encoding="utf-8"?>
-<p:notes xmlns:a="http://schemas.openxmlformats.org/drawingml/2006/main" xmlns:r="http://schemas.openxmlformats.org/officeDocument/2006/relationships" xmlns:p="http://schemas.openxmlformats.org/presentationml/2006/main" showMasterSp="0" showMasterPhAnim="0">
-  <p:cSld>
-    <p:spTree>
-      <p:nvGrpSpPr>
-        <p:cNvPr id="1" name="Shape 107"/>
-        <p:cNvGrpSpPr/>
-        <p:nvPr/>
-      </p:nvGrpSpPr>
-      <p:grpSpPr>
-        <a:xfrm>
-          <a:off x="0" y="0"/>
-          <a:ext cx="0" cy="0"/>
-          <a:chOff x="0" y="0"/>
-          <a:chExt cx="0" cy="0"/>
-        </a:xfrm>
-      </p:grpSpPr>
-      <p:sp>
-        <p:nvSpPr>
-          <p:cNvPr id="108" name="Google Shape;108;g35f391192_029:notes"/>
-          <p:cNvSpPr>
-            <a:spLocks noGrp="1" noRot="1" noChangeAspect="1"/>
-          </p:cNvSpPr>
-          <p:nvPr>
-            <p:ph type="sldImg" idx="2"/>
-          </p:nvPr>
-        </p:nvSpPr>
-        <p:spPr>
-          <a:xfrm>
-            <a:off x="381000" y="685800"/>
-            <a:ext cx="6096000" cy="3429000"/>
-          </a:xfrm>
-          <a:custGeom>
-            <a:avLst/>
-            <a:gdLst/>
-            <a:ahLst/>
-            <a:cxnLst/>
-            <a:rect l="l" t="t" r="r" b="b"/>
-            <a:pathLst>
-              <a:path w="120000" h="120000" extrusionOk="0">
-                <a:moveTo>
-                  <a:pt x="0" y="0"/>
-                </a:moveTo>
-                <a:lnTo>
-                  <a:pt x="120000" y="0"/>
-                </a:lnTo>
-                <a:lnTo>
-                  <a:pt x="120000" y="120000"/>
-                </a:lnTo>
-                <a:lnTo>
-                  <a:pt x="0" y="120000"/>
-                </a:lnTo>
-                <a:close/>
-              </a:path>
-            </a:pathLst>
-          </a:custGeom>
-        </p:spPr>
-      </p:sp>
-      <p:sp>
-        <p:nvSpPr>
-          <p:cNvPr id="109" name="Google Shape;109;g35f391192_029:notes"/>
-          <p:cNvSpPr txBox="1">
-            <a:spLocks noGrp="1"/>
-          </p:cNvSpPr>
-          <p:nvPr>
-            <p:ph type="body" idx="1"/>
-          </p:nvPr>
-        </p:nvSpPr>
-        <p:spPr>
-          <a:xfrm>
-            <a:off x="685800" y="4343400"/>
-            <a:ext cx="5486400" cy="4114800"/>
-          </a:xfrm>
-          <a:prstGeom prst="rect">
-            <a:avLst/>
-          </a:prstGeom>
-        </p:spPr>
-        <p:txBody>
-          <a:bodyPr spcFirstLastPara="1" wrap="square" lIns="91425" tIns="91425" rIns="91425" bIns="91425" anchor="t" anchorCtr="0">
-            <a:noAutofit/>
-          </a:bodyPr>
-          <a:lstStyle/>
-          <a:p>
-            <a:pPr marL="0" lvl="0" indent="0" algn="l" rtl="0">
-              <a:spcBef>
-                <a:spcPts val="0"/>
-              </a:spcBef>
-              <a:spcAft>
-                <a:spcPts val="0"/>
-              </a:spcAft>
-              <a:buNone/>
-            </a:pPr>
-            <a:endParaRPr/>
-          </a:p>
-        </p:txBody>
-      </p:sp>
-    </p:spTree>
-    <p:extLst>
-      <p:ext uri="{BB962C8B-B14F-4D97-AF65-F5344CB8AC3E}">
-        <p14:creationId xmlns:p14="http://schemas.microsoft.com/office/powerpoint/2010/main" val="930124534"/>
-      </p:ext>
-    </p:extLst>
-  </p:cSld>
-  <p:clrMapOvr>
-    <a:masterClrMapping/>
-  </p:clrMapOvr>
-</p:notes>
-</file>
-
-<file path=ppt/notesSlides/notesSlide15.xml><?xml version="1.0" encoding="utf-8"?>
 <p:notes xmlns:a="http://schemas.openxmlformats.org/drawingml/2006/main" xmlns:r="http://schemas.openxmlformats.org/officeDocument/2006/relationships" xmlns:p="http://schemas.openxmlformats.org/presentationml/2006/main" showMasterSp="0" showMasterPhAnim="0">
   <p:cSld>
     <p:spTree>
@@ -4385,7 +9922,7 @@
               </a:spcAft>
               <a:buNone/>
             </a:pPr>
-            <a:endParaRPr/>
+            <a:endParaRPr dirty="0"/>
           </a:p>
         </p:txBody>
       </p:sp>
@@ -5881,7 +11418,65 @@
               </a:spcAft>
               <a:buNone/>
             </a:pPr>
-            <a:endParaRPr/>
+            <a:r>
+              <a:rPr lang="en-US" dirty="0"/>
+              <a:t>NDC Oslo 2017</a:t>
+            </a:r>
+          </a:p>
+          <a:p>
+            <a:pPr marL="0" lvl="0" indent="0" algn="l" rtl="0">
+              <a:spcBef>
+                <a:spcPts val="0"/>
+              </a:spcBef>
+              <a:spcAft>
+                <a:spcPts val="0"/>
+              </a:spcAft>
+              <a:buNone/>
+            </a:pPr>
+            <a:endParaRPr lang="en-US" dirty="0"/>
+          </a:p>
+          <a:p>
+            <a:pPr marL="0" lvl="0" indent="0" algn="l" rtl="0">
+              <a:spcBef>
+                <a:spcPts val="0"/>
+              </a:spcBef>
+              <a:spcAft>
+                <a:spcPts val="0"/>
+              </a:spcAft>
+              <a:buNone/>
+            </a:pPr>
+            <a:r>
+              <a:rPr lang="en-US" dirty="0"/>
+              <a:t>Steve Sanderson shows an “experiment” that he thinks might be interesting</a:t>
+            </a:r>
+          </a:p>
+          <a:p>
+            <a:pPr marL="0" lvl="0" indent="0" algn="l" rtl="0">
+              <a:spcBef>
+                <a:spcPts val="0"/>
+              </a:spcBef>
+              <a:spcAft>
+                <a:spcPts val="0"/>
+              </a:spcAft>
+              <a:buNone/>
+            </a:pPr>
+            <a:endParaRPr lang="en-US" dirty="0"/>
+          </a:p>
+          <a:p>
+            <a:pPr marL="0" lvl="0" indent="0" algn="l" rtl="0">
+              <a:spcBef>
+                <a:spcPts val="0"/>
+              </a:spcBef>
+              <a:spcAft>
+                <a:spcPts val="0"/>
+              </a:spcAft>
+              <a:buNone/>
+            </a:pPr>
+            <a:r>
+              <a:rPr lang="en-US" dirty="0"/>
+              <a:t>https://www.youtube.com/watch?v=MiLAE6HMr10</a:t>
+            </a:r>
+            <a:endParaRPr dirty="0"/>
           </a:p>
         </p:txBody>
       </p:sp>
@@ -6827,85 +12422,6 @@
               </a:spcAft>
               <a:buNone/>
             </a:pPr>
-            <a:endParaRPr/>
-          </a:p>
-        </p:txBody>
-      </p:sp>
-      <p:sp>
-        <p:nvSpPr>
-          <p:cNvPr id="22" name="Google Shape;22;p3"/>
-          <p:cNvSpPr txBox="1">
-            <a:spLocks noGrp="1"/>
-          </p:cNvSpPr>
-          <p:nvPr>
-            <p:ph type="sldNum" idx="12"/>
-          </p:nvPr>
-        </p:nvSpPr>
-        <p:spPr>
-          <a:xfrm>
-            <a:off x="-125" y="4830281"/>
-            <a:ext cx="9144000" cy="313500"/>
-          </a:xfrm>
-          <a:prstGeom prst="rect">
-            <a:avLst/>
-          </a:prstGeom>
-        </p:spPr>
-        <p:txBody>
-          <a:bodyPr spcFirstLastPara="1" wrap="square" lIns="91425" tIns="91425" rIns="91425" bIns="91425" anchor="t" anchorCtr="0">
-            <a:noAutofit/>
-          </a:bodyPr>
-          <a:lstStyle>
-            <a:lvl1pPr lvl="0" algn="ctr">
-              <a:buNone/>
-              <a:defRPr/>
-            </a:lvl1pPr>
-            <a:lvl2pPr lvl="1" algn="ctr">
-              <a:buNone/>
-              <a:defRPr/>
-            </a:lvl2pPr>
-            <a:lvl3pPr lvl="2" algn="ctr">
-              <a:buNone/>
-              <a:defRPr/>
-            </a:lvl3pPr>
-            <a:lvl4pPr lvl="3" algn="ctr">
-              <a:buNone/>
-              <a:defRPr/>
-            </a:lvl4pPr>
-            <a:lvl5pPr lvl="4" algn="ctr">
-              <a:buNone/>
-              <a:defRPr/>
-            </a:lvl5pPr>
-            <a:lvl6pPr lvl="5" algn="ctr">
-              <a:buNone/>
-              <a:defRPr/>
-            </a:lvl6pPr>
-            <a:lvl7pPr lvl="6" algn="ctr">
-              <a:buNone/>
-              <a:defRPr/>
-            </a:lvl7pPr>
-            <a:lvl8pPr lvl="7" algn="ctr">
-              <a:buNone/>
-              <a:defRPr/>
-            </a:lvl8pPr>
-            <a:lvl9pPr lvl="8" algn="ctr">
-              <a:buNone/>
-              <a:defRPr/>
-            </a:lvl9pPr>
-          </a:lstStyle>
-          <a:p>
-            <a:pPr marL="0" lvl="0" indent="0" algn="ctr" rtl="0">
-              <a:spcBef>
-                <a:spcPts val="0"/>
-              </a:spcBef>
-              <a:spcAft>
-                <a:spcPts val="0"/>
-              </a:spcAft>
-              <a:buNone/>
-            </a:pPr>
-            <a:fld id="{00000000-1234-1234-1234-123412341234}" type="slidenum">
-              <a:rPr lang="en"/>
-              <a:t>‹#›</a:t>
-            </a:fld>
             <a:endParaRPr/>
           </a:p>
         </p:txBody>
@@ -8835,7 +14351,7 @@
           <a:p>
             <a:fld id="{DAA7F685-D00E-46D2-B3D2-7876D02DEA59}" type="datetimeFigureOut">
               <a:rPr lang="en-US" smtClean="0"/>
-              <a:t>3/16/2023</a:t>
+              <a:t>4/27/2023</a:t>
             </a:fld>
             <a:endParaRPr lang="en-US"/>
           </a:p>
@@ -10361,7 +15877,14 @@
             </a:pPr>
             <a:r>
               <a:rPr lang="en-US" sz="3600" dirty="0"/>
-              <a:t>Running ASP.NET Core Apps with a server? WHAT?!?!?!</a:t>
+              <a:t>Running ASP.NET Core </a:t>
+            </a:r>
+            <a:br>
+              <a:rPr lang="en-US" sz="3600" dirty="0"/>
+            </a:br>
+            <a:r>
+              <a:rPr lang="en-US" sz="3600" dirty="0"/>
+              <a:t>Apps without a server? WHAT?!?!?!</a:t>
             </a:r>
             <a:endParaRPr sz="3600" dirty="0"/>
           </a:p>
@@ -13499,7 +19022,7 @@
                             </p:stCondLst>
                             <p:childTnLst>
                               <p:par>
-                                <p:cTn id="5" presetID="10" presetClass="entr" presetSubtype="0" fill="hold" grpId="0" nodeType="clickEffect">
+                                <p:cTn id="5" presetID="1" presetClass="entr" presetSubtype="0" fill="hold" nodeType="clickEffect">
                                   <p:stCondLst>
                                     <p:cond delay="0"/>
                                   </p:stCondLst>
@@ -13507,6 +19030,159 @@
                                     <p:set>
                                       <p:cBhvr>
                                         <p:cTn id="6" dur="1" fill="hold">
+                                          <p:stCondLst>
+                                            <p:cond delay="0"/>
+                                          </p:stCondLst>
+                                        </p:cTn>
+                                        <p:tgtEl>
+                                          <p:spTgt spid="183"/>
+                                        </p:tgtEl>
+                                        <p:attrNameLst>
+                                          <p:attrName>style.visibility</p:attrName>
+                                        </p:attrNameLst>
+                                      </p:cBhvr>
+                                      <p:to>
+                                        <p:strVal val="visible"/>
+                                      </p:to>
+                                    </p:set>
+                                  </p:childTnLst>
+                                </p:cTn>
+                              </p:par>
+                              <p:par>
+                                <p:cTn id="7" presetID="1" presetClass="entr" presetSubtype="0" fill="hold" nodeType="withEffect">
+                                  <p:stCondLst>
+                                    <p:cond delay="0"/>
+                                  </p:stCondLst>
+                                  <p:childTnLst>
+                                    <p:set>
+                                      <p:cBhvr>
+                                        <p:cTn id="8" dur="1" fill="hold">
+                                          <p:stCondLst>
+                                            <p:cond delay="0"/>
+                                          </p:stCondLst>
+                                        </p:cTn>
+                                        <p:tgtEl>
+                                          <p:spTgt spid="203"/>
+                                        </p:tgtEl>
+                                        <p:attrNameLst>
+                                          <p:attrName>style.visibility</p:attrName>
+                                        </p:attrNameLst>
+                                      </p:cBhvr>
+                                      <p:to>
+                                        <p:strVal val="visible"/>
+                                      </p:to>
+                                    </p:set>
+                                  </p:childTnLst>
+                                </p:cTn>
+                              </p:par>
+                              <p:par>
+                                <p:cTn id="9" presetID="1" presetClass="entr" presetSubtype="0" fill="hold" grpId="0" nodeType="withEffect">
+                                  <p:stCondLst>
+                                    <p:cond delay="0"/>
+                                  </p:stCondLst>
+                                  <p:childTnLst>
+                                    <p:set>
+                                      <p:cBhvr>
+                                        <p:cTn id="10" dur="1" fill="hold">
+                                          <p:stCondLst>
+                                            <p:cond delay="0"/>
+                                          </p:stCondLst>
+                                        </p:cTn>
+                                        <p:tgtEl>
+                                          <p:spTgt spid="215"/>
+                                        </p:tgtEl>
+                                        <p:attrNameLst>
+                                          <p:attrName>style.visibility</p:attrName>
+                                        </p:attrNameLst>
+                                      </p:cBhvr>
+                                      <p:to>
+                                        <p:strVal val="visible"/>
+                                      </p:to>
+                                    </p:set>
+                                  </p:childTnLst>
+                                </p:cTn>
+                              </p:par>
+                              <p:par>
+                                <p:cTn id="11" presetID="1" presetClass="entr" presetSubtype="0" fill="hold" nodeType="withEffect">
+                                  <p:stCondLst>
+                                    <p:cond delay="0"/>
+                                  </p:stCondLst>
+                                  <p:childTnLst>
+                                    <p:set>
+                                      <p:cBhvr>
+                                        <p:cTn id="12" dur="1" fill="hold">
+                                          <p:stCondLst>
+                                            <p:cond delay="0"/>
+                                          </p:stCondLst>
+                                        </p:cTn>
+                                        <p:tgtEl>
+                                          <p:spTgt spid="216"/>
+                                        </p:tgtEl>
+                                        <p:attrNameLst>
+                                          <p:attrName>style.visibility</p:attrName>
+                                        </p:attrNameLst>
+                                      </p:cBhvr>
+                                      <p:to>
+                                        <p:strVal val="visible"/>
+                                      </p:to>
+                                    </p:set>
+                                  </p:childTnLst>
+                                </p:cTn>
+                              </p:par>
+                              <p:par>
+                                <p:cTn id="13" presetID="1" presetClass="entr" presetSubtype="0" fill="hold" nodeType="withEffect">
+                                  <p:stCondLst>
+                                    <p:cond delay="0"/>
+                                  </p:stCondLst>
+                                  <p:childTnLst>
+                                    <p:set>
+                                      <p:cBhvr>
+                                        <p:cTn id="14" dur="1" fill="hold">
+                                          <p:stCondLst>
+                                            <p:cond delay="0"/>
+                                          </p:stCondLst>
+                                        </p:cTn>
+                                        <p:tgtEl>
+                                          <p:spTgt spid="217"/>
+                                        </p:tgtEl>
+                                        <p:attrNameLst>
+                                          <p:attrName>style.visibility</p:attrName>
+                                        </p:attrNameLst>
+                                      </p:cBhvr>
+                                      <p:to>
+                                        <p:strVal val="visible"/>
+                                      </p:to>
+                                    </p:set>
+                                  </p:childTnLst>
+                                </p:cTn>
+                              </p:par>
+                            </p:childTnLst>
+                          </p:cTn>
+                        </p:par>
+                      </p:childTnLst>
+                    </p:cTn>
+                  </p:par>
+                  <p:par>
+                    <p:cTn id="15" fill="hold">
+                      <p:stCondLst>
+                        <p:cond delay="indefinite"/>
+                      </p:stCondLst>
+                      <p:childTnLst>
+                        <p:par>
+                          <p:cTn id="16" fill="hold">
+                            <p:stCondLst>
+                              <p:cond delay="0"/>
+                            </p:stCondLst>
+                            <p:childTnLst>
+                              <p:par>
+                                <p:cTn id="17" presetID="10" presetClass="entr" presetSubtype="0" fill="hold" grpId="0" nodeType="clickEffect">
+                                  <p:stCondLst>
+                                    <p:cond delay="0"/>
+                                  </p:stCondLst>
+                                  <p:childTnLst>
+                                    <p:set>
+                                      <p:cBhvr>
+                                        <p:cTn id="18" dur="1" fill="hold">
                                           <p:stCondLst>
                                             <p:cond delay="0"/>
                                           </p:stCondLst>
@@ -13524,7 +19200,7 @@
                                     </p:set>
                                     <p:animEffect transition="in" filter="fade">
                                       <p:cBhvr>
-                                        <p:cTn id="7" dur="500"/>
+                                        <p:cTn id="19" dur="500"/>
                                         <p:tgtEl>
                                           <p:spTgt spid="218"/>
                                         </p:tgtEl>
@@ -13540,26 +19216,26 @@
                     </p:cTn>
                   </p:par>
                   <p:par>
-                    <p:cTn id="8" fill="hold">
+                    <p:cTn id="20" fill="hold">
                       <p:stCondLst>
                         <p:cond delay="indefinite"/>
                       </p:stCondLst>
                       <p:childTnLst>
                         <p:par>
-                          <p:cTn id="9" fill="hold">
+                          <p:cTn id="21" fill="hold">
                             <p:stCondLst>
                               <p:cond delay="0"/>
                             </p:stCondLst>
                             <p:childTnLst>
                               <p:par>
-                                <p:cTn id="10" presetID="10" presetClass="entr" presetSubtype="0" fill="hold" grpId="0" nodeType="clickEffect">
+                                <p:cTn id="22" presetID="10" presetClass="entr" presetSubtype="0" fill="hold" grpId="0" nodeType="clickEffect">
                                   <p:stCondLst>
                                     <p:cond delay="0"/>
                                   </p:stCondLst>
                                   <p:childTnLst>
                                     <p:set>
                                       <p:cBhvr>
-                                        <p:cTn id="11" dur="1" fill="hold">
+                                        <p:cTn id="23" dur="1" fill="hold">
                                           <p:stCondLst>
                                             <p:cond delay="0"/>
                                           </p:stCondLst>
@@ -13577,100 +19253,12 @@
                                     </p:set>
                                     <p:animEffect transition="in" filter="fade">
                                       <p:cBhvr>
-                                        <p:cTn id="12" dur="500"/>
+                                        <p:cTn id="24" dur="500"/>
                                         <p:tgtEl>
                                           <p:spTgt spid="219"/>
                                         </p:tgtEl>
                                       </p:cBhvr>
                                     </p:animEffect>
-                                  </p:childTnLst>
-                                </p:cTn>
-                              </p:par>
-                            </p:childTnLst>
-                          </p:cTn>
-                        </p:par>
-                      </p:childTnLst>
-                    </p:cTn>
-                  </p:par>
-                  <p:par>
-                    <p:cTn id="13" fill="hold">
-                      <p:stCondLst>
-                        <p:cond delay="indefinite"/>
-                      </p:stCondLst>
-                      <p:childTnLst>
-                        <p:par>
-                          <p:cTn id="14" fill="hold">
-                            <p:stCondLst>
-                              <p:cond delay="0"/>
-                            </p:stCondLst>
-                            <p:childTnLst>
-                              <p:par>
-                                <p:cTn id="15" presetID="10" presetClass="exit" presetSubtype="0" fill="hold" grpId="1" nodeType="clickEffect">
-                                  <p:stCondLst>
-                                    <p:cond delay="0"/>
-                                  </p:stCondLst>
-                                  <p:childTnLst>
-                                    <p:animEffect transition="out" filter="fade">
-                                      <p:cBhvr>
-                                        <p:cTn id="16" dur="500"/>
-                                        <p:tgtEl>
-                                          <p:spTgt spid="218"/>
-                                        </p:tgtEl>
-                                      </p:cBhvr>
-                                    </p:animEffect>
-                                    <p:set>
-                                      <p:cBhvr>
-                                        <p:cTn id="17" dur="1" fill="hold">
-                                          <p:stCondLst>
-                                            <p:cond delay="499"/>
-                                          </p:stCondLst>
-                                        </p:cTn>
-                                        <p:tgtEl>
-                                          <p:spTgt spid="218"/>
-                                        </p:tgtEl>
-                                        <p:attrNameLst>
-                                          <p:attrName>style.visibility</p:attrName>
-                                        </p:attrNameLst>
-                                      </p:cBhvr>
-                                      <p:to>
-                                        <p:strVal val="hidden"/>
-                                      </p:to>
-                                    </p:set>
-                                  </p:childTnLst>
-                                </p:cTn>
-                              </p:par>
-                              <p:par>
-                                <p:cTn id="18" presetID="10" presetClass="exit" presetSubtype="0" fill="hold" grpId="1" nodeType="withEffect">
-                                  <p:stCondLst>
-                                    <p:cond delay="0"/>
-                                  </p:stCondLst>
-                                  <p:childTnLst>
-                                    <p:animEffect transition="out" filter="fade">
-                                      <p:cBhvr>
-                                        <p:cTn id="19" dur="500"/>
-                                        <p:tgtEl>
-                                          <p:spTgt spid="219"/>
-                                        </p:tgtEl>
-                                      </p:cBhvr>
-                                    </p:animEffect>
-                                    <p:set>
-                                      <p:cBhvr>
-                                        <p:cTn id="20" dur="1" fill="hold">
-                                          <p:stCondLst>
-                                            <p:cond delay="499"/>
-                                          </p:stCondLst>
-                                        </p:cTn>
-                                        <p:tgtEl>
-                                          <p:spTgt spid="219"/>
-                                        </p:tgtEl>
-                                        <p:attrNameLst>
-                                          <p:attrName>style.visibility</p:attrName>
-                                        </p:attrNameLst>
-                                      </p:cBhvr>
-                                      <p:to>
-                                        <p:strVal val="hidden"/>
-                                      </p:to>
-                                    </p:set>
                                   </p:childTnLst>
                                 </p:cTn>
                               </p:par>
@@ -13702,10 +19290,9 @@
       </p:par>
     </p:tnLst>
     <p:bldLst>
+      <p:bldP spid="215" grpId="0" animBg="1"/>
       <p:bldP spid="218" grpId="0" animBg="1"/>
-      <p:bldP spid="218" grpId="1" animBg="1"/>
       <p:bldP spid="219" grpId="0" animBg="1"/>
-      <p:bldP spid="219" grpId="1" animBg="1"/>
     </p:bldLst>
   </p:timing>
 </p:sld>
@@ -13756,44 +19343,6 @@
           </a:p>
         </p:txBody>
       </p:sp>
-      <p:sp>
-        <p:nvSpPr>
-          <p:cNvPr id="5" name="Slide Number Placeholder 4">
-            <a:extLst>
-              <a:ext uri="{FF2B5EF4-FFF2-40B4-BE49-F238E27FC236}">
-                <a16:creationId xmlns:a16="http://schemas.microsoft.com/office/drawing/2014/main" id="{F10BD342-6267-A342-23FF-86D2F7228AC7}"/>
-              </a:ext>
-            </a:extLst>
-          </p:cNvPr>
-          <p:cNvSpPr>
-            <a:spLocks noGrp="1"/>
-          </p:cNvSpPr>
-          <p:nvPr>
-            <p:ph type="sldNum" idx="12"/>
-          </p:nvPr>
-        </p:nvSpPr>
-        <p:spPr/>
-        <p:txBody>
-          <a:bodyPr/>
-          <a:lstStyle/>
-          <a:p>
-            <a:pPr marL="0" lvl="0" indent="0" algn="r" rtl="0">
-              <a:spcBef>
-                <a:spcPts val="0"/>
-              </a:spcBef>
-              <a:spcAft>
-                <a:spcPts val="0"/>
-              </a:spcAft>
-              <a:buNone/>
-            </a:pPr>
-            <a:fld id="{00000000-1234-1234-1234-123412341234}" type="slidenum">
-              <a:rPr lang="en" smtClean="0"/>
-              <a:t>12</a:t>
-            </a:fld>
-            <a:endParaRPr lang="en"/>
-          </a:p>
-        </p:txBody>
-      </p:sp>
       <p:graphicFrame>
         <p:nvGraphicFramePr>
           <p:cNvPr id="6" name="Diagram 5">
@@ -13832,6 +19381,409 @@
   <p:clrMapOvr>
     <a:masterClrMapping/>
   </p:clrMapOvr>
+  <p:timing>
+    <p:tnLst>
+      <p:par>
+        <p:cTn id="1" dur="indefinite" restart="never" nodeType="tmRoot">
+          <p:childTnLst>
+            <p:seq concurrent="1" nextAc="seek">
+              <p:cTn id="2" dur="indefinite" nodeType="mainSeq">
+                <p:childTnLst>
+                  <p:par>
+                    <p:cTn id="3" fill="hold">
+                      <p:stCondLst>
+                        <p:cond delay="indefinite"/>
+                      </p:stCondLst>
+                      <p:childTnLst>
+                        <p:par>
+                          <p:cTn id="4" fill="hold">
+                            <p:stCondLst>
+                              <p:cond delay="0"/>
+                            </p:stCondLst>
+                            <p:childTnLst>
+                              <p:par>
+                                <p:cTn id="5" presetID="10" presetClass="entr" presetSubtype="0" fill="hold" grpId="0" nodeType="clickEffect">
+                                  <p:stCondLst>
+                                    <p:cond delay="0"/>
+                                  </p:stCondLst>
+                                  <p:childTnLst>
+                                    <p:set>
+                                      <p:cBhvr>
+                                        <p:cTn id="6" dur="1" fill="hold">
+                                          <p:stCondLst>
+                                            <p:cond delay="0"/>
+                                          </p:stCondLst>
+                                        </p:cTn>
+                                        <p:tgtEl>
+                                          <p:spTgt spid="6">
+                                            <p:graphicEl>
+                                              <a:dgm id="{93B64078-975F-49C9-93F3-F32BE664B8BC}"/>
+                                            </p:graphicEl>
+                                          </p:spTgt>
+                                        </p:tgtEl>
+                                        <p:attrNameLst>
+                                          <p:attrName>style.visibility</p:attrName>
+                                        </p:attrNameLst>
+                                      </p:cBhvr>
+                                      <p:to>
+                                        <p:strVal val="visible"/>
+                                      </p:to>
+                                    </p:set>
+                                    <p:animEffect transition="in" filter="fade">
+                                      <p:cBhvr>
+                                        <p:cTn id="7" dur="500"/>
+                                        <p:tgtEl>
+                                          <p:spTgt spid="6">
+                                            <p:graphicEl>
+                                              <a:dgm id="{93B64078-975F-49C9-93F3-F32BE664B8BC}"/>
+                                            </p:graphicEl>
+                                          </p:spTgt>
+                                        </p:tgtEl>
+                                      </p:cBhvr>
+                                    </p:animEffect>
+                                  </p:childTnLst>
+                                </p:cTn>
+                              </p:par>
+                            </p:childTnLst>
+                          </p:cTn>
+                        </p:par>
+                      </p:childTnLst>
+                    </p:cTn>
+                  </p:par>
+                  <p:par>
+                    <p:cTn id="8" fill="hold">
+                      <p:stCondLst>
+                        <p:cond delay="indefinite"/>
+                      </p:stCondLst>
+                      <p:childTnLst>
+                        <p:par>
+                          <p:cTn id="9" fill="hold">
+                            <p:stCondLst>
+                              <p:cond delay="0"/>
+                            </p:stCondLst>
+                            <p:childTnLst>
+                              <p:par>
+                                <p:cTn id="10" presetID="10" presetClass="entr" presetSubtype="0" fill="hold" grpId="0" nodeType="clickEffect">
+                                  <p:stCondLst>
+                                    <p:cond delay="0"/>
+                                  </p:stCondLst>
+                                  <p:childTnLst>
+                                    <p:set>
+                                      <p:cBhvr>
+                                        <p:cTn id="11" dur="1" fill="hold">
+                                          <p:stCondLst>
+                                            <p:cond delay="0"/>
+                                          </p:stCondLst>
+                                        </p:cTn>
+                                        <p:tgtEl>
+                                          <p:spTgt spid="6">
+                                            <p:graphicEl>
+                                              <a:dgm id="{6535CDD4-5F8F-4C78-A1F0-FBAACD450472}"/>
+                                            </p:graphicEl>
+                                          </p:spTgt>
+                                        </p:tgtEl>
+                                        <p:attrNameLst>
+                                          <p:attrName>style.visibility</p:attrName>
+                                        </p:attrNameLst>
+                                      </p:cBhvr>
+                                      <p:to>
+                                        <p:strVal val="visible"/>
+                                      </p:to>
+                                    </p:set>
+                                    <p:animEffect transition="in" filter="fade">
+                                      <p:cBhvr>
+                                        <p:cTn id="12" dur="500"/>
+                                        <p:tgtEl>
+                                          <p:spTgt spid="6">
+                                            <p:graphicEl>
+                                              <a:dgm id="{6535CDD4-5F8F-4C78-A1F0-FBAACD450472}"/>
+                                            </p:graphicEl>
+                                          </p:spTgt>
+                                        </p:tgtEl>
+                                      </p:cBhvr>
+                                    </p:animEffect>
+                                  </p:childTnLst>
+                                </p:cTn>
+                              </p:par>
+                            </p:childTnLst>
+                          </p:cTn>
+                        </p:par>
+                      </p:childTnLst>
+                    </p:cTn>
+                  </p:par>
+                  <p:par>
+                    <p:cTn id="13" fill="hold">
+                      <p:stCondLst>
+                        <p:cond delay="indefinite"/>
+                      </p:stCondLst>
+                      <p:childTnLst>
+                        <p:par>
+                          <p:cTn id="14" fill="hold">
+                            <p:stCondLst>
+                              <p:cond delay="0"/>
+                            </p:stCondLst>
+                            <p:childTnLst>
+                              <p:par>
+                                <p:cTn id="15" presetID="10" presetClass="entr" presetSubtype="0" fill="hold" grpId="0" nodeType="clickEffect">
+                                  <p:stCondLst>
+                                    <p:cond delay="0"/>
+                                  </p:stCondLst>
+                                  <p:childTnLst>
+                                    <p:set>
+                                      <p:cBhvr>
+                                        <p:cTn id="16" dur="1" fill="hold">
+                                          <p:stCondLst>
+                                            <p:cond delay="0"/>
+                                          </p:stCondLst>
+                                        </p:cTn>
+                                        <p:tgtEl>
+                                          <p:spTgt spid="6">
+                                            <p:graphicEl>
+                                              <a:dgm id="{BD4EF731-2CC3-45DD-BE12-8CA27499D833}"/>
+                                            </p:graphicEl>
+                                          </p:spTgt>
+                                        </p:tgtEl>
+                                        <p:attrNameLst>
+                                          <p:attrName>style.visibility</p:attrName>
+                                        </p:attrNameLst>
+                                      </p:cBhvr>
+                                      <p:to>
+                                        <p:strVal val="visible"/>
+                                      </p:to>
+                                    </p:set>
+                                    <p:animEffect transition="in" filter="fade">
+                                      <p:cBhvr>
+                                        <p:cTn id="17" dur="500"/>
+                                        <p:tgtEl>
+                                          <p:spTgt spid="6">
+                                            <p:graphicEl>
+                                              <a:dgm id="{BD4EF731-2CC3-45DD-BE12-8CA27499D833}"/>
+                                            </p:graphicEl>
+                                          </p:spTgt>
+                                        </p:tgtEl>
+                                      </p:cBhvr>
+                                    </p:animEffect>
+                                  </p:childTnLst>
+                                </p:cTn>
+                              </p:par>
+                            </p:childTnLst>
+                          </p:cTn>
+                        </p:par>
+                      </p:childTnLst>
+                    </p:cTn>
+                  </p:par>
+                  <p:par>
+                    <p:cTn id="18" fill="hold">
+                      <p:stCondLst>
+                        <p:cond delay="indefinite"/>
+                      </p:stCondLst>
+                      <p:childTnLst>
+                        <p:par>
+                          <p:cTn id="19" fill="hold">
+                            <p:stCondLst>
+                              <p:cond delay="0"/>
+                            </p:stCondLst>
+                            <p:childTnLst>
+                              <p:par>
+                                <p:cTn id="20" presetID="10" presetClass="entr" presetSubtype="0" fill="hold" grpId="0" nodeType="clickEffect">
+                                  <p:stCondLst>
+                                    <p:cond delay="0"/>
+                                  </p:stCondLst>
+                                  <p:childTnLst>
+                                    <p:set>
+                                      <p:cBhvr>
+                                        <p:cTn id="21" dur="1" fill="hold">
+                                          <p:stCondLst>
+                                            <p:cond delay="0"/>
+                                          </p:stCondLst>
+                                        </p:cTn>
+                                        <p:tgtEl>
+                                          <p:spTgt spid="6">
+                                            <p:graphicEl>
+                                              <a:dgm id="{43A24FF4-9583-4954-9DAB-43845F94772D}"/>
+                                            </p:graphicEl>
+                                          </p:spTgt>
+                                        </p:tgtEl>
+                                        <p:attrNameLst>
+                                          <p:attrName>style.visibility</p:attrName>
+                                        </p:attrNameLst>
+                                      </p:cBhvr>
+                                      <p:to>
+                                        <p:strVal val="visible"/>
+                                      </p:to>
+                                    </p:set>
+                                    <p:animEffect transition="in" filter="fade">
+                                      <p:cBhvr>
+                                        <p:cTn id="22" dur="500"/>
+                                        <p:tgtEl>
+                                          <p:spTgt spid="6">
+                                            <p:graphicEl>
+                                              <a:dgm id="{43A24FF4-9583-4954-9DAB-43845F94772D}"/>
+                                            </p:graphicEl>
+                                          </p:spTgt>
+                                        </p:tgtEl>
+                                      </p:cBhvr>
+                                    </p:animEffect>
+                                  </p:childTnLst>
+                                </p:cTn>
+                              </p:par>
+                            </p:childTnLst>
+                          </p:cTn>
+                        </p:par>
+                      </p:childTnLst>
+                    </p:cTn>
+                  </p:par>
+                  <p:par>
+                    <p:cTn id="23" fill="hold">
+                      <p:stCondLst>
+                        <p:cond delay="indefinite"/>
+                      </p:stCondLst>
+                      <p:childTnLst>
+                        <p:par>
+                          <p:cTn id="24" fill="hold">
+                            <p:stCondLst>
+                              <p:cond delay="0"/>
+                            </p:stCondLst>
+                            <p:childTnLst>
+                              <p:par>
+                                <p:cTn id="25" presetID="10" presetClass="entr" presetSubtype="0" fill="hold" grpId="0" nodeType="clickEffect">
+                                  <p:stCondLst>
+                                    <p:cond delay="0"/>
+                                  </p:stCondLst>
+                                  <p:childTnLst>
+                                    <p:set>
+                                      <p:cBhvr>
+                                        <p:cTn id="26" dur="1" fill="hold">
+                                          <p:stCondLst>
+                                            <p:cond delay="0"/>
+                                          </p:stCondLst>
+                                        </p:cTn>
+                                        <p:tgtEl>
+                                          <p:spTgt spid="6">
+                                            <p:graphicEl>
+                                              <a:dgm id="{874E14D0-6FCE-4B70-966F-F981E0DDFB56}"/>
+                                            </p:graphicEl>
+                                          </p:spTgt>
+                                        </p:tgtEl>
+                                        <p:attrNameLst>
+                                          <p:attrName>style.visibility</p:attrName>
+                                        </p:attrNameLst>
+                                      </p:cBhvr>
+                                      <p:to>
+                                        <p:strVal val="visible"/>
+                                      </p:to>
+                                    </p:set>
+                                    <p:animEffect transition="in" filter="fade">
+                                      <p:cBhvr>
+                                        <p:cTn id="27" dur="500"/>
+                                        <p:tgtEl>
+                                          <p:spTgt spid="6">
+                                            <p:graphicEl>
+                                              <a:dgm id="{874E14D0-6FCE-4B70-966F-F981E0DDFB56}"/>
+                                            </p:graphicEl>
+                                          </p:spTgt>
+                                        </p:tgtEl>
+                                      </p:cBhvr>
+                                    </p:animEffect>
+                                  </p:childTnLst>
+                                </p:cTn>
+                              </p:par>
+                            </p:childTnLst>
+                          </p:cTn>
+                        </p:par>
+                      </p:childTnLst>
+                    </p:cTn>
+                  </p:par>
+                  <p:par>
+                    <p:cTn id="28" fill="hold">
+                      <p:stCondLst>
+                        <p:cond delay="indefinite"/>
+                      </p:stCondLst>
+                      <p:childTnLst>
+                        <p:par>
+                          <p:cTn id="29" fill="hold">
+                            <p:stCondLst>
+                              <p:cond delay="0"/>
+                            </p:stCondLst>
+                            <p:childTnLst>
+                              <p:par>
+                                <p:cTn id="30" presetID="10" presetClass="entr" presetSubtype="0" fill="hold" grpId="0" nodeType="clickEffect">
+                                  <p:stCondLst>
+                                    <p:cond delay="0"/>
+                                  </p:stCondLst>
+                                  <p:childTnLst>
+                                    <p:set>
+                                      <p:cBhvr>
+                                        <p:cTn id="31" dur="1" fill="hold">
+                                          <p:stCondLst>
+                                            <p:cond delay="0"/>
+                                          </p:stCondLst>
+                                        </p:cTn>
+                                        <p:tgtEl>
+                                          <p:spTgt spid="6">
+                                            <p:graphicEl>
+                                              <a:dgm id="{FC2A4175-A014-4BA9-A308-1178449BB809}"/>
+                                            </p:graphicEl>
+                                          </p:spTgt>
+                                        </p:tgtEl>
+                                        <p:attrNameLst>
+                                          <p:attrName>style.visibility</p:attrName>
+                                        </p:attrNameLst>
+                                      </p:cBhvr>
+                                      <p:to>
+                                        <p:strVal val="visible"/>
+                                      </p:to>
+                                    </p:set>
+                                    <p:animEffect transition="in" filter="fade">
+                                      <p:cBhvr>
+                                        <p:cTn id="32" dur="500"/>
+                                        <p:tgtEl>
+                                          <p:spTgt spid="6">
+                                            <p:graphicEl>
+                                              <a:dgm id="{FC2A4175-A014-4BA9-A308-1178449BB809}"/>
+                                            </p:graphicEl>
+                                          </p:spTgt>
+                                        </p:tgtEl>
+                                      </p:cBhvr>
+                                    </p:animEffect>
+                                  </p:childTnLst>
+                                </p:cTn>
+                              </p:par>
+                            </p:childTnLst>
+                          </p:cTn>
+                        </p:par>
+                      </p:childTnLst>
+                    </p:cTn>
+                  </p:par>
+                </p:childTnLst>
+              </p:cTn>
+              <p:prevCondLst>
+                <p:cond evt="onPrev" delay="0">
+                  <p:tgtEl>
+                    <p:sldTgt/>
+                  </p:tgtEl>
+                </p:cond>
+              </p:prevCondLst>
+              <p:nextCondLst>
+                <p:cond evt="onNext" delay="0">
+                  <p:tgtEl>
+                    <p:sldTgt/>
+                  </p:tgtEl>
+                </p:cond>
+              </p:nextCondLst>
+            </p:seq>
+          </p:childTnLst>
+        </p:cTn>
+      </p:par>
+    </p:tnLst>
+    <p:bldLst>
+      <p:bldGraphic spid="6" grpId="0" uiExpand="1">
+        <p:bldSub>
+          <a:bldDgm bld="one"/>
+        </p:bldSub>
+      </p:bldGraphic>
+    </p:bldLst>
+  </p:timing>
 </p:sld>
 </file>
 
@@ -20464,64 +26416,23 @@
             </a:pPr>
             <a:r>
               <a:rPr lang="en-US" dirty="0"/>
-              <a:t>Deploying .NET Apps to</a:t>
+              <a:t>In what ways can I host </a:t>
             </a:r>
-            <a:br>
-              <a:rPr lang="en-US" dirty="0"/>
-            </a:br>
+            <a:r>
+              <a:rPr lang="en-US" dirty="0" err="1"/>
+              <a:t>Blazor</a:t>
+            </a:r>
             <a:r>
               <a:rPr lang="en-US" dirty="0"/>
-              <a:t>Amazon S3 Buckets</a:t>
+              <a:t> WASM apps?</a:t>
             </a:r>
-          </a:p>
-        </p:txBody>
-      </p:sp>
-      <p:sp>
-        <p:nvSpPr>
-          <p:cNvPr id="113" name="Google Shape;113;p15"/>
-          <p:cNvSpPr txBox="1">
-            <a:spLocks noGrp="1"/>
-          </p:cNvSpPr>
-          <p:nvPr>
-            <p:ph type="sldNum" idx="12"/>
-          </p:nvPr>
-        </p:nvSpPr>
-        <p:spPr>
-          <a:xfrm>
-            <a:off x="-125" y="4830281"/>
-            <a:ext cx="9144000" cy="313500"/>
-          </a:xfrm>
-          <a:prstGeom prst="rect">
-            <a:avLst/>
-          </a:prstGeom>
-        </p:spPr>
-        <p:txBody>
-          <a:bodyPr spcFirstLastPara="1" wrap="square" lIns="91425" tIns="91425" rIns="91425" bIns="91425" anchor="t" anchorCtr="0">
-            <a:noAutofit/>
-          </a:bodyPr>
-          <a:lstStyle/>
-          <a:p>
-            <a:pPr marL="0" lvl="0" indent="0" algn="ctr" rtl="0">
-              <a:spcBef>
-                <a:spcPts val="0"/>
-              </a:spcBef>
-              <a:spcAft>
-                <a:spcPts val="0"/>
-              </a:spcAft>
-              <a:buNone/>
-            </a:pPr>
-            <a:fld id="{00000000-1234-1234-1234-123412341234}" type="slidenum">
-              <a:rPr lang="en"/>
-              <a:t>14</a:t>
-            </a:fld>
-            <a:endParaRPr/>
           </a:p>
         </p:txBody>
       </p:sp>
     </p:spTree>
     <p:extLst>
       <p:ext uri="{BB962C8B-B14F-4D97-AF65-F5344CB8AC3E}">
-        <p14:creationId xmlns:p14="http://schemas.microsoft.com/office/powerpoint/2010/main" val="1593971665"/>
+        <p14:creationId xmlns:p14="http://schemas.microsoft.com/office/powerpoint/2010/main" val="945070976"/>
       </p:ext>
     </p:extLst>
   </p:cSld>
@@ -20536,7 +26447,7 @@
   <p:cSld>
     <p:spTree>
       <p:nvGrpSpPr>
-        <p:cNvPr id="1" name="Shape 110"/>
+        <p:cNvPr id="1" name=""/>
         <p:cNvGrpSpPr/>
         <p:nvPr/>
       </p:nvGrpSpPr>
@@ -20550,104 +26461,563 @@
       </p:grpSpPr>
       <p:sp>
         <p:nvSpPr>
-          <p:cNvPr id="111" name="Google Shape;111;p15"/>
-          <p:cNvSpPr txBox="1">
+          <p:cNvPr id="2" name="Title 1">
+            <a:extLst>
+              <a:ext uri="{FF2B5EF4-FFF2-40B4-BE49-F238E27FC236}">
+                <a16:creationId xmlns:a16="http://schemas.microsoft.com/office/drawing/2014/main" id="{79BF3282-91B5-354E-10E4-11AD90A8A01C}"/>
+              </a:ext>
+            </a:extLst>
+          </p:cNvPr>
+          <p:cNvSpPr>
             <a:spLocks noGrp="1"/>
           </p:cNvSpPr>
           <p:nvPr>
-            <p:ph type="ctrTitle"/>
+            <p:ph type="title"/>
           </p:nvPr>
         </p:nvSpPr>
         <p:spPr>
           <a:xfrm>
-            <a:off x="685800" y="1583342"/>
-            <a:ext cx="7772400" cy="1159800"/>
+            <a:off x="893700" y="358388"/>
+            <a:ext cx="6462600" cy="857400"/>
           </a:xfrm>
-          <a:prstGeom prst="rect">
-            <a:avLst/>
-          </a:prstGeom>
         </p:spPr>
         <p:txBody>
           <a:bodyPr spcFirstLastPara="1" wrap="square" lIns="91425" tIns="91425" rIns="91425" bIns="91425" anchor="b" anchorCtr="0">
-            <a:noAutofit/>
+            <a:normAutofit/>
           </a:bodyPr>
           <a:lstStyle/>
           <a:p>
-            <a:pPr marL="0" lvl="0" indent="0" algn="ctr" rtl="0">
-              <a:spcBef>
-                <a:spcPts val="0"/>
-              </a:spcBef>
-              <a:spcAft>
-                <a:spcPts val="0"/>
-              </a:spcAft>
-              <a:buNone/>
-            </a:pPr>
             <a:r>
-              <a:rPr lang="en-US" dirty="0"/>
-              <a:t>Deploying .NET Apps to</a:t>
-            </a:r>
-            <a:br>
-              <a:rPr lang="en-US" dirty="0"/>
-            </a:br>
-            <a:r>
-              <a:rPr lang="en-US" dirty="0"/>
-              <a:t>AWS Amplify</a:t>
+              <a:rPr lang="en-US" b="0" i="0" u="none" strike="noStrike" cap="none">
+                <a:latin typeface="Raleway"/>
+                <a:ea typeface="Raleway"/>
+                <a:cs typeface="Raleway"/>
+                <a:sym typeface="Raleway"/>
+              </a:rPr>
+              <a:t>But what if I need</a:t>
             </a:r>
           </a:p>
         </p:txBody>
       </p:sp>
-      <p:sp>
-        <p:nvSpPr>
-          <p:cNvPr id="113" name="Google Shape;113;p15"/>
-          <p:cNvSpPr txBox="1">
-            <a:spLocks noGrp="1"/>
-          </p:cNvSpPr>
+      <p:graphicFrame>
+        <p:nvGraphicFramePr>
+          <p:cNvPr id="45" name="TextBox 40">
+            <a:extLst>
+              <a:ext uri="{FF2B5EF4-FFF2-40B4-BE49-F238E27FC236}">
+                <a16:creationId xmlns:a16="http://schemas.microsoft.com/office/drawing/2014/main" id="{83659C66-E5A5-BE53-FA44-52086CBA8FA2}"/>
+              </a:ext>
+            </a:extLst>
+          </p:cNvPr>
+          <p:cNvGraphicFramePr/>
           <p:nvPr>
-            <p:ph type="sldNum" idx="12"/>
+            <p:extLst>
+              <p:ext uri="{D42A27DB-BD31-4B8C-83A1-F6EECF244321}">
+                <p14:modId xmlns:p14="http://schemas.microsoft.com/office/powerpoint/2010/main" val="2085326658"/>
+              </p:ext>
+            </p:extLst>
           </p:nvPr>
-        </p:nvSpPr>
-        <p:spPr>
-          <a:xfrm>
-            <a:off x="-125" y="4830281"/>
-            <a:ext cx="9144000" cy="313500"/>
-          </a:xfrm>
-          <a:prstGeom prst="rect">
-            <a:avLst/>
-          </a:prstGeom>
-        </p:spPr>
-        <p:txBody>
-          <a:bodyPr spcFirstLastPara="1" wrap="square" lIns="91425" tIns="91425" rIns="91425" bIns="91425" anchor="t" anchorCtr="0">
-            <a:noAutofit/>
-          </a:bodyPr>
-          <a:lstStyle/>
-          <a:p>
-            <a:pPr marL="0" lvl="0" indent="0" algn="ctr" rtl="0">
-              <a:spcBef>
-                <a:spcPts val="0"/>
-              </a:spcBef>
-              <a:spcAft>
-                <a:spcPts val="0"/>
-              </a:spcAft>
-              <a:buNone/>
-            </a:pPr>
-            <a:fld id="{00000000-1234-1234-1234-123412341234}" type="slidenum">
-              <a:rPr lang="en"/>
-              <a:t>15</a:t>
-            </a:fld>
-            <a:endParaRPr/>
-          </a:p>
-        </p:txBody>
-      </p:sp>
+        </p:nvGraphicFramePr>
+        <p:xfrm>
+          <a:off x="893699" y="1373588"/>
+          <a:ext cx="7505233" cy="3552300"/>
+        </p:xfrm>
+        <a:graphic>
+          <a:graphicData uri="http://schemas.openxmlformats.org/drawingml/2006/diagram">
+            <dgm:relIds xmlns:dgm="http://schemas.openxmlformats.org/drawingml/2006/diagram" xmlns:r="http://schemas.openxmlformats.org/officeDocument/2006/relationships" r:dm="rId2" r:lo="rId3" r:qs="rId4" r:cs="rId5"/>
+          </a:graphicData>
+        </a:graphic>
+      </p:graphicFrame>
     </p:spTree>
     <p:extLst>
       <p:ext uri="{BB962C8B-B14F-4D97-AF65-F5344CB8AC3E}">
-        <p14:creationId xmlns:p14="http://schemas.microsoft.com/office/powerpoint/2010/main" val="2392363855"/>
+        <p14:creationId xmlns:p14="http://schemas.microsoft.com/office/powerpoint/2010/main" val="2647957596"/>
       </p:ext>
     </p:extLst>
   </p:cSld>
   <p:clrMapOvr>
     <a:masterClrMapping/>
   </p:clrMapOvr>
+  <p:timing>
+    <p:tnLst>
+      <p:par>
+        <p:cTn id="1" dur="indefinite" restart="never" nodeType="tmRoot">
+          <p:childTnLst>
+            <p:seq concurrent="1" nextAc="seek">
+              <p:cTn id="2" dur="indefinite" nodeType="mainSeq">
+                <p:childTnLst>
+                  <p:par>
+                    <p:cTn id="3" fill="hold">
+                      <p:stCondLst>
+                        <p:cond delay="indefinite"/>
+                        <p:cond evt="onBegin" delay="0">
+                          <p:tn val="2"/>
+                        </p:cond>
+                      </p:stCondLst>
+                      <p:childTnLst>
+                        <p:par>
+                          <p:cTn id="4" fill="hold">
+                            <p:stCondLst>
+                              <p:cond delay="0"/>
+                            </p:stCondLst>
+                            <p:childTnLst>
+                              <p:par>
+                                <p:cTn id="5" presetID="10" presetClass="entr" presetSubtype="0" fill="hold" grpId="0" nodeType="withEffect">
+                                  <p:stCondLst>
+                                    <p:cond delay="500"/>
+                                  </p:stCondLst>
+                                  <p:childTnLst>
+                                    <p:set>
+                                      <p:cBhvr>
+                                        <p:cTn id="6" dur="1" fill="hold">
+                                          <p:stCondLst>
+                                            <p:cond delay="0"/>
+                                          </p:stCondLst>
+                                        </p:cTn>
+                                        <p:tgtEl>
+                                          <p:spTgt spid="45">
+                                            <p:graphicEl>
+                                              <a:dgm id="{672DB88E-3C55-448D-8BAE-E6F9BFCC2069}"/>
+                                            </p:graphicEl>
+                                          </p:spTgt>
+                                        </p:tgtEl>
+                                        <p:attrNameLst>
+                                          <p:attrName>style.visibility</p:attrName>
+                                        </p:attrNameLst>
+                                      </p:cBhvr>
+                                      <p:to>
+                                        <p:strVal val="visible"/>
+                                      </p:to>
+                                    </p:set>
+                                    <p:animEffect transition="in" filter="fade">
+                                      <p:cBhvr>
+                                        <p:cTn id="7" dur="1500"/>
+                                        <p:tgtEl>
+                                          <p:spTgt spid="45">
+                                            <p:graphicEl>
+                                              <a:dgm id="{672DB88E-3C55-448D-8BAE-E6F9BFCC2069}"/>
+                                            </p:graphicEl>
+                                          </p:spTgt>
+                                        </p:tgtEl>
+                                      </p:cBhvr>
+                                    </p:animEffect>
+                                  </p:childTnLst>
+                                </p:cTn>
+                              </p:par>
+                              <p:par>
+                                <p:cTn id="8" presetID="10" presetClass="entr" presetSubtype="0" fill="hold" grpId="0" nodeType="withEffect">
+                                  <p:stCondLst>
+                                    <p:cond delay="0"/>
+                                  </p:stCondLst>
+                                  <p:childTnLst>
+                                    <p:set>
+                                      <p:cBhvr>
+                                        <p:cTn id="9" dur="1" fill="hold">
+                                          <p:stCondLst>
+                                            <p:cond delay="0"/>
+                                          </p:stCondLst>
+                                        </p:cTn>
+                                        <p:tgtEl>
+                                          <p:spTgt spid="45">
+                                            <p:graphicEl>
+                                              <a:dgm id="{5D5F3496-96AB-470A-9977-CB0A19AC2EA2}"/>
+                                            </p:graphicEl>
+                                          </p:spTgt>
+                                        </p:tgtEl>
+                                        <p:attrNameLst>
+                                          <p:attrName>style.visibility</p:attrName>
+                                        </p:attrNameLst>
+                                      </p:cBhvr>
+                                      <p:to>
+                                        <p:strVal val="visible"/>
+                                      </p:to>
+                                    </p:set>
+                                    <p:animEffect transition="in" filter="fade">
+                                      <p:cBhvr>
+                                        <p:cTn id="10" dur="500"/>
+                                        <p:tgtEl>
+                                          <p:spTgt spid="45">
+                                            <p:graphicEl>
+                                              <a:dgm id="{5D5F3496-96AB-470A-9977-CB0A19AC2EA2}"/>
+                                            </p:graphicEl>
+                                          </p:spTgt>
+                                        </p:tgtEl>
+                                      </p:cBhvr>
+                                    </p:animEffect>
+                                  </p:childTnLst>
+                                </p:cTn>
+                              </p:par>
+                              <p:par>
+                                <p:cTn id="11" presetID="10" presetClass="entr" presetSubtype="0" fill="hold" grpId="0" nodeType="withEffect">
+                                  <p:stCondLst>
+                                    <p:cond delay="0"/>
+                                  </p:stCondLst>
+                                  <p:childTnLst>
+                                    <p:set>
+                                      <p:cBhvr>
+                                        <p:cTn id="12" dur="1" fill="hold">
+                                          <p:stCondLst>
+                                            <p:cond delay="0"/>
+                                          </p:stCondLst>
+                                        </p:cTn>
+                                        <p:tgtEl>
+                                          <p:spTgt spid="45">
+                                            <p:graphicEl>
+                                              <a:dgm id="{B1AC168A-3998-4151-A46F-2CD0CD517B0F}"/>
+                                            </p:graphicEl>
+                                          </p:spTgt>
+                                        </p:tgtEl>
+                                        <p:attrNameLst>
+                                          <p:attrName>style.visibility</p:attrName>
+                                        </p:attrNameLst>
+                                      </p:cBhvr>
+                                      <p:to>
+                                        <p:strVal val="visible"/>
+                                      </p:to>
+                                    </p:set>
+                                    <p:animEffect transition="in" filter="fade">
+                                      <p:cBhvr>
+                                        <p:cTn id="13" dur="500"/>
+                                        <p:tgtEl>
+                                          <p:spTgt spid="45">
+                                            <p:graphicEl>
+                                              <a:dgm id="{B1AC168A-3998-4151-A46F-2CD0CD517B0F}"/>
+                                            </p:graphicEl>
+                                          </p:spTgt>
+                                        </p:tgtEl>
+                                      </p:cBhvr>
+                                    </p:animEffect>
+                                  </p:childTnLst>
+                                </p:cTn>
+                              </p:par>
+                            </p:childTnLst>
+                          </p:cTn>
+                        </p:par>
+                      </p:childTnLst>
+                    </p:cTn>
+                  </p:par>
+                  <p:par>
+                    <p:cTn id="14" fill="hold">
+                      <p:stCondLst>
+                        <p:cond delay="indefinite"/>
+                      </p:stCondLst>
+                      <p:childTnLst>
+                        <p:par>
+                          <p:cTn id="15" fill="hold">
+                            <p:stCondLst>
+                              <p:cond delay="0"/>
+                            </p:stCondLst>
+                            <p:childTnLst>
+                              <p:par>
+                                <p:cTn id="16" presetID="10" presetClass="entr" presetSubtype="0" fill="hold" grpId="0" nodeType="clickEffect">
+                                  <p:stCondLst>
+                                    <p:cond delay="0"/>
+                                  </p:stCondLst>
+                                  <p:childTnLst>
+                                    <p:set>
+                                      <p:cBhvr>
+                                        <p:cTn id="17" dur="1" fill="hold">
+                                          <p:stCondLst>
+                                            <p:cond delay="0"/>
+                                          </p:stCondLst>
+                                        </p:cTn>
+                                        <p:tgtEl>
+                                          <p:spTgt spid="45">
+                                            <p:graphicEl>
+                                              <a:dgm id="{1BC5345D-F734-4051-AB3E-9577ABF20E54}"/>
+                                            </p:graphicEl>
+                                          </p:spTgt>
+                                        </p:tgtEl>
+                                        <p:attrNameLst>
+                                          <p:attrName>style.visibility</p:attrName>
+                                        </p:attrNameLst>
+                                      </p:cBhvr>
+                                      <p:to>
+                                        <p:strVal val="visible"/>
+                                      </p:to>
+                                    </p:set>
+                                    <p:animEffect transition="in" filter="fade">
+                                      <p:cBhvr>
+                                        <p:cTn id="18" dur="500"/>
+                                        <p:tgtEl>
+                                          <p:spTgt spid="45">
+                                            <p:graphicEl>
+                                              <a:dgm id="{1BC5345D-F734-4051-AB3E-9577ABF20E54}"/>
+                                            </p:graphicEl>
+                                          </p:spTgt>
+                                        </p:tgtEl>
+                                      </p:cBhvr>
+                                    </p:animEffect>
+                                  </p:childTnLst>
+                                </p:cTn>
+                              </p:par>
+                              <p:par>
+                                <p:cTn id="19" presetID="10" presetClass="entr" presetSubtype="0" fill="hold" grpId="0" nodeType="withEffect">
+                                  <p:stCondLst>
+                                    <p:cond delay="0"/>
+                                  </p:stCondLst>
+                                  <p:childTnLst>
+                                    <p:set>
+                                      <p:cBhvr>
+                                        <p:cTn id="20" dur="1" fill="hold">
+                                          <p:stCondLst>
+                                            <p:cond delay="0"/>
+                                          </p:stCondLst>
+                                        </p:cTn>
+                                        <p:tgtEl>
+                                          <p:spTgt spid="45">
+                                            <p:graphicEl>
+                                              <a:dgm id="{56A3C1CE-24A6-4746-B43C-D9C7FD5CEFD1}"/>
+                                            </p:graphicEl>
+                                          </p:spTgt>
+                                        </p:tgtEl>
+                                        <p:attrNameLst>
+                                          <p:attrName>style.visibility</p:attrName>
+                                        </p:attrNameLst>
+                                      </p:cBhvr>
+                                      <p:to>
+                                        <p:strVal val="visible"/>
+                                      </p:to>
+                                    </p:set>
+                                    <p:animEffect transition="in" filter="fade">
+                                      <p:cBhvr>
+                                        <p:cTn id="21" dur="500"/>
+                                        <p:tgtEl>
+                                          <p:spTgt spid="45">
+                                            <p:graphicEl>
+                                              <a:dgm id="{56A3C1CE-24A6-4746-B43C-D9C7FD5CEFD1}"/>
+                                            </p:graphicEl>
+                                          </p:spTgt>
+                                        </p:tgtEl>
+                                      </p:cBhvr>
+                                    </p:animEffect>
+                                  </p:childTnLst>
+                                </p:cTn>
+                              </p:par>
+                              <p:par>
+                                <p:cTn id="22" presetID="10" presetClass="entr" presetSubtype="0" fill="hold" grpId="0" nodeType="withEffect">
+                                  <p:stCondLst>
+                                    <p:cond delay="0"/>
+                                  </p:stCondLst>
+                                  <p:childTnLst>
+                                    <p:set>
+                                      <p:cBhvr>
+                                        <p:cTn id="23" dur="1" fill="hold">
+                                          <p:stCondLst>
+                                            <p:cond delay="0"/>
+                                          </p:stCondLst>
+                                        </p:cTn>
+                                        <p:tgtEl>
+                                          <p:spTgt spid="45">
+                                            <p:graphicEl>
+                                              <a:dgm id="{AC3AFF4F-7FCD-4AC1-9186-DF10B9BFBC56}"/>
+                                            </p:graphicEl>
+                                          </p:spTgt>
+                                        </p:tgtEl>
+                                        <p:attrNameLst>
+                                          <p:attrName>style.visibility</p:attrName>
+                                        </p:attrNameLst>
+                                      </p:cBhvr>
+                                      <p:to>
+                                        <p:strVal val="visible"/>
+                                      </p:to>
+                                    </p:set>
+                                    <p:animEffect transition="in" filter="fade">
+                                      <p:cBhvr>
+                                        <p:cTn id="24" dur="500"/>
+                                        <p:tgtEl>
+                                          <p:spTgt spid="45">
+                                            <p:graphicEl>
+                                              <a:dgm id="{AC3AFF4F-7FCD-4AC1-9186-DF10B9BFBC56}"/>
+                                            </p:graphicEl>
+                                          </p:spTgt>
+                                        </p:tgtEl>
+                                      </p:cBhvr>
+                                    </p:animEffect>
+                                  </p:childTnLst>
+                                </p:cTn>
+                              </p:par>
+                            </p:childTnLst>
+                          </p:cTn>
+                        </p:par>
+                      </p:childTnLst>
+                    </p:cTn>
+                  </p:par>
+                  <p:par>
+                    <p:cTn id="25" fill="hold">
+                      <p:stCondLst>
+                        <p:cond delay="indefinite"/>
+                      </p:stCondLst>
+                      <p:childTnLst>
+                        <p:par>
+                          <p:cTn id="26" fill="hold">
+                            <p:stCondLst>
+                              <p:cond delay="0"/>
+                            </p:stCondLst>
+                            <p:childTnLst>
+                              <p:par>
+                                <p:cTn id="27" presetID="10" presetClass="entr" presetSubtype="0" fill="hold" grpId="0" nodeType="clickEffect">
+                                  <p:stCondLst>
+                                    <p:cond delay="0"/>
+                                  </p:stCondLst>
+                                  <p:childTnLst>
+                                    <p:set>
+                                      <p:cBhvr>
+                                        <p:cTn id="28" dur="1" fill="hold">
+                                          <p:stCondLst>
+                                            <p:cond delay="0"/>
+                                          </p:stCondLst>
+                                        </p:cTn>
+                                        <p:tgtEl>
+                                          <p:spTgt spid="45">
+                                            <p:graphicEl>
+                                              <a:dgm id="{75A5F130-5F33-4CDC-B302-1D49F2F22232}"/>
+                                            </p:graphicEl>
+                                          </p:spTgt>
+                                        </p:tgtEl>
+                                        <p:attrNameLst>
+                                          <p:attrName>style.visibility</p:attrName>
+                                        </p:attrNameLst>
+                                      </p:cBhvr>
+                                      <p:to>
+                                        <p:strVal val="visible"/>
+                                      </p:to>
+                                    </p:set>
+                                    <p:animEffect transition="in" filter="fade">
+                                      <p:cBhvr>
+                                        <p:cTn id="29" dur="500"/>
+                                        <p:tgtEl>
+                                          <p:spTgt spid="45">
+                                            <p:graphicEl>
+                                              <a:dgm id="{75A5F130-5F33-4CDC-B302-1D49F2F22232}"/>
+                                            </p:graphicEl>
+                                          </p:spTgt>
+                                        </p:tgtEl>
+                                      </p:cBhvr>
+                                    </p:animEffect>
+                                  </p:childTnLst>
+                                </p:cTn>
+                              </p:par>
+                              <p:par>
+                                <p:cTn id="30" presetID="10" presetClass="entr" presetSubtype="0" fill="hold" grpId="0" nodeType="withEffect">
+                                  <p:stCondLst>
+                                    <p:cond delay="0"/>
+                                  </p:stCondLst>
+                                  <p:childTnLst>
+                                    <p:set>
+                                      <p:cBhvr>
+                                        <p:cTn id="31" dur="1" fill="hold">
+                                          <p:stCondLst>
+                                            <p:cond delay="0"/>
+                                          </p:stCondLst>
+                                        </p:cTn>
+                                        <p:tgtEl>
+                                          <p:spTgt spid="45">
+                                            <p:graphicEl>
+                                              <a:dgm id="{8FFD953F-3314-4B69-AC23-8A357060DD5B}"/>
+                                            </p:graphicEl>
+                                          </p:spTgt>
+                                        </p:tgtEl>
+                                        <p:attrNameLst>
+                                          <p:attrName>style.visibility</p:attrName>
+                                        </p:attrNameLst>
+                                      </p:cBhvr>
+                                      <p:to>
+                                        <p:strVal val="visible"/>
+                                      </p:to>
+                                    </p:set>
+                                    <p:animEffect transition="in" filter="fade">
+                                      <p:cBhvr>
+                                        <p:cTn id="32" dur="500"/>
+                                        <p:tgtEl>
+                                          <p:spTgt spid="45">
+                                            <p:graphicEl>
+                                              <a:dgm id="{8FFD953F-3314-4B69-AC23-8A357060DD5B}"/>
+                                            </p:graphicEl>
+                                          </p:spTgt>
+                                        </p:tgtEl>
+                                      </p:cBhvr>
+                                    </p:animEffect>
+                                  </p:childTnLst>
+                                </p:cTn>
+                              </p:par>
+                              <p:par>
+                                <p:cTn id="33" presetID="10" presetClass="entr" presetSubtype="0" fill="hold" grpId="0" nodeType="withEffect">
+                                  <p:stCondLst>
+                                    <p:cond delay="0"/>
+                                  </p:stCondLst>
+                                  <p:childTnLst>
+                                    <p:set>
+                                      <p:cBhvr>
+                                        <p:cTn id="34" dur="1" fill="hold">
+                                          <p:stCondLst>
+                                            <p:cond delay="0"/>
+                                          </p:stCondLst>
+                                        </p:cTn>
+                                        <p:tgtEl>
+                                          <p:spTgt spid="45">
+                                            <p:graphicEl>
+                                              <a:dgm id="{ABF9FBF5-6F73-4C50-839E-9F8F8DBDFD33}"/>
+                                            </p:graphicEl>
+                                          </p:spTgt>
+                                        </p:tgtEl>
+                                        <p:attrNameLst>
+                                          <p:attrName>style.visibility</p:attrName>
+                                        </p:attrNameLst>
+                                      </p:cBhvr>
+                                      <p:to>
+                                        <p:strVal val="visible"/>
+                                      </p:to>
+                                    </p:set>
+                                    <p:animEffect transition="in" filter="fade">
+                                      <p:cBhvr>
+                                        <p:cTn id="35" dur="500"/>
+                                        <p:tgtEl>
+                                          <p:spTgt spid="45">
+                                            <p:graphicEl>
+                                              <a:dgm id="{ABF9FBF5-6F73-4C50-839E-9F8F8DBDFD33}"/>
+                                            </p:graphicEl>
+                                          </p:spTgt>
+                                        </p:tgtEl>
+                                      </p:cBhvr>
+                                    </p:animEffect>
+                                  </p:childTnLst>
+                                </p:cTn>
+                              </p:par>
+                            </p:childTnLst>
+                          </p:cTn>
+                        </p:par>
+                      </p:childTnLst>
+                    </p:cTn>
+                  </p:par>
+                </p:childTnLst>
+              </p:cTn>
+              <p:prevCondLst>
+                <p:cond evt="onPrev" delay="0">
+                  <p:tgtEl>
+                    <p:sldTgt/>
+                  </p:tgtEl>
+                </p:cond>
+              </p:prevCondLst>
+              <p:nextCondLst>
+                <p:cond evt="onNext" delay="0">
+                  <p:tgtEl>
+                    <p:sldTgt/>
+                  </p:tgtEl>
+                </p:cond>
+              </p:nextCondLst>
+            </p:seq>
+          </p:childTnLst>
+        </p:cTn>
+      </p:par>
+    </p:tnLst>
+    <p:bldLst>
+      <p:bldGraphic spid="45" grpId="0" uiExpand="1">
+        <p:bldSub>
+          <a:bldDgm bld="one"/>
+        </p:bldSub>
+      </p:bldGraphic>
+    </p:bldLst>
+  </p:timing>
 </p:sld>
 </file>
 
@@ -20696,54 +27066,371 @@
           </a:p>
         </p:txBody>
       </p:sp>
-      <p:sp>
-        <p:nvSpPr>
-          <p:cNvPr id="5" name="Slide Number Placeholder 4">
+      <p:graphicFrame>
+        <p:nvGraphicFramePr>
+          <p:cNvPr id="7" name="Diagram 6">
             <a:extLst>
               <a:ext uri="{FF2B5EF4-FFF2-40B4-BE49-F238E27FC236}">
-                <a16:creationId xmlns:a16="http://schemas.microsoft.com/office/drawing/2014/main" id="{F10BD342-6267-A342-23FF-86D2F7228AC7}"/>
+                <a16:creationId xmlns:a16="http://schemas.microsoft.com/office/drawing/2014/main" id="{65B3D5F1-75D1-70F0-95AE-E2A97C54C7DE}"/>
               </a:ext>
             </a:extLst>
           </p:cNvPr>
-          <p:cNvSpPr>
-            <a:spLocks noGrp="1"/>
-          </p:cNvSpPr>
+          <p:cNvGraphicFramePr/>
           <p:nvPr>
-            <p:ph type="sldNum" idx="12"/>
+            <p:extLst>
+              <p:ext uri="{D42A27DB-BD31-4B8C-83A1-F6EECF244321}">
+                <p14:modId xmlns:p14="http://schemas.microsoft.com/office/powerpoint/2010/main" val="1011733311"/>
+              </p:ext>
+            </p:extLst>
           </p:nvPr>
-        </p:nvSpPr>
-        <p:spPr/>
-        <p:txBody>
-          <a:bodyPr/>
-          <a:lstStyle/>
-          <a:p>
-            <a:pPr marL="0" lvl="0" indent="0" algn="r" rtl="0">
-              <a:spcBef>
-                <a:spcPts val="0"/>
-              </a:spcBef>
-              <a:spcAft>
-                <a:spcPts val="0"/>
-              </a:spcAft>
-              <a:buNone/>
-            </a:pPr>
-            <a:fld id="{00000000-1234-1234-1234-123412341234}" type="slidenum">
-              <a:rPr lang="en" smtClean="0"/>
-              <a:t>16</a:t>
-            </a:fld>
-            <a:endParaRPr lang="en"/>
-          </a:p>
-        </p:txBody>
-      </p:sp>
+        </p:nvGraphicFramePr>
+        <p:xfrm>
+          <a:off x="1391652" y="1344147"/>
+          <a:ext cx="6360695" cy="3021597"/>
+        </p:xfrm>
+        <a:graphic>
+          <a:graphicData uri="http://schemas.openxmlformats.org/drawingml/2006/diagram">
+            <dgm:relIds xmlns:dgm="http://schemas.openxmlformats.org/drawingml/2006/diagram" xmlns:r="http://schemas.openxmlformats.org/officeDocument/2006/relationships" r:dm="rId2" r:lo="rId3" r:qs="rId4" r:cs="rId5"/>
+          </a:graphicData>
+        </a:graphic>
+      </p:graphicFrame>
     </p:spTree>
     <p:extLst>
       <p:ext uri="{BB962C8B-B14F-4D97-AF65-F5344CB8AC3E}">
-        <p14:creationId xmlns:p14="http://schemas.microsoft.com/office/powerpoint/2010/main" val="2647957596"/>
+        <p14:creationId xmlns:p14="http://schemas.microsoft.com/office/powerpoint/2010/main" val="4294258542"/>
       </p:ext>
     </p:extLst>
   </p:cSld>
   <p:clrMapOvr>
     <a:masterClrMapping/>
   </p:clrMapOvr>
+  <p:timing>
+    <p:tnLst>
+      <p:par>
+        <p:cTn id="1" dur="indefinite" restart="never" nodeType="tmRoot">
+          <p:childTnLst>
+            <p:seq concurrent="1" nextAc="seek">
+              <p:cTn id="2" dur="indefinite" nodeType="mainSeq">
+                <p:childTnLst>
+                  <p:par>
+                    <p:cTn id="3" fill="hold">
+                      <p:stCondLst>
+                        <p:cond delay="indefinite"/>
+                        <p:cond evt="onBegin" delay="0">
+                          <p:tn val="2"/>
+                        </p:cond>
+                      </p:stCondLst>
+                      <p:childTnLst>
+                        <p:par>
+                          <p:cTn id="4" fill="hold">
+                            <p:stCondLst>
+                              <p:cond delay="0"/>
+                            </p:stCondLst>
+                            <p:childTnLst>
+                              <p:par>
+                                <p:cTn id="5" presetID="10" presetClass="entr" presetSubtype="0" fill="hold" grpId="0" nodeType="withEffect">
+                                  <p:stCondLst>
+                                    <p:cond delay="500"/>
+                                  </p:stCondLst>
+                                  <p:childTnLst>
+                                    <p:set>
+                                      <p:cBhvr>
+                                        <p:cTn id="6" dur="1" fill="hold">
+                                          <p:stCondLst>
+                                            <p:cond delay="0"/>
+                                          </p:stCondLst>
+                                        </p:cTn>
+                                        <p:tgtEl>
+                                          <p:spTgt spid="7">
+                                            <p:graphicEl>
+                                              <a:dgm id="{6B064F5B-8E5A-4221-A303-C91B60EA2E9D}"/>
+                                            </p:graphicEl>
+                                          </p:spTgt>
+                                        </p:tgtEl>
+                                        <p:attrNameLst>
+                                          <p:attrName>style.visibility</p:attrName>
+                                        </p:attrNameLst>
+                                      </p:cBhvr>
+                                      <p:to>
+                                        <p:strVal val="visible"/>
+                                      </p:to>
+                                    </p:set>
+                                    <p:animEffect transition="in" filter="fade">
+                                      <p:cBhvr>
+                                        <p:cTn id="7" dur="1500"/>
+                                        <p:tgtEl>
+                                          <p:spTgt spid="7">
+                                            <p:graphicEl>
+                                              <a:dgm id="{6B064F5B-8E5A-4221-A303-C91B60EA2E9D}"/>
+                                            </p:graphicEl>
+                                          </p:spTgt>
+                                        </p:tgtEl>
+                                      </p:cBhvr>
+                                    </p:animEffect>
+                                  </p:childTnLst>
+                                </p:cTn>
+                              </p:par>
+                            </p:childTnLst>
+                          </p:cTn>
+                        </p:par>
+                      </p:childTnLst>
+                    </p:cTn>
+                  </p:par>
+                  <p:par>
+                    <p:cTn id="8" fill="hold">
+                      <p:stCondLst>
+                        <p:cond delay="indefinite"/>
+                      </p:stCondLst>
+                      <p:childTnLst>
+                        <p:par>
+                          <p:cTn id="9" fill="hold">
+                            <p:stCondLst>
+                              <p:cond delay="0"/>
+                            </p:stCondLst>
+                            <p:childTnLst>
+                              <p:par>
+                                <p:cTn id="10" presetID="10" presetClass="entr" presetSubtype="0" fill="hold" grpId="0" nodeType="clickEffect">
+                                  <p:stCondLst>
+                                    <p:cond delay="0"/>
+                                  </p:stCondLst>
+                                  <p:childTnLst>
+                                    <p:set>
+                                      <p:cBhvr>
+                                        <p:cTn id="11" dur="1" fill="hold">
+                                          <p:stCondLst>
+                                            <p:cond delay="0"/>
+                                          </p:stCondLst>
+                                        </p:cTn>
+                                        <p:tgtEl>
+                                          <p:spTgt spid="7">
+                                            <p:graphicEl>
+                                              <a:dgm id="{C1443A3A-6B4A-471E-BD2A-CA1C8EFFA354}"/>
+                                            </p:graphicEl>
+                                          </p:spTgt>
+                                        </p:tgtEl>
+                                        <p:attrNameLst>
+                                          <p:attrName>style.visibility</p:attrName>
+                                        </p:attrNameLst>
+                                      </p:cBhvr>
+                                      <p:to>
+                                        <p:strVal val="visible"/>
+                                      </p:to>
+                                    </p:set>
+                                    <p:animEffect transition="in" filter="fade">
+                                      <p:cBhvr>
+                                        <p:cTn id="12" dur="500"/>
+                                        <p:tgtEl>
+                                          <p:spTgt spid="7">
+                                            <p:graphicEl>
+                                              <a:dgm id="{C1443A3A-6B4A-471E-BD2A-CA1C8EFFA354}"/>
+                                            </p:graphicEl>
+                                          </p:spTgt>
+                                        </p:tgtEl>
+                                      </p:cBhvr>
+                                    </p:animEffect>
+                                  </p:childTnLst>
+                                </p:cTn>
+                              </p:par>
+                            </p:childTnLst>
+                          </p:cTn>
+                        </p:par>
+                      </p:childTnLst>
+                    </p:cTn>
+                  </p:par>
+                  <p:par>
+                    <p:cTn id="13" fill="hold">
+                      <p:stCondLst>
+                        <p:cond delay="indefinite"/>
+                      </p:stCondLst>
+                      <p:childTnLst>
+                        <p:par>
+                          <p:cTn id="14" fill="hold">
+                            <p:stCondLst>
+                              <p:cond delay="0"/>
+                            </p:stCondLst>
+                            <p:childTnLst>
+                              <p:par>
+                                <p:cTn id="15" presetID="10" presetClass="entr" presetSubtype="0" fill="hold" grpId="0" nodeType="clickEffect">
+                                  <p:stCondLst>
+                                    <p:cond delay="0"/>
+                                  </p:stCondLst>
+                                  <p:childTnLst>
+                                    <p:set>
+                                      <p:cBhvr>
+                                        <p:cTn id="16" dur="1" fill="hold">
+                                          <p:stCondLst>
+                                            <p:cond delay="0"/>
+                                          </p:stCondLst>
+                                        </p:cTn>
+                                        <p:tgtEl>
+                                          <p:spTgt spid="7">
+                                            <p:graphicEl>
+                                              <a:dgm id="{F78DDD49-B9F7-4FD8-B00A-096EA9792532}"/>
+                                            </p:graphicEl>
+                                          </p:spTgt>
+                                        </p:tgtEl>
+                                        <p:attrNameLst>
+                                          <p:attrName>style.visibility</p:attrName>
+                                        </p:attrNameLst>
+                                      </p:cBhvr>
+                                      <p:to>
+                                        <p:strVal val="visible"/>
+                                      </p:to>
+                                    </p:set>
+                                    <p:animEffect transition="in" filter="fade">
+                                      <p:cBhvr>
+                                        <p:cTn id="17" dur="500"/>
+                                        <p:tgtEl>
+                                          <p:spTgt spid="7">
+                                            <p:graphicEl>
+                                              <a:dgm id="{F78DDD49-B9F7-4FD8-B00A-096EA9792532}"/>
+                                            </p:graphicEl>
+                                          </p:spTgt>
+                                        </p:tgtEl>
+                                      </p:cBhvr>
+                                    </p:animEffect>
+                                  </p:childTnLst>
+                                </p:cTn>
+                              </p:par>
+                            </p:childTnLst>
+                          </p:cTn>
+                        </p:par>
+                      </p:childTnLst>
+                    </p:cTn>
+                  </p:par>
+                  <p:par>
+                    <p:cTn id="18" fill="hold">
+                      <p:stCondLst>
+                        <p:cond delay="indefinite"/>
+                      </p:stCondLst>
+                      <p:childTnLst>
+                        <p:par>
+                          <p:cTn id="19" fill="hold">
+                            <p:stCondLst>
+                              <p:cond delay="0"/>
+                            </p:stCondLst>
+                            <p:childTnLst>
+                              <p:par>
+                                <p:cTn id="20" presetID="10" presetClass="entr" presetSubtype="0" fill="hold" grpId="0" nodeType="clickEffect">
+                                  <p:stCondLst>
+                                    <p:cond delay="0"/>
+                                  </p:stCondLst>
+                                  <p:childTnLst>
+                                    <p:set>
+                                      <p:cBhvr>
+                                        <p:cTn id="21" dur="1" fill="hold">
+                                          <p:stCondLst>
+                                            <p:cond delay="0"/>
+                                          </p:stCondLst>
+                                        </p:cTn>
+                                        <p:tgtEl>
+                                          <p:spTgt spid="7">
+                                            <p:graphicEl>
+                                              <a:dgm id="{9930EA4D-AF62-4F8C-9426-81638F6F12F9}"/>
+                                            </p:graphicEl>
+                                          </p:spTgt>
+                                        </p:tgtEl>
+                                        <p:attrNameLst>
+                                          <p:attrName>style.visibility</p:attrName>
+                                        </p:attrNameLst>
+                                      </p:cBhvr>
+                                      <p:to>
+                                        <p:strVal val="visible"/>
+                                      </p:to>
+                                    </p:set>
+                                    <p:animEffect transition="in" filter="fade">
+                                      <p:cBhvr>
+                                        <p:cTn id="22" dur="500"/>
+                                        <p:tgtEl>
+                                          <p:spTgt spid="7">
+                                            <p:graphicEl>
+                                              <a:dgm id="{9930EA4D-AF62-4F8C-9426-81638F6F12F9}"/>
+                                            </p:graphicEl>
+                                          </p:spTgt>
+                                        </p:tgtEl>
+                                      </p:cBhvr>
+                                    </p:animEffect>
+                                  </p:childTnLst>
+                                </p:cTn>
+                              </p:par>
+                              <p:par>
+                                <p:cTn id="23" presetID="10" presetClass="entr" presetSubtype="0" fill="hold" grpId="0" nodeType="withEffect">
+                                  <p:stCondLst>
+                                    <p:cond delay="1000"/>
+                                  </p:stCondLst>
+                                  <p:childTnLst>
+                                    <p:set>
+                                      <p:cBhvr>
+                                        <p:cTn id="24" dur="1" fill="hold">
+                                          <p:stCondLst>
+                                            <p:cond delay="0"/>
+                                          </p:stCondLst>
+                                        </p:cTn>
+                                        <p:tgtEl>
+                                          <p:spTgt spid="7">
+                                            <p:graphicEl>
+                                              <a:dgm id="{FC13CEE2-2A02-46E2-930C-22EC2E205271}"/>
+                                            </p:graphicEl>
+                                          </p:spTgt>
+                                        </p:tgtEl>
+                                        <p:attrNameLst>
+                                          <p:attrName>style.visibility</p:attrName>
+                                        </p:attrNameLst>
+                                      </p:cBhvr>
+                                      <p:to>
+                                        <p:strVal val="visible"/>
+                                      </p:to>
+                                    </p:set>
+                                    <p:animEffect transition="in" filter="fade">
+                                      <p:cBhvr>
+                                        <p:cTn id="25" dur="500"/>
+                                        <p:tgtEl>
+                                          <p:spTgt spid="7">
+                                            <p:graphicEl>
+                                              <a:dgm id="{FC13CEE2-2A02-46E2-930C-22EC2E205271}"/>
+                                            </p:graphicEl>
+                                          </p:spTgt>
+                                        </p:tgtEl>
+                                      </p:cBhvr>
+                                    </p:animEffect>
+                                  </p:childTnLst>
+                                </p:cTn>
+                              </p:par>
+                            </p:childTnLst>
+                          </p:cTn>
+                        </p:par>
+                      </p:childTnLst>
+                    </p:cTn>
+                  </p:par>
+                </p:childTnLst>
+              </p:cTn>
+              <p:prevCondLst>
+                <p:cond evt="onPrev" delay="0">
+                  <p:tgtEl>
+                    <p:sldTgt/>
+                  </p:tgtEl>
+                </p:cond>
+              </p:prevCondLst>
+              <p:nextCondLst>
+                <p:cond evt="onNext" delay="0">
+                  <p:tgtEl>
+                    <p:sldTgt/>
+                  </p:tgtEl>
+                </p:cond>
+              </p:nextCondLst>
+            </p:seq>
+          </p:childTnLst>
+        </p:cTn>
+      </p:par>
+    </p:tnLst>
+    <p:bldLst>
+      <p:bldGraphic spid="7" grpId="0" uiExpand="1">
+        <p:bldSub>
+          <a:bldDgm bld="one"/>
+        </p:bldSub>
+      </p:bldGraphic>
+    </p:bldLst>
+  </p:timing>
 </p:sld>
 </file>
 
@@ -20935,48 +27622,6 @@
                 <a:schemeClr val="lt1"/>
               </a:solidFill>
             </a:endParaRPr>
-          </a:p>
-        </p:txBody>
-      </p:sp>
-      <p:sp>
-        <p:nvSpPr>
-          <p:cNvPr id="359" name="Google Shape;359;p34"/>
-          <p:cNvSpPr txBox="1">
-            <a:spLocks noGrp="1"/>
-          </p:cNvSpPr>
-          <p:nvPr>
-            <p:ph type="sldNum" idx="12"/>
-          </p:nvPr>
-        </p:nvSpPr>
-        <p:spPr>
-          <a:xfrm>
-            <a:off x="8480575" y="4696933"/>
-            <a:ext cx="548700" cy="313500"/>
-          </a:xfrm>
-          <a:prstGeom prst="rect">
-            <a:avLst/>
-          </a:prstGeom>
-        </p:spPr>
-        <p:txBody>
-          <a:bodyPr spcFirstLastPara="1" wrap="square" lIns="91425" tIns="91425" rIns="91425" bIns="91425" anchor="t" anchorCtr="0">
-            <a:noAutofit/>
-          </a:bodyPr>
-          <a:lstStyle/>
-          <a:p>
-            <a:pPr marL="0" lvl="0" indent="0" algn="r" rtl="0">
-              <a:spcBef>
-                <a:spcPts val="0"/>
-              </a:spcBef>
-              <a:spcAft>
-                <a:spcPts val="0"/>
-              </a:spcAft>
-              <a:buNone/>
-            </a:pPr>
-            <a:fld id="{00000000-1234-1234-1234-123412341234}" type="slidenum">
-              <a:rPr lang="en"/>
-              <a:t>17</a:t>
-            </a:fld>
-            <a:endParaRPr/>
           </a:p>
         </p:txBody>
       </p:sp>
@@ -21041,52 +27686,6 @@
           <a:chExt cx="0" cy="0"/>
         </a:xfrm>
       </p:grpSpPr>
-      <p:sp>
-        <p:nvSpPr>
-          <p:cNvPr id="106" name="Google Shape;106;p14"/>
-          <p:cNvSpPr txBox="1">
-            <a:spLocks noGrp="1"/>
-          </p:cNvSpPr>
-          <p:nvPr>
-            <p:ph type="sldNum" idx="12"/>
-          </p:nvPr>
-        </p:nvSpPr>
-        <p:spPr>
-          <a:xfrm>
-            <a:off x="8480575" y="4696933"/>
-            <a:ext cx="548700" cy="313500"/>
-          </a:xfrm>
-          <a:prstGeom prst="rect">
-            <a:avLst/>
-          </a:prstGeom>
-        </p:spPr>
-        <p:txBody>
-          <a:bodyPr spcFirstLastPara="1" wrap="square" lIns="91425" tIns="91425" rIns="91425" bIns="91425" anchor="t" anchorCtr="0">
-            <a:noAutofit/>
-          </a:bodyPr>
-          <a:lstStyle/>
-          <a:p>
-            <a:pPr marL="0" lvl="0" indent="0" algn="r" rtl="0">
-              <a:spcBef>
-                <a:spcPts val="0"/>
-              </a:spcBef>
-              <a:spcAft>
-                <a:spcPts val="0"/>
-              </a:spcAft>
-              <a:buNone/>
-            </a:pPr>
-            <a:fld id="{00000000-1234-1234-1234-123412341234}" type="slidenum">
-              <a:rPr lang="en">
-                <a:latin typeface="Lato" panose="020F0502020204030203" pitchFamily="34" charset="0"/>
-              </a:rPr>
-              <a:t>2</a:t>
-            </a:fld>
-            <a:endParaRPr>
-              <a:latin typeface="Lato" panose="020F0502020204030203" pitchFamily="34" charset="0"/>
-            </a:endParaRPr>
-          </a:p>
-        </p:txBody>
-      </p:sp>
       <p:sp>
         <p:nvSpPr>
           <p:cNvPr id="2" name="Text Placeholder 4">
@@ -21519,48 +28118,6 @@
           </a:p>
         </p:txBody>
       </p:sp>
-      <p:sp>
-        <p:nvSpPr>
-          <p:cNvPr id="113" name="Google Shape;113;p15"/>
-          <p:cNvSpPr txBox="1">
-            <a:spLocks noGrp="1"/>
-          </p:cNvSpPr>
-          <p:nvPr>
-            <p:ph type="sldNum" idx="12"/>
-          </p:nvPr>
-        </p:nvSpPr>
-        <p:spPr>
-          <a:xfrm>
-            <a:off x="-125" y="4830281"/>
-            <a:ext cx="9144000" cy="313500"/>
-          </a:xfrm>
-          <a:prstGeom prst="rect">
-            <a:avLst/>
-          </a:prstGeom>
-        </p:spPr>
-        <p:txBody>
-          <a:bodyPr spcFirstLastPara="1" wrap="square" lIns="91425" tIns="91425" rIns="91425" bIns="91425" anchor="t" anchorCtr="0">
-            <a:noAutofit/>
-          </a:bodyPr>
-          <a:lstStyle/>
-          <a:p>
-            <a:pPr marL="0" lvl="0" indent="0" algn="ctr" rtl="0">
-              <a:spcBef>
-                <a:spcPts val="0"/>
-              </a:spcBef>
-              <a:spcAft>
-                <a:spcPts val="0"/>
-              </a:spcAft>
-              <a:buNone/>
-            </a:pPr>
-            <a:fld id="{00000000-1234-1234-1234-123412341234}" type="slidenum">
-              <a:rPr lang="en"/>
-              <a:t>3</a:t>
-            </a:fld>
-            <a:endParaRPr/>
-          </a:p>
-        </p:txBody>
-      </p:sp>
     </p:spTree>
   </p:cSld>
   <p:clrMapOvr>
@@ -21681,6 +28238,92 @@
   <p:clrMapOvr>
     <a:masterClrMapping/>
   </p:clrMapOvr>
+  <p:timing>
+    <p:tnLst>
+      <p:par>
+        <p:cTn id="1" dur="indefinite" restart="never" nodeType="tmRoot">
+          <p:childTnLst>
+            <p:seq concurrent="1" nextAc="seek">
+              <p:cTn id="2" dur="indefinite" nodeType="mainSeq">
+                <p:childTnLst>
+                  <p:par>
+                    <p:cTn id="3" fill="hold">
+                      <p:stCondLst>
+                        <p:cond delay="indefinite"/>
+                        <p:cond evt="onBegin" delay="0">
+                          <p:tn val="2"/>
+                        </p:cond>
+                      </p:stCondLst>
+                      <p:childTnLst>
+                        <p:par>
+                          <p:cTn id="4" fill="hold">
+                            <p:stCondLst>
+                              <p:cond delay="0"/>
+                            </p:stCondLst>
+                            <p:childTnLst>
+                              <p:par>
+                                <p:cTn id="5" presetID="10" presetClass="entr" presetSubtype="0" fill="hold" nodeType="withEffect">
+                                  <p:stCondLst>
+                                    <p:cond delay="500"/>
+                                  </p:stCondLst>
+                                  <p:childTnLst>
+                                    <p:set>
+                                      <p:cBhvr>
+                                        <p:cTn id="6" dur="1" fill="hold">
+                                          <p:stCondLst>
+                                            <p:cond delay="0"/>
+                                          </p:stCondLst>
+                                        </p:cTn>
+                                        <p:tgtEl>
+                                          <p:spTgt spid="1028"/>
+                                        </p:tgtEl>
+                                        <p:attrNameLst>
+                                          <p:attrName>style.visibility</p:attrName>
+                                        </p:attrNameLst>
+                                      </p:cBhvr>
+                                      <p:to>
+                                        <p:strVal val="visible"/>
+                                      </p:to>
+                                    </p:set>
+                                    <p:animEffect transition="in" filter="fade">
+                                      <p:cBhvr>
+                                        <p:cTn id="7" dur="1500"/>
+                                        <p:tgtEl>
+                                          <p:spTgt spid="1028"/>
+                                        </p:tgtEl>
+                                      </p:cBhvr>
+                                    </p:animEffect>
+                                  </p:childTnLst>
+                                </p:cTn>
+                              </p:par>
+                            </p:childTnLst>
+                          </p:cTn>
+                        </p:par>
+                      </p:childTnLst>
+                    </p:cTn>
+                  </p:par>
+                </p:childTnLst>
+              </p:cTn>
+              <p:prevCondLst>
+                <p:cond evt="onPrev" delay="0">
+                  <p:tgtEl>
+                    <p:sldTgt/>
+                  </p:tgtEl>
+                </p:cond>
+              </p:prevCondLst>
+              <p:nextCondLst>
+                <p:cond evt="onNext" delay="0">
+                  <p:tgtEl>
+                    <p:sldTgt/>
+                  </p:tgtEl>
+                </p:cond>
+              </p:nextCondLst>
+            </p:seq>
+          </p:childTnLst>
+        </p:cTn>
+      </p:par>
+    </p:tnLst>
+  </p:timing>
 </p:sld>
 </file>
 
@@ -21793,6 +28436,92 @@
   <p:clrMapOvr>
     <a:masterClrMapping/>
   </p:clrMapOvr>
+  <p:timing>
+    <p:tnLst>
+      <p:par>
+        <p:cTn id="1" dur="indefinite" restart="never" nodeType="tmRoot">
+          <p:childTnLst>
+            <p:seq concurrent="1" nextAc="seek">
+              <p:cTn id="2" dur="indefinite" nodeType="mainSeq">
+                <p:childTnLst>
+                  <p:par>
+                    <p:cTn id="3" fill="hold">
+                      <p:stCondLst>
+                        <p:cond delay="indefinite"/>
+                        <p:cond evt="onBegin" delay="0">
+                          <p:tn val="2"/>
+                        </p:cond>
+                      </p:stCondLst>
+                      <p:childTnLst>
+                        <p:par>
+                          <p:cTn id="4" fill="hold">
+                            <p:stCondLst>
+                              <p:cond delay="0"/>
+                            </p:stCondLst>
+                            <p:childTnLst>
+                              <p:par>
+                                <p:cTn id="5" presetID="10" presetClass="entr" presetSubtype="0" fill="hold" nodeType="withEffect">
+                                  <p:stCondLst>
+                                    <p:cond delay="500"/>
+                                  </p:stCondLst>
+                                  <p:childTnLst>
+                                    <p:set>
+                                      <p:cBhvr>
+                                        <p:cTn id="6" dur="1" fill="hold">
+                                          <p:stCondLst>
+                                            <p:cond delay="0"/>
+                                          </p:stCondLst>
+                                        </p:cTn>
+                                        <p:tgtEl>
+                                          <p:spTgt spid="1026"/>
+                                        </p:tgtEl>
+                                        <p:attrNameLst>
+                                          <p:attrName>style.visibility</p:attrName>
+                                        </p:attrNameLst>
+                                      </p:cBhvr>
+                                      <p:to>
+                                        <p:strVal val="visible"/>
+                                      </p:to>
+                                    </p:set>
+                                    <p:animEffect transition="in" filter="fade">
+                                      <p:cBhvr>
+                                        <p:cTn id="7" dur="1500"/>
+                                        <p:tgtEl>
+                                          <p:spTgt spid="1026"/>
+                                        </p:tgtEl>
+                                      </p:cBhvr>
+                                    </p:animEffect>
+                                  </p:childTnLst>
+                                </p:cTn>
+                              </p:par>
+                            </p:childTnLst>
+                          </p:cTn>
+                        </p:par>
+                      </p:childTnLst>
+                    </p:cTn>
+                  </p:par>
+                </p:childTnLst>
+              </p:cTn>
+              <p:prevCondLst>
+                <p:cond evt="onPrev" delay="0">
+                  <p:tgtEl>
+                    <p:sldTgt/>
+                  </p:tgtEl>
+                </p:cond>
+              </p:prevCondLst>
+              <p:nextCondLst>
+                <p:cond evt="onNext" delay="0">
+                  <p:tgtEl>
+                    <p:sldTgt/>
+                  </p:tgtEl>
+                </p:cond>
+              </p:nextCondLst>
+            </p:seq>
+          </p:childTnLst>
+        </p:cTn>
+      </p:par>
+    </p:tnLst>
+  </p:timing>
 </p:sld>
 </file>
 
@@ -21905,6 +28634,92 @@
   <p:clrMapOvr>
     <a:masterClrMapping/>
   </p:clrMapOvr>
+  <p:timing>
+    <p:tnLst>
+      <p:par>
+        <p:cTn id="1" dur="indefinite" restart="never" nodeType="tmRoot">
+          <p:childTnLst>
+            <p:seq concurrent="1" nextAc="seek">
+              <p:cTn id="2" dur="indefinite" nodeType="mainSeq">
+                <p:childTnLst>
+                  <p:par>
+                    <p:cTn id="3" fill="hold">
+                      <p:stCondLst>
+                        <p:cond delay="indefinite"/>
+                        <p:cond evt="onBegin" delay="0">
+                          <p:tn val="2"/>
+                        </p:cond>
+                      </p:stCondLst>
+                      <p:childTnLst>
+                        <p:par>
+                          <p:cTn id="4" fill="hold">
+                            <p:stCondLst>
+                              <p:cond delay="0"/>
+                            </p:stCondLst>
+                            <p:childTnLst>
+                              <p:par>
+                                <p:cTn id="5" presetID="10" presetClass="entr" presetSubtype="0" fill="hold" nodeType="withEffect">
+                                  <p:stCondLst>
+                                    <p:cond delay="500"/>
+                                  </p:stCondLst>
+                                  <p:childTnLst>
+                                    <p:set>
+                                      <p:cBhvr>
+                                        <p:cTn id="6" dur="1" fill="hold">
+                                          <p:stCondLst>
+                                            <p:cond delay="0"/>
+                                          </p:stCondLst>
+                                        </p:cTn>
+                                        <p:tgtEl>
+                                          <p:spTgt spid="1030"/>
+                                        </p:tgtEl>
+                                        <p:attrNameLst>
+                                          <p:attrName>style.visibility</p:attrName>
+                                        </p:attrNameLst>
+                                      </p:cBhvr>
+                                      <p:to>
+                                        <p:strVal val="visible"/>
+                                      </p:to>
+                                    </p:set>
+                                    <p:animEffect transition="in" filter="fade">
+                                      <p:cBhvr>
+                                        <p:cTn id="7" dur="1500"/>
+                                        <p:tgtEl>
+                                          <p:spTgt spid="1030"/>
+                                        </p:tgtEl>
+                                      </p:cBhvr>
+                                    </p:animEffect>
+                                  </p:childTnLst>
+                                </p:cTn>
+                              </p:par>
+                            </p:childTnLst>
+                          </p:cTn>
+                        </p:par>
+                      </p:childTnLst>
+                    </p:cTn>
+                  </p:par>
+                </p:childTnLst>
+              </p:cTn>
+              <p:prevCondLst>
+                <p:cond evt="onPrev" delay="0">
+                  <p:tgtEl>
+                    <p:sldTgt/>
+                  </p:tgtEl>
+                </p:cond>
+              </p:prevCondLst>
+              <p:nextCondLst>
+                <p:cond evt="onNext" delay="0">
+                  <p:tgtEl>
+                    <p:sldTgt/>
+                  </p:tgtEl>
+                </p:cond>
+              </p:nextCondLst>
+            </p:seq>
+          </p:childTnLst>
+        </p:cTn>
+      </p:par>
+    </p:tnLst>
+  </p:timing>
 </p:sld>
 </file>
 
@@ -22017,6 +28832,92 @@
   <p:clrMapOvr>
     <a:masterClrMapping/>
   </p:clrMapOvr>
+  <p:timing>
+    <p:tnLst>
+      <p:par>
+        <p:cTn id="1" dur="indefinite" restart="never" nodeType="tmRoot">
+          <p:childTnLst>
+            <p:seq concurrent="1" nextAc="seek">
+              <p:cTn id="2" dur="indefinite" nodeType="mainSeq">
+                <p:childTnLst>
+                  <p:par>
+                    <p:cTn id="3" fill="hold">
+                      <p:stCondLst>
+                        <p:cond delay="indefinite"/>
+                        <p:cond evt="onBegin" delay="0">
+                          <p:tn val="2"/>
+                        </p:cond>
+                      </p:stCondLst>
+                      <p:childTnLst>
+                        <p:par>
+                          <p:cTn id="4" fill="hold">
+                            <p:stCondLst>
+                              <p:cond delay="0"/>
+                            </p:stCondLst>
+                            <p:childTnLst>
+                              <p:par>
+                                <p:cTn id="5" presetID="10" presetClass="entr" presetSubtype="0" fill="hold" nodeType="withEffect">
+                                  <p:stCondLst>
+                                    <p:cond delay="500"/>
+                                  </p:stCondLst>
+                                  <p:childTnLst>
+                                    <p:set>
+                                      <p:cBhvr>
+                                        <p:cTn id="6" dur="1" fill="hold">
+                                          <p:stCondLst>
+                                            <p:cond delay="0"/>
+                                          </p:stCondLst>
+                                        </p:cTn>
+                                        <p:tgtEl>
+                                          <p:spTgt spid="1032"/>
+                                        </p:tgtEl>
+                                        <p:attrNameLst>
+                                          <p:attrName>style.visibility</p:attrName>
+                                        </p:attrNameLst>
+                                      </p:cBhvr>
+                                      <p:to>
+                                        <p:strVal val="visible"/>
+                                      </p:to>
+                                    </p:set>
+                                    <p:animEffect transition="in" filter="fade">
+                                      <p:cBhvr>
+                                        <p:cTn id="7" dur="1500"/>
+                                        <p:tgtEl>
+                                          <p:spTgt spid="1032"/>
+                                        </p:tgtEl>
+                                      </p:cBhvr>
+                                    </p:animEffect>
+                                  </p:childTnLst>
+                                </p:cTn>
+                              </p:par>
+                            </p:childTnLst>
+                          </p:cTn>
+                        </p:par>
+                      </p:childTnLst>
+                    </p:cTn>
+                  </p:par>
+                </p:childTnLst>
+              </p:cTn>
+              <p:prevCondLst>
+                <p:cond evt="onPrev" delay="0">
+                  <p:tgtEl>
+                    <p:sldTgt/>
+                  </p:tgtEl>
+                </p:cond>
+              </p:prevCondLst>
+              <p:nextCondLst>
+                <p:cond evt="onNext" delay="0">
+                  <p:tgtEl>
+                    <p:sldTgt/>
+                  </p:tgtEl>
+                </p:cond>
+              </p:nextCondLst>
+            </p:seq>
+          </p:childTnLst>
+        </p:cTn>
+      </p:par>
+    </p:tnLst>
+  </p:timing>
 </p:sld>
 </file>
 
@@ -22076,48 +28977,6 @@
               <a:t>But what if I want Web 2.0?</a:t>
             </a:r>
             <a:endParaRPr dirty="0"/>
-          </a:p>
-        </p:txBody>
-      </p:sp>
-      <p:sp>
-        <p:nvSpPr>
-          <p:cNvPr id="126" name="Google Shape;126;p17"/>
-          <p:cNvSpPr txBox="1">
-            <a:spLocks noGrp="1"/>
-          </p:cNvSpPr>
-          <p:nvPr>
-            <p:ph type="sldNum" idx="12"/>
-          </p:nvPr>
-        </p:nvSpPr>
-        <p:spPr>
-          <a:xfrm>
-            <a:off x="8480575" y="4696933"/>
-            <a:ext cx="548700" cy="313500"/>
-          </a:xfrm>
-          <a:prstGeom prst="rect">
-            <a:avLst/>
-          </a:prstGeom>
-        </p:spPr>
-        <p:txBody>
-          <a:bodyPr spcFirstLastPara="1" wrap="square" lIns="91425" tIns="91425" rIns="91425" bIns="91425" anchor="t" anchorCtr="0">
-            <a:noAutofit/>
-          </a:bodyPr>
-          <a:lstStyle/>
-          <a:p>
-            <a:pPr marL="0" lvl="0" indent="0" algn="r" rtl="0">
-              <a:spcBef>
-                <a:spcPts val="0"/>
-              </a:spcBef>
-              <a:spcAft>
-                <a:spcPts val="0"/>
-              </a:spcAft>
-              <a:buNone/>
-            </a:pPr>
-            <a:fld id="{00000000-1234-1234-1234-123412341234}" type="slidenum">
-              <a:rPr lang="en"/>
-              <a:t>8</a:t>
-            </a:fld>
-            <a:endParaRPr/>
           </a:p>
         </p:txBody>
       </p:sp>
@@ -22541,6 +29400,387 @@
   <p:clrMapOvr>
     <a:masterClrMapping/>
   </p:clrMapOvr>
+  <p:timing>
+    <p:tnLst>
+      <p:par>
+        <p:cTn id="1" dur="indefinite" restart="never" nodeType="tmRoot">
+          <p:childTnLst>
+            <p:seq concurrent="1" nextAc="seek">
+              <p:cTn id="2" dur="indefinite" nodeType="mainSeq">
+                <p:childTnLst>
+                  <p:par>
+                    <p:cTn id="3" fill="hold">
+                      <p:stCondLst>
+                        <p:cond delay="indefinite"/>
+                      </p:stCondLst>
+                      <p:childTnLst>
+                        <p:par>
+                          <p:cTn id="4" fill="hold">
+                            <p:stCondLst>
+                              <p:cond delay="0"/>
+                            </p:stCondLst>
+                            <p:childTnLst>
+                              <p:par>
+                                <p:cTn id="5" presetID="10" presetClass="entr" presetSubtype="0" fill="hold" nodeType="clickEffect">
+                                  <p:stCondLst>
+                                    <p:cond delay="0"/>
+                                  </p:stCondLst>
+                                  <p:childTnLst>
+                                    <p:set>
+                                      <p:cBhvr>
+                                        <p:cTn id="6" dur="1" fill="hold">
+                                          <p:stCondLst>
+                                            <p:cond delay="0"/>
+                                          </p:stCondLst>
+                                        </p:cTn>
+                                        <p:tgtEl>
+                                          <p:spTgt spid="4"/>
+                                        </p:tgtEl>
+                                        <p:attrNameLst>
+                                          <p:attrName>style.visibility</p:attrName>
+                                        </p:attrNameLst>
+                                      </p:cBhvr>
+                                      <p:to>
+                                        <p:strVal val="visible"/>
+                                      </p:to>
+                                    </p:set>
+                                    <p:animEffect transition="in" filter="fade">
+                                      <p:cBhvr>
+                                        <p:cTn id="7" dur="500"/>
+                                        <p:tgtEl>
+                                          <p:spTgt spid="4"/>
+                                        </p:tgtEl>
+                                      </p:cBhvr>
+                                    </p:animEffect>
+                                  </p:childTnLst>
+                                </p:cTn>
+                              </p:par>
+                              <p:par>
+                                <p:cTn id="8" presetID="10" presetClass="entr" presetSubtype="0" fill="hold" nodeType="withEffect">
+                                  <p:stCondLst>
+                                    <p:cond delay="0"/>
+                                  </p:stCondLst>
+                                  <p:childTnLst>
+                                    <p:set>
+                                      <p:cBhvr>
+                                        <p:cTn id="9" dur="1" fill="hold">
+                                          <p:stCondLst>
+                                            <p:cond delay="0"/>
+                                          </p:stCondLst>
+                                        </p:cTn>
+                                        <p:tgtEl>
+                                          <p:spTgt spid="5"/>
+                                        </p:tgtEl>
+                                        <p:attrNameLst>
+                                          <p:attrName>style.visibility</p:attrName>
+                                        </p:attrNameLst>
+                                      </p:cBhvr>
+                                      <p:to>
+                                        <p:strVal val="visible"/>
+                                      </p:to>
+                                    </p:set>
+                                    <p:animEffect transition="in" filter="fade">
+                                      <p:cBhvr>
+                                        <p:cTn id="10" dur="500"/>
+                                        <p:tgtEl>
+                                          <p:spTgt spid="5"/>
+                                        </p:tgtEl>
+                                      </p:cBhvr>
+                                    </p:animEffect>
+                                  </p:childTnLst>
+                                </p:cTn>
+                              </p:par>
+                            </p:childTnLst>
+                          </p:cTn>
+                        </p:par>
+                      </p:childTnLst>
+                    </p:cTn>
+                  </p:par>
+                  <p:par>
+                    <p:cTn id="11" fill="hold">
+                      <p:stCondLst>
+                        <p:cond delay="indefinite"/>
+                      </p:stCondLst>
+                      <p:childTnLst>
+                        <p:par>
+                          <p:cTn id="12" fill="hold">
+                            <p:stCondLst>
+                              <p:cond delay="0"/>
+                            </p:stCondLst>
+                            <p:childTnLst>
+                              <p:par>
+                                <p:cTn id="13" presetID="10" presetClass="entr" presetSubtype="0" fill="hold" nodeType="clickEffect">
+                                  <p:stCondLst>
+                                    <p:cond delay="0"/>
+                                  </p:stCondLst>
+                                  <p:childTnLst>
+                                    <p:set>
+                                      <p:cBhvr>
+                                        <p:cTn id="14" dur="1" fill="hold">
+                                          <p:stCondLst>
+                                            <p:cond delay="0"/>
+                                          </p:stCondLst>
+                                        </p:cTn>
+                                        <p:tgtEl>
+                                          <p:spTgt spid="6"/>
+                                        </p:tgtEl>
+                                        <p:attrNameLst>
+                                          <p:attrName>style.visibility</p:attrName>
+                                        </p:attrNameLst>
+                                      </p:cBhvr>
+                                      <p:to>
+                                        <p:strVal val="visible"/>
+                                      </p:to>
+                                    </p:set>
+                                    <p:animEffect transition="in" filter="fade">
+                                      <p:cBhvr>
+                                        <p:cTn id="15" dur="500"/>
+                                        <p:tgtEl>
+                                          <p:spTgt spid="6"/>
+                                        </p:tgtEl>
+                                      </p:cBhvr>
+                                    </p:animEffect>
+                                  </p:childTnLst>
+                                </p:cTn>
+                              </p:par>
+                              <p:par>
+                                <p:cTn id="16" presetID="10" presetClass="entr" presetSubtype="0" fill="hold" nodeType="withEffect">
+                                  <p:stCondLst>
+                                    <p:cond delay="500"/>
+                                  </p:stCondLst>
+                                  <p:childTnLst>
+                                    <p:set>
+                                      <p:cBhvr>
+                                        <p:cTn id="17" dur="1" fill="hold">
+                                          <p:stCondLst>
+                                            <p:cond delay="0"/>
+                                          </p:stCondLst>
+                                        </p:cTn>
+                                        <p:tgtEl>
+                                          <p:spTgt spid="7"/>
+                                        </p:tgtEl>
+                                        <p:attrNameLst>
+                                          <p:attrName>style.visibility</p:attrName>
+                                        </p:attrNameLst>
+                                      </p:cBhvr>
+                                      <p:to>
+                                        <p:strVal val="visible"/>
+                                      </p:to>
+                                    </p:set>
+                                    <p:animEffect transition="in" filter="fade">
+                                      <p:cBhvr>
+                                        <p:cTn id="18" dur="500"/>
+                                        <p:tgtEl>
+                                          <p:spTgt spid="7"/>
+                                        </p:tgtEl>
+                                      </p:cBhvr>
+                                    </p:animEffect>
+                                  </p:childTnLst>
+                                </p:cTn>
+                              </p:par>
+                              <p:par>
+                                <p:cTn id="19" presetID="10" presetClass="entr" presetSubtype="0" fill="hold" nodeType="withEffect">
+                                  <p:stCondLst>
+                                    <p:cond delay="1000"/>
+                                  </p:stCondLst>
+                                  <p:childTnLst>
+                                    <p:set>
+                                      <p:cBhvr>
+                                        <p:cTn id="20" dur="1" fill="hold">
+                                          <p:stCondLst>
+                                            <p:cond delay="0"/>
+                                          </p:stCondLst>
+                                        </p:cTn>
+                                        <p:tgtEl>
+                                          <p:spTgt spid="8"/>
+                                        </p:tgtEl>
+                                        <p:attrNameLst>
+                                          <p:attrName>style.visibility</p:attrName>
+                                        </p:attrNameLst>
+                                      </p:cBhvr>
+                                      <p:to>
+                                        <p:strVal val="visible"/>
+                                      </p:to>
+                                    </p:set>
+                                    <p:animEffect transition="in" filter="fade">
+                                      <p:cBhvr>
+                                        <p:cTn id="21" dur="500"/>
+                                        <p:tgtEl>
+                                          <p:spTgt spid="8"/>
+                                        </p:tgtEl>
+                                      </p:cBhvr>
+                                    </p:animEffect>
+                                  </p:childTnLst>
+                                </p:cTn>
+                              </p:par>
+                              <p:par>
+                                <p:cTn id="22" presetID="10" presetClass="entr" presetSubtype="0" fill="hold" nodeType="withEffect">
+                                  <p:stCondLst>
+                                    <p:cond delay="1500"/>
+                                  </p:stCondLst>
+                                  <p:childTnLst>
+                                    <p:set>
+                                      <p:cBhvr>
+                                        <p:cTn id="23" dur="1" fill="hold">
+                                          <p:stCondLst>
+                                            <p:cond delay="0"/>
+                                          </p:stCondLst>
+                                        </p:cTn>
+                                        <p:tgtEl>
+                                          <p:spTgt spid="12"/>
+                                        </p:tgtEl>
+                                        <p:attrNameLst>
+                                          <p:attrName>style.visibility</p:attrName>
+                                        </p:attrNameLst>
+                                      </p:cBhvr>
+                                      <p:to>
+                                        <p:strVal val="visible"/>
+                                      </p:to>
+                                    </p:set>
+                                    <p:animEffect transition="in" filter="fade">
+                                      <p:cBhvr>
+                                        <p:cTn id="24" dur="500"/>
+                                        <p:tgtEl>
+                                          <p:spTgt spid="12"/>
+                                        </p:tgtEl>
+                                      </p:cBhvr>
+                                    </p:animEffect>
+                                  </p:childTnLst>
+                                </p:cTn>
+                              </p:par>
+                              <p:par>
+                                <p:cTn id="25" presetID="10" presetClass="entr" presetSubtype="0" fill="hold" nodeType="withEffect">
+                                  <p:stCondLst>
+                                    <p:cond delay="2000"/>
+                                  </p:stCondLst>
+                                  <p:childTnLst>
+                                    <p:set>
+                                      <p:cBhvr>
+                                        <p:cTn id="26" dur="1" fill="hold">
+                                          <p:stCondLst>
+                                            <p:cond delay="0"/>
+                                          </p:stCondLst>
+                                        </p:cTn>
+                                        <p:tgtEl>
+                                          <p:spTgt spid="10"/>
+                                        </p:tgtEl>
+                                        <p:attrNameLst>
+                                          <p:attrName>style.visibility</p:attrName>
+                                        </p:attrNameLst>
+                                      </p:cBhvr>
+                                      <p:to>
+                                        <p:strVal val="visible"/>
+                                      </p:to>
+                                    </p:set>
+                                    <p:animEffect transition="in" filter="fade">
+                                      <p:cBhvr>
+                                        <p:cTn id="27" dur="500"/>
+                                        <p:tgtEl>
+                                          <p:spTgt spid="10"/>
+                                        </p:tgtEl>
+                                      </p:cBhvr>
+                                    </p:animEffect>
+                                  </p:childTnLst>
+                                </p:cTn>
+                              </p:par>
+                              <p:par>
+                                <p:cTn id="28" presetID="10" presetClass="entr" presetSubtype="0" fill="hold" nodeType="withEffect">
+                                  <p:stCondLst>
+                                    <p:cond delay="2500"/>
+                                  </p:stCondLst>
+                                  <p:childTnLst>
+                                    <p:set>
+                                      <p:cBhvr>
+                                        <p:cTn id="29" dur="1" fill="hold">
+                                          <p:stCondLst>
+                                            <p:cond delay="0"/>
+                                          </p:stCondLst>
+                                        </p:cTn>
+                                        <p:tgtEl>
+                                          <p:spTgt spid="11"/>
+                                        </p:tgtEl>
+                                        <p:attrNameLst>
+                                          <p:attrName>style.visibility</p:attrName>
+                                        </p:attrNameLst>
+                                      </p:cBhvr>
+                                      <p:to>
+                                        <p:strVal val="visible"/>
+                                      </p:to>
+                                    </p:set>
+                                    <p:animEffect transition="in" filter="fade">
+                                      <p:cBhvr>
+                                        <p:cTn id="30" dur="500"/>
+                                        <p:tgtEl>
+                                          <p:spTgt spid="11"/>
+                                        </p:tgtEl>
+                                      </p:cBhvr>
+                                    </p:animEffect>
+                                  </p:childTnLst>
+                                </p:cTn>
+                              </p:par>
+                              <p:par>
+                                <p:cTn id="31" presetID="10" presetClass="entr" presetSubtype="0" fill="hold" nodeType="withEffect">
+                                  <p:stCondLst>
+                                    <p:cond delay="3000"/>
+                                  </p:stCondLst>
+                                  <p:childTnLst>
+                                    <p:set>
+                                      <p:cBhvr>
+                                        <p:cTn id="32" dur="1" fill="hold">
+                                          <p:stCondLst>
+                                            <p:cond delay="0"/>
+                                          </p:stCondLst>
+                                        </p:cTn>
+                                        <p:tgtEl>
+                                          <p:spTgt spid="9"/>
+                                        </p:tgtEl>
+                                        <p:attrNameLst>
+                                          <p:attrName>style.visibility</p:attrName>
+                                        </p:attrNameLst>
+                                      </p:cBhvr>
+                                      <p:to>
+                                        <p:strVal val="visible"/>
+                                      </p:to>
+                                    </p:set>
+                                    <p:animEffect transition="in" filter="fade">
+                                      <p:cBhvr>
+                                        <p:cTn id="33" dur="500"/>
+                                        <p:tgtEl>
+                                          <p:spTgt spid="9"/>
+                                        </p:tgtEl>
+                                      </p:cBhvr>
+                                    </p:animEffect>
+                                  </p:childTnLst>
+                                </p:cTn>
+                              </p:par>
+                            </p:childTnLst>
+                          </p:cTn>
+                        </p:par>
+                      </p:childTnLst>
+                    </p:cTn>
+                  </p:par>
+                </p:childTnLst>
+              </p:cTn>
+              <p:prevCondLst>
+                <p:cond evt="onPrev" delay="0">
+                  <p:tgtEl>
+                    <p:sldTgt/>
+                  </p:tgtEl>
+                </p:cond>
+              </p:prevCondLst>
+              <p:nextCondLst>
+                <p:cond evt="onNext" delay="0">
+                  <p:tgtEl>
+                    <p:sldTgt/>
+                  </p:tgtEl>
+                </p:cond>
+              </p:nextCondLst>
+            </p:seq>
+          </p:childTnLst>
+        </p:cTn>
+      </p:par>
+    </p:tnLst>
+  </p:timing>
 </p:sld>
 </file>
 

--- a/Running_ASP.NET_Core_Apps_without_a_server.pptx
+++ b/Running_ASP.NET_Core_Apps_without_a_server.pptx
@@ -5,7 +5,7 @@
     <p:sldMasterId id="2147483658" r:id="rId1"/>
   </p:sldMasterIdLst>
   <p:notesMasterIdLst>
-    <p:notesMasterId r:id="rId19"/>
+    <p:notesMasterId r:id="rId23"/>
   </p:notesMasterIdLst>
   <p:sldIdLst>
     <p:sldId id="256" r:id="rId2"/>
@@ -22,55 +22,59 @@
     <p:sldId id="1945" r:id="rId13"/>
     <p:sldId id="294" r:id="rId14"/>
     <p:sldId id="1952" r:id="rId15"/>
-    <p:sldId id="1949" r:id="rId16"/>
-    <p:sldId id="7938" r:id="rId17"/>
-    <p:sldId id="278" r:id="rId18"/>
+    <p:sldId id="1950" r:id="rId16"/>
+    <p:sldId id="1946" r:id="rId17"/>
+    <p:sldId id="7940" r:id="rId18"/>
+    <p:sldId id="1947" r:id="rId19"/>
+    <p:sldId id="1949" r:id="rId20"/>
+    <p:sldId id="7938" r:id="rId21"/>
+    <p:sldId id="278" r:id="rId22"/>
   </p:sldIdLst>
   <p:sldSz cx="9144000" cy="5143500" type="screen16x9"/>
   <p:notesSz cx="6858000" cy="9144000"/>
   <p:embeddedFontLst>
     <p:embeddedFont>
       <p:font typeface="Abadi" panose="020B0604020104020204" pitchFamily="34" charset="0"/>
-      <p:regular r:id="rId20"/>
+      <p:regular r:id="rId24"/>
     </p:embeddedFont>
     <p:embeddedFont>
       <p:font typeface="Abadi Extra Light" panose="020B0204020104020204" pitchFamily="34" charset="0"/>
-      <p:regular r:id="rId21"/>
+      <p:regular r:id="rId25"/>
     </p:embeddedFont>
     <p:embeddedFont>
       <p:font typeface="Calibri" panose="020F0502020204030204" pitchFamily="34" charset="0"/>
-      <p:regular r:id="rId22"/>
-      <p:bold r:id="rId23"/>
-      <p:italic r:id="rId24"/>
-      <p:boldItalic r:id="rId25"/>
-    </p:embeddedFont>
-    <p:embeddedFont>
-      <p:font typeface="Consolas" panose="020B0609020204030204" pitchFamily="49" charset="0"/>
       <p:regular r:id="rId26"/>
       <p:bold r:id="rId27"/>
       <p:italic r:id="rId28"/>
       <p:boldItalic r:id="rId29"/>
     </p:embeddedFont>
     <p:embeddedFont>
-      <p:font typeface="Lato" panose="020F0502020204030203" pitchFamily="34" charset="0"/>
+      <p:font typeface="Consolas" panose="020B0609020204030204" pitchFamily="49" charset="0"/>
       <p:regular r:id="rId30"/>
       <p:bold r:id="rId31"/>
       <p:italic r:id="rId32"/>
       <p:boldItalic r:id="rId33"/>
     </p:embeddedFont>
     <p:embeddedFont>
-      <p:font typeface="Raleway" pitchFamily="2" charset="0"/>
+      <p:font typeface="Lato" panose="020F0502020204030203" pitchFamily="34" charset="0"/>
       <p:regular r:id="rId34"/>
       <p:bold r:id="rId35"/>
       <p:italic r:id="rId36"/>
       <p:boldItalic r:id="rId37"/>
     </p:embeddedFont>
     <p:embeddedFont>
-      <p:font typeface="Segoe UI" panose="020B0502040204020203" pitchFamily="34" charset="0"/>
+      <p:font typeface="Raleway" pitchFamily="2" charset="0"/>
       <p:regular r:id="rId38"/>
       <p:bold r:id="rId39"/>
       <p:italic r:id="rId40"/>
       <p:boldItalic r:id="rId41"/>
+    </p:embeddedFont>
+    <p:embeddedFont>
+      <p:font typeface="Segoe UI" panose="020B0502040204020203" pitchFamily="34" charset="0"/>
+      <p:regular r:id="rId42"/>
+      <p:bold r:id="rId43"/>
+      <p:italic r:id="rId44"/>
+      <p:boldItalic r:id="rId45"/>
     </p:embeddedFont>
   </p:embeddedFontLst>
   <p:defaultTextStyle>
@@ -9835,6 +9839,270 @@
   <p:cSld>
     <p:spTree>
       <p:nvGrpSpPr>
+        <p:cNvPr id="1" name="Shape 107"/>
+        <p:cNvGrpSpPr/>
+        <p:nvPr/>
+      </p:nvGrpSpPr>
+      <p:grpSpPr>
+        <a:xfrm>
+          <a:off x="0" y="0"/>
+          <a:ext cx="0" cy="0"/>
+          <a:chOff x="0" y="0"/>
+          <a:chExt cx="0" cy="0"/>
+        </a:xfrm>
+      </p:grpSpPr>
+      <p:sp>
+        <p:nvSpPr>
+          <p:cNvPr id="108" name="Google Shape;108;g35f391192_029:notes"/>
+          <p:cNvSpPr>
+            <a:spLocks noGrp="1" noRot="1" noChangeAspect="1"/>
+          </p:cNvSpPr>
+          <p:nvPr>
+            <p:ph type="sldImg" idx="2"/>
+          </p:nvPr>
+        </p:nvSpPr>
+        <p:spPr>
+          <a:xfrm>
+            <a:off x="381000" y="685800"/>
+            <a:ext cx="6096000" cy="3429000"/>
+          </a:xfrm>
+          <a:custGeom>
+            <a:avLst/>
+            <a:gdLst/>
+            <a:ahLst/>
+            <a:cxnLst/>
+            <a:rect l="l" t="t" r="r" b="b"/>
+            <a:pathLst>
+              <a:path w="120000" h="120000" extrusionOk="0">
+                <a:moveTo>
+                  <a:pt x="0" y="0"/>
+                </a:moveTo>
+                <a:lnTo>
+                  <a:pt x="120000" y="0"/>
+                </a:lnTo>
+                <a:lnTo>
+                  <a:pt x="120000" y="120000"/>
+                </a:lnTo>
+                <a:lnTo>
+                  <a:pt x="0" y="120000"/>
+                </a:lnTo>
+                <a:close/>
+              </a:path>
+            </a:pathLst>
+          </a:custGeom>
+        </p:spPr>
+      </p:sp>
+      <p:sp>
+        <p:nvSpPr>
+          <p:cNvPr id="109" name="Google Shape;109;g35f391192_029:notes"/>
+          <p:cNvSpPr txBox="1">
+            <a:spLocks noGrp="1"/>
+          </p:cNvSpPr>
+          <p:nvPr>
+            <p:ph type="body" idx="1"/>
+          </p:nvPr>
+        </p:nvSpPr>
+        <p:spPr>
+          <a:xfrm>
+            <a:off x="685800" y="4343400"/>
+            <a:ext cx="5486400" cy="4114800"/>
+          </a:xfrm>
+          <a:prstGeom prst="rect">
+            <a:avLst/>
+          </a:prstGeom>
+        </p:spPr>
+        <p:txBody>
+          <a:bodyPr spcFirstLastPara="1" wrap="square" lIns="91425" tIns="91425" rIns="91425" bIns="91425" anchor="t" anchorCtr="0">
+            <a:noAutofit/>
+          </a:bodyPr>
+          <a:lstStyle/>
+          <a:p>
+            <a:pPr marL="0" lvl="0" indent="0" algn="l" rtl="0">
+              <a:spcBef>
+                <a:spcPts val="0"/>
+              </a:spcBef>
+              <a:spcAft>
+                <a:spcPts val="0"/>
+              </a:spcAft>
+              <a:buNone/>
+            </a:pPr>
+            <a:r>
+              <a:rPr lang="en-US" dirty="0"/>
+              <a:t>https://codewithmukesh.com/blog/deploying-blazor-webassembly-to-aws-s3/</a:t>
+            </a:r>
+          </a:p>
+          <a:p>
+            <a:pPr marL="0" lvl="0" indent="0" algn="l" rtl="0">
+              <a:spcBef>
+                <a:spcPts val="0"/>
+              </a:spcBef>
+              <a:spcAft>
+                <a:spcPts val="0"/>
+              </a:spcAft>
+              <a:buNone/>
+            </a:pPr>
+            <a:endParaRPr lang="en-US" dirty="0"/>
+          </a:p>
+        </p:txBody>
+      </p:sp>
+    </p:spTree>
+    <p:extLst>
+      <p:ext uri="{BB962C8B-B14F-4D97-AF65-F5344CB8AC3E}">
+        <p14:creationId xmlns:p14="http://schemas.microsoft.com/office/powerpoint/2010/main" val="3261862684"/>
+      </p:ext>
+    </p:extLst>
+  </p:cSld>
+  <p:clrMapOvr>
+    <a:masterClrMapping/>
+  </p:clrMapOvr>
+</p:notes>
+</file>
+
+<file path=ppt/notesSlides/notesSlide15.xml><?xml version="1.0" encoding="utf-8"?>
+<p:notes xmlns:a="http://schemas.openxmlformats.org/drawingml/2006/main" xmlns:r="http://schemas.openxmlformats.org/officeDocument/2006/relationships" xmlns:p="http://schemas.openxmlformats.org/presentationml/2006/main" showMasterSp="0" showMasterPhAnim="0">
+  <p:cSld>
+    <p:spTree>
+      <p:nvGrpSpPr>
+        <p:cNvPr id="1" name="Shape 107"/>
+        <p:cNvGrpSpPr/>
+        <p:nvPr/>
+      </p:nvGrpSpPr>
+      <p:grpSpPr>
+        <a:xfrm>
+          <a:off x="0" y="0"/>
+          <a:ext cx="0" cy="0"/>
+          <a:chOff x="0" y="0"/>
+          <a:chExt cx="0" cy="0"/>
+        </a:xfrm>
+      </p:grpSpPr>
+      <p:sp>
+        <p:nvSpPr>
+          <p:cNvPr id="108" name="Google Shape;108;g35f391192_029:notes"/>
+          <p:cNvSpPr>
+            <a:spLocks noGrp="1" noRot="1" noChangeAspect="1"/>
+          </p:cNvSpPr>
+          <p:nvPr>
+            <p:ph type="sldImg" idx="2"/>
+          </p:nvPr>
+        </p:nvSpPr>
+        <p:spPr>
+          <a:xfrm>
+            <a:off x="381000" y="685800"/>
+            <a:ext cx="6096000" cy="3429000"/>
+          </a:xfrm>
+          <a:custGeom>
+            <a:avLst/>
+            <a:gdLst/>
+            <a:ahLst/>
+            <a:cxnLst/>
+            <a:rect l="l" t="t" r="r" b="b"/>
+            <a:pathLst>
+              <a:path w="120000" h="120000" extrusionOk="0">
+                <a:moveTo>
+                  <a:pt x="0" y="0"/>
+                </a:moveTo>
+                <a:lnTo>
+                  <a:pt x="120000" y="0"/>
+                </a:lnTo>
+                <a:lnTo>
+                  <a:pt x="120000" y="120000"/>
+                </a:lnTo>
+                <a:lnTo>
+                  <a:pt x="0" y="120000"/>
+                </a:lnTo>
+                <a:close/>
+              </a:path>
+            </a:pathLst>
+          </a:custGeom>
+        </p:spPr>
+      </p:sp>
+      <p:sp>
+        <p:nvSpPr>
+          <p:cNvPr id="109" name="Google Shape;109;g35f391192_029:notes"/>
+          <p:cNvSpPr txBox="1">
+            <a:spLocks noGrp="1"/>
+          </p:cNvSpPr>
+          <p:nvPr>
+            <p:ph type="body" idx="1"/>
+          </p:nvPr>
+        </p:nvSpPr>
+        <p:spPr>
+          <a:xfrm>
+            <a:off x="685800" y="4343400"/>
+            <a:ext cx="5486400" cy="4114800"/>
+          </a:xfrm>
+          <a:prstGeom prst="rect">
+            <a:avLst/>
+          </a:prstGeom>
+        </p:spPr>
+        <p:txBody>
+          <a:bodyPr spcFirstLastPara="1" wrap="square" lIns="91425" tIns="91425" rIns="91425" bIns="91425" anchor="t" anchorCtr="0">
+            <a:noAutofit/>
+          </a:bodyPr>
+          <a:lstStyle/>
+          <a:p>
+            <a:pPr marL="0" lvl="0" indent="0" algn="l" rtl="0">
+              <a:spcBef>
+                <a:spcPts val="0"/>
+              </a:spcBef>
+              <a:spcAft>
+                <a:spcPts val="0"/>
+              </a:spcAft>
+              <a:buNone/>
+            </a:pPr>
+            <a:r>
+              <a:rPr lang="en-US" dirty="0"/>
+              <a:t>https://aws.amazon.com/blogs/devops/deploy-net-blazor-webassembly-application-to-aws-amplify/</a:t>
+            </a:r>
+          </a:p>
+          <a:p>
+            <a:pPr marL="0" lvl="0" indent="0" algn="l" rtl="0">
+              <a:spcBef>
+                <a:spcPts val="0"/>
+              </a:spcBef>
+              <a:spcAft>
+                <a:spcPts val="0"/>
+              </a:spcAft>
+              <a:buNone/>
+            </a:pPr>
+            <a:endParaRPr lang="en-US" dirty="0"/>
+          </a:p>
+          <a:p>
+            <a:pPr marL="0" lvl="0" indent="0" algn="l" rtl="0">
+              <a:spcBef>
+                <a:spcPts val="0"/>
+              </a:spcBef>
+              <a:spcAft>
+                <a:spcPts val="0"/>
+              </a:spcAft>
+              <a:buNone/>
+            </a:pPr>
+            <a:r>
+              <a:rPr lang="en-US" dirty="0"/>
+              <a:t>https://swimburger.net/blog/dotnet/how-to-deploy-blazor-webassembly-to-aws-amplify</a:t>
+            </a:r>
+            <a:endParaRPr dirty="0"/>
+          </a:p>
+        </p:txBody>
+      </p:sp>
+    </p:spTree>
+    <p:extLst>
+      <p:ext uri="{BB962C8B-B14F-4D97-AF65-F5344CB8AC3E}">
+        <p14:creationId xmlns:p14="http://schemas.microsoft.com/office/powerpoint/2010/main" val="930124534"/>
+      </p:ext>
+    </p:extLst>
+  </p:cSld>
+  <p:clrMapOvr>
+    <a:masterClrMapping/>
+  </p:clrMapOvr>
+</p:notes>
+</file>
+
+<file path=ppt/notesSlides/notesSlide16.xml><?xml version="1.0" encoding="utf-8"?>
+<p:notes xmlns:a="http://schemas.openxmlformats.org/drawingml/2006/main" xmlns:r="http://schemas.openxmlformats.org/officeDocument/2006/relationships" xmlns:p="http://schemas.openxmlformats.org/presentationml/2006/main" showMasterSp="0" showMasterPhAnim="0">
+  <p:cSld>
+    <p:spTree>
+      <p:nvGrpSpPr>
         <p:cNvPr id="1" name="Shape 352"/>
         <p:cNvGrpSpPr/>
         <p:nvPr/>
@@ -14351,7 +14619,7 @@
           <a:p>
             <a:fld id="{DAA7F685-D00E-46D2-B3D2-7876D02DEA59}" type="datetimeFigureOut">
               <a:rPr lang="en-US" smtClean="0"/>
-              <a:t>4/27/2023</a:t>
+              <a:t>5/12/2023</a:t>
             </a:fld>
             <a:endParaRPr lang="en-US"/>
           </a:p>
@@ -26475,6 +26743,2180 @@
             <p:ph type="title"/>
           </p:nvPr>
         </p:nvSpPr>
+        <p:spPr/>
+        <p:txBody>
+          <a:bodyPr/>
+          <a:lstStyle/>
+          <a:p>
+            <a:r>
+              <a:rPr lang="en-US" dirty="0"/>
+              <a:t>Blazor WASM with Azure Storage</a:t>
+            </a:r>
+          </a:p>
+        </p:txBody>
+      </p:sp>
+      <p:pic>
+        <p:nvPicPr>
+          <p:cNvPr id="9" name="Graphic 8" descr="User with solid fill">
+            <a:extLst>
+              <a:ext uri="{FF2B5EF4-FFF2-40B4-BE49-F238E27FC236}">
+                <a16:creationId xmlns:a16="http://schemas.microsoft.com/office/drawing/2014/main" id="{AD2FC0CA-276A-E41C-E849-FA35E8A8E1F7}"/>
+              </a:ext>
+            </a:extLst>
+          </p:cNvPr>
+          <p:cNvPicPr>
+            <a:picLocks noChangeAspect="1"/>
+          </p:cNvPicPr>
+          <p:nvPr/>
+        </p:nvPicPr>
+        <p:blipFill>
+          <a:blip r:embed="rId2">
+            <a:extLst>
+              <a:ext uri="{96DAC541-7B7A-43D3-8B79-37D633B846F1}">
+                <asvg:svgBlip xmlns:asvg="http://schemas.microsoft.com/office/drawing/2016/SVG/main" r:embed="rId3"/>
+              </a:ext>
+            </a:extLst>
+          </a:blip>
+          <a:stretch>
+            <a:fillRect/>
+          </a:stretch>
+        </p:blipFill>
+        <p:spPr>
+          <a:xfrm>
+            <a:off x="1058522" y="2677449"/>
+            <a:ext cx="685800" cy="685800"/>
+          </a:xfrm>
+          <a:prstGeom prst="rect">
+            <a:avLst/>
+          </a:prstGeom>
+        </p:spPr>
+      </p:pic>
+      <p:pic>
+        <p:nvPicPr>
+          <p:cNvPr id="1028" name="Picture 4" descr="Blazor now in official preview! - .NET Blog">
+            <a:extLst>
+              <a:ext uri="{FF2B5EF4-FFF2-40B4-BE49-F238E27FC236}">
+                <a16:creationId xmlns:a16="http://schemas.microsoft.com/office/drawing/2014/main" id="{9C6FA033-BFAC-543C-0182-C355AA735012}"/>
+              </a:ext>
+            </a:extLst>
+          </p:cNvPr>
+          <p:cNvPicPr>
+            <a:picLocks noChangeAspect="1" noChangeArrowheads="1"/>
+          </p:cNvPicPr>
+          <p:nvPr/>
+        </p:nvPicPr>
+        <p:blipFill>
+          <a:blip r:embed="rId4">
+            <a:extLst>
+              <a:ext uri="{28A0092B-C50C-407E-A947-70E740481C1C}">
+                <a14:useLocalDpi xmlns:a14="http://schemas.microsoft.com/office/drawing/2010/main" val="0"/>
+              </a:ext>
+            </a:extLst>
+          </a:blip>
+          <a:srcRect/>
+          <a:stretch>
+            <a:fillRect/>
+          </a:stretch>
+        </p:blipFill>
+        <p:spPr bwMode="auto">
+          <a:xfrm>
+            <a:off x="6891243" y="2666013"/>
+            <a:ext cx="685800" cy="685800"/>
+          </a:xfrm>
+          <a:prstGeom prst="rect">
+            <a:avLst/>
+          </a:prstGeom>
+          <a:noFill/>
+          <a:ln>
+            <a:noFill/>
+          </a:ln>
+          <a:extLst>
+            <a:ext uri="{909E8E84-426E-40DD-AFC4-6F175D3DCCD1}">
+              <a14:hiddenFill xmlns:a14="http://schemas.microsoft.com/office/drawing/2010/main">
+                <a:solidFill>
+                  <a:srgbClr val="FFFFFF"/>
+                </a:solidFill>
+              </a14:hiddenFill>
+            </a:ext>
+          </a:extLst>
+        </p:spPr>
+      </p:pic>
+      <p:sp>
+        <p:nvSpPr>
+          <p:cNvPr id="10" name="Rectangle 9">
+            <a:extLst>
+              <a:ext uri="{FF2B5EF4-FFF2-40B4-BE49-F238E27FC236}">
+                <a16:creationId xmlns:a16="http://schemas.microsoft.com/office/drawing/2014/main" id="{770BAA62-C7FD-0BD6-64B7-546829CC5C41}"/>
+              </a:ext>
+            </a:extLst>
+          </p:cNvPr>
+          <p:cNvSpPr/>
+          <p:nvPr/>
+        </p:nvSpPr>
+        <p:spPr>
+          <a:xfrm>
+            <a:off x="4745592" y="1558376"/>
+            <a:ext cx="3289276" cy="3026324"/>
+          </a:xfrm>
+          <a:prstGeom prst="rect">
+            <a:avLst/>
+          </a:prstGeom>
+          <a:noFill/>
+          <a:ln w="6350">
+            <a:solidFill>
+              <a:schemeClr val="tx2">
+                <a:lumMod val="10000"/>
+              </a:schemeClr>
+            </a:solidFill>
+          </a:ln>
+        </p:spPr>
+        <p:style>
+          <a:lnRef idx="2">
+            <a:schemeClr val="accent1">
+              <a:shade val="50000"/>
+            </a:schemeClr>
+          </a:lnRef>
+          <a:fillRef idx="1">
+            <a:schemeClr val="accent1"/>
+          </a:fillRef>
+          <a:effectRef idx="0">
+            <a:schemeClr val="accent1"/>
+          </a:effectRef>
+          <a:fontRef idx="minor">
+            <a:schemeClr val="lt1"/>
+          </a:fontRef>
+        </p:style>
+        <p:txBody>
+          <a:bodyPr rtlCol="0" anchor="ctr"/>
+          <a:lstStyle/>
+          <a:p>
+            <a:pPr algn="ctr"/>
+            <a:endParaRPr lang="en-US"/>
+          </a:p>
+        </p:txBody>
+      </p:sp>
+      <p:sp>
+        <p:nvSpPr>
+          <p:cNvPr id="11" name="TextBox 10">
+            <a:extLst>
+              <a:ext uri="{FF2B5EF4-FFF2-40B4-BE49-F238E27FC236}">
+                <a16:creationId xmlns:a16="http://schemas.microsoft.com/office/drawing/2014/main" id="{9B69BDD4-B4DF-8F1A-DFAD-486B1BC45145}"/>
+              </a:ext>
+            </a:extLst>
+          </p:cNvPr>
+          <p:cNvSpPr txBox="1"/>
+          <p:nvPr/>
+        </p:nvSpPr>
+        <p:spPr>
+          <a:xfrm>
+            <a:off x="4975882" y="3351813"/>
+            <a:ext cx="1085554" cy="261610"/>
+          </a:xfrm>
+          <a:prstGeom prst="rect">
+            <a:avLst/>
+          </a:prstGeom>
+          <a:noFill/>
+        </p:spPr>
+        <p:txBody>
+          <a:bodyPr wrap="none" rtlCol="0">
+            <a:spAutoFit/>
+          </a:bodyPr>
+          <a:lstStyle/>
+          <a:p>
+            <a:r>
+              <a:rPr lang="en-US" sz="1100" dirty="0"/>
+              <a:t>Azure Storage</a:t>
+            </a:r>
+          </a:p>
+        </p:txBody>
+      </p:sp>
+      <p:sp>
+        <p:nvSpPr>
+          <p:cNvPr id="12" name="TextBox 11">
+            <a:extLst>
+              <a:ext uri="{FF2B5EF4-FFF2-40B4-BE49-F238E27FC236}">
+                <a16:creationId xmlns:a16="http://schemas.microsoft.com/office/drawing/2014/main" id="{83C80CD1-0D3D-2E2B-BD46-046817AA6B17}"/>
+              </a:ext>
+            </a:extLst>
+          </p:cNvPr>
+          <p:cNvSpPr txBox="1"/>
+          <p:nvPr/>
+        </p:nvSpPr>
+        <p:spPr>
+          <a:xfrm>
+            <a:off x="6732909" y="3351813"/>
+            <a:ext cx="1301959" cy="261610"/>
+          </a:xfrm>
+          <a:prstGeom prst="rect">
+            <a:avLst/>
+          </a:prstGeom>
+          <a:noFill/>
+        </p:spPr>
+        <p:txBody>
+          <a:bodyPr wrap="square" rtlCol="0">
+            <a:spAutoFit/>
+          </a:bodyPr>
+          <a:lstStyle/>
+          <a:p>
+            <a:r>
+              <a:rPr lang="en-US" sz="1100" dirty="0"/>
+              <a:t>Blazor WASM</a:t>
+            </a:r>
+          </a:p>
+        </p:txBody>
+      </p:sp>
+      <p:sp>
+        <p:nvSpPr>
+          <p:cNvPr id="13" name="TextBox 12">
+            <a:extLst>
+              <a:ext uri="{FF2B5EF4-FFF2-40B4-BE49-F238E27FC236}">
+                <a16:creationId xmlns:a16="http://schemas.microsoft.com/office/drawing/2014/main" id="{9A1BDFD2-3471-E6D4-74A9-B9A7A6D0C7E9}"/>
+              </a:ext>
+            </a:extLst>
+          </p:cNvPr>
+          <p:cNvSpPr txBox="1"/>
+          <p:nvPr/>
+        </p:nvSpPr>
+        <p:spPr>
+          <a:xfrm>
+            <a:off x="2841465" y="3363249"/>
+            <a:ext cx="1265090" cy="261610"/>
+          </a:xfrm>
+          <a:prstGeom prst="rect">
+            <a:avLst/>
+          </a:prstGeom>
+          <a:noFill/>
+        </p:spPr>
+        <p:txBody>
+          <a:bodyPr wrap="none" rtlCol="0">
+            <a:spAutoFit/>
+          </a:bodyPr>
+          <a:lstStyle/>
+          <a:p>
+            <a:r>
+              <a:rPr lang="en-US" sz="1100" dirty="0"/>
+              <a:t>Azure Front Door</a:t>
+            </a:r>
+          </a:p>
+        </p:txBody>
+      </p:sp>
+      <p:sp>
+        <p:nvSpPr>
+          <p:cNvPr id="21" name="TextBox 20">
+            <a:extLst>
+              <a:ext uri="{FF2B5EF4-FFF2-40B4-BE49-F238E27FC236}">
+                <a16:creationId xmlns:a16="http://schemas.microsoft.com/office/drawing/2014/main" id="{F8B852FA-2870-36AA-7E98-E04899C3E106}"/>
+              </a:ext>
+            </a:extLst>
+          </p:cNvPr>
+          <p:cNvSpPr txBox="1"/>
+          <p:nvPr/>
+        </p:nvSpPr>
+        <p:spPr>
+          <a:xfrm>
+            <a:off x="5025612" y="1556239"/>
+            <a:ext cx="553357" cy="261610"/>
+          </a:xfrm>
+          <a:prstGeom prst="rect">
+            <a:avLst/>
+          </a:prstGeom>
+          <a:noFill/>
+        </p:spPr>
+        <p:txBody>
+          <a:bodyPr wrap="none" rtlCol="0">
+            <a:spAutoFit/>
+          </a:bodyPr>
+          <a:lstStyle/>
+          <a:p>
+            <a:r>
+              <a:rPr lang="en-US" sz="1100" dirty="0"/>
+              <a:t>Azure</a:t>
+            </a:r>
+          </a:p>
+        </p:txBody>
+      </p:sp>
+      <p:cxnSp>
+        <p:nvCxnSpPr>
+          <p:cNvPr id="25" name="Straight Arrow Connector 24">
+            <a:extLst>
+              <a:ext uri="{FF2B5EF4-FFF2-40B4-BE49-F238E27FC236}">
+                <a16:creationId xmlns:a16="http://schemas.microsoft.com/office/drawing/2014/main" id="{DF1C0BCD-5C31-32B2-279B-2E95D0B7E11C}"/>
+              </a:ext>
+            </a:extLst>
+          </p:cNvPr>
+          <p:cNvCxnSpPr/>
+          <p:nvPr/>
+        </p:nvCxnSpPr>
+        <p:spPr>
+          <a:xfrm flipH="1">
+            <a:off x="5889915" y="3022290"/>
+            <a:ext cx="832618" cy="0"/>
+          </a:xfrm>
+          <a:prstGeom prst="straightConnector1">
+            <a:avLst/>
+          </a:prstGeom>
+          <a:ln>
+            <a:solidFill>
+              <a:schemeClr val="tx2">
+                <a:lumMod val="10000"/>
+              </a:schemeClr>
+            </a:solidFill>
+            <a:tailEnd type="triangle"/>
+          </a:ln>
+        </p:spPr>
+        <p:style>
+          <a:lnRef idx="1">
+            <a:schemeClr val="accent1"/>
+          </a:lnRef>
+          <a:fillRef idx="0">
+            <a:schemeClr val="accent1"/>
+          </a:fillRef>
+          <a:effectRef idx="0">
+            <a:schemeClr val="accent1"/>
+          </a:effectRef>
+          <a:fontRef idx="minor">
+            <a:schemeClr val="tx1"/>
+          </a:fontRef>
+        </p:style>
+      </p:cxnSp>
+      <p:cxnSp>
+        <p:nvCxnSpPr>
+          <p:cNvPr id="26" name="Straight Arrow Connector 25">
+            <a:extLst>
+              <a:ext uri="{FF2B5EF4-FFF2-40B4-BE49-F238E27FC236}">
+                <a16:creationId xmlns:a16="http://schemas.microsoft.com/office/drawing/2014/main" id="{BD99EBEA-4BEE-51A2-BFA0-20F56E866CA7}"/>
+              </a:ext>
+            </a:extLst>
+          </p:cNvPr>
+          <p:cNvCxnSpPr>
+            <a:cxnSpLocks/>
+          </p:cNvCxnSpPr>
+          <p:nvPr/>
+        </p:nvCxnSpPr>
+        <p:spPr>
+          <a:xfrm>
+            <a:off x="1939936" y="3002429"/>
+            <a:ext cx="1004648" cy="8157"/>
+          </a:xfrm>
+          <a:prstGeom prst="straightConnector1">
+            <a:avLst/>
+          </a:prstGeom>
+          <a:ln>
+            <a:solidFill>
+              <a:schemeClr val="tx2">
+                <a:lumMod val="10000"/>
+              </a:schemeClr>
+            </a:solidFill>
+            <a:tailEnd type="triangle"/>
+          </a:ln>
+        </p:spPr>
+        <p:style>
+          <a:lnRef idx="1">
+            <a:schemeClr val="accent1"/>
+          </a:lnRef>
+          <a:fillRef idx="0">
+            <a:schemeClr val="accent1"/>
+          </a:fillRef>
+          <a:effectRef idx="0">
+            <a:schemeClr val="accent1"/>
+          </a:effectRef>
+          <a:fontRef idx="minor">
+            <a:schemeClr val="tx1"/>
+          </a:fontRef>
+        </p:style>
+      </p:cxnSp>
+      <p:cxnSp>
+        <p:nvCxnSpPr>
+          <p:cNvPr id="28" name="Straight Arrow Connector 27">
+            <a:extLst>
+              <a:ext uri="{FF2B5EF4-FFF2-40B4-BE49-F238E27FC236}">
+                <a16:creationId xmlns:a16="http://schemas.microsoft.com/office/drawing/2014/main" id="{A80EDD92-E7EC-B74D-58A2-C074B39053E8}"/>
+              </a:ext>
+            </a:extLst>
+          </p:cNvPr>
+          <p:cNvCxnSpPr>
+            <a:cxnSpLocks/>
+          </p:cNvCxnSpPr>
+          <p:nvPr/>
+        </p:nvCxnSpPr>
+        <p:spPr>
+          <a:xfrm>
+            <a:off x="3971234" y="3004834"/>
+            <a:ext cx="1004648" cy="8157"/>
+          </a:xfrm>
+          <a:prstGeom prst="straightConnector1">
+            <a:avLst/>
+          </a:prstGeom>
+          <a:ln>
+            <a:solidFill>
+              <a:schemeClr val="tx2">
+                <a:lumMod val="10000"/>
+              </a:schemeClr>
+            </a:solidFill>
+            <a:tailEnd type="triangle"/>
+          </a:ln>
+        </p:spPr>
+        <p:style>
+          <a:lnRef idx="1">
+            <a:schemeClr val="accent1"/>
+          </a:lnRef>
+          <a:fillRef idx="0">
+            <a:schemeClr val="accent1"/>
+          </a:fillRef>
+          <a:effectRef idx="0">
+            <a:schemeClr val="accent1"/>
+          </a:effectRef>
+          <a:fontRef idx="minor">
+            <a:schemeClr val="tx1"/>
+          </a:fontRef>
+        </p:style>
+      </p:cxnSp>
+      <p:sp>
+        <p:nvSpPr>
+          <p:cNvPr id="29" name="TextBox 28">
+            <a:extLst>
+              <a:ext uri="{FF2B5EF4-FFF2-40B4-BE49-F238E27FC236}">
+                <a16:creationId xmlns:a16="http://schemas.microsoft.com/office/drawing/2014/main" id="{D29A5C20-D18E-7E2E-1C2B-72E5C87D78B4}"/>
+              </a:ext>
+            </a:extLst>
+          </p:cNvPr>
+          <p:cNvSpPr txBox="1"/>
+          <p:nvPr/>
+        </p:nvSpPr>
+        <p:spPr>
+          <a:xfrm>
+            <a:off x="1160010" y="3351813"/>
+            <a:ext cx="482824" cy="261610"/>
+          </a:xfrm>
+          <a:prstGeom prst="rect">
+            <a:avLst/>
+          </a:prstGeom>
+          <a:noFill/>
+        </p:spPr>
+        <p:txBody>
+          <a:bodyPr wrap="none" rtlCol="0">
+            <a:spAutoFit/>
+          </a:bodyPr>
+          <a:lstStyle/>
+          <a:p>
+            <a:r>
+              <a:rPr lang="en-US" sz="1100" dirty="0"/>
+              <a:t>User</a:t>
+            </a:r>
+          </a:p>
+        </p:txBody>
+      </p:sp>
+      <p:pic>
+        <p:nvPicPr>
+          <p:cNvPr id="1026" name="Picture 2" descr="Azure Storage Account - Blob - Overview | OutSystems">
+            <a:extLst>
+              <a:ext uri="{FF2B5EF4-FFF2-40B4-BE49-F238E27FC236}">
+                <a16:creationId xmlns:a16="http://schemas.microsoft.com/office/drawing/2014/main" id="{20E8E649-98E2-438E-3715-7C4A01F7AD12}"/>
+              </a:ext>
+            </a:extLst>
+          </p:cNvPr>
+          <p:cNvPicPr>
+            <a:picLocks noChangeAspect="1" noChangeArrowheads="1"/>
+          </p:cNvPicPr>
+          <p:nvPr/>
+        </p:nvPicPr>
+        <p:blipFill>
+          <a:blip r:embed="rId5">
+            <a:extLst>
+              <a:ext uri="{28A0092B-C50C-407E-A947-70E740481C1C}">
+                <a14:useLocalDpi xmlns:a14="http://schemas.microsoft.com/office/drawing/2010/main" val="0"/>
+              </a:ext>
+            </a:extLst>
+          </a:blip>
+          <a:srcRect/>
+          <a:stretch>
+            <a:fillRect/>
+          </a:stretch>
+        </p:blipFill>
+        <p:spPr bwMode="auto">
+          <a:xfrm>
+            <a:off x="5088970" y="2666012"/>
+            <a:ext cx="685800" cy="685800"/>
+          </a:xfrm>
+          <a:prstGeom prst="rect">
+            <a:avLst/>
+          </a:prstGeom>
+          <a:noFill/>
+          <a:extLst>
+            <a:ext uri="{909E8E84-426E-40DD-AFC4-6F175D3DCCD1}">
+              <a14:hiddenFill xmlns:a14="http://schemas.microsoft.com/office/drawing/2010/main">
+                <a:solidFill>
+                  <a:srgbClr val="FFFFFF"/>
+                </a:solidFill>
+              </a14:hiddenFill>
+            </a:ext>
+          </a:extLst>
+        </p:spPr>
+      </p:pic>
+      <p:pic>
+        <p:nvPicPr>
+          <p:cNvPr id="15" name="Picture 4" descr="Azure Front Door – Content Delivery Network | Microsoft Azure">
+            <a:extLst>
+              <a:ext uri="{FF2B5EF4-FFF2-40B4-BE49-F238E27FC236}">
+                <a16:creationId xmlns:a16="http://schemas.microsoft.com/office/drawing/2014/main" id="{0DE01785-CA86-B3B8-58EE-1C0648D3573A}"/>
+              </a:ext>
+            </a:extLst>
+          </p:cNvPr>
+          <p:cNvPicPr>
+            <a:picLocks noChangeAspect="1" noChangeArrowheads="1"/>
+          </p:cNvPicPr>
+          <p:nvPr/>
+        </p:nvPicPr>
+        <p:blipFill>
+          <a:blip r:embed="rId6">
+            <a:extLst>
+              <a:ext uri="{28A0092B-C50C-407E-A947-70E740481C1C}">
+                <a14:useLocalDpi xmlns:a14="http://schemas.microsoft.com/office/drawing/2010/main" val="0"/>
+              </a:ext>
+            </a:extLst>
+          </a:blip>
+          <a:srcRect/>
+          <a:stretch>
+            <a:fillRect/>
+          </a:stretch>
+        </p:blipFill>
+        <p:spPr bwMode="auto">
+          <a:xfrm>
+            <a:off x="2767833" y="2728638"/>
+            <a:ext cx="1306286" cy="685800"/>
+          </a:xfrm>
+          <a:prstGeom prst="rect">
+            <a:avLst/>
+          </a:prstGeom>
+          <a:noFill/>
+          <a:extLst>
+            <a:ext uri="{909E8E84-426E-40DD-AFC4-6F175D3DCCD1}">
+              <a14:hiddenFill xmlns:a14="http://schemas.microsoft.com/office/drawing/2010/main">
+                <a:solidFill>
+                  <a:srgbClr val="FFFFFF"/>
+                </a:solidFill>
+              </a14:hiddenFill>
+            </a:ext>
+          </a:extLst>
+        </p:spPr>
+      </p:pic>
+    </p:spTree>
+    <p:extLst>
+      <p:ext uri="{BB962C8B-B14F-4D97-AF65-F5344CB8AC3E}">
+        <p14:creationId xmlns:p14="http://schemas.microsoft.com/office/powerpoint/2010/main" val="4017263888"/>
+      </p:ext>
+    </p:extLst>
+  </p:cSld>
+  <p:clrMapOvr>
+    <a:masterClrMapping/>
+  </p:clrMapOvr>
+  <p:timing>
+    <p:tnLst>
+      <p:par>
+        <p:cTn id="1" dur="indefinite" restart="never" nodeType="tmRoot">
+          <p:childTnLst>
+            <p:seq concurrent="1" nextAc="seek">
+              <p:cTn id="2" dur="indefinite" nodeType="mainSeq">
+                <p:childTnLst>
+                  <p:par>
+                    <p:cTn id="3" fill="hold">
+                      <p:stCondLst>
+                        <p:cond delay="indefinite"/>
+                        <p:cond evt="onBegin" delay="0">
+                          <p:tn val="2"/>
+                        </p:cond>
+                      </p:stCondLst>
+                      <p:childTnLst>
+                        <p:par>
+                          <p:cTn id="4" fill="hold">
+                            <p:stCondLst>
+                              <p:cond delay="0"/>
+                            </p:stCondLst>
+                            <p:childTnLst>
+                              <p:par>
+                                <p:cTn id="5" presetID="10" presetClass="entr" presetSubtype="0" fill="hold" nodeType="withEffect">
+                                  <p:stCondLst>
+                                    <p:cond delay="500"/>
+                                  </p:stCondLst>
+                                  <p:childTnLst>
+                                    <p:set>
+                                      <p:cBhvr>
+                                        <p:cTn id="6" dur="1" fill="hold">
+                                          <p:stCondLst>
+                                            <p:cond delay="0"/>
+                                          </p:stCondLst>
+                                        </p:cTn>
+                                        <p:tgtEl>
+                                          <p:spTgt spid="9"/>
+                                        </p:tgtEl>
+                                        <p:attrNameLst>
+                                          <p:attrName>style.visibility</p:attrName>
+                                        </p:attrNameLst>
+                                      </p:cBhvr>
+                                      <p:to>
+                                        <p:strVal val="visible"/>
+                                      </p:to>
+                                    </p:set>
+                                    <p:animEffect transition="in" filter="fade">
+                                      <p:cBhvr>
+                                        <p:cTn id="7" dur="1500"/>
+                                        <p:tgtEl>
+                                          <p:spTgt spid="9"/>
+                                        </p:tgtEl>
+                                      </p:cBhvr>
+                                    </p:animEffect>
+                                  </p:childTnLst>
+                                </p:cTn>
+                              </p:par>
+                              <p:par>
+                                <p:cTn id="8" presetID="10" presetClass="entr" presetSubtype="0" fill="hold" nodeType="withEffect">
+                                  <p:stCondLst>
+                                    <p:cond delay="500"/>
+                                  </p:stCondLst>
+                                  <p:childTnLst>
+                                    <p:set>
+                                      <p:cBhvr>
+                                        <p:cTn id="9" dur="1" fill="hold">
+                                          <p:stCondLst>
+                                            <p:cond delay="0"/>
+                                          </p:stCondLst>
+                                        </p:cTn>
+                                        <p:tgtEl>
+                                          <p:spTgt spid="1028"/>
+                                        </p:tgtEl>
+                                        <p:attrNameLst>
+                                          <p:attrName>style.visibility</p:attrName>
+                                        </p:attrNameLst>
+                                      </p:cBhvr>
+                                      <p:to>
+                                        <p:strVal val="visible"/>
+                                      </p:to>
+                                    </p:set>
+                                    <p:animEffect transition="in" filter="fade">
+                                      <p:cBhvr>
+                                        <p:cTn id="10" dur="1500"/>
+                                        <p:tgtEl>
+                                          <p:spTgt spid="1028"/>
+                                        </p:tgtEl>
+                                      </p:cBhvr>
+                                    </p:animEffect>
+                                  </p:childTnLst>
+                                </p:cTn>
+                              </p:par>
+                              <p:par>
+                                <p:cTn id="11" presetID="10" presetClass="entr" presetSubtype="0" fill="hold" grpId="0" nodeType="withEffect">
+                                  <p:stCondLst>
+                                    <p:cond delay="500"/>
+                                  </p:stCondLst>
+                                  <p:childTnLst>
+                                    <p:set>
+                                      <p:cBhvr>
+                                        <p:cTn id="12" dur="1" fill="hold">
+                                          <p:stCondLst>
+                                            <p:cond delay="0"/>
+                                          </p:stCondLst>
+                                        </p:cTn>
+                                        <p:tgtEl>
+                                          <p:spTgt spid="10"/>
+                                        </p:tgtEl>
+                                        <p:attrNameLst>
+                                          <p:attrName>style.visibility</p:attrName>
+                                        </p:attrNameLst>
+                                      </p:cBhvr>
+                                      <p:to>
+                                        <p:strVal val="visible"/>
+                                      </p:to>
+                                    </p:set>
+                                    <p:animEffect transition="in" filter="fade">
+                                      <p:cBhvr>
+                                        <p:cTn id="13" dur="1500"/>
+                                        <p:tgtEl>
+                                          <p:spTgt spid="10"/>
+                                        </p:tgtEl>
+                                      </p:cBhvr>
+                                    </p:animEffect>
+                                  </p:childTnLst>
+                                </p:cTn>
+                              </p:par>
+                              <p:par>
+                                <p:cTn id="14" presetID="10" presetClass="entr" presetSubtype="0" fill="hold" grpId="0" nodeType="withEffect">
+                                  <p:stCondLst>
+                                    <p:cond delay="500"/>
+                                  </p:stCondLst>
+                                  <p:childTnLst>
+                                    <p:set>
+                                      <p:cBhvr>
+                                        <p:cTn id="15" dur="1" fill="hold">
+                                          <p:stCondLst>
+                                            <p:cond delay="0"/>
+                                          </p:stCondLst>
+                                        </p:cTn>
+                                        <p:tgtEl>
+                                          <p:spTgt spid="11"/>
+                                        </p:tgtEl>
+                                        <p:attrNameLst>
+                                          <p:attrName>style.visibility</p:attrName>
+                                        </p:attrNameLst>
+                                      </p:cBhvr>
+                                      <p:to>
+                                        <p:strVal val="visible"/>
+                                      </p:to>
+                                    </p:set>
+                                    <p:animEffect transition="in" filter="fade">
+                                      <p:cBhvr>
+                                        <p:cTn id="16" dur="1500"/>
+                                        <p:tgtEl>
+                                          <p:spTgt spid="11"/>
+                                        </p:tgtEl>
+                                      </p:cBhvr>
+                                    </p:animEffect>
+                                  </p:childTnLst>
+                                </p:cTn>
+                              </p:par>
+                              <p:par>
+                                <p:cTn id="17" presetID="10" presetClass="entr" presetSubtype="0" fill="hold" grpId="0" nodeType="withEffect">
+                                  <p:stCondLst>
+                                    <p:cond delay="500"/>
+                                  </p:stCondLst>
+                                  <p:childTnLst>
+                                    <p:set>
+                                      <p:cBhvr>
+                                        <p:cTn id="18" dur="1" fill="hold">
+                                          <p:stCondLst>
+                                            <p:cond delay="0"/>
+                                          </p:stCondLst>
+                                        </p:cTn>
+                                        <p:tgtEl>
+                                          <p:spTgt spid="12"/>
+                                        </p:tgtEl>
+                                        <p:attrNameLst>
+                                          <p:attrName>style.visibility</p:attrName>
+                                        </p:attrNameLst>
+                                      </p:cBhvr>
+                                      <p:to>
+                                        <p:strVal val="visible"/>
+                                      </p:to>
+                                    </p:set>
+                                    <p:animEffect transition="in" filter="fade">
+                                      <p:cBhvr>
+                                        <p:cTn id="19" dur="1500"/>
+                                        <p:tgtEl>
+                                          <p:spTgt spid="12"/>
+                                        </p:tgtEl>
+                                      </p:cBhvr>
+                                    </p:animEffect>
+                                  </p:childTnLst>
+                                </p:cTn>
+                              </p:par>
+                              <p:par>
+                                <p:cTn id="20" presetID="10" presetClass="entr" presetSubtype="0" fill="hold" grpId="0" nodeType="withEffect">
+                                  <p:stCondLst>
+                                    <p:cond delay="500"/>
+                                  </p:stCondLst>
+                                  <p:childTnLst>
+                                    <p:set>
+                                      <p:cBhvr>
+                                        <p:cTn id="21" dur="1" fill="hold">
+                                          <p:stCondLst>
+                                            <p:cond delay="0"/>
+                                          </p:stCondLst>
+                                        </p:cTn>
+                                        <p:tgtEl>
+                                          <p:spTgt spid="13"/>
+                                        </p:tgtEl>
+                                        <p:attrNameLst>
+                                          <p:attrName>style.visibility</p:attrName>
+                                        </p:attrNameLst>
+                                      </p:cBhvr>
+                                      <p:to>
+                                        <p:strVal val="visible"/>
+                                      </p:to>
+                                    </p:set>
+                                    <p:animEffect transition="in" filter="fade">
+                                      <p:cBhvr>
+                                        <p:cTn id="22" dur="1500"/>
+                                        <p:tgtEl>
+                                          <p:spTgt spid="13"/>
+                                        </p:tgtEl>
+                                      </p:cBhvr>
+                                    </p:animEffect>
+                                  </p:childTnLst>
+                                </p:cTn>
+                              </p:par>
+                              <p:par>
+                                <p:cTn id="23" presetID="10" presetClass="entr" presetSubtype="0" fill="hold" grpId="0" nodeType="withEffect">
+                                  <p:stCondLst>
+                                    <p:cond delay="500"/>
+                                  </p:stCondLst>
+                                  <p:childTnLst>
+                                    <p:set>
+                                      <p:cBhvr>
+                                        <p:cTn id="24" dur="1" fill="hold">
+                                          <p:stCondLst>
+                                            <p:cond delay="0"/>
+                                          </p:stCondLst>
+                                        </p:cTn>
+                                        <p:tgtEl>
+                                          <p:spTgt spid="21"/>
+                                        </p:tgtEl>
+                                        <p:attrNameLst>
+                                          <p:attrName>style.visibility</p:attrName>
+                                        </p:attrNameLst>
+                                      </p:cBhvr>
+                                      <p:to>
+                                        <p:strVal val="visible"/>
+                                      </p:to>
+                                    </p:set>
+                                    <p:animEffect transition="in" filter="fade">
+                                      <p:cBhvr>
+                                        <p:cTn id="25" dur="1500"/>
+                                        <p:tgtEl>
+                                          <p:spTgt spid="21"/>
+                                        </p:tgtEl>
+                                      </p:cBhvr>
+                                    </p:animEffect>
+                                  </p:childTnLst>
+                                </p:cTn>
+                              </p:par>
+                              <p:par>
+                                <p:cTn id="26" presetID="10" presetClass="entr" presetSubtype="0" fill="hold" nodeType="withEffect">
+                                  <p:stCondLst>
+                                    <p:cond delay="500"/>
+                                  </p:stCondLst>
+                                  <p:childTnLst>
+                                    <p:set>
+                                      <p:cBhvr>
+                                        <p:cTn id="27" dur="1" fill="hold">
+                                          <p:stCondLst>
+                                            <p:cond delay="0"/>
+                                          </p:stCondLst>
+                                        </p:cTn>
+                                        <p:tgtEl>
+                                          <p:spTgt spid="25"/>
+                                        </p:tgtEl>
+                                        <p:attrNameLst>
+                                          <p:attrName>style.visibility</p:attrName>
+                                        </p:attrNameLst>
+                                      </p:cBhvr>
+                                      <p:to>
+                                        <p:strVal val="visible"/>
+                                      </p:to>
+                                    </p:set>
+                                    <p:animEffect transition="in" filter="fade">
+                                      <p:cBhvr>
+                                        <p:cTn id="28" dur="1500"/>
+                                        <p:tgtEl>
+                                          <p:spTgt spid="25"/>
+                                        </p:tgtEl>
+                                      </p:cBhvr>
+                                    </p:animEffect>
+                                  </p:childTnLst>
+                                </p:cTn>
+                              </p:par>
+                              <p:par>
+                                <p:cTn id="29" presetID="10" presetClass="entr" presetSubtype="0" fill="hold" nodeType="withEffect">
+                                  <p:stCondLst>
+                                    <p:cond delay="500"/>
+                                  </p:stCondLst>
+                                  <p:childTnLst>
+                                    <p:set>
+                                      <p:cBhvr>
+                                        <p:cTn id="30" dur="1" fill="hold">
+                                          <p:stCondLst>
+                                            <p:cond delay="0"/>
+                                          </p:stCondLst>
+                                        </p:cTn>
+                                        <p:tgtEl>
+                                          <p:spTgt spid="26"/>
+                                        </p:tgtEl>
+                                        <p:attrNameLst>
+                                          <p:attrName>style.visibility</p:attrName>
+                                        </p:attrNameLst>
+                                      </p:cBhvr>
+                                      <p:to>
+                                        <p:strVal val="visible"/>
+                                      </p:to>
+                                    </p:set>
+                                    <p:animEffect transition="in" filter="fade">
+                                      <p:cBhvr>
+                                        <p:cTn id="31" dur="1500"/>
+                                        <p:tgtEl>
+                                          <p:spTgt spid="26"/>
+                                        </p:tgtEl>
+                                      </p:cBhvr>
+                                    </p:animEffect>
+                                  </p:childTnLst>
+                                </p:cTn>
+                              </p:par>
+                              <p:par>
+                                <p:cTn id="32" presetID="10" presetClass="entr" presetSubtype="0" fill="hold" nodeType="withEffect">
+                                  <p:stCondLst>
+                                    <p:cond delay="500"/>
+                                  </p:stCondLst>
+                                  <p:childTnLst>
+                                    <p:set>
+                                      <p:cBhvr>
+                                        <p:cTn id="33" dur="1" fill="hold">
+                                          <p:stCondLst>
+                                            <p:cond delay="0"/>
+                                          </p:stCondLst>
+                                        </p:cTn>
+                                        <p:tgtEl>
+                                          <p:spTgt spid="28"/>
+                                        </p:tgtEl>
+                                        <p:attrNameLst>
+                                          <p:attrName>style.visibility</p:attrName>
+                                        </p:attrNameLst>
+                                      </p:cBhvr>
+                                      <p:to>
+                                        <p:strVal val="visible"/>
+                                      </p:to>
+                                    </p:set>
+                                    <p:animEffect transition="in" filter="fade">
+                                      <p:cBhvr>
+                                        <p:cTn id="34" dur="1500"/>
+                                        <p:tgtEl>
+                                          <p:spTgt spid="28"/>
+                                        </p:tgtEl>
+                                      </p:cBhvr>
+                                    </p:animEffect>
+                                  </p:childTnLst>
+                                </p:cTn>
+                              </p:par>
+                              <p:par>
+                                <p:cTn id="35" presetID="10" presetClass="entr" presetSubtype="0" fill="hold" grpId="0" nodeType="withEffect">
+                                  <p:stCondLst>
+                                    <p:cond delay="500"/>
+                                  </p:stCondLst>
+                                  <p:childTnLst>
+                                    <p:set>
+                                      <p:cBhvr>
+                                        <p:cTn id="36" dur="1" fill="hold">
+                                          <p:stCondLst>
+                                            <p:cond delay="0"/>
+                                          </p:stCondLst>
+                                        </p:cTn>
+                                        <p:tgtEl>
+                                          <p:spTgt spid="29"/>
+                                        </p:tgtEl>
+                                        <p:attrNameLst>
+                                          <p:attrName>style.visibility</p:attrName>
+                                        </p:attrNameLst>
+                                      </p:cBhvr>
+                                      <p:to>
+                                        <p:strVal val="visible"/>
+                                      </p:to>
+                                    </p:set>
+                                    <p:animEffect transition="in" filter="fade">
+                                      <p:cBhvr>
+                                        <p:cTn id="37" dur="1500"/>
+                                        <p:tgtEl>
+                                          <p:spTgt spid="29"/>
+                                        </p:tgtEl>
+                                      </p:cBhvr>
+                                    </p:animEffect>
+                                  </p:childTnLst>
+                                </p:cTn>
+                              </p:par>
+                            </p:childTnLst>
+                          </p:cTn>
+                        </p:par>
+                      </p:childTnLst>
+                    </p:cTn>
+                  </p:par>
+                </p:childTnLst>
+              </p:cTn>
+              <p:prevCondLst>
+                <p:cond evt="onPrev" delay="0">
+                  <p:tgtEl>
+                    <p:sldTgt/>
+                  </p:tgtEl>
+                </p:cond>
+              </p:prevCondLst>
+              <p:nextCondLst>
+                <p:cond evt="onNext" delay="0">
+                  <p:tgtEl>
+                    <p:sldTgt/>
+                  </p:tgtEl>
+                </p:cond>
+              </p:nextCondLst>
+            </p:seq>
+          </p:childTnLst>
+        </p:cTn>
+      </p:par>
+    </p:tnLst>
+    <p:bldLst>
+      <p:bldP spid="10" grpId="0" animBg="1"/>
+      <p:bldP spid="11" grpId="0"/>
+      <p:bldP spid="12" grpId="0"/>
+      <p:bldP spid="13" grpId="0"/>
+      <p:bldP spid="21" grpId="0"/>
+      <p:bldP spid="29" grpId="0"/>
+    </p:bldLst>
+  </p:timing>
+</p:sld>
+</file>
+
+<file path=ppt/slides/slide16.xml><?xml version="1.0" encoding="utf-8"?>
+<p:sld xmlns:a="http://schemas.openxmlformats.org/drawingml/2006/main" xmlns:r="http://schemas.openxmlformats.org/officeDocument/2006/relationships" xmlns:p="http://schemas.openxmlformats.org/presentationml/2006/main">
+  <p:cSld>
+    <p:spTree>
+      <p:nvGrpSpPr>
+        <p:cNvPr id="1" name="Shape 110"/>
+        <p:cNvGrpSpPr/>
+        <p:nvPr/>
+      </p:nvGrpSpPr>
+      <p:grpSpPr>
+        <a:xfrm>
+          <a:off x="0" y="0"/>
+          <a:ext cx="0" cy="0"/>
+          <a:chOff x="0" y="0"/>
+          <a:chExt cx="0" cy="0"/>
+        </a:xfrm>
+      </p:grpSpPr>
+      <p:sp>
+        <p:nvSpPr>
+          <p:cNvPr id="111" name="Google Shape;111;p15"/>
+          <p:cNvSpPr txBox="1">
+            <a:spLocks noGrp="1"/>
+          </p:cNvSpPr>
+          <p:nvPr>
+            <p:ph type="ctrTitle"/>
+          </p:nvPr>
+        </p:nvSpPr>
+        <p:spPr>
+          <a:xfrm>
+            <a:off x="685800" y="1583342"/>
+            <a:ext cx="7772400" cy="1159800"/>
+          </a:xfrm>
+          <a:prstGeom prst="rect">
+            <a:avLst/>
+          </a:prstGeom>
+        </p:spPr>
+        <p:txBody>
+          <a:bodyPr spcFirstLastPara="1" wrap="square" lIns="91425" tIns="91425" rIns="91425" bIns="91425" anchor="b" anchorCtr="0">
+            <a:noAutofit/>
+          </a:bodyPr>
+          <a:lstStyle/>
+          <a:p>
+            <a:pPr marL="0" lvl="0" indent="0" algn="ctr" rtl="0">
+              <a:spcBef>
+                <a:spcPts val="0"/>
+              </a:spcBef>
+              <a:spcAft>
+                <a:spcPts val="0"/>
+              </a:spcAft>
+              <a:buNone/>
+            </a:pPr>
+            <a:r>
+              <a:rPr lang="en-US" dirty="0"/>
+              <a:t>Deploying .NET Apps to</a:t>
+            </a:r>
+            <a:br>
+              <a:rPr lang="en-US" dirty="0"/>
+            </a:br>
+            <a:r>
+              <a:rPr lang="en-US" dirty="0"/>
+              <a:t>Azure Storage</a:t>
+            </a:r>
+          </a:p>
+        </p:txBody>
+      </p:sp>
+    </p:spTree>
+    <p:extLst>
+      <p:ext uri="{BB962C8B-B14F-4D97-AF65-F5344CB8AC3E}">
+        <p14:creationId xmlns:p14="http://schemas.microsoft.com/office/powerpoint/2010/main" val="1593971665"/>
+      </p:ext>
+    </p:extLst>
+  </p:cSld>
+  <p:clrMapOvr>
+    <a:masterClrMapping/>
+  </p:clrMapOvr>
+</p:sld>
+</file>
+
+<file path=ppt/slides/slide17.xml><?xml version="1.0" encoding="utf-8"?>
+<p:sld xmlns:a="http://schemas.openxmlformats.org/drawingml/2006/main" xmlns:r="http://schemas.openxmlformats.org/officeDocument/2006/relationships" xmlns:p="http://schemas.openxmlformats.org/presentationml/2006/main">
+  <p:cSld>
+    <p:spTree>
+      <p:nvGrpSpPr>
+        <p:cNvPr id="1" name=""/>
+        <p:cNvGrpSpPr/>
+        <p:nvPr/>
+      </p:nvGrpSpPr>
+      <p:grpSpPr>
+        <a:xfrm>
+          <a:off x="0" y="0"/>
+          <a:ext cx="0" cy="0"/>
+          <a:chOff x="0" y="0"/>
+          <a:chExt cx="0" cy="0"/>
+        </a:xfrm>
+      </p:grpSpPr>
+      <p:sp>
+        <p:nvSpPr>
+          <p:cNvPr id="2" name="Title 1">
+            <a:extLst>
+              <a:ext uri="{FF2B5EF4-FFF2-40B4-BE49-F238E27FC236}">
+                <a16:creationId xmlns:a16="http://schemas.microsoft.com/office/drawing/2014/main" id="{79BF3282-91B5-354E-10E4-11AD90A8A01C}"/>
+              </a:ext>
+            </a:extLst>
+          </p:cNvPr>
+          <p:cNvSpPr>
+            <a:spLocks noGrp="1"/>
+          </p:cNvSpPr>
+          <p:nvPr>
+            <p:ph type="title"/>
+          </p:nvPr>
+        </p:nvSpPr>
+        <p:spPr>
+          <a:xfrm>
+            <a:off x="893699" y="358388"/>
+            <a:ext cx="7441733" cy="857400"/>
+          </a:xfrm>
+        </p:spPr>
+        <p:txBody>
+          <a:bodyPr/>
+          <a:lstStyle/>
+          <a:p>
+            <a:r>
+              <a:rPr lang="en-US" dirty="0"/>
+              <a:t>Deploy Blazor WASM to GitHub Pages</a:t>
+            </a:r>
+          </a:p>
+        </p:txBody>
+      </p:sp>
+      <p:pic>
+        <p:nvPicPr>
+          <p:cNvPr id="9" name="Graphic 8" descr="User with solid fill">
+            <a:extLst>
+              <a:ext uri="{FF2B5EF4-FFF2-40B4-BE49-F238E27FC236}">
+                <a16:creationId xmlns:a16="http://schemas.microsoft.com/office/drawing/2014/main" id="{AD2FC0CA-276A-E41C-E849-FA35E8A8E1F7}"/>
+              </a:ext>
+            </a:extLst>
+          </p:cNvPr>
+          <p:cNvPicPr>
+            <a:picLocks noChangeAspect="1"/>
+          </p:cNvPicPr>
+          <p:nvPr/>
+        </p:nvPicPr>
+        <p:blipFill>
+          <a:blip r:embed="rId2">
+            <a:extLst>
+              <a:ext uri="{96DAC541-7B7A-43D3-8B79-37D633B846F1}">
+                <asvg:svgBlip xmlns:asvg="http://schemas.microsoft.com/office/drawing/2016/SVG/main" r:embed="rId3"/>
+              </a:ext>
+            </a:extLst>
+          </a:blip>
+          <a:stretch>
+            <a:fillRect/>
+          </a:stretch>
+        </p:blipFill>
+        <p:spPr>
+          <a:xfrm>
+            <a:off x="454180" y="2588682"/>
+            <a:ext cx="685800" cy="685800"/>
+          </a:xfrm>
+          <a:prstGeom prst="rect">
+            <a:avLst/>
+          </a:prstGeom>
+        </p:spPr>
+      </p:pic>
+      <p:pic>
+        <p:nvPicPr>
+          <p:cNvPr id="1028" name="Picture 4" descr="Blazor now in official preview! - .NET Blog">
+            <a:extLst>
+              <a:ext uri="{FF2B5EF4-FFF2-40B4-BE49-F238E27FC236}">
+                <a16:creationId xmlns:a16="http://schemas.microsoft.com/office/drawing/2014/main" id="{9C6FA033-BFAC-543C-0182-C355AA735012}"/>
+              </a:ext>
+            </a:extLst>
+          </p:cNvPr>
+          <p:cNvPicPr>
+            <a:picLocks noChangeAspect="1" noChangeArrowheads="1"/>
+          </p:cNvPicPr>
+          <p:nvPr/>
+        </p:nvPicPr>
+        <p:blipFill>
+          <a:blip r:embed="rId4">
+            <a:extLst>
+              <a:ext uri="{28A0092B-C50C-407E-A947-70E740481C1C}">
+                <a14:useLocalDpi xmlns:a14="http://schemas.microsoft.com/office/drawing/2010/main" val="0"/>
+              </a:ext>
+            </a:extLst>
+          </a:blip>
+          <a:srcRect/>
+          <a:stretch>
+            <a:fillRect/>
+          </a:stretch>
+        </p:blipFill>
+        <p:spPr bwMode="auto">
+          <a:xfrm>
+            <a:off x="1432495" y="1816707"/>
+            <a:ext cx="685800" cy="685800"/>
+          </a:xfrm>
+          <a:prstGeom prst="rect">
+            <a:avLst/>
+          </a:prstGeom>
+          <a:noFill/>
+          <a:ln>
+            <a:noFill/>
+          </a:ln>
+          <a:extLst>
+            <a:ext uri="{909E8E84-426E-40DD-AFC4-6F175D3DCCD1}">
+              <a14:hiddenFill xmlns:a14="http://schemas.microsoft.com/office/drawing/2010/main">
+                <a:solidFill>
+                  <a:srgbClr val="FFFFFF"/>
+                </a:solidFill>
+              </a14:hiddenFill>
+            </a:ext>
+          </a:extLst>
+        </p:spPr>
+      </p:pic>
+      <p:sp>
+        <p:nvSpPr>
+          <p:cNvPr id="12" name="TextBox 11">
+            <a:extLst>
+              <a:ext uri="{FF2B5EF4-FFF2-40B4-BE49-F238E27FC236}">
+                <a16:creationId xmlns:a16="http://schemas.microsoft.com/office/drawing/2014/main" id="{83C80CD1-0D3D-2E2B-BD46-046817AA6B17}"/>
+              </a:ext>
+            </a:extLst>
+          </p:cNvPr>
+          <p:cNvSpPr txBox="1"/>
+          <p:nvPr/>
+        </p:nvSpPr>
+        <p:spPr>
+          <a:xfrm>
+            <a:off x="1139980" y="1533673"/>
+            <a:ext cx="1393371" cy="261610"/>
+          </a:xfrm>
+          <a:prstGeom prst="rect">
+            <a:avLst/>
+          </a:prstGeom>
+          <a:noFill/>
+        </p:spPr>
+        <p:txBody>
+          <a:bodyPr wrap="square" rtlCol="0">
+            <a:spAutoFit/>
+          </a:bodyPr>
+          <a:lstStyle/>
+          <a:p>
+            <a:r>
+              <a:rPr lang="en-US" sz="1100" dirty="0"/>
+              <a:t>Blazor WASM App</a:t>
+            </a:r>
+          </a:p>
+        </p:txBody>
+      </p:sp>
+      <p:cxnSp>
+        <p:nvCxnSpPr>
+          <p:cNvPr id="26" name="Straight Arrow Connector 25">
+            <a:extLst>
+              <a:ext uri="{FF2B5EF4-FFF2-40B4-BE49-F238E27FC236}">
+                <a16:creationId xmlns:a16="http://schemas.microsoft.com/office/drawing/2014/main" id="{BD99EBEA-4BEE-51A2-BFA0-20F56E866CA7}"/>
+              </a:ext>
+            </a:extLst>
+          </p:cNvPr>
+          <p:cNvCxnSpPr>
+            <a:cxnSpLocks/>
+            <a:stCxn id="9" idx="3"/>
+            <a:endCxn id="2068" idx="1"/>
+          </p:cNvCxnSpPr>
+          <p:nvPr/>
+        </p:nvCxnSpPr>
+        <p:spPr>
+          <a:xfrm>
+            <a:off x="1139980" y="2931582"/>
+            <a:ext cx="1964540" cy="0"/>
+          </a:xfrm>
+          <a:prstGeom prst="straightConnector1">
+            <a:avLst/>
+          </a:prstGeom>
+          <a:ln>
+            <a:solidFill>
+              <a:schemeClr val="tx2">
+                <a:lumMod val="10000"/>
+              </a:schemeClr>
+            </a:solidFill>
+            <a:tailEnd type="triangle"/>
+          </a:ln>
+        </p:spPr>
+        <p:style>
+          <a:lnRef idx="1">
+            <a:schemeClr val="accent1"/>
+          </a:lnRef>
+          <a:fillRef idx="0">
+            <a:schemeClr val="accent1"/>
+          </a:fillRef>
+          <a:effectRef idx="0">
+            <a:schemeClr val="accent1"/>
+          </a:effectRef>
+          <a:fontRef idx="minor">
+            <a:schemeClr val="tx1"/>
+          </a:fontRef>
+        </p:style>
+      </p:cxnSp>
+      <p:sp>
+        <p:nvSpPr>
+          <p:cNvPr id="29" name="TextBox 28">
+            <a:extLst>
+              <a:ext uri="{FF2B5EF4-FFF2-40B4-BE49-F238E27FC236}">
+                <a16:creationId xmlns:a16="http://schemas.microsoft.com/office/drawing/2014/main" id="{D29A5C20-D18E-7E2E-1C2B-72E5C87D78B4}"/>
+              </a:ext>
+            </a:extLst>
+          </p:cNvPr>
+          <p:cNvSpPr txBox="1"/>
+          <p:nvPr/>
+        </p:nvSpPr>
+        <p:spPr>
+          <a:xfrm>
+            <a:off x="454180" y="3236042"/>
+            <a:ext cx="960519" cy="261610"/>
+          </a:xfrm>
+          <a:prstGeom prst="rect">
+            <a:avLst/>
+          </a:prstGeom>
+          <a:noFill/>
+        </p:spPr>
+        <p:txBody>
+          <a:bodyPr wrap="none" rtlCol="0">
+            <a:spAutoFit/>
+          </a:bodyPr>
+          <a:lstStyle/>
+          <a:p>
+            <a:r>
+              <a:rPr lang="en-US" sz="1100" dirty="0"/>
+              <a:t>GitHub User</a:t>
+            </a:r>
+          </a:p>
+        </p:txBody>
+      </p:sp>
+      <p:pic>
+        <p:nvPicPr>
+          <p:cNvPr id="2050" name="Picture 2" descr="GitHub – Logos Download">
+            <a:extLst>
+              <a:ext uri="{FF2B5EF4-FFF2-40B4-BE49-F238E27FC236}">
+                <a16:creationId xmlns:a16="http://schemas.microsoft.com/office/drawing/2014/main" id="{7FBFE73C-7600-2E9A-937E-380C0E1433C4}"/>
+              </a:ext>
+            </a:extLst>
+          </p:cNvPr>
+          <p:cNvPicPr>
+            <a:picLocks noChangeAspect="1" noChangeArrowheads="1"/>
+          </p:cNvPicPr>
+          <p:nvPr/>
+        </p:nvPicPr>
+        <p:blipFill>
+          <a:blip r:embed="rId5">
+            <a:extLst>
+              <a:ext uri="{28A0092B-C50C-407E-A947-70E740481C1C}">
+                <a14:useLocalDpi xmlns:a14="http://schemas.microsoft.com/office/drawing/2010/main" val="0"/>
+              </a:ext>
+            </a:extLst>
+          </a:blip>
+          <a:srcRect/>
+          <a:stretch>
+            <a:fillRect/>
+          </a:stretch>
+        </p:blipFill>
+        <p:spPr bwMode="auto">
+          <a:xfrm>
+            <a:off x="5954160" y="2588682"/>
+            <a:ext cx="685800" cy="685800"/>
+          </a:xfrm>
+          <a:prstGeom prst="rect">
+            <a:avLst/>
+          </a:prstGeom>
+          <a:noFill/>
+          <a:extLst>
+            <a:ext uri="{909E8E84-426E-40DD-AFC4-6F175D3DCCD1}">
+              <a14:hiddenFill xmlns:a14="http://schemas.microsoft.com/office/drawing/2010/main">
+                <a:solidFill>
+                  <a:srgbClr val="FFFFFF"/>
+                </a:solidFill>
+              </a14:hiddenFill>
+            </a:ext>
+          </a:extLst>
+        </p:spPr>
+      </p:pic>
+      <p:pic>
+        <p:nvPicPr>
+          <p:cNvPr id="2052" name="Picture 4" descr="Document, file, yaml icon - Download on Iconfinder">
+            <a:extLst>
+              <a:ext uri="{FF2B5EF4-FFF2-40B4-BE49-F238E27FC236}">
+                <a16:creationId xmlns:a16="http://schemas.microsoft.com/office/drawing/2014/main" id="{76AEBEE8-F029-862D-4820-5D5AB91F7399}"/>
+              </a:ext>
+            </a:extLst>
+          </p:cNvPr>
+          <p:cNvPicPr>
+            <a:picLocks noChangeAspect="1" noChangeArrowheads="1"/>
+          </p:cNvPicPr>
+          <p:nvPr/>
+        </p:nvPicPr>
+        <p:blipFill>
+          <a:blip r:embed="rId6">
+            <a:extLst>
+              <a:ext uri="{28A0092B-C50C-407E-A947-70E740481C1C}">
+                <a14:useLocalDpi xmlns:a14="http://schemas.microsoft.com/office/drawing/2010/main" val="0"/>
+              </a:ext>
+            </a:extLst>
+          </a:blip>
+          <a:srcRect/>
+          <a:stretch>
+            <a:fillRect/>
+          </a:stretch>
+        </p:blipFill>
+        <p:spPr bwMode="auto">
+          <a:xfrm>
+            <a:off x="1517751" y="3043359"/>
+            <a:ext cx="685800" cy="685800"/>
+          </a:xfrm>
+          <a:prstGeom prst="rect">
+            <a:avLst/>
+          </a:prstGeom>
+          <a:noFill/>
+          <a:extLst>
+            <a:ext uri="{909E8E84-426E-40DD-AFC4-6F175D3DCCD1}">
+              <a14:hiddenFill xmlns:a14="http://schemas.microsoft.com/office/drawing/2010/main">
+                <a:solidFill>
+                  <a:srgbClr val="FFFFFF"/>
+                </a:solidFill>
+              </a14:hiddenFill>
+            </a:ext>
+          </a:extLst>
+        </p:spPr>
+      </p:pic>
+      <p:sp>
+        <p:nvSpPr>
+          <p:cNvPr id="3" name="TextBox 2">
+            <a:extLst>
+              <a:ext uri="{FF2B5EF4-FFF2-40B4-BE49-F238E27FC236}">
+                <a16:creationId xmlns:a16="http://schemas.microsoft.com/office/drawing/2014/main" id="{8B79E339-42C0-4141-EA55-098FDAF419DE}"/>
+              </a:ext>
+            </a:extLst>
+          </p:cNvPr>
+          <p:cNvSpPr txBox="1"/>
+          <p:nvPr/>
+        </p:nvSpPr>
+        <p:spPr>
+          <a:xfrm>
+            <a:off x="3847091" y="2957926"/>
+            <a:ext cx="1040600" cy="261610"/>
+          </a:xfrm>
+          <a:prstGeom prst="rect">
+            <a:avLst/>
+          </a:prstGeom>
+          <a:noFill/>
+        </p:spPr>
+        <p:txBody>
+          <a:bodyPr wrap="square" rtlCol="0">
+            <a:spAutoFit/>
+          </a:bodyPr>
+          <a:lstStyle/>
+          <a:p>
+            <a:r>
+              <a:rPr lang="en-US" sz="1100" dirty="0"/>
+              <a:t>Push Trigger</a:t>
+            </a:r>
+          </a:p>
+        </p:txBody>
+      </p:sp>
+      <p:sp>
+        <p:nvSpPr>
+          <p:cNvPr id="4" name="Rectangle 3">
+            <a:extLst>
+              <a:ext uri="{FF2B5EF4-FFF2-40B4-BE49-F238E27FC236}">
+                <a16:creationId xmlns:a16="http://schemas.microsoft.com/office/drawing/2014/main" id="{376EE5C7-DEA0-9E94-35D0-4C4734094948}"/>
+              </a:ext>
+            </a:extLst>
+          </p:cNvPr>
+          <p:cNvSpPr/>
+          <p:nvPr/>
+        </p:nvSpPr>
+        <p:spPr>
+          <a:xfrm>
+            <a:off x="2688167" y="1418420"/>
+            <a:ext cx="4436533" cy="3026324"/>
+          </a:xfrm>
+          <a:prstGeom prst="rect">
+            <a:avLst/>
+          </a:prstGeom>
+          <a:noFill/>
+          <a:ln w="6350">
+            <a:solidFill>
+              <a:schemeClr val="tx2">
+                <a:lumMod val="10000"/>
+              </a:schemeClr>
+            </a:solidFill>
+          </a:ln>
+        </p:spPr>
+        <p:style>
+          <a:lnRef idx="2">
+            <a:schemeClr val="accent1">
+              <a:shade val="50000"/>
+            </a:schemeClr>
+          </a:lnRef>
+          <a:fillRef idx="1">
+            <a:schemeClr val="accent1"/>
+          </a:fillRef>
+          <a:effectRef idx="0">
+            <a:schemeClr val="accent1"/>
+          </a:effectRef>
+          <a:fontRef idx="minor">
+            <a:schemeClr val="lt1"/>
+          </a:fontRef>
+        </p:style>
+        <p:txBody>
+          <a:bodyPr rtlCol="0" anchor="ctr"/>
+          <a:lstStyle/>
+          <a:p>
+            <a:pPr algn="ctr"/>
+            <a:endParaRPr lang="en-US"/>
+          </a:p>
+        </p:txBody>
+      </p:sp>
+      <p:pic>
+        <p:nvPicPr>
+          <p:cNvPr id="2068" name="Picture 20" descr="Hot To Reset / Reinitialise A Git Repository - Git Logo Png Clipart - Full Size Clipart ...">
+            <a:extLst>
+              <a:ext uri="{FF2B5EF4-FFF2-40B4-BE49-F238E27FC236}">
+                <a16:creationId xmlns:a16="http://schemas.microsoft.com/office/drawing/2014/main" id="{CCE461BD-4EEE-E31C-E225-97F51DC71CEA}"/>
+              </a:ext>
+            </a:extLst>
+          </p:cNvPr>
+          <p:cNvPicPr>
+            <a:picLocks noChangeAspect="1" noChangeArrowheads="1"/>
+          </p:cNvPicPr>
+          <p:nvPr/>
+        </p:nvPicPr>
+        <p:blipFill>
+          <a:blip r:embed="rId7">
+            <a:extLst>
+              <a:ext uri="{28A0092B-C50C-407E-A947-70E740481C1C}">
+                <a14:useLocalDpi xmlns:a14="http://schemas.microsoft.com/office/drawing/2010/main" val="0"/>
+              </a:ext>
+            </a:extLst>
+          </a:blip>
+          <a:srcRect/>
+          <a:stretch>
+            <a:fillRect/>
+          </a:stretch>
+        </p:blipFill>
+        <p:spPr bwMode="auto">
+          <a:xfrm>
+            <a:off x="3104520" y="2588682"/>
+            <a:ext cx="685800" cy="685800"/>
+          </a:xfrm>
+          <a:prstGeom prst="rect">
+            <a:avLst/>
+          </a:prstGeom>
+          <a:noFill/>
+          <a:extLst>
+            <a:ext uri="{909E8E84-426E-40DD-AFC4-6F175D3DCCD1}">
+              <a14:hiddenFill xmlns:a14="http://schemas.microsoft.com/office/drawing/2010/main">
+                <a:solidFill>
+                  <a:srgbClr val="FFFFFF"/>
+                </a:solidFill>
+              </a14:hiddenFill>
+            </a:ext>
+          </a:extLst>
+        </p:spPr>
+      </p:pic>
+      <p:pic>
+        <p:nvPicPr>
+          <p:cNvPr id="7" name="Graphic 6" descr="Users with solid fill">
+            <a:extLst>
+              <a:ext uri="{FF2B5EF4-FFF2-40B4-BE49-F238E27FC236}">
+                <a16:creationId xmlns:a16="http://schemas.microsoft.com/office/drawing/2014/main" id="{E145A285-785D-6E8F-3B04-085A5A259585}"/>
+              </a:ext>
+            </a:extLst>
+          </p:cNvPr>
+          <p:cNvPicPr>
+            <a:picLocks noChangeAspect="1"/>
+          </p:cNvPicPr>
+          <p:nvPr/>
+        </p:nvPicPr>
+        <p:blipFill>
+          <a:blip r:embed="rId8">
+            <a:extLst>
+              <a:ext uri="{96DAC541-7B7A-43D3-8B79-37D633B846F1}">
+                <asvg:svgBlip xmlns:asvg="http://schemas.microsoft.com/office/drawing/2016/SVG/main" r:embed="rId9"/>
+              </a:ext>
+            </a:extLst>
+          </a:blip>
+          <a:stretch>
+            <a:fillRect/>
+          </a:stretch>
+        </p:blipFill>
+        <p:spPr>
+          <a:xfrm>
+            <a:off x="7826341" y="2479485"/>
+            <a:ext cx="914400" cy="914400"/>
+          </a:xfrm>
+          <a:prstGeom prst="rect">
+            <a:avLst/>
+          </a:prstGeom>
+        </p:spPr>
+      </p:pic>
+      <p:sp>
+        <p:nvSpPr>
+          <p:cNvPr id="17" name="TextBox 16">
+            <a:extLst>
+              <a:ext uri="{FF2B5EF4-FFF2-40B4-BE49-F238E27FC236}">
+                <a16:creationId xmlns:a16="http://schemas.microsoft.com/office/drawing/2014/main" id="{E4837A8F-973F-52A3-8CD4-15E70941B172}"/>
+              </a:ext>
+            </a:extLst>
+          </p:cNvPr>
+          <p:cNvSpPr txBox="1"/>
+          <p:nvPr/>
+        </p:nvSpPr>
+        <p:spPr>
+          <a:xfrm>
+            <a:off x="7861790" y="3320625"/>
+            <a:ext cx="843501" cy="261610"/>
+          </a:xfrm>
+          <a:prstGeom prst="rect">
+            <a:avLst/>
+          </a:prstGeom>
+          <a:noFill/>
+        </p:spPr>
+        <p:txBody>
+          <a:bodyPr wrap="none" rtlCol="0">
+            <a:spAutoFit/>
+          </a:bodyPr>
+          <a:lstStyle/>
+          <a:p>
+            <a:r>
+              <a:rPr lang="en-US" sz="1100" dirty="0"/>
+              <a:t>End Users</a:t>
+            </a:r>
+          </a:p>
+        </p:txBody>
+      </p:sp>
+      <p:cxnSp>
+        <p:nvCxnSpPr>
+          <p:cNvPr id="18" name="Straight Arrow Connector 17">
+            <a:extLst>
+              <a:ext uri="{FF2B5EF4-FFF2-40B4-BE49-F238E27FC236}">
+                <a16:creationId xmlns:a16="http://schemas.microsoft.com/office/drawing/2014/main" id="{F84EB65C-FEA6-2CCF-42FB-11494871984A}"/>
+              </a:ext>
+            </a:extLst>
+          </p:cNvPr>
+          <p:cNvCxnSpPr>
+            <a:cxnSpLocks/>
+            <a:stCxn id="7" idx="1"/>
+            <a:endCxn id="2050" idx="3"/>
+          </p:cNvCxnSpPr>
+          <p:nvPr/>
+        </p:nvCxnSpPr>
+        <p:spPr>
+          <a:xfrm flipH="1" flipV="1">
+            <a:off x="6639960" y="2931582"/>
+            <a:ext cx="1186381" cy="5103"/>
+          </a:xfrm>
+          <a:prstGeom prst="straightConnector1">
+            <a:avLst/>
+          </a:prstGeom>
+          <a:ln>
+            <a:solidFill>
+              <a:schemeClr val="tx2">
+                <a:lumMod val="10000"/>
+              </a:schemeClr>
+            </a:solidFill>
+            <a:tailEnd type="triangle"/>
+          </a:ln>
+        </p:spPr>
+        <p:style>
+          <a:lnRef idx="1">
+            <a:schemeClr val="accent1"/>
+          </a:lnRef>
+          <a:fillRef idx="0">
+            <a:schemeClr val="accent1"/>
+          </a:fillRef>
+          <a:effectRef idx="0">
+            <a:schemeClr val="accent1"/>
+          </a:effectRef>
+          <a:fontRef idx="minor">
+            <a:schemeClr val="tx1"/>
+          </a:fontRef>
+        </p:style>
+      </p:cxnSp>
+      <p:sp>
+        <p:nvSpPr>
+          <p:cNvPr id="23" name="TextBox 22">
+            <a:extLst>
+              <a:ext uri="{FF2B5EF4-FFF2-40B4-BE49-F238E27FC236}">
+                <a16:creationId xmlns:a16="http://schemas.microsoft.com/office/drawing/2014/main" id="{B22BB6C8-E60F-598E-A43F-4E895E0BCBD6}"/>
+              </a:ext>
+            </a:extLst>
+          </p:cNvPr>
+          <p:cNvSpPr txBox="1"/>
+          <p:nvPr/>
+        </p:nvSpPr>
+        <p:spPr>
+          <a:xfrm>
+            <a:off x="3076966" y="3366847"/>
+            <a:ext cx="740908" cy="261610"/>
+          </a:xfrm>
+          <a:prstGeom prst="rect">
+            <a:avLst/>
+          </a:prstGeom>
+          <a:noFill/>
+        </p:spPr>
+        <p:txBody>
+          <a:bodyPr wrap="none" rtlCol="0">
+            <a:spAutoFit/>
+          </a:bodyPr>
+          <a:lstStyle/>
+          <a:p>
+            <a:r>
+              <a:rPr lang="en-US" sz="1100" dirty="0"/>
+              <a:t>Git Repo</a:t>
+            </a:r>
+          </a:p>
+        </p:txBody>
+      </p:sp>
+      <p:sp>
+        <p:nvSpPr>
+          <p:cNvPr id="24" name="TextBox 23">
+            <a:extLst>
+              <a:ext uri="{FF2B5EF4-FFF2-40B4-BE49-F238E27FC236}">
+                <a16:creationId xmlns:a16="http://schemas.microsoft.com/office/drawing/2014/main" id="{6AB3A83F-CB95-C774-3695-0C6A8EFA23B0}"/>
+              </a:ext>
+            </a:extLst>
+          </p:cNvPr>
+          <p:cNvSpPr txBox="1"/>
+          <p:nvPr/>
+        </p:nvSpPr>
+        <p:spPr>
+          <a:xfrm>
+            <a:off x="4220506" y="1615896"/>
+            <a:ext cx="1055097" cy="261610"/>
+          </a:xfrm>
+          <a:prstGeom prst="rect">
+            <a:avLst/>
+          </a:prstGeom>
+          <a:noFill/>
+        </p:spPr>
+        <p:txBody>
+          <a:bodyPr wrap="none" rtlCol="0">
+            <a:spAutoFit/>
+          </a:bodyPr>
+          <a:lstStyle/>
+          <a:p>
+            <a:r>
+              <a:rPr lang="en-US" sz="1100" dirty="0"/>
+              <a:t>GitHub Action</a:t>
+            </a:r>
+          </a:p>
+        </p:txBody>
+      </p:sp>
+      <p:sp>
+        <p:nvSpPr>
+          <p:cNvPr id="27" name="TextBox 26">
+            <a:extLst>
+              <a:ext uri="{FF2B5EF4-FFF2-40B4-BE49-F238E27FC236}">
+                <a16:creationId xmlns:a16="http://schemas.microsoft.com/office/drawing/2014/main" id="{39381794-7908-5293-E6C3-44FE13C7A080}"/>
+              </a:ext>
+            </a:extLst>
+          </p:cNvPr>
+          <p:cNvSpPr txBox="1"/>
+          <p:nvPr/>
+        </p:nvSpPr>
+        <p:spPr>
+          <a:xfrm>
+            <a:off x="5765504" y="3386259"/>
+            <a:ext cx="1063112" cy="261610"/>
+          </a:xfrm>
+          <a:prstGeom prst="rect">
+            <a:avLst/>
+          </a:prstGeom>
+          <a:noFill/>
+        </p:spPr>
+        <p:txBody>
+          <a:bodyPr wrap="none" rtlCol="0">
+            <a:spAutoFit/>
+          </a:bodyPr>
+          <a:lstStyle/>
+          <a:p>
+            <a:r>
+              <a:rPr lang="en-US" sz="1100" dirty="0"/>
+              <a:t>GitHub Pages</a:t>
+            </a:r>
+          </a:p>
+        </p:txBody>
+      </p:sp>
+      <p:sp>
+        <p:nvSpPr>
+          <p:cNvPr id="49" name="TextBox 48">
+            <a:extLst>
+              <a:ext uri="{FF2B5EF4-FFF2-40B4-BE49-F238E27FC236}">
+                <a16:creationId xmlns:a16="http://schemas.microsoft.com/office/drawing/2014/main" id="{C9BD6AB8-970A-7055-36D5-85110E4EC9C7}"/>
+              </a:ext>
+            </a:extLst>
+          </p:cNvPr>
+          <p:cNvSpPr txBox="1"/>
+          <p:nvPr/>
+        </p:nvSpPr>
+        <p:spPr>
+          <a:xfrm>
+            <a:off x="1340351" y="3687562"/>
+            <a:ext cx="1040600" cy="261610"/>
+          </a:xfrm>
+          <a:prstGeom prst="rect">
+            <a:avLst/>
+          </a:prstGeom>
+          <a:noFill/>
+        </p:spPr>
+        <p:txBody>
+          <a:bodyPr wrap="square" rtlCol="0">
+            <a:spAutoFit/>
+          </a:bodyPr>
+          <a:lstStyle/>
+          <a:p>
+            <a:r>
+              <a:rPr lang="en-US" sz="1100" dirty="0"/>
+              <a:t>Workflow File</a:t>
+            </a:r>
+          </a:p>
+        </p:txBody>
+      </p:sp>
+      <p:sp>
+        <p:nvSpPr>
+          <p:cNvPr id="50" name="TextBox 49">
+            <a:extLst>
+              <a:ext uri="{FF2B5EF4-FFF2-40B4-BE49-F238E27FC236}">
+                <a16:creationId xmlns:a16="http://schemas.microsoft.com/office/drawing/2014/main" id="{CE3919D4-2825-09DE-48AD-6DA65784CDE9}"/>
+              </a:ext>
+            </a:extLst>
+          </p:cNvPr>
+          <p:cNvSpPr txBox="1"/>
+          <p:nvPr/>
+        </p:nvSpPr>
+        <p:spPr>
+          <a:xfrm>
+            <a:off x="1435398" y="2692541"/>
+            <a:ext cx="1040600" cy="261610"/>
+          </a:xfrm>
+          <a:prstGeom prst="rect">
+            <a:avLst/>
+          </a:prstGeom>
+          <a:noFill/>
+        </p:spPr>
+        <p:txBody>
+          <a:bodyPr wrap="square" rtlCol="0">
+            <a:spAutoFit/>
+          </a:bodyPr>
+          <a:lstStyle/>
+          <a:p>
+            <a:r>
+              <a:rPr lang="en-US" sz="1100" dirty="0"/>
+              <a:t>Git Push</a:t>
+            </a:r>
+          </a:p>
+        </p:txBody>
+      </p:sp>
+      <p:pic>
+        <p:nvPicPr>
+          <p:cNvPr id="2070" name="Picture 22" descr="Badges - DEV Community">
+            <a:extLst>
+              <a:ext uri="{FF2B5EF4-FFF2-40B4-BE49-F238E27FC236}">
+                <a16:creationId xmlns:a16="http://schemas.microsoft.com/office/drawing/2014/main" id="{6E668398-F2C8-776A-24D6-930237DE64E7}"/>
+              </a:ext>
+            </a:extLst>
+          </p:cNvPr>
+          <p:cNvPicPr>
+            <a:picLocks noChangeAspect="1" noChangeArrowheads="1"/>
+          </p:cNvPicPr>
+          <p:nvPr/>
+        </p:nvPicPr>
+        <p:blipFill>
+          <a:blip r:embed="rId10">
+            <a:extLst>
+              <a:ext uri="{28A0092B-C50C-407E-A947-70E740481C1C}">
+                <a14:useLocalDpi xmlns:a14="http://schemas.microsoft.com/office/drawing/2010/main" val="0"/>
+              </a:ext>
+            </a:extLst>
+          </a:blip>
+          <a:srcRect/>
+          <a:stretch>
+            <a:fillRect/>
+          </a:stretch>
+        </p:blipFill>
+        <p:spPr bwMode="auto">
+          <a:xfrm>
+            <a:off x="4338513" y="1880650"/>
+            <a:ext cx="683976" cy="685800"/>
+          </a:xfrm>
+          <a:prstGeom prst="rect">
+            <a:avLst/>
+          </a:prstGeom>
+          <a:noFill/>
+          <a:extLst>
+            <a:ext uri="{909E8E84-426E-40DD-AFC4-6F175D3DCCD1}">
+              <a14:hiddenFill xmlns:a14="http://schemas.microsoft.com/office/drawing/2010/main">
+                <a:solidFill>
+                  <a:srgbClr val="FFFFFF"/>
+                </a:solidFill>
+              </a14:hiddenFill>
+            </a:ext>
+          </a:extLst>
+        </p:spPr>
+      </p:pic>
+      <p:cxnSp>
+        <p:nvCxnSpPr>
+          <p:cNvPr id="52" name="Connector: Elbow 51">
+            <a:extLst>
+              <a:ext uri="{FF2B5EF4-FFF2-40B4-BE49-F238E27FC236}">
+                <a16:creationId xmlns:a16="http://schemas.microsoft.com/office/drawing/2014/main" id="{9A23CDE2-9EB9-0BD5-DFAF-EB99A07ACAAE}"/>
+              </a:ext>
+            </a:extLst>
+          </p:cNvPr>
+          <p:cNvCxnSpPr>
+            <a:cxnSpLocks/>
+            <a:stCxn id="2070" idx="2"/>
+            <a:endCxn id="2068" idx="3"/>
+          </p:cNvCxnSpPr>
+          <p:nvPr/>
+        </p:nvCxnSpPr>
+        <p:spPr>
+          <a:xfrm rot="5400000">
+            <a:off x="4052845" y="2303926"/>
+            <a:ext cx="365132" cy="890181"/>
+          </a:xfrm>
+          <a:prstGeom prst="bentConnector2">
+            <a:avLst/>
+          </a:prstGeom>
+          <a:ln>
+            <a:solidFill>
+              <a:schemeClr val="tx2">
+                <a:lumMod val="10000"/>
+              </a:schemeClr>
+            </a:solidFill>
+            <a:tailEnd type="triangle"/>
+          </a:ln>
+        </p:spPr>
+        <p:style>
+          <a:lnRef idx="1">
+            <a:schemeClr val="accent1"/>
+          </a:lnRef>
+          <a:fillRef idx="0">
+            <a:schemeClr val="accent1"/>
+          </a:fillRef>
+          <a:effectRef idx="0">
+            <a:schemeClr val="accent1"/>
+          </a:effectRef>
+          <a:fontRef idx="minor">
+            <a:schemeClr val="tx1"/>
+          </a:fontRef>
+        </p:style>
+      </p:cxnSp>
+      <p:cxnSp>
+        <p:nvCxnSpPr>
+          <p:cNvPr id="54" name="Connector: Elbow 53">
+            <a:extLst>
+              <a:ext uri="{FF2B5EF4-FFF2-40B4-BE49-F238E27FC236}">
+                <a16:creationId xmlns:a16="http://schemas.microsoft.com/office/drawing/2014/main" id="{7272C6CB-092E-B3FA-6046-38E2EDF183D1}"/>
+              </a:ext>
+            </a:extLst>
+          </p:cNvPr>
+          <p:cNvCxnSpPr>
+            <a:cxnSpLocks/>
+            <a:stCxn id="2070" idx="3"/>
+            <a:endCxn id="2050" idx="1"/>
+          </p:cNvCxnSpPr>
+          <p:nvPr/>
+        </p:nvCxnSpPr>
+        <p:spPr>
+          <a:xfrm>
+            <a:off x="5022489" y="2223550"/>
+            <a:ext cx="931671" cy="708032"/>
+          </a:xfrm>
+          <a:prstGeom prst="bentConnector3">
+            <a:avLst>
+              <a:gd name="adj1" fmla="val 50000"/>
+            </a:avLst>
+          </a:prstGeom>
+          <a:ln>
+            <a:solidFill>
+              <a:schemeClr val="tx2">
+                <a:lumMod val="10000"/>
+              </a:schemeClr>
+            </a:solidFill>
+            <a:tailEnd type="triangle"/>
+          </a:ln>
+        </p:spPr>
+        <p:style>
+          <a:lnRef idx="1">
+            <a:schemeClr val="accent1"/>
+          </a:lnRef>
+          <a:fillRef idx="0">
+            <a:schemeClr val="accent1"/>
+          </a:fillRef>
+          <a:effectRef idx="0">
+            <a:schemeClr val="accent1"/>
+          </a:effectRef>
+          <a:fontRef idx="minor">
+            <a:schemeClr val="tx1"/>
+          </a:fontRef>
+        </p:style>
+      </p:cxnSp>
+      <p:sp>
+        <p:nvSpPr>
+          <p:cNvPr id="57" name="TextBox 56">
+            <a:extLst>
+              <a:ext uri="{FF2B5EF4-FFF2-40B4-BE49-F238E27FC236}">
+                <a16:creationId xmlns:a16="http://schemas.microsoft.com/office/drawing/2014/main" id="{F5738E71-BDD0-8FFF-00B3-8E854869C52C}"/>
+              </a:ext>
+            </a:extLst>
+          </p:cNvPr>
+          <p:cNvSpPr txBox="1"/>
+          <p:nvPr/>
+        </p:nvSpPr>
+        <p:spPr>
+          <a:xfrm>
+            <a:off x="5072375" y="1944177"/>
+            <a:ext cx="1040600" cy="261610"/>
+          </a:xfrm>
+          <a:prstGeom prst="rect">
+            <a:avLst/>
+          </a:prstGeom>
+          <a:noFill/>
+        </p:spPr>
+        <p:txBody>
+          <a:bodyPr wrap="square" rtlCol="0">
+            <a:spAutoFit/>
+          </a:bodyPr>
+          <a:lstStyle/>
+          <a:p>
+            <a:r>
+              <a:rPr lang="en-US" sz="1100" dirty="0"/>
+              <a:t>Deployment</a:t>
+            </a:r>
+          </a:p>
+        </p:txBody>
+      </p:sp>
+    </p:spTree>
+    <p:extLst>
+      <p:ext uri="{BB962C8B-B14F-4D97-AF65-F5344CB8AC3E}">
+        <p14:creationId xmlns:p14="http://schemas.microsoft.com/office/powerpoint/2010/main" val="1977804244"/>
+      </p:ext>
+    </p:extLst>
+  </p:cSld>
+  <p:clrMapOvr>
+    <a:masterClrMapping/>
+  </p:clrMapOvr>
+</p:sld>
+</file>
+
+<file path=ppt/slides/slide18.xml><?xml version="1.0" encoding="utf-8"?>
+<p:sld xmlns:a="http://schemas.openxmlformats.org/drawingml/2006/main" xmlns:r="http://schemas.openxmlformats.org/officeDocument/2006/relationships" xmlns:p="http://schemas.openxmlformats.org/presentationml/2006/main">
+  <p:cSld>
+    <p:spTree>
+      <p:nvGrpSpPr>
+        <p:cNvPr id="1" name="Shape 110"/>
+        <p:cNvGrpSpPr/>
+        <p:nvPr/>
+      </p:nvGrpSpPr>
+      <p:grpSpPr>
+        <a:xfrm>
+          <a:off x="0" y="0"/>
+          <a:ext cx="0" cy="0"/>
+          <a:chOff x="0" y="0"/>
+          <a:chExt cx="0" cy="0"/>
+        </a:xfrm>
+      </p:grpSpPr>
+      <p:sp>
+        <p:nvSpPr>
+          <p:cNvPr id="111" name="Google Shape;111;p15"/>
+          <p:cNvSpPr txBox="1">
+            <a:spLocks noGrp="1"/>
+          </p:cNvSpPr>
+          <p:nvPr>
+            <p:ph type="ctrTitle"/>
+          </p:nvPr>
+        </p:nvSpPr>
+        <p:spPr>
+          <a:xfrm>
+            <a:off x="685800" y="1583342"/>
+            <a:ext cx="7772400" cy="1159800"/>
+          </a:xfrm>
+          <a:prstGeom prst="rect">
+            <a:avLst/>
+          </a:prstGeom>
+        </p:spPr>
+        <p:txBody>
+          <a:bodyPr spcFirstLastPara="1" wrap="square" lIns="91425" tIns="91425" rIns="91425" bIns="91425" anchor="b" anchorCtr="0">
+            <a:noAutofit/>
+          </a:bodyPr>
+          <a:lstStyle/>
+          <a:p>
+            <a:pPr marL="0" lvl="0" indent="0" algn="ctr" rtl="0">
+              <a:spcBef>
+                <a:spcPts val="0"/>
+              </a:spcBef>
+              <a:spcAft>
+                <a:spcPts val="0"/>
+              </a:spcAft>
+              <a:buNone/>
+            </a:pPr>
+            <a:r>
+              <a:rPr lang="en-US" dirty="0"/>
+              <a:t>Deploying .NET Apps to</a:t>
+            </a:r>
+            <a:br>
+              <a:rPr lang="en-US" dirty="0"/>
+            </a:br>
+            <a:r>
+              <a:rPr lang="en-US" dirty="0"/>
+              <a:t>GitHub Pages</a:t>
+            </a:r>
+          </a:p>
+        </p:txBody>
+      </p:sp>
+    </p:spTree>
+    <p:extLst>
+      <p:ext uri="{BB962C8B-B14F-4D97-AF65-F5344CB8AC3E}">
+        <p14:creationId xmlns:p14="http://schemas.microsoft.com/office/powerpoint/2010/main" val="2392363855"/>
+      </p:ext>
+    </p:extLst>
+  </p:cSld>
+  <p:clrMapOvr>
+    <a:masterClrMapping/>
+  </p:clrMapOvr>
+</p:sld>
+</file>
+
+<file path=ppt/slides/slide19.xml><?xml version="1.0" encoding="utf-8"?>
+<p:sld xmlns:a="http://schemas.openxmlformats.org/drawingml/2006/main" xmlns:r="http://schemas.openxmlformats.org/officeDocument/2006/relationships" xmlns:p="http://schemas.openxmlformats.org/presentationml/2006/main">
+  <p:cSld>
+    <p:spTree>
+      <p:nvGrpSpPr>
+        <p:cNvPr id="1" name=""/>
+        <p:cNvGrpSpPr/>
+        <p:nvPr/>
+      </p:nvGrpSpPr>
+      <p:grpSpPr>
+        <a:xfrm>
+          <a:off x="0" y="0"/>
+          <a:ext cx="0" cy="0"/>
+          <a:chOff x="0" y="0"/>
+          <a:chExt cx="0" cy="0"/>
+        </a:xfrm>
+      </p:grpSpPr>
+      <p:sp>
+        <p:nvSpPr>
+          <p:cNvPr id="2" name="Title 1">
+            <a:extLst>
+              <a:ext uri="{FF2B5EF4-FFF2-40B4-BE49-F238E27FC236}">
+                <a16:creationId xmlns:a16="http://schemas.microsoft.com/office/drawing/2014/main" id="{79BF3282-91B5-354E-10E4-11AD90A8A01C}"/>
+              </a:ext>
+            </a:extLst>
+          </p:cNvPr>
+          <p:cNvSpPr>
+            <a:spLocks noGrp="1"/>
+          </p:cNvSpPr>
+          <p:nvPr>
+            <p:ph type="title"/>
+          </p:nvPr>
+        </p:nvSpPr>
         <p:spPr>
           <a:xfrm>
             <a:off x="893700" y="358388"/>
@@ -27021,7 +29463,398 @@
 </p:sld>
 </file>
 
-<file path=ppt/slides/slide16.xml><?xml version="1.0" encoding="utf-8"?>
+<file path=ppt/slides/slide2.xml><?xml version="1.0" encoding="utf-8"?>
+<p:sld xmlns:a="http://schemas.openxmlformats.org/drawingml/2006/main" xmlns:r="http://schemas.openxmlformats.org/officeDocument/2006/relationships" xmlns:p="http://schemas.openxmlformats.org/presentationml/2006/main">
+  <p:cSld>
+    <p:spTree>
+      <p:nvGrpSpPr>
+        <p:cNvPr id="1" name="Shape 101"/>
+        <p:cNvGrpSpPr/>
+        <p:nvPr/>
+      </p:nvGrpSpPr>
+      <p:grpSpPr>
+        <a:xfrm>
+          <a:off x="0" y="0"/>
+          <a:ext cx="0" cy="0"/>
+          <a:chOff x="0" y="0"/>
+          <a:chExt cx="0" cy="0"/>
+        </a:xfrm>
+      </p:grpSpPr>
+      <p:sp>
+        <p:nvSpPr>
+          <p:cNvPr id="2" name="Text Placeholder 4">
+            <a:extLst>
+              <a:ext uri="{FF2B5EF4-FFF2-40B4-BE49-F238E27FC236}">
+                <a16:creationId xmlns:a16="http://schemas.microsoft.com/office/drawing/2014/main" id="{E80EADE0-E7D2-C3CA-3044-9E3F7001ABCF}"/>
+              </a:ext>
+            </a:extLst>
+          </p:cNvPr>
+          <p:cNvSpPr txBox="1">
+            <a:spLocks/>
+          </p:cNvSpPr>
+          <p:nvPr/>
+        </p:nvSpPr>
+        <p:spPr>
+          <a:xfrm>
+            <a:off x="1601829" y="1635471"/>
+            <a:ext cx="5615356" cy="369332"/>
+          </a:xfrm>
+          <a:prstGeom prst="rect">
+            <a:avLst/>
+          </a:prstGeom>
+        </p:spPr>
+        <p:txBody>
+          <a:bodyPr vert="horz" lIns="91440" tIns="45720" rIns="91440" bIns="45720" rtlCol="0" anchor="ctr"/>
+          <a:lstStyle>
+            <a:defPPr>
+              <a:defRPr lang="en-US"/>
+            </a:defPPr>
+            <a:lvl1pPr marL="0" algn="ctr" defTabSz="914400" rtl="0" eaLnBrk="1" latinLnBrk="0" hangingPunct="1">
+              <a:defRPr sz="1200" kern="1200">
+                <a:solidFill>
+                  <a:schemeClr val="tx1">
+                    <a:tint val="75000"/>
+                  </a:schemeClr>
+                </a:solidFill>
+                <a:latin typeface="+mn-lt"/>
+                <a:ea typeface="+mn-ea"/>
+                <a:cs typeface="+mn-cs"/>
+              </a:defRPr>
+            </a:lvl1pPr>
+            <a:lvl2pPr marL="457200" algn="l" defTabSz="914400" rtl="0" eaLnBrk="1" latinLnBrk="0" hangingPunct="1">
+              <a:defRPr sz="1800" kern="1200">
+                <a:solidFill>
+                  <a:schemeClr val="tx1"/>
+                </a:solidFill>
+                <a:latin typeface="+mn-lt"/>
+                <a:ea typeface="+mn-ea"/>
+                <a:cs typeface="+mn-cs"/>
+              </a:defRPr>
+            </a:lvl2pPr>
+            <a:lvl3pPr marL="914400" algn="l" defTabSz="914400" rtl="0" eaLnBrk="1" latinLnBrk="0" hangingPunct="1">
+              <a:defRPr sz="1800" kern="1200">
+                <a:solidFill>
+                  <a:schemeClr val="tx1"/>
+                </a:solidFill>
+                <a:latin typeface="+mn-lt"/>
+                <a:ea typeface="+mn-ea"/>
+                <a:cs typeface="+mn-cs"/>
+              </a:defRPr>
+            </a:lvl3pPr>
+            <a:lvl4pPr marL="1371600" algn="l" defTabSz="914400" rtl="0" eaLnBrk="1" latinLnBrk="0" hangingPunct="1">
+              <a:defRPr sz="1800" kern="1200">
+                <a:solidFill>
+                  <a:schemeClr val="tx1"/>
+                </a:solidFill>
+                <a:latin typeface="+mn-lt"/>
+                <a:ea typeface="+mn-ea"/>
+                <a:cs typeface="+mn-cs"/>
+              </a:defRPr>
+            </a:lvl4pPr>
+            <a:lvl5pPr marL="1828800" algn="l" defTabSz="914400" rtl="0" eaLnBrk="1" latinLnBrk="0" hangingPunct="1">
+              <a:defRPr sz="1800" kern="1200">
+                <a:solidFill>
+                  <a:schemeClr val="tx1"/>
+                </a:solidFill>
+                <a:latin typeface="+mn-lt"/>
+                <a:ea typeface="+mn-ea"/>
+                <a:cs typeface="+mn-cs"/>
+              </a:defRPr>
+            </a:lvl5pPr>
+            <a:lvl6pPr marL="2286000" algn="l" defTabSz="914400" rtl="0" eaLnBrk="1" latinLnBrk="0" hangingPunct="1">
+              <a:defRPr sz="1800" kern="1200">
+                <a:solidFill>
+                  <a:schemeClr val="tx1"/>
+                </a:solidFill>
+                <a:latin typeface="+mn-lt"/>
+                <a:ea typeface="+mn-ea"/>
+                <a:cs typeface="+mn-cs"/>
+              </a:defRPr>
+            </a:lvl6pPr>
+            <a:lvl7pPr marL="2743200" algn="l" defTabSz="914400" rtl="0" eaLnBrk="1" latinLnBrk="0" hangingPunct="1">
+              <a:defRPr sz="1800" kern="1200">
+                <a:solidFill>
+                  <a:schemeClr val="tx1"/>
+                </a:solidFill>
+                <a:latin typeface="+mn-lt"/>
+                <a:ea typeface="+mn-ea"/>
+                <a:cs typeface="+mn-cs"/>
+              </a:defRPr>
+            </a:lvl7pPr>
+            <a:lvl8pPr marL="3200400" algn="l" defTabSz="914400" rtl="0" eaLnBrk="1" latinLnBrk="0" hangingPunct="1">
+              <a:defRPr sz="1800" kern="1200">
+                <a:solidFill>
+                  <a:schemeClr val="tx1"/>
+                </a:solidFill>
+                <a:latin typeface="+mn-lt"/>
+                <a:ea typeface="+mn-ea"/>
+                <a:cs typeface="+mn-cs"/>
+              </a:defRPr>
+            </a:lvl8pPr>
+            <a:lvl9pPr marL="3657600" algn="l" defTabSz="914400" rtl="0" eaLnBrk="1" latinLnBrk="0" hangingPunct="1">
+              <a:defRPr sz="1800" kern="1200">
+                <a:solidFill>
+                  <a:schemeClr val="tx1"/>
+                </a:solidFill>
+                <a:latin typeface="+mn-lt"/>
+                <a:ea typeface="+mn-ea"/>
+                <a:cs typeface="+mn-cs"/>
+              </a:defRPr>
+            </a:lvl9pPr>
+          </a:lstStyle>
+          <a:p>
+            <a:r>
+              <a:rPr lang="en-US" sz="2800" dirty="0">
+                <a:solidFill>
+                  <a:schemeClr val="tx1"/>
+                </a:solidFill>
+                <a:latin typeface="Lato" panose="020F0502020204030203" pitchFamily="34" charset="0"/>
+              </a:rPr>
+              <a:t>Isaac Levin</a:t>
+            </a:r>
+          </a:p>
+          <a:p>
+            <a:r>
+              <a:rPr lang="en-US" sz="2800" dirty="0">
+                <a:solidFill>
+                  <a:schemeClr val="tx1"/>
+                </a:solidFill>
+                <a:latin typeface="Lato" panose="020F0502020204030203" pitchFamily="34" charset="0"/>
+              </a:rPr>
+              <a:t>.NET  </a:t>
+            </a:r>
+            <a:r>
+              <a:rPr lang="en-US" sz="2800" dirty="0">
+                <a:solidFill>
+                  <a:srgbClr val="677480"/>
+                </a:solidFill>
+                <a:latin typeface="Lato" panose="020F0502020204030203" pitchFamily="34" charset="0"/>
+              </a:rPr>
+              <a:t>Developer</a:t>
+            </a:r>
+            <a:r>
+              <a:rPr lang="en-US" sz="2800" dirty="0">
+                <a:solidFill>
+                  <a:schemeClr val="tx1"/>
+                </a:solidFill>
+                <a:latin typeface="Lato" panose="020F0502020204030203" pitchFamily="34" charset="0"/>
+              </a:rPr>
+              <a:t> Advocate</a:t>
+            </a:r>
+          </a:p>
+        </p:txBody>
+      </p:sp>
+      <p:pic>
+        <p:nvPicPr>
+          <p:cNvPr id="3" name="Picture 11" descr="See the source image">
+            <a:extLst>
+              <a:ext uri="{FF2B5EF4-FFF2-40B4-BE49-F238E27FC236}">
+                <a16:creationId xmlns:a16="http://schemas.microsoft.com/office/drawing/2014/main" id="{A99AFAE7-803F-CB77-A6E1-541CF41131BC}"/>
+              </a:ext>
+            </a:extLst>
+          </p:cNvPr>
+          <p:cNvPicPr>
+            <a:picLocks noChangeAspect="1" noChangeArrowheads="1"/>
+          </p:cNvPicPr>
+          <p:nvPr/>
+        </p:nvPicPr>
+        <p:blipFill>
+          <a:blip r:embed="rId3">
+            <a:duotone>
+              <a:prstClr val="black"/>
+              <a:srgbClr val="2185C5">
+                <a:tint val="45000"/>
+                <a:satMod val="400000"/>
+              </a:srgbClr>
+            </a:duotone>
+            <a:extLst>
+              <a:ext uri="{28A0092B-C50C-407E-A947-70E740481C1C}">
+                <a14:useLocalDpi xmlns:a14="http://schemas.microsoft.com/office/drawing/2010/main" val="0"/>
+              </a:ext>
+            </a:extLst>
+          </a:blip>
+          <a:srcRect/>
+          <a:stretch>
+            <a:fillRect/>
+          </a:stretch>
+        </p:blipFill>
+        <p:spPr bwMode="auto">
+          <a:xfrm>
+            <a:off x="5001863" y="2995461"/>
+            <a:ext cx="914400" cy="914400"/>
+          </a:xfrm>
+          <a:prstGeom prst="rect">
+            <a:avLst/>
+          </a:prstGeom>
+          <a:noFill/>
+          <a:extLst>
+            <a:ext uri="{909E8E84-426E-40DD-AFC4-6F175D3DCCD1}">
+              <a14:hiddenFill xmlns:a14="http://schemas.microsoft.com/office/drawing/2010/main">
+                <a:solidFill>
+                  <a:srgbClr val="FFFFFF"/>
+                </a:solidFill>
+              </a14:hiddenFill>
+            </a:ext>
+          </a:extLst>
+        </p:spPr>
+      </p:pic>
+      <p:pic>
+        <p:nvPicPr>
+          <p:cNvPr id="4" name="Picture 13" descr="See the source image">
+            <a:extLst>
+              <a:ext uri="{FF2B5EF4-FFF2-40B4-BE49-F238E27FC236}">
+                <a16:creationId xmlns:a16="http://schemas.microsoft.com/office/drawing/2014/main" id="{EF517974-97A1-4BEF-FFDF-56526BD8B97E}"/>
+              </a:ext>
+            </a:extLst>
+          </p:cNvPr>
+          <p:cNvPicPr>
+            <a:picLocks noChangeAspect="1" noChangeArrowheads="1"/>
+          </p:cNvPicPr>
+          <p:nvPr/>
+        </p:nvPicPr>
+        <p:blipFill>
+          <a:blip r:embed="rId4">
+            <a:duotone>
+              <a:prstClr val="black"/>
+              <a:srgbClr val="2185C5">
+                <a:tint val="45000"/>
+                <a:satMod val="400000"/>
+              </a:srgbClr>
+            </a:duotone>
+            <a:extLst>
+              <a:ext uri="{28A0092B-C50C-407E-A947-70E740481C1C}">
+                <a14:useLocalDpi xmlns:a14="http://schemas.microsoft.com/office/drawing/2010/main" val="0"/>
+              </a:ext>
+            </a:extLst>
+          </a:blip>
+          <a:srcRect/>
+          <a:stretch>
+            <a:fillRect/>
+          </a:stretch>
+        </p:blipFill>
+        <p:spPr bwMode="auto">
+          <a:xfrm>
+            <a:off x="4004932" y="3157420"/>
+            <a:ext cx="809149" cy="685800"/>
+          </a:xfrm>
+          <a:prstGeom prst="rect">
+            <a:avLst/>
+          </a:prstGeom>
+          <a:noFill/>
+          <a:extLst>
+            <a:ext uri="{909E8E84-426E-40DD-AFC4-6F175D3DCCD1}">
+              <a14:hiddenFill xmlns:a14="http://schemas.microsoft.com/office/drawing/2010/main">
+                <a:solidFill>
+                  <a:srgbClr val="FFFFFF"/>
+                </a:solidFill>
+              </a14:hiddenFill>
+            </a:ext>
+          </a:extLst>
+        </p:spPr>
+      </p:pic>
+      <p:pic>
+        <p:nvPicPr>
+          <p:cNvPr id="5" name="Picture 19" descr="See the source image">
+            <a:extLst>
+              <a:ext uri="{FF2B5EF4-FFF2-40B4-BE49-F238E27FC236}">
+                <a16:creationId xmlns:a16="http://schemas.microsoft.com/office/drawing/2014/main" id="{5680D8E3-ECBD-0DC5-FD87-58562346C902}"/>
+              </a:ext>
+            </a:extLst>
+          </p:cNvPr>
+          <p:cNvPicPr>
+            <a:picLocks noChangeAspect="1" noChangeArrowheads="1"/>
+          </p:cNvPicPr>
+          <p:nvPr/>
+        </p:nvPicPr>
+        <p:blipFill>
+          <a:blip r:embed="rId5">
+            <a:duotone>
+              <a:prstClr val="black"/>
+              <a:srgbClr val="2185C5">
+                <a:tint val="45000"/>
+                <a:satMod val="400000"/>
+              </a:srgbClr>
+            </a:duotone>
+            <a:extLst>
+              <a:ext uri="{28A0092B-C50C-407E-A947-70E740481C1C}">
+                <a14:useLocalDpi xmlns:a14="http://schemas.microsoft.com/office/drawing/2010/main" val="0"/>
+              </a:ext>
+            </a:extLst>
+          </a:blip>
+          <a:srcRect/>
+          <a:stretch>
+            <a:fillRect/>
+          </a:stretch>
+        </p:blipFill>
+        <p:spPr bwMode="auto">
+          <a:xfrm>
+            <a:off x="2902750" y="3043120"/>
+            <a:ext cx="914400" cy="914400"/>
+          </a:xfrm>
+          <a:prstGeom prst="rect">
+            <a:avLst/>
+          </a:prstGeom>
+          <a:noFill/>
+          <a:extLst>
+            <a:ext uri="{909E8E84-426E-40DD-AFC4-6F175D3DCCD1}">
+              <a14:hiddenFill xmlns:a14="http://schemas.microsoft.com/office/drawing/2010/main">
+                <a:solidFill>
+                  <a:srgbClr val="FFFFFF"/>
+                </a:solidFill>
+              </a14:hiddenFill>
+            </a:ext>
+          </a:extLst>
+        </p:spPr>
+      </p:pic>
+      <p:sp>
+        <p:nvSpPr>
+          <p:cNvPr id="6" name="TextBox 5">
+            <a:extLst>
+              <a:ext uri="{FF2B5EF4-FFF2-40B4-BE49-F238E27FC236}">
+                <a16:creationId xmlns:a16="http://schemas.microsoft.com/office/drawing/2014/main" id="{EBB05A6D-6B4E-C1EB-9D47-AF872CA3244F}"/>
+              </a:ext>
+            </a:extLst>
+          </p:cNvPr>
+          <p:cNvSpPr txBox="1"/>
+          <p:nvPr/>
+        </p:nvSpPr>
+        <p:spPr>
+          <a:xfrm>
+            <a:off x="3441074" y="2533796"/>
+            <a:ext cx="1936866" cy="461665"/>
+          </a:xfrm>
+          <a:prstGeom prst="rect">
+            <a:avLst/>
+          </a:prstGeom>
+          <a:noFill/>
+        </p:spPr>
+        <p:txBody>
+          <a:bodyPr wrap="square" rtlCol="0">
+            <a:spAutoFit/>
+          </a:bodyPr>
+          <a:lstStyle/>
+          <a:p>
+            <a:r>
+              <a:rPr lang="en-US" sz="2400" dirty="0">
+                <a:solidFill>
+                  <a:srgbClr val="677480"/>
+                </a:solidFill>
+                <a:latin typeface="Lato" panose="020F0502020204030203" pitchFamily="34" charset="0"/>
+              </a:rPr>
+              <a:t>@isaacrlevin</a:t>
+            </a:r>
+          </a:p>
+        </p:txBody>
+      </p:sp>
+    </p:spTree>
+  </p:cSld>
+  <p:clrMapOvr>
+    <a:masterClrMapping/>
+  </p:clrMapOvr>
+</p:sld>
+</file>
+
+<file path=ppt/slides/slide20.xml><?xml version="1.0" encoding="utf-8"?>
 <p:sld xmlns:a="http://schemas.openxmlformats.org/drawingml/2006/main" xmlns:r="http://schemas.openxmlformats.org/officeDocument/2006/relationships" xmlns:p="http://schemas.openxmlformats.org/presentationml/2006/main">
   <p:cSld>
     <p:spTree>
@@ -27434,7 +30267,7 @@
 </p:sld>
 </file>
 
-<file path=ppt/slides/slide17.xml><?xml version="1.0" encoding="utf-8"?>
+<file path=ppt/slides/slide21.xml><?xml version="1.0" encoding="utf-8"?>
 <p:sld xmlns:a="http://schemas.openxmlformats.org/drawingml/2006/main" xmlns:r="http://schemas.openxmlformats.org/officeDocument/2006/relationships" xmlns:p="http://schemas.openxmlformats.org/presentationml/2006/main">
   <p:cSld>
     <p:spTree>
@@ -27661,397 +30494,6 @@
           </a:prstGeom>
         </p:spPr>
       </p:pic>
-    </p:spTree>
-  </p:cSld>
-  <p:clrMapOvr>
-    <a:masterClrMapping/>
-  </p:clrMapOvr>
-</p:sld>
-</file>
-
-<file path=ppt/slides/slide2.xml><?xml version="1.0" encoding="utf-8"?>
-<p:sld xmlns:a="http://schemas.openxmlformats.org/drawingml/2006/main" xmlns:r="http://schemas.openxmlformats.org/officeDocument/2006/relationships" xmlns:p="http://schemas.openxmlformats.org/presentationml/2006/main">
-  <p:cSld>
-    <p:spTree>
-      <p:nvGrpSpPr>
-        <p:cNvPr id="1" name="Shape 101"/>
-        <p:cNvGrpSpPr/>
-        <p:nvPr/>
-      </p:nvGrpSpPr>
-      <p:grpSpPr>
-        <a:xfrm>
-          <a:off x="0" y="0"/>
-          <a:ext cx="0" cy="0"/>
-          <a:chOff x="0" y="0"/>
-          <a:chExt cx="0" cy="0"/>
-        </a:xfrm>
-      </p:grpSpPr>
-      <p:sp>
-        <p:nvSpPr>
-          <p:cNvPr id="2" name="Text Placeholder 4">
-            <a:extLst>
-              <a:ext uri="{FF2B5EF4-FFF2-40B4-BE49-F238E27FC236}">
-                <a16:creationId xmlns:a16="http://schemas.microsoft.com/office/drawing/2014/main" id="{E80EADE0-E7D2-C3CA-3044-9E3F7001ABCF}"/>
-              </a:ext>
-            </a:extLst>
-          </p:cNvPr>
-          <p:cNvSpPr txBox="1">
-            <a:spLocks/>
-          </p:cNvSpPr>
-          <p:nvPr/>
-        </p:nvSpPr>
-        <p:spPr>
-          <a:xfrm>
-            <a:off x="1601829" y="1635471"/>
-            <a:ext cx="5615356" cy="369332"/>
-          </a:xfrm>
-          <a:prstGeom prst="rect">
-            <a:avLst/>
-          </a:prstGeom>
-        </p:spPr>
-        <p:txBody>
-          <a:bodyPr vert="horz" lIns="91440" tIns="45720" rIns="91440" bIns="45720" rtlCol="0" anchor="ctr"/>
-          <a:lstStyle>
-            <a:defPPr>
-              <a:defRPr lang="en-US"/>
-            </a:defPPr>
-            <a:lvl1pPr marL="0" algn="ctr" defTabSz="914400" rtl="0" eaLnBrk="1" latinLnBrk="0" hangingPunct="1">
-              <a:defRPr sz="1200" kern="1200">
-                <a:solidFill>
-                  <a:schemeClr val="tx1">
-                    <a:tint val="75000"/>
-                  </a:schemeClr>
-                </a:solidFill>
-                <a:latin typeface="+mn-lt"/>
-                <a:ea typeface="+mn-ea"/>
-                <a:cs typeface="+mn-cs"/>
-              </a:defRPr>
-            </a:lvl1pPr>
-            <a:lvl2pPr marL="457200" algn="l" defTabSz="914400" rtl="0" eaLnBrk="1" latinLnBrk="0" hangingPunct="1">
-              <a:defRPr sz="1800" kern="1200">
-                <a:solidFill>
-                  <a:schemeClr val="tx1"/>
-                </a:solidFill>
-                <a:latin typeface="+mn-lt"/>
-                <a:ea typeface="+mn-ea"/>
-                <a:cs typeface="+mn-cs"/>
-              </a:defRPr>
-            </a:lvl2pPr>
-            <a:lvl3pPr marL="914400" algn="l" defTabSz="914400" rtl="0" eaLnBrk="1" latinLnBrk="0" hangingPunct="1">
-              <a:defRPr sz="1800" kern="1200">
-                <a:solidFill>
-                  <a:schemeClr val="tx1"/>
-                </a:solidFill>
-                <a:latin typeface="+mn-lt"/>
-                <a:ea typeface="+mn-ea"/>
-                <a:cs typeface="+mn-cs"/>
-              </a:defRPr>
-            </a:lvl3pPr>
-            <a:lvl4pPr marL="1371600" algn="l" defTabSz="914400" rtl="0" eaLnBrk="1" latinLnBrk="0" hangingPunct="1">
-              <a:defRPr sz="1800" kern="1200">
-                <a:solidFill>
-                  <a:schemeClr val="tx1"/>
-                </a:solidFill>
-                <a:latin typeface="+mn-lt"/>
-                <a:ea typeface="+mn-ea"/>
-                <a:cs typeface="+mn-cs"/>
-              </a:defRPr>
-            </a:lvl4pPr>
-            <a:lvl5pPr marL="1828800" algn="l" defTabSz="914400" rtl="0" eaLnBrk="1" latinLnBrk="0" hangingPunct="1">
-              <a:defRPr sz="1800" kern="1200">
-                <a:solidFill>
-                  <a:schemeClr val="tx1"/>
-                </a:solidFill>
-                <a:latin typeface="+mn-lt"/>
-                <a:ea typeface="+mn-ea"/>
-                <a:cs typeface="+mn-cs"/>
-              </a:defRPr>
-            </a:lvl5pPr>
-            <a:lvl6pPr marL="2286000" algn="l" defTabSz="914400" rtl="0" eaLnBrk="1" latinLnBrk="0" hangingPunct="1">
-              <a:defRPr sz="1800" kern="1200">
-                <a:solidFill>
-                  <a:schemeClr val="tx1"/>
-                </a:solidFill>
-                <a:latin typeface="+mn-lt"/>
-                <a:ea typeface="+mn-ea"/>
-                <a:cs typeface="+mn-cs"/>
-              </a:defRPr>
-            </a:lvl6pPr>
-            <a:lvl7pPr marL="2743200" algn="l" defTabSz="914400" rtl="0" eaLnBrk="1" latinLnBrk="0" hangingPunct="1">
-              <a:defRPr sz="1800" kern="1200">
-                <a:solidFill>
-                  <a:schemeClr val="tx1"/>
-                </a:solidFill>
-                <a:latin typeface="+mn-lt"/>
-                <a:ea typeface="+mn-ea"/>
-                <a:cs typeface="+mn-cs"/>
-              </a:defRPr>
-            </a:lvl7pPr>
-            <a:lvl8pPr marL="3200400" algn="l" defTabSz="914400" rtl="0" eaLnBrk="1" latinLnBrk="0" hangingPunct="1">
-              <a:defRPr sz="1800" kern="1200">
-                <a:solidFill>
-                  <a:schemeClr val="tx1"/>
-                </a:solidFill>
-                <a:latin typeface="+mn-lt"/>
-                <a:ea typeface="+mn-ea"/>
-                <a:cs typeface="+mn-cs"/>
-              </a:defRPr>
-            </a:lvl8pPr>
-            <a:lvl9pPr marL="3657600" algn="l" defTabSz="914400" rtl="0" eaLnBrk="1" latinLnBrk="0" hangingPunct="1">
-              <a:defRPr sz="1800" kern="1200">
-                <a:solidFill>
-                  <a:schemeClr val="tx1"/>
-                </a:solidFill>
-                <a:latin typeface="+mn-lt"/>
-                <a:ea typeface="+mn-ea"/>
-                <a:cs typeface="+mn-cs"/>
-              </a:defRPr>
-            </a:lvl9pPr>
-          </a:lstStyle>
-          <a:p>
-            <a:r>
-              <a:rPr lang="en-US" sz="2800" dirty="0">
-                <a:solidFill>
-                  <a:schemeClr val="tx1"/>
-                </a:solidFill>
-                <a:latin typeface="Lato" panose="020F0502020204030203" pitchFamily="34" charset="0"/>
-              </a:rPr>
-              <a:t>Isaac Levin</a:t>
-            </a:r>
-          </a:p>
-          <a:p>
-            <a:r>
-              <a:rPr lang="en-US" sz="2800" dirty="0">
-                <a:solidFill>
-                  <a:schemeClr val="tx1"/>
-                </a:solidFill>
-                <a:latin typeface="Lato" panose="020F0502020204030203" pitchFamily="34" charset="0"/>
-              </a:rPr>
-              <a:t>.NET  </a:t>
-            </a:r>
-            <a:r>
-              <a:rPr lang="en-US" sz="2800" dirty="0">
-                <a:solidFill>
-                  <a:srgbClr val="677480"/>
-                </a:solidFill>
-                <a:latin typeface="Lato" panose="020F0502020204030203" pitchFamily="34" charset="0"/>
-              </a:rPr>
-              <a:t>Developer</a:t>
-            </a:r>
-            <a:r>
-              <a:rPr lang="en-US" sz="2800" dirty="0">
-                <a:solidFill>
-                  <a:schemeClr val="tx1"/>
-                </a:solidFill>
-                <a:latin typeface="Lato" panose="020F0502020204030203" pitchFamily="34" charset="0"/>
-              </a:rPr>
-              <a:t> Advocate</a:t>
-            </a:r>
-          </a:p>
-        </p:txBody>
-      </p:sp>
-      <p:pic>
-        <p:nvPicPr>
-          <p:cNvPr id="3" name="Picture 11" descr="See the source image">
-            <a:extLst>
-              <a:ext uri="{FF2B5EF4-FFF2-40B4-BE49-F238E27FC236}">
-                <a16:creationId xmlns:a16="http://schemas.microsoft.com/office/drawing/2014/main" id="{A99AFAE7-803F-CB77-A6E1-541CF41131BC}"/>
-              </a:ext>
-            </a:extLst>
-          </p:cNvPr>
-          <p:cNvPicPr>
-            <a:picLocks noChangeAspect="1" noChangeArrowheads="1"/>
-          </p:cNvPicPr>
-          <p:nvPr/>
-        </p:nvPicPr>
-        <p:blipFill>
-          <a:blip r:embed="rId3">
-            <a:duotone>
-              <a:prstClr val="black"/>
-              <a:srgbClr val="2185C5">
-                <a:tint val="45000"/>
-                <a:satMod val="400000"/>
-              </a:srgbClr>
-            </a:duotone>
-            <a:extLst>
-              <a:ext uri="{28A0092B-C50C-407E-A947-70E740481C1C}">
-                <a14:useLocalDpi xmlns:a14="http://schemas.microsoft.com/office/drawing/2010/main" val="0"/>
-              </a:ext>
-            </a:extLst>
-          </a:blip>
-          <a:srcRect/>
-          <a:stretch>
-            <a:fillRect/>
-          </a:stretch>
-        </p:blipFill>
-        <p:spPr bwMode="auto">
-          <a:xfrm>
-            <a:off x="5001863" y="2995461"/>
-            <a:ext cx="914400" cy="914400"/>
-          </a:xfrm>
-          <a:prstGeom prst="rect">
-            <a:avLst/>
-          </a:prstGeom>
-          <a:noFill/>
-          <a:extLst>
-            <a:ext uri="{909E8E84-426E-40DD-AFC4-6F175D3DCCD1}">
-              <a14:hiddenFill xmlns:a14="http://schemas.microsoft.com/office/drawing/2010/main">
-                <a:solidFill>
-                  <a:srgbClr val="FFFFFF"/>
-                </a:solidFill>
-              </a14:hiddenFill>
-            </a:ext>
-          </a:extLst>
-        </p:spPr>
-      </p:pic>
-      <p:pic>
-        <p:nvPicPr>
-          <p:cNvPr id="4" name="Picture 13" descr="See the source image">
-            <a:extLst>
-              <a:ext uri="{FF2B5EF4-FFF2-40B4-BE49-F238E27FC236}">
-                <a16:creationId xmlns:a16="http://schemas.microsoft.com/office/drawing/2014/main" id="{EF517974-97A1-4BEF-FFDF-56526BD8B97E}"/>
-              </a:ext>
-            </a:extLst>
-          </p:cNvPr>
-          <p:cNvPicPr>
-            <a:picLocks noChangeAspect="1" noChangeArrowheads="1"/>
-          </p:cNvPicPr>
-          <p:nvPr/>
-        </p:nvPicPr>
-        <p:blipFill>
-          <a:blip r:embed="rId4">
-            <a:duotone>
-              <a:prstClr val="black"/>
-              <a:srgbClr val="2185C5">
-                <a:tint val="45000"/>
-                <a:satMod val="400000"/>
-              </a:srgbClr>
-            </a:duotone>
-            <a:extLst>
-              <a:ext uri="{28A0092B-C50C-407E-A947-70E740481C1C}">
-                <a14:useLocalDpi xmlns:a14="http://schemas.microsoft.com/office/drawing/2010/main" val="0"/>
-              </a:ext>
-            </a:extLst>
-          </a:blip>
-          <a:srcRect/>
-          <a:stretch>
-            <a:fillRect/>
-          </a:stretch>
-        </p:blipFill>
-        <p:spPr bwMode="auto">
-          <a:xfrm>
-            <a:off x="4004932" y="3157420"/>
-            <a:ext cx="809149" cy="685800"/>
-          </a:xfrm>
-          <a:prstGeom prst="rect">
-            <a:avLst/>
-          </a:prstGeom>
-          <a:noFill/>
-          <a:extLst>
-            <a:ext uri="{909E8E84-426E-40DD-AFC4-6F175D3DCCD1}">
-              <a14:hiddenFill xmlns:a14="http://schemas.microsoft.com/office/drawing/2010/main">
-                <a:solidFill>
-                  <a:srgbClr val="FFFFFF"/>
-                </a:solidFill>
-              </a14:hiddenFill>
-            </a:ext>
-          </a:extLst>
-        </p:spPr>
-      </p:pic>
-      <p:pic>
-        <p:nvPicPr>
-          <p:cNvPr id="5" name="Picture 19" descr="See the source image">
-            <a:extLst>
-              <a:ext uri="{FF2B5EF4-FFF2-40B4-BE49-F238E27FC236}">
-                <a16:creationId xmlns:a16="http://schemas.microsoft.com/office/drawing/2014/main" id="{5680D8E3-ECBD-0DC5-FD87-58562346C902}"/>
-              </a:ext>
-            </a:extLst>
-          </p:cNvPr>
-          <p:cNvPicPr>
-            <a:picLocks noChangeAspect="1" noChangeArrowheads="1"/>
-          </p:cNvPicPr>
-          <p:nvPr/>
-        </p:nvPicPr>
-        <p:blipFill>
-          <a:blip r:embed="rId5">
-            <a:duotone>
-              <a:prstClr val="black"/>
-              <a:srgbClr val="2185C5">
-                <a:tint val="45000"/>
-                <a:satMod val="400000"/>
-              </a:srgbClr>
-            </a:duotone>
-            <a:extLst>
-              <a:ext uri="{28A0092B-C50C-407E-A947-70E740481C1C}">
-                <a14:useLocalDpi xmlns:a14="http://schemas.microsoft.com/office/drawing/2010/main" val="0"/>
-              </a:ext>
-            </a:extLst>
-          </a:blip>
-          <a:srcRect/>
-          <a:stretch>
-            <a:fillRect/>
-          </a:stretch>
-        </p:blipFill>
-        <p:spPr bwMode="auto">
-          <a:xfrm>
-            <a:off x="2902750" y="3043120"/>
-            <a:ext cx="914400" cy="914400"/>
-          </a:xfrm>
-          <a:prstGeom prst="rect">
-            <a:avLst/>
-          </a:prstGeom>
-          <a:noFill/>
-          <a:extLst>
-            <a:ext uri="{909E8E84-426E-40DD-AFC4-6F175D3DCCD1}">
-              <a14:hiddenFill xmlns:a14="http://schemas.microsoft.com/office/drawing/2010/main">
-                <a:solidFill>
-                  <a:srgbClr val="FFFFFF"/>
-                </a:solidFill>
-              </a14:hiddenFill>
-            </a:ext>
-          </a:extLst>
-        </p:spPr>
-      </p:pic>
-      <p:sp>
-        <p:nvSpPr>
-          <p:cNvPr id="6" name="TextBox 5">
-            <a:extLst>
-              <a:ext uri="{FF2B5EF4-FFF2-40B4-BE49-F238E27FC236}">
-                <a16:creationId xmlns:a16="http://schemas.microsoft.com/office/drawing/2014/main" id="{EBB05A6D-6B4E-C1EB-9D47-AF872CA3244F}"/>
-              </a:ext>
-            </a:extLst>
-          </p:cNvPr>
-          <p:cNvSpPr txBox="1"/>
-          <p:nvPr/>
-        </p:nvSpPr>
-        <p:spPr>
-          <a:xfrm>
-            <a:off x="3441074" y="2533796"/>
-            <a:ext cx="1936866" cy="461665"/>
-          </a:xfrm>
-          <a:prstGeom prst="rect">
-            <a:avLst/>
-          </a:prstGeom>
-          <a:noFill/>
-        </p:spPr>
-        <p:txBody>
-          <a:bodyPr wrap="square" rtlCol="0">
-            <a:spAutoFit/>
-          </a:bodyPr>
-          <a:lstStyle/>
-          <a:p>
-            <a:r>
-              <a:rPr lang="en-US" sz="2400" dirty="0">
-                <a:solidFill>
-                  <a:srgbClr val="677480"/>
-                </a:solidFill>
-                <a:latin typeface="Lato" panose="020F0502020204030203" pitchFamily="34" charset="0"/>
-              </a:rPr>
-              <a:t>@isaacrlevin</a:t>
-            </a:r>
-          </a:p>
-        </p:txBody>
-      </p:sp>
     </p:spTree>
   </p:cSld>
   <p:clrMapOvr>

--- a/Running_ASP.NET_Core_Apps_without_a_server.pptx
+++ b/Running_ASP.NET_Core_Apps_without_a_server.pptx
@@ -9,7 +9,7 @@
   </p:notesMasterIdLst>
   <p:sldIdLst>
     <p:sldId id="256" r:id="rId2"/>
-    <p:sldId id="258" r:id="rId3"/>
+    <p:sldId id="279" r:id="rId3"/>
     <p:sldId id="259" r:id="rId4"/>
     <p:sldId id="257" r:id="rId5"/>
     <p:sldId id="1941" r:id="rId6"/>
@@ -3506,8 +3506,12 @@
         <a:lstStyle/>
         <a:p>
           <a:r>
+            <a:rPr lang="en-US" dirty="0" err="1"/>
+            <a:t>Blazor</a:t>
+          </a:r>
+          <a:r>
             <a:rPr lang="en-US" dirty="0"/>
-            <a:t>Blazor United</a:t>
+            <a:t> SSR</a:t>
           </a:r>
         </a:p>
       </dgm:t>
@@ -4908,12 +4912,12 @@
         </a:fontRef>
       </dsp:style>
       <dsp:txBody>
-        <a:bodyPr spcFirstLastPara="0" vert="horz" wrap="square" lIns="49530" tIns="49530" rIns="49530" bIns="49530" numCol="1" spcCol="1270" anchor="ctr" anchorCtr="0">
+        <a:bodyPr spcFirstLastPara="0" vert="horz" wrap="square" lIns="50800" tIns="50800" rIns="50800" bIns="50800" numCol="1" spcCol="1270" anchor="ctr" anchorCtr="0">
           <a:noAutofit/>
         </a:bodyPr>
         <a:lstStyle/>
         <a:p>
-          <a:pPr marL="0" lvl="0" indent="0" algn="ctr" defTabSz="1733550">
+          <a:pPr marL="0" lvl="0" indent="0" algn="ctr" defTabSz="1778000">
             <a:lnSpc>
               <a:spcPct val="90000"/>
             </a:lnSpc>
@@ -4926,8 +4930,12 @@
             <a:buNone/>
           </a:pPr>
           <a:r>
-            <a:rPr lang="en-US" sz="3900" kern="1200" dirty="0"/>
-            <a:t>Blazor United</a:t>
+            <a:rPr lang="en-US" sz="4000" kern="1200" dirty="0" err="1"/>
+            <a:t>Blazor</a:t>
+          </a:r>
+          <a:r>
+            <a:rPr lang="en-US" sz="4000" kern="1200" dirty="0"/>
+            <a:t> SSR</a:t>
           </a:r>
         </a:p>
       </dsp:txBody>
@@ -9926,21 +9934,6 @@
               </a:spcAft>
               <a:buNone/>
             </a:pPr>
-            <a:r>
-              <a:rPr lang="en-US" dirty="0"/>
-              <a:t>https://codewithmukesh.com/blog/deploying-blazor-webassembly-to-aws-s3/</a:t>
-            </a:r>
-          </a:p>
-          <a:p>
-            <a:pPr marL="0" lvl="0" indent="0" algn="l" rtl="0">
-              <a:spcBef>
-                <a:spcPts val="0"/>
-              </a:spcBef>
-              <a:spcAft>
-                <a:spcPts val="0"/>
-              </a:spcAft>
-              <a:buNone/>
-            </a:pPr>
             <a:endParaRPr lang="en-US" dirty="0"/>
           </a:p>
         </p:txBody>
@@ -10050,37 +10043,6 @@
               </a:spcAft>
               <a:buNone/>
             </a:pPr>
-            <a:r>
-              <a:rPr lang="en-US" dirty="0"/>
-              <a:t>https://aws.amazon.com/blogs/devops/deploy-net-blazor-webassembly-application-to-aws-amplify/</a:t>
-            </a:r>
-          </a:p>
-          <a:p>
-            <a:pPr marL="0" lvl="0" indent="0" algn="l" rtl="0">
-              <a:spcBef>
-                <a:spcPts val="0"/>
-              </a:spcBef>
-              <a:spcAft>
-                <a:spcPts val="0"/>
-              </a:spcAft>
-              <a:buNone/>
-            </a:pPr>
-            <a:endParaRPr lang="en-US" dirty="0"/>
-          </a:p>
-          <a:p>
-            <a:pPr marL="0" lvl="0" indent="0" algn="l" rtl="0">
-              <a:spcBef>
-                <a:spcPts val="0"/>
-              </a:spcBef>
-              <a:spcAft>
-                <a:spcPts val="0"/>
-              </a:spcAft>
-              <a:buNone/>
-            </a:pPr>
-            <a:r>
-              <a:rPr lang="en-US" dirty="0"/>
-              <a:t>https://swimburger.net/blog/dotnet/how-to-deploy-blazor-webassembly-to-aws-amplify</a:t>
-            </a:r>
             <a:endParaRPr dirty="0"/>
           </a:p>
         </p:txBody>
@@ -10203,11 +10165,11 @@
 </file>
 
 <file path=ppt/notesSlides/notesSlide2.xml><?xml version="1.0" encoding="utf-8"?>
-<p:notes xmlns:a="http://schemas.openxmlformats.org/drawingml/2006/main" xmlns:r="http://schemas.openxmlformats.org/officeDocument/2006/relationships" xmlns:p="http://schemas.openxmlformats.org/presentationml/2006/main" showMasterSp="0" showMasterPhAnim="0">
+<p:notes xmlns:a="http://schemas.openxmlformats.org/drawingml/2006/main" xmlns:r="http://schemas.openxmlformats.org/officeDocument/2006/relationships" xmlns:p="http://schemas.openxmlformats.org/presentationml/2006/main">
   <p:cSld>
     <p:spTree>
       <p:nvGrpSpPr>
-        <p:cNvPr id="1" name="Shape 98"/>
+        <p:cNvPr id="1" name=""/>
         <p:cNvGrpSpPr/>
         <p:nvPr/>
       </p:nvGrpSpPr>
@@ -10221,12 +10183,12 @@
       </p:grpSpPr>
       <p:sp>
         <p:nvSpPr>
-          <p:cNvPr id="99" name="Google Shape;99;g35f391192_04:notes"/>
+          <p:cNvPr id="2" name="Slide Image Placeholder 1"/>
           <p:cNvSpPr>
             <a:spLocks noGrp="1" noRot="1" noChangeAspect="1"/>
           </p:cNvSpPr>
           <p:nvPr>
-            <p:ph type="sldImg" idx="2"/>
+            <p:ph type="sldImg"/>
           </p:nvPr>
         </p:nvSpPr>
         <p:spPr>
@@ -10234,71 +10196,56 @@
             <a:off x="381000" y="685800"/>
             <a:ext cx="6096000" cy="3429000"/>
           </a:xfrm>
-          <a:custGeom>
-            <a:avLst/>
-            <a:gdLst/>
-            <a:ahLst/>
-            <a:cxnLst/>
-            <a:rect l="l" t="t" r="r" b="b"/>
-            <a:pathLst>
-              <a:path w="120000" h="120000" extrusionOk="0">
-                <a:moveTo>
-                  <a:pt x="0" y="0"/>
-                </a:moveTo>
-                <a:lnTo>
-                  <a:pt x="120000" y="0"/>
-                </a:lnTo>
-                <a:lnTo>
-                  <a:pt x="120000" y="120000"/>
-                </a:lnTo>
-                <a:lnTo>
-                  <a:pt x="0" y="120000"/>
-                </a:lnTo>
-                <a:close/>
-              </a:path>
-            </a:pathLst>
-          </a:custGeom>
         </p:spPr>
       </p:sp>
       <p:sp>
         <p:nvSpPr>
-          <p:cNvPr id="100" name="Google Shape;100;g35f391192_04:notes"/>
-          <p:cNvSpPr txBox="1">
+          <p:cNvPr id="3" name="Notes Placeholder 2"/>
+          <p:cNvSpPr>
             <a:spLocks noGrp="1"/>
           </p:cNvSpPr>
           <p:nvPr>
             <p:ph type="body" idx="1"/>
           </p:nvPr>
         </p:nvSpPr>
-        <p:spPr>
-          <a:xfrm>
-            <a:off x="685800" y="4343400"/>
-            <a:ext cx="5486400" cy="4114800"/>
-          </a:xfrm>
-          <a:prstGeom prst="rect">
-            <a:avLst/>
-          </a:prstGeom>
-        </p:spPr>
+        <p:spPr/>
         <p:txBody>
-          <a:bodyPr spcFirstLastPara="1" wrap="square" lIns="91425" tIns="91425" rIns="91425" bIns="91425" anchor="t" anchorCtr="0">
-            <a:noAutofit/>
-          </a:bodyPr>
+          <a:bodyPr/>
           <a:lstStyle/>
           <a:p>
-            <a:pPr marL="0" lvl="0" indent="0" algn="l" rtl="0">
-              <a:spcBef>
-                <a:spcPts val="0"/>
-              </a:spcBef>
-              <a:spcAft>
-                <a:spcPts val="0"/>
-              </a:spcAft>
-              <a:buNone/>
-            </a:pPr>
-            <a:endParaRPr/>
+            <a:endParaRPr lang="en-US" dirty="0"/>
+          </a:p>
+        </p:txBody>
+      </p:sp>
+      <p:sp>
+        <p:nvSpPr>
+          <p:cNvPr id="4" name="Slide Number Placeholder 3"/>
+          <p:cNvSpPr>
+            <a:spLocks noGrp="1"/>
+          </p:cNvSpPr>
+          <p:nvPr>
+            <p:ph type="sldNum" sz="quarter" idx="5"/>
+          </p:nvPr>
+        </p:nvSpPr>
+        <p:spPr/>
+        <p:txBody>
+          <a:bodyPr/>
+          <a:lstStyle/>
+          <a:p>
+            <a:fld id="{3DA0BD6D-CE2E-4568-96FD-3734FA6EA6CA}" type="slidenum">
+              <a:rPr lang="en-US" smtClean="0"/>
+              <a:t>2</a:t>
+            </a:fld>
+            <a:endParaRPr lang="en-US"/>
           </a:p>
         </p:txBody>
       </p:sp>
     </p:spTree>
+    <p:extLst>
+      <p:ext uri="{BB962C8B-B14F-4D97-AF65-F5344CB8AC3E}">
+        <p14:creationId xmlns:p14="http://schemas.microsoft.com/office/powerpoint/2010/main" val="88754304"/>
+      </p:ext>
+    </p:extLst>
   </p:cSld>
   <p:clrMapOvr>
     <a:masterClrMapping/>
@@ -11314,7 +11261,7 @@
           <a:p>
             <a:r>
               <a:rPr lang="en-US" dirty="0"/>
-              <a:t>Well .NET lost of JS frameworks… now what?</a:t>
+              <a:t>Well .NET lost to JS frameworks… now what?</a:t>
             </a:r>
           </a:p>
           <a:p>
@@ -13939,270 +13886,6 @@
 </file>
 
 <file path=ppt/slideLayouts/slideLayout5.xml><?xml version="1.0" encoding="utf-8"?>
-<p:sldLayout xmlns:a="http://schemas.openxmlformats.org/drawingml/2006/main" xmlns:r="http://schemas.openxmlformats.org/officeDocument/2006/relationships" xmlns:p="http://schemas.openxmlformats.org/presentationml/2006/main" matchingName="Blank" type="blank">
-  <p:cSld name="BLANK">
-    <p:spTree>
-      <p:nvGrpSpPr>
-        <p:cNvPr id="1" name="Shape 72"/>
-        <p:cNvGrpSpPr/>
-        <p:nvPr/>
-      </p:nvGrpSpPr>
-      <p:grpSpPr>
-        <a:xfrm>
-          <a:off x="0" y="0"/>
-          <a:ext cx="0" cy="0"/>
-          <a:chOff x="0" y="0"/>
-          <a:chExt cx="0" cy="0"/>
-        </a:xfrm>
-      </p:grpSpPr>
-      <p:sp>
-        <p:nvSpPr>
-          <p:cNvPr id="73" name="Google Shape;73;p10"/>
-          <p:cNvSpPr/>
-          <p:nvPr/>
-        </p:nvSpPr>
-        <p:spPr>
-          <a:xfrm>
-            <a:off x="7356366" y="5066325"/>
-            <a:ext cx="893700" cy="77100"/>
-          </a:xfrm>
-          <a:prstGeom prst="rect">
-            <a:avLst/>
-          </a:prstGeom>
-          <a:solidFill>
-            <a:schemeClr val="accent4"/>
-          </a:solidFill>
-          <a:ln>
-            <a:noFill/>
-          </a:ln>
-        </p:spPr>
-        <p:txBody>
-          <a:bodyPr spcFirstLastPara="1" wrap="square" lIns="91425" tIns="91425" rIns="91425" bIns="91425" anchor="ctr" anchorCtr="0">
-            <a:noAutofit/>
-          </a:bodyPr>
-          <a:lstStyle/>
-          <a:p>
-            <a:pPr marL="0" lvl="0" indent="0" algn="l" rtl="0">
-              <a:spcBef>
-                <a:spcPts val="0"/>
-              </a:spcBef>
-              <a:spcAft>
-                <a:spcPts val="0"/>
-              </a:spcAft>
-              <a:buNone/>
-            </a:pPr>
-            <a:endParaRPr/>
-          </a:p>
-        </p:txBody>
-      </p:sp>
-      <p:sp>
-        <p:nvSpPr>
-          <p:cNvPr id="74" name="Google Shape;74;p10"/>
-          <p:cNvSpPr/>
-          <p:nvPr/>
-        </p:nvSpPr>
-        <p:spPr>
-          <a:xfrm>
-            <a:off x="8250312" y="5066325"/>
-            <a:ext cx="893700" cy="77100"/>
-          </a:xfrm>
-          <a:prstGeom prst="rect">
-            <a:avLst/>
-          </a:prstGeom>
-          <a:solidFill>
-            <a:schemeClr val="accent3"/>
-          </a:solidFill>
-          <a:ln>
-            <a:noFill/>
-          </a:ln>
-        </p:spPr>
-        <p:txBody>
-          <a:bodyPr spcFirstLastPara="1" wrap="square" lIns="91425" tIns="91425" rIns="91425" bIns="91425" anchor="ctr" anchorCtr="0">
-            <a:noAutofit/>
-          </a:bodyPr>
-          <a:lstStyle/>
-          <a:p>
-            <a:pPr marL="0" lvl="0" indent="0" algn="l" rtl="0">
-              <a:spcBef>
-                <a:spcPts val="0"/>
-              </a:spcBef>
-              <a:spcAft>
-                <a:spcPts val="0"/>
-              </a:spcAft>
-              <a:buNone/>
-            </a:pPr>
-            <a:endParaRPr/>
-          </a:p>
-        </p:txBody>
-      </p:sp>
-      <p:sp>
-        <p:nvSpPr>
-          <p:cNvPr id="75" name="Google Shape;75;p10"/>
-          <p:cNvSpPr/>
-          <p:nvPr/>
-        </p:nvSpPr>
-        <p:spPr>
-          <a:xfrm>
-            <a:off x="0" y="5066325"/>
-            <a:ext cx="893700" cy="77100"/>
-          </a:xfrm>
-          <a:prstGeom prst="rect">
-            <a:avLst/>
-          </a:prstGeom>
-          <a:solidFill>
-            <a:schemeClr val="accent2"/>
-          </a:solidFill>
-          <a:ln>
-            <a:noFill/>
-          </a:ln>
-        </p:spPr>
-        <p:txBody>
-          <a:bodyPr spcFirstLastPara="1" wrap="square" lIns="91425" tIns="91425" rIns="91425" bIns="91425" anchor="ctr" anchorCtr="0">
-            <a:noAutofit/>
-          </a:bodyPr>
-          <a:lstStyle/>
-          <a:p>
-            <a:pPr marL="0" lvl="0" indent="0" algn="l" rtl="0">
-              <a:spcBef>
-                <a:spcPts val="0"/>
-              </a:spcBef>
-              <a:spcAft>
-                <a:spcPts val="0"/>
-              </a:spcAft>
-              <a:buNone/>
-            </a:pPr>
-            <a:endParaRPr/>
-          </a:p>
-        </p:txBody>
-      </p:sp>
-      <p:sp>
-        <p:nvSpPr>
-          <p:cNvPr id="76" name="Google Shape;76;p10"/>
-          <p:cNvSpPr/>
-          <p:nvPr/>
-        </p:nvSpPr>
-        <p:spPr>
-          <a:xfrm>
-            <a:off x="893710" y="5066325"/>
-            <a:ext cx="6462600" cy="77100"/>
-          </a:xfrm>
-          <a:prstGeom prst="rect">
-            <a:avLst/>
-          </a:prstGeom>
-          <a:solidFill>
-            <a:schemeClr val="accent1"/>
-          </a:solidFill>
-          <a:ln>
-            <a:noFill/>
-          </a:ln>
-        </p:spPr>
-        <p:txBody>
-          <a:bodyPr spcFirstLastPara="1" wrap="square" lIns="91425" tIns="91425" rIns="91425" bIns="91425" anchor="ctr" anchorCtr="0">
-            <a:noAutofit/>
-          </a:bodyPr>
-          <a:lstStyle/>
-          <a:p>
-            <a:pPr marL="0" lvl="0" indent="0" algn="l" rtl="0">
-              <a:spcBef>
-                <a:spcPts val="0"/>
-              </a:spcBef>
-              <a:spcAft>
-                <a:spcPts val="0"/>
-              </a:spcAft>
-              <a:buNone/>
-            </a:pPr>
-            <a:endParaRPr/>
-          </a:p>
-        </p:txBody>
-      </p:sp>
-      <p:sp>
-        <p:nvSpPr>
-          <p:cNvPr id="77" name="Google Shape;77;p10"/>
-          <p:cNvSpPr txBox="1">
-            <a:spLocks noGrp="1"/>
-          </p:cNvSpPr>
-          <p:nvPr>
-            <p:ph type="sldNum" idx="12"/>
-          </p:nvPr>
-        </p:nvSpPr>
-        <p:spPr>
-          <a:xfrm>
-            <a:off x="8480575" y="4696933"/>
-            <a:ext cx="548700" cy="313500"/>
-          </a:xfrm>
-          <a:prstGeom prst="rect">
-            <a:avLst/>
-          </a:prstGeom>
-        </p:spPr>
-        <p:txBody>
-          <a:bodyPr spcFirstLastPara="1" wrap="square" lIns="91425" tIns="91425" rIns="91425" bIns="91425" anchor="t" anchorCtr="0">
-            <a:noAutofit/>
-          </a:bodyPr>
-          <a:lstStyle>
-            <a:lvl1pPr lvl="0">
-              <a:buNone/>
-              <a:defRPr/>
-            </a:lvl1pPr>
-            <a:lvl2pPr lvl="1">
-              <a:buNone/>
-              <a:defRPr/>
-            </a:lvl2pPr>
-            <a:lvl3pPr lvl="2">
-              <a:buNone/>
-              <a:defRPr/>
-            </a:lvl3pPr>
-            <a:lvl4pPr lvl="3">
-              <a:buNone/>
-              <a:defRPr/>
-            </a:lvl4pPr>
-            <a:lvl5pPr lvl="4">
-              <a:buNone/>
-              <a:defRPr/>
-            </a:lvl5pPr>
-            <a:lvl6pPr lvl="5">
-              <a:buNone/>
-              <a:defRPr/>
-            </a:lvl6pPr>
-            <a:lvl7pPr lvl="6">
-              <a:buNone/>
-              <a:defRPr/>
-            </a:lvl7pPr>
-            <a:lvl8pPr lvl="7">
-              <a:buNone/>
-              <a:defRPr/>
-            </a:lvl8pPr>
-            <a:lvl9pPr lvl="8">
-              <a:buNone/>
-              <a:defRPr/>
-            </a:lvl9pPr>
-          </a:lstStyle>
-          <a:p>
-            <a:pPr marL="0" lvl="0" indent="0" algn="r" rtl="0">
-              <a:spcBef>
-                <a:spcPts val="0"/>
-              </a:spcBef>
-              <a:spcAft>
-                <a:spcPts val="0"/>
-              </a:spcAft>
-              <a:buNone/>
-            </a:pPr>
-            <a:fld id="{00000000-1234-1234-1234-123412341234}" type="slidenum">
-              <a:rPr lang="en"/>
-              <a:t>‹#›</a:t>
-            </a:fld>
-            <a:endParaRPr/>
-          </a:p>
-        </p:txBody>
-      </p:sp>
-    </p:spTree>
-  </p:cSld>
-  <p:clrMapOvr>
-    <a:masterClrMapping/>
-  </p:clrMapOvr>
-</p:sldLayout>
-</file>
-
-<file path=ppt/slideLayouts/slideLayout6.xml><?xml version="1.0" encoding="utf-8"?>
 <p:sldLayout xmlns:a="http://schemas.openxmlformats.org/drawingml/2006/main" xmlns:r="http://schemas.openxmlformats.org/officeDocument/2006/relationships" xmlns:p="http://schemas.openxmlformats.org/presentationml/2006/main" matchingName="Blank color background">
   <p:cSld name="BLANK_1">
     <p:bg>
@@ -14510,7 +14193,7 @@
 </p:sldLayout>
 </file>
 
-<file path=ppt/slideLayouts/slideLayout7.xml><?xml version="1.0" encoding="utf-8"?>
+<file path=ppt/slideLayouts/slideLayout6.xml><?xml version="1.0" encoding="utf-8"?>
 <p:sldLayout xmlns:a="http://schemas.openxmlformats.org/drawingml/2006/main" xmlns:r="http://schemas.openxmlformats.org/officeDocument/2006/relationships" xmlns:p="http://schemas.openxmlformats.org/presentationml/2006/main" type="obj">
   <p:cSld name="Title and Content">
     <p:spTree>
@@ -14619,7 +14302,7 @@
           <a:p>
             <a:fld id="{DAA7F685-D00E-46D2-B3D2-7876D02DEA59}" type="datetimeFigureOut">
               <a:rPr lang="en-US" smtClean="0"/>
-              <a:t>5/12/2023</a:t>
+              <a:t>5/25/2023</a:t>
             </a:fld>
             <a:endParaRPr lang="en-US"/>
           </a:p>
@@ -14680,7 +14363,7 @@
 </p:sldLayout>
 </file>
 
-<file path=ppt/slideLayouts/slideLayout8.xml><?xml version="1.0" encoding="utf-8"?>
+<file path=ppt/slideLayouts/slideLayout7.xml><?xml version="1.0" encoding="utf-8"?>
 <p:sldLayout xmlns:a="http://schemas.openxmlformats.org/drawingml/2006/main" xmlns:r="http://schemas.openxmlformats.org/officeDocument/2006/relationships" xmlns:p="http://schemas.openxmlformats.org/presentationml/2006/main">
   <p:cSld name="Blank Purple">
     <p:bg>
@@ -15391,10 +15074,9 @@
     <p:sldLayoutId id="2147483649" r:id="rId2"/>
     <p:sldLayoutId id="2147483651" r:id="rId3"/>
     <p:sldLayoutId id="2147483652" r:id="rId4"/>
-    <p:sldLayoutId id="2147483656" r:id="rId5"/>
-    <p:sldLayoutId id="2147483657" r:id="rId6"/>
-    <p:sldLayoutId id="2147483659" r:id="rId7"/>
-    <p:sldLayoutId id="2147483660" r:id="rId8"/>
+    <p:sldLayoutId id="2147483657" r:id="rId5"/>
+    <p:sldLayoutId id="2147483659" r:id="rId6"/>
+    <p:sldLayoutId id="2147483660" r:id="rId7"/>
   </p:sldLayoutIdLst>
   <p:transition>
     <p:fade thruBlk="1"/>
@@ -16121,7 +15803,7 @@
         </p:nvSpPr>
         <p:spPr>
           <a:xfrm>
-            <a:off x="645225" y="2762725"/>
+            <a:off x="521935" y="420217"/>
             <a:ext cx="6736500" cy="1159800"/>
           </a:xfrm>
           <a:prstGeom prst="rect">
@@ -16155,6 +15837,292 @@
               <a:t>Apps without a server? WHAT?!?!?!</a:t>
             </a:r>
             <a:endParaRPr sz="3600" dirty="0"/>
+          </a:p>
+        </p:txBody>
+      </p:sp>
+      <p:sp>
+        <p:nvSpPr>
+          <p:cNvPr id="3" name="Google Shape;88;p12">
+            <a:extLst>
+              <a:ext uri="{FF2B5EF4-FFF2-40B4-BE49-F238E27FC236}">
+                <a16:creationId xmlns:a16="http://schemas.microsoft.com/office/drawing/2014/main" id="{18B26DB9-3638-13C4-EEDA-D627675CFAF4}"/>
+              </a:ext>
+            </a:extLst>
+          </p:cNvPr>
+          <p:cNvSpPr txBox="1">
+            <a:spLocks/>
+          </p:cNvSpPr>
+          <p:nvPr/>
+        </p:nvSpPr>
+        <p:spPr>
+          <a:xfrm>
+            <a:off x="664061" y="2997319"/>
+            <a:ext cx="6736500" cy="1159800"/>
+          </a:xfrm>
+          <a:prstGeom prst="rect">
+            <a:avLst/>
+          </a:prstGeom>
+          <a:noFill/>
+          <a:ln>
+            <a:noFill/>
+          </a:ln>
+        </p:spPr>
+        <p:txBody>
+          <a:bodyPr spcFirstLastPara="1" wrap="square" lIns="91425" tIns="91425" rIns="91425" bIns="91425" anchor="t" anchorCtr="0">
+            <a:noAutofit/>
+          </a:bodyPr>
+          <a:lstStyle>
+            <a:defPPr marR="0" lvl="0" algn="l" rtl="0">
+              <a:lnSpc>
+                <a:spcPct val="100000"/>
+              </a:lnSpc>
+              <a:spcBef>
+                <a:spcPts val="0"/>
+              </a:spcBef>
+              <a:spcAft>
+                <a:spcPts val="0"/>
+              </a:spcAft>
+            </a:defPPr>
+            <a:lvl1pPr marR="0" lvl="0" algn="l" rtl="0">
+              <a:lnSpc>
+                <a:spcPct val="100000"/>
+              </a:lnSpc>
+              <a:spcBef>
+                <a:spcPts val="0"/>
+              </a:spcBef>
+              <a:spcAft>
+                <a:spcPts val="0"/>
+              </a:spcAft>
+              <a:buClr>
+                <a:schemeClr val="dk2"/>
+              </a:buClr>
+              <a:buSzPts val="4400"/>
+              <a:buFont typeface="Raleway"/>
+              <a:buNone/>
+              <a:defRPr sz="4400" b="0" i="0" u="none" strike="noStrike" cap="none">
+                <a:solidFill>
+                  <a:schemeClr val="dk2"/>
+                </a:solidFill>
+                <a:latin typeface="Raleway"/>
+                <a:ea typeface="Raleway"/>
+                <a:cs typeface="Raleway"/>
+                <a:sym typeface="Raleway"/>
+              </a:defRPr>
+            </a:lvl1pPr>
+            <a:lvl2pPr marR="0" lvl="1" algn="l" rtl="0">
+              <a:lnSpc>
+                <a:spcPct val="100000"/>
+              </a:lnSpc>
+              <a:spcBef>
+                <a:spcPts val="0"/>
+              </a:spcBef>
+              <a:spcAft>
+                <a:spcPts val="0"/>
+              </a:spcAft>
+              <a:buClr>
+                <a:schemeClr val="dk2"/>
+              </a:buClr>
+              <a:buSzPts val="4400"/>
+              <a:buFont typeface="Raleway"/>
+              <a:buNone/>
+              <a:defRPr sz="4400" b="0" i="0" u="none" strike="noStrike" cap="none">
+                <a:solidFill>
+                  <a:schemeClr val="dk2"/>
+                </a:solidFill>
+                <a:latin typeface="Raleway"/>
+                <a:ea typeface="Raleway"/>
+                <a:cs typeface="Raleway"/>
+                <a:sym typeface="Raleway"/>
+              </a:defRPr>
+            </a:lvl2pPr>
+            <a:lvl3pPr marR="0" lvl="2" algn="l" rtl="0">
+              <a:lnSpc>
+                <a:spcPct val="100000"/>
+              </a:lnSpc>
+              <a:spcBef>
+                <a:spcPts val="0"/>
+              </a:spcBef>
+              <a:spcAft>
+                <a:spcPts val="0"/>
+              </a:spcAft>
+              <a:buClr>
+                <a:schemeClr val="dk2"/>
+              </a:buClr>
+              <a:buSzPts val="4400"/>
+              <a:buFont typeface="Raleway"/>
+              <a:buNone/>
+              <a:defRPr sz="4400" b="0" i="0" u="none" strike="noStrike" cap="none">
+                <a:solidFill>
+                  <a:schemeClr val="dk2"/>
+                </a:solidFill>
+                <a:latin typeface="Raleway"/>
+                <a:ea typeface="Raleway"/>
+                <a:cs typeface="Raleway"/>
+                <a:sym typeface="Raleway"/>
+              </a:defRPr>
+            </a:lvl3pPr>
+            <a:lvl4pPr marR="0" lvl="3" algn="l" rtl="0">
+              <a:lnSpc>
+                <a:spcPct val="100000"/>
+              </a:lnSpc>
+              <a:spcBef>
+                <a:spcPts val="0"/>
+              </a:spcBef>
+              <a:spcAft>
+                <a:spcPts val="0"/>
+              </a:spcAft>
+              <a:buClr>
+                <a:schemeClr val="dk2"/>
+              </a:buClr>
+              <a:buSzPts val="4400"/>
+              <a:buFont typeface="Raleway"/>
+              <a:buNone/>
+              <a:defRPr sz="4400" b="0" i="0" u="none" strike="noStrike" cap="none">
+                <a:solidFill>
+                  <a:schemeClr val="dk2"/>
+                </a:solidFill>
+                <a:latin typeface="Raleway"/>
+                <a:ea typeface="Raleway"/>
+                <a:cs typeface="Raleway"/>
+                <a:sym typeface="Raleway"/>
+              </a:defRPr>
+            </a:lvl4pPr>
+            <a:lvl5pPr marR="0" lvl="4" algn="l" rtl="0">
+              <a:lnSpc>
+                <a:spcPct val="100000"/>
+              </a:lnSpc>
+              <a:spcBef>
+                <a:spcPts val="0"/>
+              </a:spcBef>
+              <a:spcAft>
+                <a:spcPts val="0"/>
+              </a:spcAft>
+              <a:buClr>
+                <a:schemeClr val="dk2"/>
+              </a:buClr>
+              <a:buSzPts val="4400"/>
+              <a:buFont typeface="Raleway"/>
+              <a:buNone/>
+              <a:defRPr sz="4400" b="0" i="0" u="none" strike="noStrike" cap="none">
+                <a:solidFill>
+                  <a:schemeClr val="dk2"/>
+                </a:solidFill>
+                <a:latin typeface="Raleway"/>
+                <a:ea typeface="Raleway"/>
+                <a:cs typeface="Raleway"/>
+                <a:sym typeface="Raleway"/>
+              </a:defRPr>
+            </a:lvl5pPr>
+            <a:lvl6pPr marR="0" lvl="5" algn="l" rtl="0">
+              <a:lnSpc>
+                <a:spcPct val="100000"/>
+              </a:lnSpc>
+              <a:spcBef>
+                <a:spcPts val="0"/>
+              </a:spcBef>
+              <a:spcAft>
+                <a:spcPts val="0"/>
+              </a:spcAft>
+              <a:buClr>
+                <a:schemeClr val="dk2"/>
+              </a:buClr>
+              <a:buSzPts val="4400"/>
+              <a:buFont typeface="Raleway"/>
+              <a:buNone/>
+              <a:defRPr sz="4400" b="0" i="0" u="none" strike="noStrike" cap="none">
+                <a:solidFill>
+                  <a:schemeClr val="dk2"/>
+                </a:solidFill>
+                <a:latin typeface="Raleway"/>
+                <a:ea typeface="Raleway"/>
+                <a:cs typeface="Raleway"/>
+                <a:sym typeface="Raleway"/>
+              </a:defRPr>
+            </a:lvl6pPr>
+            <a:lvl7pPr marR="0" lvl="6" algn="l" rtl="0">
+              <a:lnSpc>
+                <a:spcPct val="100000"/>
+              </a:lnSpc>
+              <a:spcBef>
+                <a:spcPts val="0"/>
+              </a:spcBef>
+              <a:spcAft>
+                <a:spcPts val="0"/>
+              </a:spcAft>
+              <a:buClr>
+                <a:schemeClr val="dk2"/>
+              </a:buClr>
+              <a:buSzPts val="4400"/>
+              <a:buFont typeface="Raleway"/>
+              <a:buNone/>
+              <a:defRPr sz="4400" b="0" i="0" u="none" strike="noStrike" cap="none">
+                <a:solidFill>
+                  <a:schemeClr val="dk2"/>
+                </a:solidFill>
+                <a:latin typeface="Raleway"/>
+                <a:ea typeface="Raleway"/>
+                <a:cs typeface="Raleway"/>
+                <a:sym typeface="Raleway"/>
+              </a:defRPr>
+            </a:lvl7pPr>
+            <a:lvl8pPr marR="0" lvl="7" algn="l" rtl="0">
+              <a:lnSpc>
+                <a:spcPct val="100000"/>
+              </a:lnSpc>
+              <a:spcBef>
+                <a:spcPts val="0"/>
+              </a:spcBef>
+              <a:spcAft>
+                <a:spcPts val="0"/>
+              </a:spcAft>
+              <a:buClr>
+                <a:schemeClr val="dk2"/>
+              </a:buClr>
+              <a:buSzPts val="4400"/>
+              <a:buFont typeface="Raleway"/>
+              <a:buNone/>
+              <a:defRPr sz="4400" b="0" i="0" u="none" strike="noStrike" cap="none">
+                <a:solidFill>
+                  <a:schemeClr val="dk2"/>
+                </a:solidFill>
+                <a:latin typeface="Raleway"/>
+                <a:ea typeface="Raleway"/>
+                <a:cs typeface="Raleway"/>
+                <a:sym typeface="Raleway"/>
+              </a:defRPr>
+            </a:lvl8pPr>
+            <a:lvl9pPr marR="0" lvl="8" algn="l" rtl="0">
+              <a:lnSpc>
+                <a:spcPct val="100000"/>
+              </a:lnSpc>
+              <a:spcBef>
+                <a:spcPts val="0"/>
+              </a:spcBef>
+              <a:spcAft>
+                <a:spcPts val="0"/>
+              </a:spcAft>
+              <a:buClr>
+                <a:schemeClr val="dk2"/>
+              </a:buClr>
+              <a:buSzPts val="4400"/>
+              <a:buFont typeface="Raleway"/>
+              <a:buNone/>
+              <a:defRPr sz="4400" b="0" i="0" u="none" strike="noStrike" cap="none">
+                <a:solidFill>
+                  <a:schemeClr val="dk2"/>
+                </a:solidFill>
+                <a:latin typeface="Raleway"/>
+                <a:ea typeface="Raleway"/>
+                <a:cs typeface="Raleway"/>
+                <a:sym typeface="Raleway"/>
+              </a:defRPr>
+            </a:lvl9pPr>
+          </a:lstStyle>
+          <a:p>
+            <a:r>
+              <a:rPr lang="en-US" sz="2800" dirty="0"/>
+              <a:t>Isaac Levin</a:t>
+            </a:r>
           </a:p>
         </p:txBody>
       </p:sp>
@@ -26755,551 +26723,694 @@
           </a:p>
         </p:txBody>
       </p:sp>
-      <p:pic>
-        <p:nvPicPr>
-          <p:cNvPr id="9" name="Graphic 8" descr="User with solid fill">
+      <p:grpSp>
+        <p:nvGrpSpPr>
+          <p:cNvPr id="6" name="Group 5">
             <a:extLst>
               <a:ext uri="{FF2B5EF4-FFF2-40B4-BE49-F238E27FC236}">
-                <a16:creationId xmlns:a16="http://schemas.microsoft.com/office/drawing/2014/main" id="{AD2FC0CA-276A-E41C-E849-FA35E8A8E1F7}"/>
+                <a16:creationId xmlns:a16="http://schemas.microsoft.com/office/drawing/2014/main" id="{D0BD8390-53E6-7CD7-936B-C42AC9864F44}"/>
               </a:ext>
             </a:extLst>
           </p:cNvPr>
-          <p:cNvPicPr>
-            <a:picLocks noChangeAspect="1"/>
-          </p:cNvPicPr>
+          <p:cNvGrpSpPr/>
           <p:nvPr/>
-        </p:nvPicPr>
-        <p:blipFill>
-          <a:blip r:embed="rId2">
+        </p:nvGrpSpPr>
+        <p:grpSpPr>
+          <a:xfrm>
+            <a:off x="1058522" y="1556239"/>
+            <a:ext cx="6976346" cy="3028461"/>
+            <a:chOff x="1058522" y="1556239"/>
+            <a:chExt cx="6976346" cy="3028461"/>
+          </a:xfrm>
+        </p:grpSpPr>
+        <p:grpSp>
+          <p:nvGrpSpPr>
+            <p:cNvPr id="3" name="Group 2">
+              <a:extLst>
+                <a:ext uri="{FF2B5EF4-FFF2-40B4-BE49-F238E27FC236}">
+                  <a16:creationId xmlns:a16="http://schemas.microsoft.com/office/drawing/2014/main" id="{A72BFC9E-6001-9849-1510-2D3983357A8E}"/>
+                </a:ext>
+              </a:extLst>
+            </p:cNvPr>
+            <p:cNvGrpSpPr/>
+            <p:nvPr/>
+          </p:nvGrpSpPr>
+          <p:grpSpPr>
+            <a:xfrm>
+              <a:off x="1058522" y="1556239"/>
+              <a:ext cx="6976346" cy="3028461"/>
+              <a:chOff x="1058522" y="1556239"/>
+              <a:chExt cx="6976346" cy="3028461"/>
+            </a:xfrm>
+          </p:grpSpPr>
+          <p:pic>
+            <p:nvPicPr>
+              <p:cNvPr id="9" name="Graphic 8" descr="User with solid fill">
+                <a:extLst>
+                  <a:ext uri="{FF2B5EF4-FFF2-40B4-BE49-F238E27FC236}">
+                    <a16:creationId xmlns:a16="http://schemas.microsoft.com/office/drawing/2014/main" id="{AD2FC0CA-276A-E41C-E849-FA35E8A8E1F7}"/>
+                  </a:ext>
+                </a:extLst>
+              </p:cNvPr>
+              <p:cNvPicPr>
+                <a:picLocks noChangeAspect="1"/>
+              </p:cNvPicPr>
+              <p:nvPr/>
+            </p:nvPicPr>
+            <p:blipFill>
+              <a:blip r:embed="rId2">
+                <a:extLst>
+                  <a:ext uri="{96DAC541-7B7A-43D3-8B79-37D633B846F1}">
+                    <asvg:svgBlip xmlns:asvg="http://schemas.microsoft.com/office/drawing/2016/SVG/main" r:embed="rId3"/>
+                  </a:ext>
+                </a:extLst>
+              </a:blip>
+              <a:stretch>
+                <a:fillRect/>
+              </a:stretch>
+            </p:blipFill>
+            <p:spPr>
+              <a:xfrm>
+                <a:off x="1058522" y="2677449"/>
+                <a:ext cx="685800" cy="685800"/>
+              </a:xfrm>
+              <a:prstGeom prst="rect">
+                <a:avLst/>
+              </a:prstGeom>
+            </p:spPr>
+          </p:pic>
+          <p:pic>
+            <p:nvPicPr>
+              <p:cNvPr id="1028" name="Picture 4" descr="Blazor now in official preview! - .NET Blog">
+                <a:extLst>
+                  <a:ext uri="{FF2B5EF4-FFF2-40B4-BE49-F238E27FC236}">
+                    <a16:creationId xmlns:a16="http://schemas.microsoft.com/office/drawing/2014/main" id="{9C6FA033-BFAC-543C-0182-C355AA735012}"/>
+                  </a:ext>
+                </a:extLst>
+              </p:cNvPr>
+              <p:cNvPicPr>
+                <a:picLocks noChangeAspect="1" noChangeArrowheads="1"/>
+              </p:cNvPicPr>
+              <p:nvPr/>
+            </p:nvPicPr>
+            <p:blipFill>
+              <a:blip r:embed="rId4">
+                <a:extLst>
+                  <a:ext uri="{28A0092B-C50C-407E-A947-70E740481C1C}">
+                    <a14:useLocalDpi xmlns:a14="http://schemas.microsoft.com/office/drawing/2010/main" val="0"/>
+                  </a:ext>
+                </a:extLst>
+              </a:blip>
+              <a:srcRect/>
+              <a:stretch>
+                <a:fillRect/>
+              </a:stretch>
+            </p:blipFill>
+            <p:spPr bwMode="auto">
+              <a:xfrm>
+                <a:off x="6891243" y="2666013"/>
+                <a:ext cx="685800" cy="685800"/>
+              </a:xfrm>
+              <a:prstGeom prst="rect">
+                <a:avLst/>
+              </a:prstGeom>
+              <a:noFill/>
+              <a:ln>
+                <a:noFill/>
+              </a:ln>
+              <a:extLst>
+                <a:ext uri="{909E8E84-426E-40DD-AFC4-6F175D3DCCD1}">
+                  <a14:hiddenFill xmlns:a14="http://schemas.microsoft.com/office/drawing/2010/main">
+                    <a:solidFill>
+                      <a:srgbClr val="FFFFFF"/>
+                    </a:solidFill>
+                  </a14:hiddenFill>
+                </a:ext>
+              </a:extLst>
+            </p:spPr>
+          </p:pic>
+          <p:sp>
+            <p:nvSpPr>
+              <p:cNvPr id="10" name="Rectangle 9">
+                <a:extLst>
+                  <a:ext uri="{FF2B5EF4-FFF2-40B4-BE49-F238E27FC236}">
+                    <a16:creationId xmlns:a16="http://schemas.microsoft.com/office/drawing/2014/main" id="{770BAA62-C7FD-0BD6-64B7-546829CC5C41}"/>
+                  </a:ext>
+                </a:extLst>
+              </p:cNvPr>
+              <p:cNvSpPr/>
+              <p:nvPr/>
+            </p:nvSpPr>
+            <p:spPr>
+              <a:xfrm>
+                <a:off x="4745592" y="1558376"/>
+                <a:ext cx="3289276" cy="3026324"/>
+              </a:xfrm>
+              <a:prstGeom prst="rect">
+                <a:avLst/>
+              </a:prstGeom>
+              <a:noFill/>
+              <a:ln w="6350">
+                <a:solidFill>
+                  <a:schemeClr val="tx2">
+                    <a:lumMod val="10000"/>
+                  </a:schemeClr>
+                </a:solidFill>
+              </a:ln>
+            </p:spPr>
+            <p:style>
+              <a:lnRef idx="2">
+                <a:schemeClr val="accent1">
+                  <a:shade val="50000"/>
+                </a:schemeClr>
+              </a:lnRef>
+              <a:fillRef idx="1">
+                <a:schemeClr val="accent1"/>
+              </a:fillRef>
+              <a:effectRef idx="0">
+                <a:schemeClr val="accent1"/>
+              </a:effectRef>
+              <a:fontRef idx="minor">
+                <a:schemeClr val="lt1"/>
+              </a:fontRef>
+            </p:style>
+            <p:txBody>
+              <a:bodyPr rtlCol="0" anchor="ctr"/>
+              <a:lstStyle/>
+              <a:p>
+                <a:pPr algn="ctr"/>
+                <a:endParaRPr lang="en-US"/>
+              </a:p>
+            </p:txBody>
+          </p:sp>
+          <p:sp>
+            <p:nvSpPr>
+              <p:cNvPr id="11" name="TextBox 10">
+                <a:extLst>
+                  <a:ext uri="{FF2B5EF4-FFF2-40B4-BE49-F238E27FC236}">
+                    <a16:creationId xmlns:a16="http://schemas.microsoft.com/office/drawing/2014/main" id="{9B69BDD4-B4DF-8F1A-DFAD-486B1BC45145}"/>
+                  </a:ext>
+                </a:extLst>
+              </p:cNvPr>
+              <p:cNvSpPr txBox="1"/>
+              <p:nvPr/>
+            </p:nvSpPr>
+            <p:spPr>
+              <a:xfrm>
+                <a:off x="4975882" y="3351813"/>
+                <a:ext cx="1085554" cy="261610"/>
+              </a:xfrm>
+              <a:prstGeom prst="rect">
+                <a:avLst/>
+              </a:prstGeom>
+              <a:noFill/>
+            </p:spPr>
+            <p:txBody>
+              <a:bodyPr wrap="none" rtlCol="0">
+                <a:spAutoFit/>
+              </a:bodyPr>
+              <a:lstStyle/>
+              <a:p>
+                <a:r>
+                  <a:rPr lang="en-US" sz="1100" dirty="0"/>
+                  <a:t>Azure Storage</a:t>
+                </a:r>
+              </a:p>
+            </p:txBody>
+          </p:sp>
+          <p:sp>
+            <p:nvSpPr>
+              <p:cNvPr id="12" name="TextBox 11">
+                <a:extLst>
+                  <a:ext uri="{FF2B5EF4-FFF2-40B4-BE49-F238E27FC236}">
+                    <a16:creationId xmlns:a16="http://schemas.microsoft.com/office/drawing/2014/main" id="{83C80CD1-0D3D-2E2B-BD46-046817AA6B17}"/>
+                  </a:ext>
+                </a:extLst>
+              </p:cNvPr>
+              <p:cNvSpPr txBox="1"/>
+              <p:nvPr/>
+            </p:nvSpPr>
+            <p:spPr>
+              <a:xfrm>
+                <a:off x="6732909" y="3351813"/>
+                <a:ext cx="1301959" cy="261610"/>
+              </a:xfrm>
+              <a:prstGeom prst="rect">
+                <a:avLst/>
+              </a:prstGeom>
+              <a:noFill/>
+            </p:spPr>
+            <p:txBody>
+              <a:bodyPr wrap="square" rtlCol="0">
+                <a:spAutoFit/>
+              </a:bodyPr>
+              <a:lstStyle/>
+              <a:p>
+                <a:r>
+                  <a:rPr lang="en-US" sz="1100" dirty="0"/>
+                  <a:t>Blazor WASM</a:t>
+                </a:r>
+              </a:p>
+            </p:txBody>
+          </p:sp>
+          <p:sp>
+            <p:nvSpPr>
+              <p:cNvPr id="13" name="TextBox 12">
+                <a:extLst>
+                  <a:ext uri="{FF2B5EF4-FFF2-40B4-BE49-F238E27FC236}">
+                    <a16:creationId xmlns:a16="http://schemas.microsoft.com/office/drawing/2014/main" id="{9A1BDFD2-3471-E6D4-74A9-B9A7A6D0C7E9}"/>
+                  </a:ext>
+                </a:extLst>
+              </p:cNvPr>
+              <p:cNvSpPr txBox="1"/>
+              <p:nvPr/>
+            </p:nvSpPr>
+            <p:spPr>
+              <a:xfrm>
+                <a:off x="2841465" y="3363249"/>
+                <a:ext cx="1265090" cy="261610"/>
+              </a:xfrm>
+              <a:prstGeom prst="rect">
+                <a:avLst/>
+              </a:prstGeom>
+              <a:noFill/>
+            </p:spPr>
+            <p:txBody>
+              <a:bodyPr wrap="none" rtlCol="0">
+                <a:spAutoFit/>
+              </a:bodyPr>
+              <a:lstStyle/>
+              <a:p>
+                <a:r>
+                  <a:rPr lang="en-US" sz="1100" dirty="0"/>
+                  <a:t>Azure Front Door</a:t>
+                </a:r>
+              </a:p>
+            </p:txBody>
+          </p:sp>
+          <p:sp>
+            <p:nvSpPr>
+              <p:cNvPr id="21" name="TextBox 20">
+                <a:extLst>
+                  <a:ext uri="{FF2B5EF4-FFF2-40B4-BE49-F238E27FC236}">
+                    <a16:creationId xmlns:a16="http://schemas.microsoft.com/office/drawing/2014/main" id="{F8B852FA-2870-36AA-7E98-E04899C3E106}"/>
+                  </a:ext>
+                </a:extLst>
+              </p:cNvPr>
+              <p:cNvSpPr txBox="1"/>
+              <p:nvPr/>
+            </p:nvSpPr>
+            <p:spPr>
+              <a:xfrm>
+                <a:off x="5025612" y="1556239"/>
+                <a:ext cx="553357" cy="261610"/>
+              </a:xfrm>
+              <a:prstGeom prst="rect">
+                <a:avLst/>
+              </a:prstGeom>
+              <a:noFill/>
+            </p:spPr>
+            <p:txBody>
+              <a:bodyPr wrap="none" rtlCol="0">
+                <a:spAutoFit/>
+              </a:bodyPr>
+              <a:lstStyle/>
+              <a:p>
+                <a:r>
+                  <a:rPr lang="en-US" sz="1100" dirty="0"/>
+                  <a:t>Azure</a:t>
+                </a:r>
+              </a:p>
+            </p:txBody>
+          </p:sp>
+          <p:cxnSp>
+            <p:nvCxnSpPr>
+              <p:cNvPr id="25" name="Straight Arrow Connector 24">
+                <a:extLst>
+                  <a:ext uri="{FF2B5EF4-FFF2-40B4-BE49-F238E27FC236}">
+                    <a16:creationId xmlns:a16="http://schemas.microsoft.com/office/drawing/2014/main" id="{DF1C0BCD-5C31-32B2-279B-2E95D0B7E11C}"/>
+                  </a:ext>
+                </a:extLst>
+              </p:cNvPr>
+              <p:cNvCxnSpPr/>
+              <p:nvPr/>
+            </p:nvCxnSpPr>
+            <p:spPr>
+              <a:xfrm flipH="1">
+                <a:off x="5889915" y="3022290"/>
+                <a:ext cx="832618" cy="0"/>
+              </a:xfrm>
+              <a:prstGeom prst="straightConnector1">
+                <a:avLst/>
+              </a:prstGeom>
+              <a:ln>
+                <a:solidFill>
+                  <a:schemeClr val="tx2">
+                    <a:lumMod val="10000"/>
+                  </a:schemeClr>
+                </a:solidFill>
+                <a:tailEnd type="triangle"/>
+              </a:ln>
+            </p:spPr>
+            <p:style>
+              <a:lnRef idx="1">
+                <a:schemeClr val="accent1"/>
+              </a:lnRef>
+              <a:fillRef idx="0">
+                <a:schemeClr val="accent1"/>
+              </a:fillRef>
+              <a:effectRef idx="0">
+                <a:schemeClr val="accent1"/>
+              </a:effectRef>
+              <a:fontRef idx="minor">
+                <a:schemeClr val="tx1"/>
+              </a:fontRef>
+            </p:style>
+          </p:cxnSp>
+          <p:cxnSp>
+            <p:nvCxnSpPr>
+              <p:cNvPr id="26" name="Straight Arrow Connector 25">
+                <a:extLst>
+                  <a:ext uri="{FF2B5EF4-FFF2-40B4-BE49-F238E27FC236}">
+                    <a16:creationId xmlns:a16="http://schemas.microsoft.com/office/drawing/2014/main" id="{BD99EBEA-4BEE-51A2-BFA0-20F56E866CA7}"/>
+                  </a:ext>
+                </a:extLst>
+              </p:cNvPr>
+              <p:cNvCxnSpPr>
+                <a:cxnSpLocks/>
+              </p:cNvCxnSpPr>
+              <p:nvPr/>
+            </p:nvCxnSpPr>
+            <p:spPr>
+              <a:xfrm>
+                <a:off x="1939936" y="3002429"/>
+                <a:ext cx="1004648" cy="8157"/>
+              </a:xfrm>
+              <a:prstGeom prst="straightConnector1">
+                <a:avLst/>
+              </a:prstGeom>
+              <a:ln>
+                <a:solidFill>
+                  <a:schemeClr val="tx2">
+                    <a:lumMod val="10000"/>
+                  </a:schemeClr>
+                </a:solidFill>
+                <a:tailEnd type="triangle"/>
+              </a:ln>
+            </p:spPr>
+            <p:style>
+              <a:lnRef idx="1">
+                <a:schemeClr val="accent1"/>
+              </a:lnRef>
+              <a:fillRef idx="0">
+                <a:schemeClr val="accent1"/>
+              </a:fillRef>
+              <a:effectRef idx="0">
+                <a:schemeClr val="accent1"/>
+              </a:effectRef>
+              <a:fontRef idx="minor">
+                <a:schemeClr val="tx1"/>
+              </a:fontRef>
+            </p:style>
+          </p:cxnSp>
+          <p:cxnSp>
+            <p:nvCxnSpPr>
+              <p:cNvPr id="28" name="Straight Arrow Connector 27">
+                <a:extLst>
+                  <a:ext uri="{FF2B5EF4-FFF2-40B4-BE49-F238E27FC236}">
+                    <a16:creationId xmlns:a16="http://schemas.microsoft.com/office/drawing/2014/main" id="{A80EDD92-E7EC-B74D-58A2-C074B39053E8}"/>
+                  </a:ext>
+                </a:extLst>
+              </p:cNvPr>
+              <p:cNvCxnSpPr>
+                <a:cxnSpLocks/>
+              </p:cNvCxnSpPr>
+              <p:nvPr/>
+            </p:nvCxnSpPr>
+            <p:spPr>
+              <a:xfrm>
+                <a:off x="3971234" y="3004834"/>
+                <a:ext cx="1004648" cy="8157"/>
+              </a:xfrm>
+              <a:prstGeom prst="straightConnector1">
+                <a:avLst/>
+              </a:prstGeom>
+              <a:ln>
+                <a:solidFill>
+                  <a:schemeClr val="tx2">
+                    <a:lumMod val="10000"/>
+                  </a:schemeClr>
+                </a:solidFill>
+                <a:tailEnd type="triangle"/>
+              </a:ln>
+            </p:spPr>
+            <p:style>
+              <a:lnRef idx="1">
+                <a:schemeClr val="accent1"/>
+              </a:lnRef>
+              <a:fillRef idx="0">
+                <a:schemeClr val="accent1"/>
+              </a:fillRef>
+              <a:effectRef idx="0">
+                <a:schemeClr val="accent1"/>
+              </a:effectRef>
+              <a:fontRef idx="minor">
+                <a:schemeClr val="tx1"/>
+              </a:fontRef>
+            </p:style>
+          </p:cxnSp>
+          <p:sp>
+            <p:nvSpPr>
+              <p:cNvPr id="29" name="TextBox 28">
+                <a:extLst>
+                  <a:ext uri="{FF2B5EF4-FFF2-40B4-BE49-F238E27FC236}">
+                    <a16:creationId xmlns:a16="http://schemas.microsoft.com/office/drawing/2014/main" id="{D29A5C20-D18E-7E2E-1C2B-72E5C87D78B4}"/>
+                  </a:ext>
+                </a:extLst>
+              </p:cNvPr>
+              <p:cNvSpPr txBox="1"/>
+              <p:nvPr/>
+            </p:nvSpPr>
+            <p:spPr>
+              <a:xfrm>
+                <a:off x="1160010" y="3351813"/>
+                <a:ext cx="482824" cy="261610"/>
+              </a:xfrm>
+              <a:prstGeom prst="rect">
+                <a:avLst/>
+              </a:prstGeom>
+              <a:noFill/>
+            </p:spPr>
+            <p:txBody>
+              <a:bodyPr wrap="none" rtlCol="0">
+                <a:spAutoFit/>
+              </a:bodyPr>
+              <a:lstStyle/>
+              <a:p>
+                <a:r>
+                  <a:rPr lang="en-US" sz="1100" dirty="0"/>
+                  <a:t>User</a:t>
+                </a:r>
+              </a:p>
+            </p:txBody>
+          </p:sp>
+          <p:pic>
+            <p:nvPicPr>
+              <p:cNvPr id="1026" name="Picture 2" descr="Azure Storage Account - Blob - Overview | OutSystems">
+                <a:extLst>
+                  <a:ext uri="{FF2B5EF4-FFF2-40B4-BE49-F238E27FC236}">
+                    <a16:creationId xmlns:a16="http://schemas.microsoft.com/office/drawing/2014/main" id="{20E8E649-98E2-438E-3715-7C4A01F7AD12}"/>
+                  </a:ext>
+                </a:extLst>
+              </p:cNvPr>
+              <p:cNvPicPr>
+                <a:picLocks noChangeAspect="1" noChangeArrowheads="1"/>
+              </p:cNvPicPr>
+              <p:nvPr/>
+            </p:nvPicPr>
+            <p:blipFill>
+              <a:blip r:embed="rId5">
+                <a:extLst>
+                  <a:ext uri="{28A0092B-C50C-407E-A947-70E740481C1C}">
+                    <a14:useLocalDpi xmlns:a14="http://schemas.microsoft.com/office/drawing/2010/main" val="0"/>
+                  </a:ext>
+                </a:extLst>
+              </a:blip>
+              <a:srcRect/>
+              <a:stretch>
+                <a:fillRect/>
+              </a:stretch>
+            </p:blipFill>
+            <p:spPr bwMode="auto">
+              <a:xfrm>
+                <a:off x="5088970" y="2666012"/>
+                <a:ext cx="685800" cy="685800"/>
+              </a:xfrm>
+              <a:prstGeom prst="rect">
+                <a:avLst/>
+              </a:prstGeom>
+              <a:noFill/>
+              <a:extLst>
+                <a:ext uri="{909E8E84-426E-40DD-AFC4-6F175D3DCCD1}">
+                  <a14:hiddenFill xmlns:a14="http://schemas.microsoft.com/office/drawing/2010/main">
+                    <a:solidFill>
+                      <a:srgbClr val="FFFFFF"/>
+                    </a:solidFill>
+                  </a14:hiddenFill>
+                </a:ext>
+              </a:extLst>
+            </p:spPr>
+          </p:pic>
+          <p:pic>
+            <p:nvPicPr>
+              <p:cNvPr id="15" name="Picture 4" descr="Azure Front Door – Content Delivery Network | Microsoft Azure">
+                <a:extLst>
+                  <a:ext uri="{FF2B5EF4-FFF2-40B4-BE49-F238E27FC236}">
+                    <a16:creationId xmlns:a16="http://schemas.microsoft.com/office/drawing/2014/main" id="{0DE01785-CA86-B3B8-58EE-1C0648D3573A}"/>
+                  </a:ext>
+                </a:extLst>
+              </p:cNvPr>
+              <p:cNvPicPr>
+                <a:picLocks noChangeAspect="1" noChangeArrowheads="1"/>
+              </p:cNvPicPr>
+              <p:nvPr/>
+            </p:nvPicPr>
+            <p:blipFill>
+              <a:blip r:embed="rId6">
+                <a:extLst>
+                  <a:ext uri="{28A0092B-C50C-407E-A947-70E740481C1C}">
+                    <a14:useLocalDpi xmlns:a14="http://schemas.microsoft.com/office/drawing/2010/main" val="0"/>
+                  </a:ext>
+                </a:extLst>
+              </a:blip>
+              <a:srcRect/>
+              <a:stretch>
+                <a:fillRect/>
+              </a:stretch>
+            </p:blipFill>
+            <p:spPr bwMode="auto">
+              <a:xfrm>
+                <a:off x="2767833" y="2728638"/>
+                <a:ext cx="1306286" cy="685800"/>
+              </a:xfrm>
+              <a:prstGeom prst="rect">
+                <a:avLst/>
+              </a:prstGeom>
+              <a:noFill/>
+              <a:extLst>
+                <a:ext uri="{909E8E84-426E-40DD-AFC4-6F175D3DCCD1}">
+                  <a14:hiddenFill xmlns:a14="http://schemas.microsoft.com/office/drawing/2010/main">
+                    <a:solidFill>
+                      <a:srgbClr val="FFFFFF"/>
+                    </a:solidFill>
+                  </a14:hiddenFill>
+                </a:ext>
+              </a:extLst>
+            </p:spPr>
+          </p:pic>
+        </p:grpSp>
+        <p:pic>
+          <p:nvPicPr>
+            <p:cNvPr id="4" name="Picture 2" descr="Azure has a new logo, but where do you download it? Here!">
+              <a:extLst>
+                <a:ext uri="{FF2B5EF4-FFF2-40B4-BE49-F238E27FC236}">
+                  <a16:creationId xmlns:a16="http://schemas.microsoft.com/office/drawing/2014/main" id="{5588B60C-1351-78C9-B2F9-D05906B44F96}"/>
+                </a:ext>
+              </a:extLst>
+            </p:cNvPr>
+            <p:cNvPicPr>
+              <a:picLocks noChangeAspect="1" noChangeArrowheads="1"/>
+            </p:cNvPicPr>
+            <p:nvPr/>
+          </p:nvPicPr>
+          <p:blipFill>
+            <a:blip r:embed="rId7">
+              <a:extLst>
+                <a:ext uri="{28A0092B-C50C-407E-A947-70E740481C1C}">
+                  <a14:useLocalDpi xmlns:a14="http://schemas.microsoft.com/office/drawing/2010/main" val="0"/>
+                </a:ext>
+              </a:extLst>
+            </a:blip>
+            <a:srcRect/>
+            <a:stretch>
+              <a:fillRect/>
+            </a:stretch>
+          </p:blipFill>
+          <p:spPr bwMode="auto">
+            <a:xfrm>
+              <a:off x="4797012" y="1572744"/>
+              <a:ext cx="228600" cy="228600"/>
+            </a:xfrm>
+            <a:prstGeom prst="rect">
+              <a:avLst/>
+            </a:prstGeom>
+            <a:noFill/>
             <a:extLst>
-              <a:ext uri="{96DAC541-7B7A-43D3-8B79-37D633B846F1}">
-                <asvg:svgBlip xmlns:asvg="http://schemas.microsoft.com/office/drawing/2016/SVG/main" r:embed="rId3"/>
+              <a:ext uri="{909E8E84-426E-40DD-AFC4-6F175D3DCCD1}">
+                <a14:hiddenFill xmlns:a14="http://schemas.microsoft.com/office/drawing/2010/main">
+                  <a:solidFill>
+                    <a:srgbClr val="FFFFFF"/>
+                  </a:solidFill>
+                </a14:hiddenFill>
               </a:ext>
             </a:extLst>
-          </a:blip>
-          <a:stretch>
-            <a:fillRect/>
-          </a:stretch>
-        </p:blipFill>
-        <p:spPr>
-          <a:xfrm>
-            <a:off x="1058522" y="2677449"/>
-            <a:ext cx="685800" cy="685800"/>
-          </a:xfrm>
-          <a:prstGeom prst="rect">
-            <a:avLst/>
-          </a:prstGeom>
-        </p:spPr>
-      </p:pic>
-      <p:pic>
-        <p:nvPicPr>
-          <p:cNvPr id="1028" name="Picture 4" descr="Blazor now in official preview! - .NET Blog">
-            <a:extLst>
-              <a:ext uri="{FF2B5EF4-FFF2-40B4-BE49-F238E27FC236}">
-                <a16:creationId xmlns:a16="http://schemas.microsoft.com/office/drawing/2014/main" id="{9C6FA033-BFAC-543C-0182-C355AA735012}"/>
-              </a:ext>
-            </a:extLst>
-          </p:cNvPr>
-          <p:cNvPicPr>
-            <a:picLocks noChangeAspect="1" noChangeArrowheads="1"/>
-          </p:cNvPicPr>
-          <p:nvPr/>
-        </p:nvPicPr>
-        <p:blipFill>
-          <a:blip r:embed="rId4">
-            <a:extLst>
-              <a:ext uri="{28A0092B-C50C-407E-A947-70E740481C1C}">
-                <a14:useLocalDpi xmlns:a14="http://schemas.microsoft.com/office/drawing/2010/main" val="0"/>
-              </a:ext>
-            </a:extLst>
-          </a:blip>
-          <a:srcRect/>
-          <a:stretch>
-            <a:fillRect/>
-          </a:stretch>
-        </p:blipFill>
-        <p:spPr bwMode="auto">
-          <a:xfrm>
-            <a:off x="6891243" y="2666013"/>
-            <a:ext cx="685800" cy="685800"/>
-          </a:xfrm>
-          <a:prstGeom prst="rect">
-            <a:avLst/>
-          </a:prstGeom>
-          <a:noFill/>
-          <a:ln>
+          </p:spPr>
+        </p:pic>
+        <p:sp>
+          <p:nvSpPr>
+            <p:cNvPr id="5" name="Rectangle 4">
+              <a:extLst>
+                <a:ext uri="{FF2B5EF4-FFF2-40B4-BE49-F238E27FC236}">
+                  <a16:creationId xmlns:a16="http://schemas.microsoft.com/office/drawing/2014/main" id="{E482DBE5-18A1-F840-2E19-A0833079ED73}"/>
+                </a:ext>
+              </a:extLst>
+            </p:cNvPr>
+            <p:cNvSpPr/>
+            <p:nvPr/>
+          </p:nvSpPr>
+          <p:spPr>
+            <a:xfrm>
+              <a:off x="4745592" y="1556239"/>
+              <a:ext cx="833377" cy="261610"/>
+            </a:xfrm>
+            <a:prstGeom prst="rect">
+              <a:avLst/>
+            </a:prstGeom>
             <a:noFill/>
-          </a:ln>
-          <a:extLst>
-            <a:ext uri="{909E8E84-426E-40DD-AFC4-6F175D3DCCD1}">
-              <a14:hiddenFill xmlns:a14="http://schemas.microsoft.com/office/drawing/2010/main">
-                <a:solidFill>
-                  <a:srgbClr val="FFFFFF"/>
-                </a:solidFill>
-              </a14:hiddenFill>
-            </a:ext>
-          </a:extLst>
-        </p:spPr>
-      </p:pic>
-      <p:sp>
-        <p:nvSpPr>
-          <p:cNvPr id="10" name="Rectangle 9">
-            <a:extLst>
-              <a:ext uri="{FF2B5EF4-FFF2-40B4-BE49-F238E27FC236}">
-                <a16:creationId xmlns:a16="http://schemas.microsoft.com/office/drawing/2014/main" id="{770BAA62-C7FD-0BD6-64B7-546829CC5C41}"/>
-              </a:ext>
-            </a:extLst>
-          </p:cNvPr>
-          <p:cNvSpPr/>
-          <p:nvPr/>
-        </p:nvSpPr>
-        <p:spPr>
-          <a:xfrm>
-            <a:off x="4745592" y="1558376"/>
-            <a:ext cx="3289276" cy="3026324"/>
-          </a:xfrm>
-          <a:prstGeom prst="rect">
-            <a:avLst/>
-          </a:prstGeom>
-          <a:noFill/>
-          <a:ln w="6350">
-            <a:solidFill>
-              <a:schemeClr val="tx2">
-                <a:lumMod val="10000"/>
+            <a:ln w="9525">
+              <a:solidFill>
+                <a:schemeClr val="tx2">
+                  <a:lumMod val="10000"/>
+                </a:schemeClr>
+              </a:solidFill>
+            </a:ln>
+          </p:spPr>
+          <p:style>
+            <a:lnRef idx="2">
+              <a:schemeClr val="accent1">
+                <a:shade val="50000"/>
               </a:schemeClr>
-            </a:solidFill>
-          </a:ln>
-        </p:spPr>
-        <p:style>
-          <a:lnRef idx="2">
-            <a:schemeClr val="accent1">
-              <a:shade val="50000"/>
-            </a:schemeClr>
-          </a:lnRef>
-          <a:fillRef idx="1">
-            <a:schemeClr val="accent1"/>
-          </a:fillRef>
-          <a:effectRef idx="0">
-            <a:schemeClr val="accent1"/>
-          </a:effectRef>
-          <a:fontRef idx="minor">
-            <a:schemeClr val="lt1"/>
-          </a:fontRef>
-        </p:style>
-        <p:txBody>
-          <a:bodyPr rtlCol="0" anchor="ctr"/>
-          <a:lstStyle/>
-          <a:p>
-            <a:pPr algn="ctr"/>
-            <a:endParaRPr lang="en-US"/>
-          </a:p>
-        </p:txBody>
-      </p:sp>
-      <p:sp>
-        <p:nvSpPr>
-          <p:cNvPr id="11" name="TextBox 10">
-            <a:extLst>
-              <a:ext uri="{FF2B5EF4-FFF2-40B4-BE49-F238E27FC236}">
-                <a16:creationId xmlns:a16="http://schemas.microsoft.com/office/drawing/2014/main" id="{9B69BDD4-B4DF-8F1A-DFAD-486B1BC45145}"/>
-              </a:ext>
-            </a:extLst>
-          </p:cNvPr>
-          <p:cNvSpPr txBox="1"/>
-          <p:nvPr/>
-        </p:nvSpPr>
-        <p:spPr>
-          <a:xfrm>
-            <a:off x="4975882" y="3351813"/>
-            <a:ext cx="1085554" cy="261610"/>
-          </a:xfrm>
-          <a:prstGeom prst="rect">
-            <a:avLst/>
-          </a:prstGeom>
-          <a:noFill/>
-        </p:spPr>
-        <p:txBody>
-          <a:bodyPr wrap="none" rtlCol="0">
-            <a:spAutoFit/>
-          </a:bodyPr>
-          <a:lstStyle/>
-          <a:p>
-            <a:r>
-              <a:rPr lang="en-US" sz="1100" dirty="0"/>
-              <a:t>Azure Storage</a:t>
-            </a:r>
-          </a:p>
-        </p:txBody>
-      </p:sp>
-      <p:sp>
-        <p:nvSpPr>
-          <p:cNvPr id="12" name="TextBox 11">
-            <a:extLst>
-              <a:ext uri="{FF2B5EF4-FFF2-40B4-BE49-F238E27FC236}">
-                <a16:creationId xmlns:a16="http://schemas.microsoft.com/office/drawing/2014/main" id="{83C80CD1-0D3D-2E2B-BD46-046817AA6B17}"/>
-              </a:ext>
-            </a:extLst>
-          </p:cNvPr>
-          <p:cNvSpPr txBox="1"/>
-          <p:nvPr/>
-        </p:nvSpPr>
-        <p:spPr>
-          <a:xfrm>
-            <a:off x="6732909" y="3351813"/>
-            <a:ext cx="1301959" cy="261610"/>
-          </a:xfrm>
-          <a:prstGeom prst="rect">
-            <a:avLst/>
-          </a:prstGeom>
-          <a:noFill/>
-        </p:spPr>
-        <p:txBody>
-          <a:bodyPr wrap="square" rtlCol="0">
-            <a:spAutoFit/>
-          </a:bodyPr>
-          <a:lstStyle/>
-          <a:p>
-            <a:r>
-              <a:rPr lang="en-US" sz="1100" dirty="0"/>
-              <a:t>Blazor WASM</a:t>
-            </a:r>
-          </a:p>
-        </p:txBody>
-      </p:sp>
-      <p:sp>
-        <p:nvSpPr>
-          <p:cNvPr id="13" name="TextBox 12">
-            <a:extLst>
-              <a:ext uri="{FF2B5EF4-FFF2-40B4-BE49-F238E27FC236}">
-                <a16:creationId xmlns:a16="http://schemas.microsoft.com/office/drawing/2014/main" id="{9A1BDFD2-3471-E6D4-74A9-B9A7A6D0C7E9}"/>
-              </a:ext>
-            </a:extLst>
-          </p:cNvPr>
-          <p:cNvSpPr txBox="1"/>
-          <p:nvPr/>
-        </p:nvSpPr>
-        <p:spPr>
-          <a:xfrm>
-            <a:off x="2841465" y="3363249"/>
-            <a:ext cx="1265090" cy="261610"/>
-          </a:xfrm>
-          <a:prstGeom prst="rect">
-            <a:avLst/>
-          </a:prstGeom>
-          <a:noFill/>
-        </p:spPr>
-        <p:txBody>
-          <a:bodyPr wrap="none" rtlCol="0">
-            <a:spAutoFit/>
-          </a:bodyPr>
-          <a:lstStyle/>
-          <a:p>
-            <a:r>
-              <a:rPr lang="en-US" sz="1100" dirty="0"/>
-              <a:t>Azure Front Door</a:t>
-            </a:r>
-          </a:p>
-        </p:txBody>
-      </p:sp>
-      <p:sp>
-        <p:nvSpPr>
-          <p:cNvPr id="21" name="TextBox 20">
-            <a:extLst>
-              <a:ext uri="{FF2B5EF4-FFF2-40B4-BE49-F238E27FC236}">
-                <a16:creationId xmlns:a16="http://schemas.microsoft.com/office/drawing/2014/main" id="{F8B852FA-2870-36AA-7E98-E04899C3E106}"/>
-              </a:ext>
-            </a:extLst>
-          </p:cNvPr>
-          <p:cNvSpPr txBox="1"/>
-          <p:nvPr/>
-        </p:nvSpPr>
-        <p:spPr>
-          <a:xfrm>
-            <a:off x="5025612" y="1556239"/>
-            <a:ext cx="553357" cy="261610"/>
-          </a:xfrm>
-          <a:prstGeom prst="rect">
-            <a:avLst/>
-          </a:prstGeom>
-          <a:noFill/>
-        </p:spPr>
-        <p:txBody>
-          <a:bodyPr wrap="none" rtlCol="0">
-            <a:spAutoFit/>
-          </a:bodyPr>
-          <a:lstStyle/>
-          <a:p>
-            <a:r>
-              <a:rPr lang="en-US" sz="1100" dirty="0"/>
-              <a:t>Azure</a:t>
-            </a:r>
-          </a:p>
-        </p:txBody>
-      </p:sp>
-      <p:cxnSp>
-        <p:nvCxnSpPr>
-          <p:cNvPr id="25" name="Straight Arrow Connector 24">
-            <a:extLst>
-              <a:ext uri="{FF2B5EF4-FFF2-40B4-BE49-F238E27FC236}">
-                <a16:creationId xmlns:a16="http://schemas.microsoft.com/office/drawing/2014/main" id="{DF1C0BCD-5C31-32B2-279B-2E95D0B7E11C}"/>
-              </a:ext>
-            </a:extLst>
-          </p:cNvPr>
-          <p:cNvCxnSpPr/>
-          <p:nvPr/>
-        </p:nvCxnSpPr>
-        <p:spPr>
-          <a:xfrm flipH="1">
-            <a:off x="5889915" y="3022290"/>
-            <a:ext cx="832618" cy="0"/>
-          </a:xfrm>
-          <a:prstGeom prst="straightConnector1">
-            <a:avLst/>
-          </a:prstGeom>
-          <a:ln>
-            <a:solidFill>
-              <a:schemeClr val="tx2">
-                <a:lumMod val="10000"/>
-              </a:schemeClr>
-            </a:solidFill>
-            <a:tailEnd type="triangle"/>
-          </a:ln>
-        </p:spPr>
-        <p:style>
-          <a:lnRef idx="1">
-            <a:schemeClr val="accent1"/>
-          </a:lnRef>
-          <a:fillRef idx="0">
-            <a:schemeClr val="accent1"/>
-          </a:fillRef>
-          <a:effectRef idx="0">
-            <a:schemeClr val="accent1"/>
-          </a:effectRef>
-          <a:fontRef idx="minor">
-            <a:schemeClr val="tx1"/>
-          </a:fontRef>
-        </p:style>
-      </p:cxnSp>
-      <p:cxnSp>
-        <p:nvCxnSpPr>
-          <p:cNvPr id="26" name="Straight Arrow Connector 25">
-            <a:extLst>
-              <a:ext uri="{FF2B5EF4-FFF2-40B4-BE49-F238E27FC236}">
-                <a16:creationId xmlns:a16="http://schemas.microsoft.com/office/drawing/2014/main" id="{BD99EBEA-4BEE-51A2-BFA0-20F56E866CA7}"/>
-              </a:ext>
-            </a:extLst>
-          </p:cNvPr>
-          <p:cNvCxnSpPr>
-            <a:cxnSpLocks/>
-          </p:cNvCxnSpPr>
-          <p:nvPr/>
-        </p:nvCxnSpPr>
-        <p:spPr>
-          <a:xfrm>
-            <a:off x="1939936" y="3002429"/>
-            <a:ext cx="1004648" cy="8157"/>
-          </a:xfrm>
-          <a:prstGeom prst="straightConnector1">
-            <a:avLst/>
-          </a:prstGeom>
-          <a:ln>
-            <a:solidFill>
-              <a:schemeClr val="tx2">
-                <a:lumMod val="10000"/>
-              </a:schemeClr>
-            </a:solidFill>
-            <a:tailEnd type="triangle"/>
-          </a:ln>
-        </p:spPr>
-        <p:style>
-          <a:lnRef idx="1">
-            <a:schemeClr val="accent1"/>
-          </a:lnRef>
-          <a:fillRef idx="0">
-            <a:schemeClr val="accent1"/>
-          </a:fillRef>
-          <a:effectRef idx="0">
-            <a:schemeClr val="accent1"/>
-          </a:effectRef>
-          <a:fontRef idx="minor">
-            <a:schemeClr val="tx1"/>
-          </a:fontRef>
-        </p:style>
-      </p:cxnSp>
-      <p:cxnSp>
-        <p:nvCxnSpPr>
-          <p:cNvPr id="28" name="Straight Arrow Connector 27">
-            <a:extLst>
-              <a:ext uri="{FF2B5EF4-FFF2-40B4-BE49-F238E27FC236}">
-                <a16:creationId xmlns:a16="http://schemas.microsoft.com/office/drawing/2014/main" id="{A80EDD92-E7EC-B74D-58A2-C074B39053E8}"/>
-              </a:ext>
-            </a:extLst>
-          </p:cNvPr>
-          <p:cNvCxnSpPr>
-            <a:cxnSpLocks/>
-          </p:cNvCxnSpPr>
-          <p:nvPr/>
-        </p:nvCxnSpPr>
-        <p:spPr>
-          <a:xfrm>
-            <a:off x="3971234" y="3004834"/>
-            <a:ext cx="1004648" cy="8157"/>
-          </a:xfrm>
-          <a:prstGeom prst="straightConnector1">
-            <a:avLst/>
-          </a:prstGeom>
-          <a:ln>
-            <a:solidFill>
-              <a:schemeClr val="tx2">
-                <a:lumMod val="10000"/>
-              </a:schemeClr>
-            </a:solidFill>
-            <a:tailEnd type="triangle"/>
-          </a:ln>
-        </p:spPr>
-        <p:style>
-          <a:lnRef idx="1">
-            <a:schemeClr val="accent1"/>
-          </a:lnRef>
-          <a:fillRef idx="0">
-            <a:schemeClr val="accent1"/>
-          </a:fillRef>
-          <a:effectRef idx="0">
-            <a:schemeClr val="accent1"/>
-          </a:effectRef>
-          <a:fontRef idx="minor">
-            <a:schemeClr val="tx1"/>
-          </a:fontRef>
-        </p:style>
-      </p:cxnSp>
-      <p:sp>
-        <p:nvSpPr>
-          <p:cNvPr id="29" name="TextBox 28">
-            <a:extLst>
-              <a:ext uri="{FF2B5EF4-FFF2-40B4-BE49-F238E27FC236}">
-                <a16:creationId xmlns:a16="http://schemas.microsoft.com/office/drawing/2014/main" id="{D29A5C20-D18E-7E2E-1C2B-72E5C87D78B4}"/>
-              </a:ext>
-            </a:extLst>
-          </p:cNvPr>
-          <p:cNvSpPr txBox="1"/>
-          <p:nvPr/>
-        </p:nvSpPr>
-        <p:spPr>
-          <a:xfrm>
-            <a:off x="1160010" y="3351813"/>
-            <a:ext cx="482824" cy="261610"/>
-          </a:xfrm>
-          <a:prstGeom prst="rect">
-            <a:avLst/>
-          </a:prstGeom>
-          <a:noFill/>
-        </p:spPr>
-        <p:txBody>
-          <a:bodyPr wrap="none" rtlCol="0">
-            <a:spAutoFit/>
-          </a:bodyPr>
-          <a:lstStyle/>
-          <a:p>
-            <a:r>
-              <a:rPr lang="en-US" sz="1100" dirty="0"/>
-              <a:t>User</a:t>
-            </a:r>
-          </a:p>
-        </p:txBody>
-      </p:sp>
-      <p:pic>
-        <p:nvPicPr>
-          <p:cNvPr id="1026" name="Picture 2" descr="Azure Storage Account - Blob - Overview | OutSystems">
-            <a:extLst>
-              <a:ext uri="{FF2B5EF4-FFF2-40B4-BE49-F238E27FC236}">
-                <a16:creationId xmlns:a16="http://schemas.microsoft.com/office/drawing/2014/main" id="{20E8E649-98E2-438E-3715-7C4A01F7AD12}"/>
-              </a:ext>
-            </a:extLst>
-          </p:cNvPr>
-          <p:cNvPicPr>
-            <a:picLocks noChangeAspect="1" noChangeArrowheads="1"/>
-          </p:cNvPicPr>
-          <p:nvPr/>
-        </p:nvPicPr>
-        <p:blipFill>
-          <a:blip r:embed="rId5">
-            <a:extLst>
-              <a:ext uri="{28A0092B-C50C-407E-A947-70E740481C1C}">
-                <a14:useLocalDpi xmlns:a14="http://schemas.microsoft.com/office/drawing/2010/main" val="0"/>
-              </a:ext>
-            </a:extLst>
-          </a:blip>
-          <a:srcRect/>
-          <a:stretch>
-            <a:fillRect/>
-          </a:stretch>
-        </p:blipFill>
-        <p:spPr bwMode="auto">
-          <a:xfrm>
-            <a:off x="5088970" y="2666012"/>
-            <a:ext cx="685800" cy="685800"/>
-          </a:xfrm>
-          <a:prstGeom prst="rect">
-            <a:avLst/>
-          </a:prstGeom>
-          <a:noFill/>
-          <a:extLst>
-            <a:ext uri="{909E8E84-426E-40DD-AFC4-6F175D3DCCD1}">
-              <a14:hiddenFill xmlns:a14="http://schemas.microsoft.com/office/drawing/2010/main">
-                <a:solidFill>
-                  <a:srgbClr val="FFFFFF"/>
-                </a:solidFill>
-              </a14:hiddenFill>
-            </a:ext>
-          </a:extLst>
-        </p:spPr>
-      </p:pic>
-      <p:pic>
-        <p:nvPicPr>
-          <p:cNvPr id="15" name="Picture 4" descr="Azure Front Door – Content Delivery Network | Microsoft Azure">
-            <a:extLst>
-              <a:ext uri="{FF2B5EF4-FFF2-40B4-BE49-F238E27FC236}">
-                <a16:creationId xmlns:a16="http://schemas.microsoft.com/office/drawing/2014/main" id="{0DE01785-CA86-B3B8-58EE-1C0648D3573A}"/>
-              </a:ext>
-            </a:extLst>
-          </p:cNvPr>
-          <p:cNvPicPr>
-            <a:picLocks noChangeAspect="1" noChangeArrowheads="1"/>
-          </p:cNvPicPr>
-          <p:nvPr/>
-        </p:nvPicPr>
-        <p:blipFill>
-          <a:blip r:embed="rId6">
-            <a:extLst>
-              <a:ext uri="{28A0092B-C50C-407E-A947-70E740481C1C}">
-                <a14:useLocalDpi xmlns:a14="http://schemas.microsoft.com/office/drawing/2010/main" val="0"/>
-              </a:ext>
-            </a:extLst>
-          </a:blip>
-          <a:srcRect/>
-          <a:stretch>
-            <a:fillRect/>
-          </a:stretch>
-        </p:blipFill>
-        <p:spPr bwMode="auto">
-          <a:xfrm>
-            <a:off x="2767833" y="2728638"/>
-            <a:ext cx="1306286" cy="685800"/>
-          </a:xfrm>
-          <a:prstGeom prst="rect">
-            <a:avLst/>
-          </a:prstGeom>
-          <a:noFill/>
-          <a:extLst>
-            <a:ext uri="{909E8E84-426E-40DD-AFC4-6F175D3DCCD1}">
-              <a14:hiddenFill xmlns:a14="http://schemas.microsoft.com/office/drawing/2010/main">
-                <a:solidFill>
-                  <a:srgbClr val="FFFFFF"/>
-                </a:solidFill>
-              </a14:hiddenFill>
-            </a:ext>
-          </a:extLst>
-        </p:spPr>
-      </p:pic>
+            </a:lnRef>
+            <a:fillRef idx="1">
+              <a:schemeClr val="accent1"/>
+            </a:fillRef>
+            <a:effectRef idx="0">
+              <a:schemeClr val="accent1"/>
+            </a:effectRef>
+            <a:fontRef idx="minor">
+              <a:schemeClr val="lt1"/>
+            </a:fontRef>
+          </p:style>
+          <p:txBody>
+            <a:bodyPr rtlCol="0" anchor="ctr"/>
+            <a:lstStyle/>
+            <a:p>
+              <a:pPr algn="ctr"/>
+              <a:endParaRPr lang="en-US"/>
+            </a:p>
+          </p:txBody>
+        </p:sp>
+      </p:grpSp>
     </p:spTree>
     <p:extLst>
       <p:ext uri="{BB962C8B-B14F-4D97-AF65-F5344CB8AC3E}">
@@ -27336,7 +27447,7 @@
                               <p:par>
                                 <p:cTn id="5" presetID="10" presetClass="entr" presetSubtype="0" fill="hold" nodeType="withEffect">
                                   <p:stCondLst>
-                                    <p:cond delay="500"/>
+                                    <p:cond delay="0"/>
                                   </p:stCondLst>
                                   <p:childTnLst>
                                     <p:set>
@@ -27347,7 +27458,7 @@
                                           </p:stCondLst>
                                         </p:cTn>
                                         <p:tgtEl>
-                                          <p:spTgt spid="9"/>
+                                          <p:spTgt spid="6"/>
                                         </p:tgtEl>
                                         <p:attrNameLst>
                                           <p:attrName>style.visibility</p:attrName>
@@ -27361,357 +27472,7 @@
                                       <p:cBhvr>
                                         <p:cTn id="7" dur="1500"/>
                                         <p:tgtEl>
-                                          <p:spTgt spid="9"/>
-                                        </p:tgtEl>
-                                      </p:cBhvr>
-                                    </p:animEffect>
-                                  </p:childTnLst>
-                                </p:cTn>
-                              </p:par>
-                              <p:par>
-                                <p:cTn id="8" presetID="10" presetClass="entr" presetSubtype="0" fill="hold" nodeType="withEffect">
-                                  <p:stCondLst>
-                                    <p:cond delay="500"/>
-                                  </p:stCondLst>
-                                  <p:childTnLst>
-                                    <p:set>
-                                      <p:cBhvr>
-                                        <p:cTn id="9" dur="1" fill="hold">
-                                          <p:stCondLst>
-                                            <p:cond delay="0"/>
-                                          </p:stCondLst>
-                                        </p:cTn>
-                                        <p:tgtEl>
-                                          <p:spTgt spid="1028"/>
-                                        </p:tgtEl>
-                                        <p:attrNameLst>
-                                          <p:attrName>style.visibility</p:attrName>
-                                        </p:attrNameLst>
-                                      </p:cBhvr>
-                                      <p:to>
-                                        <p:strVal val="visible"/>
-                                      </p:to>
-                                    </p:set>
-                                    <p:animEffect transition="in" filter="fade">
-                                      <p:cBhvr>
-                                        <p:cTn id="10" dur="1500"/>
-                                        <p:tgtEl>
-                                          <p:spTgt spid="1028"/>
-                                        </p:tgtEl>
-                                      </p:cBhvr>
-                                    </p:animEffect>
-                                  </p:childTnLst>
-                                </p:cTn>
-                              </p:par>
-                              <p:par>
-                                <p:cTn id="11" presetID="10" presetClass="entr" presetSubtype="0" fill="hold" grpId="0" nodeType="withEffect">
-                                  <p:stCondLst>
-                                    <p:cond delay="500"/>
-                                  </p:stCondLst>
-                                  <p:childTnLst>
-                                    <p:set>
-                                      <p:cBhvr>
-                                        <p:cTn id="12" dur="1" fill="hold">
-                                          <p:stCondLst>
-                                            <p:cond delay="0"/>
-                                          </p:stCondLst>
-                                        </p:cTn>
-                                        <p:tgtEl>
-                                          <p:spTgt spid="10"/>
-                                        </p:tgtEl>
-                                        <p:attrNameLst>
-                                          <p:attrName>style.visibility</p:attrName>
-                                        </p:attrNameLst>
-                                      </p:cBhvr>
-                                      <p:to>
-                                        <p:strVal val="visible"/>
-                                      </p:to>
-                                    </p:set>
-                                    <p:animEffect transition="in" filter="fade">
-                                      <p:cBhvr>
-                                        <p:cTn id="13" dur="1500"/>
-                                        <p:tgtEl>
-                                          <p:spTgt spid="10"/>
-                                        </p:tgtEl>
-                                      </p:cBhvr>
-                                    </p:animEffect>
-                                  </p:childTnLst>
-                                </p:cTn>
-                              </p:par>
-                              <p:par>
-                                <p:cTn id="14" presetID="10" presetClass="entr" presetSubtype="0" fill="hold" grpId="0" nodeType="withEffect">
-                                  <p:stCondLst>
-                                    <p:cond delay="500"/>
-                                  </p:stCondLst>
-                                  <p:childTnLst>
-                                    <p:set>
-                                      <p:cBhvr>
-                                        <p:cTn id="15" dur="1" fill="hold">
-                                          <p:stCondLst>
-                                            <p:cond delay="0"/>
-                                          </p:stCondLst>
-                                        </p:cTn>
-                                        <p:tgtEl>
-                                          <p:spTgt spid="11"/>
-                                        </p:tgtEl>
-                                        <p:attrNameLst>
-                                          <p:attrName>style.visibility</p:attrName>
-                                        </p:attrNameLst>
-                                      </p:cBhvr>
-                                      <p:to>
-                                        <p:strVal val="visible"/>
-                                      </p:to>
-                                    </p:set>
-                                    <p:animEffect transition="in" filter="fade">
-                                      <p:cBhvr>
-                                        <p:cTn id="16" dur="1500"/>
-                                        <p:tgtEl>
-                                          <p:spTgt spid="11"/>
-                                        </p:tgtEl>
-                                      </p:cBhvr>
-                                    </p:animEffect>
-                                  </p:childTnLst>
-                                </p:cTn>
-                              </p:par>
-                              <p:par>
-                                <p:cTn id="17" presetID="10" presetClass="entr" presetSubtype="0" fill="hold" grpId="0" nodeType="withEffect">
-                                  <p:stCondLst>
-                                    <p:cond delay="500"/>
-                                  </p:stCondLst>
-                                  <p:childTnLst>
-                                    <p:set>
-                                      <p:cBhvr>
-                                        <p:cTn id="18" dur="1" fill="hold">
-                                          <p:stCondLst>
-                                            <p:cond delay="0"/>
-                                          </p:stCondLst>
-                                        </p:cTn>
-                                        <p:tgtEl>
-                                          <p:spTgt spid="12"/>
-                                        </p:tgtEl>
-                                        <p:attrNameLst>
-                                          <p:attrName>style.visibility</p:attrName>
-                                        </p:attrNameLst>
-                                      </p:cBhvr>
-                                      <p:to>
-                                        <p:strVal val="visible"/>
-                                      </p:to>
-                                    </p:set>
-                                    <p:animEffect transition="in" filter="fade">
-                                      <p:cBhvr>
-                                        <p:cTn id="19" dur="1500"/>
-                                        <p:tgtEl>
-                                          <p:spTgt spid="12"/>
-                                        </p:tgtEl>
-                                      </p:cBhvr>
-                                    </p:animEffect>
-                                  </p:childTnLst>
-                                </p:cTn>
-                              </p:par>
-                              <p:par>
-                                <p:cTn id="20" presetID="10" presetClass="entr" presetSubtype="0" fill="hold" grpId="0" nodeType="withEffect">
-                                  <p:stCondLst>
-                                    <p:cond delay="500"/>
-                                  </p:stCondLst>
-                                  <p:childTnLst>
-                                    <p:set>
-                                      <p:cBhvr>
-                                        <p:cTn id="21" dur="1" fill="hold">
-                                          <p:stCondLst>
-                                            <p:cond delay="0"/>
-                                          </p:stCondLst>
-                                        </p:cTn>
-                                        <p:tgtEl>
-                                          <p:spTgt spid="13"/>
-                                        </p:tgtEl>
-                                        <p:attrNameLst>
-                                          <p:attrName>style.visibility</p:attrName>
-                                        </p:attrNameLst>
-                                      </p:cBhvr>
-                                      <p:to>
-                                        <p:strVal val="visible"/>
-                                      </p:to>
-                                    </p:set>
-                                    <p:animEffect transition="in" filter="fade">
-                                      <p:cBhvr>
-                                        <p:cTn id="22" dur="1500"/>
-                                        <p:tgtEl>
-                                          <p:spTgt spid="13"/>
-                                        </p:tgtEl>
-                                      </p:cBhvr>
-                                    </p:animEffect>
-                                  </p:childTnLst>
-                                </p:cTn>
-                              </p:par>
-                              <p:par>
-                                <p:cTn id="23" presetID="10" presetClass="entr" presetSubtype="0" fill="hold" grpId="0" nodeType="withEffect">
-                                  <p:stCondLst>
-                                    <p:cond delay="500"/>
-                                  </p:stCondLst>
-                                  <p:childTnLst>
-                                    <p:set>
-                                      <p:cBhvr>
-                                        <p:cTn id="24" dur="1" fill="hold">
-                                          <p:stCondLst>
-                                            <p:cond delay="0"/>
-                                          </p:stCondLst>
-                                        </p:cTn>
-                                        <p:tgtEl>
-                                          <p:spTgt spid="21"/>
-                                        </p:tgtEl>
-                                        <p:attrNameLst>
-                                          <p:attrName>style.visibility</p:attrName>
-                                        </p:attrNameLst>
-                                      </p:cBhvr>
-                                      <p:to>
-                                        <p:strVal val="visible"/>
-                                      </p:to>
-                                    </p:set>
-                                    <p:animEffect transition="in" filter="fade">
-                                      <p:cBhvr>
-                                        <p:cTn id="25" dur="1500"/>
-                                        <p:tgtEl>
-                                          <p:spTgt spid="21"/>
-                                        </p:tgtEl>
-                                      </p:cBhvr>
-                                    </p:animEffect>
-                                  </p:childTnLst>
-                                </p:cTn>
-                              </p:par>
-                              <p:par>
-                                <p:cTn id="26" presetID="10" presetClass="entr" presetSubtype="0" fill="hold" nodeType="withEffect">
-                                  <p:stCondLst>
-                                    <p:cond delay="500"/>
-                                  </p:stCondLst>
-                                  <p:childTnLst>
-                                    <p:set>
-                                      <p:cBhvr>
-                                        <p:cTn id="27" dur="1" fill="hold">
-                                          <p:stCondLst>
-                                            <p:cond delay="0"/>
-                                          </p:stCondLst>
-                                        </p:cTn>
-                                        <p:tgtEl>
-                                          <p:spTgt spid="25"/>
-                                        </p:tgtEl>
-                                        <p:attrNameLst>
-                                          <p:attrName>style.visibility</p:attrName>
-                                        </p:attrNameLst>
-                                      </p:cBhvr>
-                                      <p:to>
-                                        <p:strVal val="visible"/>
-                                      </p:to>
-                                    </p:set>
-                                    <p:animEffect transition="in" filter="fade">
-                                      <p:cBhvr>
-                                        <p:cTn id="28" dur="1500"/>
-                                        <p:tgtEl>
-                                          <p:spTgt spid="25"/>
-                                        </p:tgtEl>
-                                      </p:cBhvr>
-                                    </p:animEffect>
-                                  </p:childTnLst>
-                                </p:cTn>
-                              </p:par>
-                              <p:par>
-                                <p:cTn id="29" presetID="10" presetClass="entr" presetSubtype="0" fill="hold" nodeType="withEffect">
-                                  <p:stCondLst>
-                                    <p:cond delay="500"/>
-                                  </p:stCondLst>
-                                  <p:childTnLst>
-                                    <p:set>
-                                      <p:cBhvr>
-                                        <p:cTn id="30" dur="1" fill="hold">
-                                          <p:stCondLst>
-                                            <p:cond delay="0"/>
-                                          </p:stCondLst>
-                                        </p:cTn>
-                                        <p:tgtEl>
-                                          <p:spTgt spid="26"/>
-                                        </p:tgtEl>
-                                        <p:attrNameLst>
-                                          <p:attrName>style.visibility</p:attrName>
-                                        </p:attrNameLst>
-                                      </p:cBhvr>
-                                      <p:to>
-                                        <p:strVal val="visible"/>
-                                      </p:to>
-                                    </p:set>
-                                    <p:animEffect transition="in" filter="fade">
-                                      <p:cBhvr>
-                                        <p:cTn id="31" dur="1500"/>
-                                        <p:tgtEl>
-                                          <p:spTgt spid="26"/>
-                                        </p:tgtEl>
-                                      </p:cBhvr>
-                                    </p:animEffect>
-                                  </p:childTnLst>
-                                </p:cTn>
-                              </p:par>
-                              <p:par>
-                                <p:cTn id="32" presetID="10" presetClass="entr" presetSubtype="0" fill="hold" nodeType="withEffect">
-                                  <p:stCondLst>
-                                    <p:cond delay="500"/>
-                                  </p:stCondLst>
-                                  <p:childTnLst>
-                                    <p:set>
-                                      <p:cBhvr>
-                                        <p:cTn id="33" dur="1" fill="hold">
-                                          <p:stCondLst>
-                                            <p:cond delay="0"/>
-                                          </p:stCondLst>
-                                        </p:cTn>
-                                        <p:tgtEl>
-                                          <p:spTgt spid="28"/>
-                                        </p:tgtEl>
-                                        <p:attrNameLst>
-                                          <p:attrName>style.visibility</p:attrName>
-                                        </p:attrNameLst>
-                                      </p:cBhvr>
-                                      <p:to>
-                                        <p:strVal val="visible"/>
-                                      </p:to>
-                                    </p:set>
-                                    <p:animEffect transition="in" filter="fade">
-                                      <p:cBhvr>
-                                        <p:cTn id="34" dur="1500"/>
-                                        <p:tgtEl>
-                                          <p:spTgt spid="28"/>
-                                        </p:tgtEl>
-                                      </p:cBhvr>
-                                    </p:animEffect>
-                                  </p:childTnLst>
-                                </p:cTn>
-                              </p:par>
-                              <p:par>
-                                <p:cTn id="35" presetID="10" presetClass="entr" presetSubtype="0" fill="hold" grpId="0" nodeType="withEffect">
-                                  <p:stCondLst>
-                                    <p:cond delay="500"/>
-                                  </p:stCondLst>
-                                  <p:childTnLst>
-                                    <p:set>
-                                      <p:cBhvr>
-                                        <p:cTn id="36" dur="1" fill="hold">
-                                          <p:stCondLst>
-                                            <p:cond delay="0"/>
-                                          </p:stCondLst>
-                                        </p:cTn>
-                                        <p:tgtEl>
-                                          <p:spTgt spid="29"/>
-                                        </p:tgtEl>
-                                        <p:attrNameLst>
-                                          <p:attrName>style.visibility</p:attrName>
-                                        </p:attrNameLst>
-                                      </p:cBhvr>
-                                      <p:to>
-                                        <p:strVal val="visible"/>
-                                      </p:to>
-                                    </p:set>
-                                    <p:animEffect transition="in" filter="fade">
-                                      <p:cBhvr>
-                                        <p:cTn id="37" dur="1500"/>
-                                        <p:tgtEl>
-                                          <p:spTgt spid="29"/>
+                                          <p:spTgt spid="6"/>
                                         </p:tgtEl>
                                       </p:cBhvr>
                                     </p:animEffect>
@@ -27745,14 +27506,6 @@
         </p:cTn>
       </p:par>
     </p:tnLst>
-    <p:bldLst>
-      <p:bldP spid="10" grpId="0" animBg="1"/>
-      <p:bldP spid="11" grpId="0"/>
-      <p:bldP spid="12" grpId="0"/>
-      <p:bldP spid="13" grpId="0"/>
-      <p:bldP spid="21" grpId="0"/>
-      <p:bldP spid="29" grpId="0"/>
-    </p:bldLst>
   </p:timing>
 </p:sld>
 </file>
@@ -27885,914 +27638,935 @@
           </a:p>
         </p:txBody>
       </p:sp>
-      <p:pic>
-        <p:nvPicPr>
-          <p:cNvPr id="9" name="Graphic 8" descr="User with solid fill">
+      <p:grpSp>
+        <p:nvGrpSpPr>
+          <p:cNvPr id="5" name="Group 4">
             <a:extLst>
               <a:ext uri="{FF2B5EF4-FFF2-40B4-BE49-F238E27FC236}">
-                <a16:creationId xmlns:a16="http://schemas.microsoft.com/office/drawing/2014/main" id="{AD2FC0CA-276A-E41C-E849-FA35E8A8E1F7}"/>
+                <a16:creationId xmlns:a16="http://schemas.microsoft.com/office/drawing/2014/main" id="{A4757F55-1C43-37D7-4CB9-ABF486B6E987}"/>
               </a:ext>
             </a:extLst>
           </p:cNvPr>
-          <p:cNvPicPr>
-            <a:picLocks noChangeAspect="1"/>
-          </p:cNvPicPr>
+          <p:cNvGrpSpPr/>
           <p:nvPr/>
-        </p:nvPicPr>
-        <p:blipFill>
-          <a:blip r:embed="rId2">
+        </p:nvGrpSpPr>
+        <p:grpSpPr>
+          <a:xfrm>
+            <a:off x="454180" y="1418420"/>
+            <a:ext cx="8286561" cy="3026324"/>
+            <a:chOff x="454180" y="1418420"/>
+            <a:chExt cx="8286561" cy="3026324"/>
+          </a:xfrm>
+        </p:grpSpPr>
+        <p:pic>
+          <p:nvPicPr>
+            <p:cNvPr id="9" name="Graphic 8" descr="User with solid fill">
+              <a:extLst>
+                <a:ext uri="{FF2B5EF4-FFF2-40B4-BE49-F238E27FC236}">
+                  <a16:creationId xmlns:a16="http://schemas.microsoft.com/office/drawing/2014/main" id="{AD2FC0CA-276A-E41C-E849-FA35E8A8E1F7}"/>
+                </a:ext>
+              </a:extLst>
+            </p:cNvPr>
+            <p:cNvPicPr>
+              <a:picLocks noChangeAspect="1"/>
+            </p:cNvPicPr>
+            <p:nvPr/>
+          </p:nvPicPr>
+          <p:blipFill>
+            <a:blip r:embed="rId2">
+              <a:extLst>
+                <a:ext uri="{96DAC541-7B7A-43D3-8B79-37D633B846F1}">
+                  <asvg:svgBlip xmlns:asvg="http://schemas.microsoft.com/office/drawing/2016/SVG/main" r:embed="rId3"/>
+                </a:ext>
+              </a:extLst>
+            </a:blip>
+            <a:stretch>
+              <a:fillRect/>
+            </a:stretch>
+          </p:blipFill>
+          <p:spPr>
+            <a:xfrm>
+              <a:off x="454180" y="2588682"/>
+              <a:ext cx="685800" cy="685800"/>
+            </a:xfrm>
+            <a:prstGeom prst="rect">
+              <a:avLst/>
+            </a:prstGeom>
+          </p:spPr>
+        </p:pic>
+        <p:pic>
+          <p:nvPicPr>
+            <p:cNvPr id="1028" name="Picture 4" descr="Blazor now in official preview! - .NET Blog">
+              <a:extLst>
+                <a:ext uri="{FF2B5EF4-FFF2-40B4-BE49-F238E27FC236}">
+                  <a16:creationId xmlns:a16="http://schemas.microsoft.com/office/drawing/2014/main" id="{9C6FA033-BFAC-543C-0182-C355AA735012}"/>
+                </a:ext>
+              </a:extLst>
+            </p:cNvPr>
+            <p:cNvPicPr>
+              <a:picLocks noChangeAspect="1" noChangeArrowheads="1"/>
+            </p:cNvPicPr>
+            <p:nvPr/>
+          </p:nvPicPr>
+          <p:blipFill>
+            <a:blip r:embed="rId4">
+              <a:extLst>
+                <a:ext uri="{28A0092B-C50C-407E-A947-70E740481C1C}">
+                  <a14:useLocalDpi xmlns:a14="http://schemas.microsoft.com/office/drawing/2010/main" val="0"/>
+                </a:ext>
+              </a:extLst>
+            </a:blip>
+            <a:srcRect/>
+            <a:stretch>
+              <a:fillRect/>
+            </a:stretch>
+          </p:blipFill>
+          <p:spPr bwMode="auto">
+            <a:xfrm>
+              <a:off x="1432495" y="1816707"/>
+              <a:ext cx="685800" cy="685800"/>
+            </a:xfrm>
+            <a:prstGeom prst="rect">
+              <a:avLst/>
+            </a:prstGeom>
+            <a:noFill/>
+            <a:ln>
+              <a:noFill/>
+            </a:ln>
             <a:extLst>
-              <a:ext uri="{96DAC541-7B7A-43D3-8B79-37D633B846F1}">
-                <asvg:svgBlip xmlns:asvg="http://schemas.microsoft.com/office/drawing/2016/SVG/main" r:embed="rId3"/>
+              <a:ext uri="{909E8E84-426E-40DD-AFC4-6F175D3DCCD1}">
+                <a14:hiddenFill xmlns:a14="http://schemas.microsoft.com/office/drawing/2010/main">
+                  <a:solidFill>
+                    <a:srgbClr val="FFFFFF"/>
+                  </a:solidFill>
+                </a14:hiddenFill>
               </a:ext>
             </a:extLst>
-          </a:blip>
-          <a:stretch>
-            <a:fillRect/>
-          </a:stretch>
-        </p:blipFill>
-        <p:spPr>
-          <a:xfrm>
-            <a:off x="454180" y="2588682"/>
-            <a:ext cx="685800" cy="685800"/>
-          </a:xfrm>
-          <a:prstGeom prst="rect">
-            <a:avLst/>
-          </a:prstGeom>
-        </p:spPr>
-      </p:pic>
-      <p:pic>
-        <p:nvPicPr>
-          <p:cNvPr id="1028" name="Picture 4" descr="Blazor now in official preview! - .NET Blog">
+          </p:spPr>
+        </p:pic>
+        <p:sp>
+          <p:nvSpPr>
+            <p:cNvPr id="12" name="TextBox 11">
+              <a:extLst>
+                <a:ext uri="{FF2B5EF4-FFF2-40B4-BE49-F238E27FC236}">
+                  <a16:creationId xmlns:a16="http://schemas.microsoft.com/office/drawing/2014/main" id="{83C80CD1-0D3D-2E2B-BD46-046817AA6B17}"/>
+                </a:ext>
+              </a:extLst>
+            </p:cNvPr>
+            <p:cNvSpPr txBox="1"/>
+            <p:nvPr/>
+          </p:nvSpPr>
+          <p:spPr>
+            <a:xfrm>
+              <a:off x="1139980" y="1533673"/>
+              <a:ext cx="1393371" cy="261610"/>
+            </a:xfrm>
+            <a:prstGeom prst="rect">
+              <a:avLst/>
+            </a:prstGeom>
+            <a:noFill/>
+          </p:spPr>
+          <p:txBody>
+            <a:bodyPr wrap="square" rtlCol="0">
+              <a:spAutoFit/>
+            </a:bodyPr>
+            <a:lstStyle/>
+            <a:p>
+              <a:r>
+                <a:rPr lang="en-US" sz="1100" dirty="0"/>
+                <a:t>Blazor WASM App</a:t>
+              </a:r>
+            </a:p>
+          </p:txBody>
+        </p:sp>
+        <p:cxnSp>
+          <p:nvCxnSpPr>
+            <p:cNvPr id="26" name="Straight Arrow Connector 25">
+              <a:extLst>
+                <a:ext uri="{FF2B5EF4-FFF2-40B4-BE49-F238E27FC236}">
+                  <a16:creationId xmlns:a16="http://schemas.microsoft.com/office/drawing/2014/main" id="{BD99EBEA-4BEE-51A2-BFA0-20F56E866CA7}"/>
+                </a:ext>
+              </a:extLst>
+            </p:cNvPr>
+            <p:cNvCxnSpPr>
+              <a:cxnSpLocks/>
+              <a:stCxn id="9" idx="3"/>
+              <a:endCxn id="2068" idx="1"/>
+            </p:cNvCxnSpPr>
+            <p:nvPr/>
+          </p:nvCxnSpPr>
+          <p:spPr>
+            <a:xfrm>
+              <a:off x="1139980" y="2931582"/>
+              <a:ext cx="1964540" cy="0"/>
+            </a:xfrm>
+            <a:prstGeom prst="straightConnector1">
+              <a:avLst/>
+            </a:prstGeom>
+            <a:ln>
+              <a:solidFill>
+                <a:schemeClr val="tx2">
+                  <a:lumMod val="10000"/>
+                </a:schemeClr>
+              </a:solidFill>
+              <a:tailEnd type="triangle"/>
+            </a:ln>
+          </p:spPr>
+          <p:style>
+            <a:lnRef idx="1">
+              <a:schemeClr val="accent1"/>
+            </a:lnRef>
+            <a:fillRef idx="0">
+              <a:schemeClr val="accent1"/>
+            </a:fillRef>
+            <a:effectRef idx="0">
+              <a:schemeClr val="accent1"/>
+            </a:effectRef>
+            <a:fontRef idx="minor">
+              <a:schemeClr val="tx1"/>
+            </a:fontRef>
+          </p:style>
+        </p:cxnSp>
+        <p:sp>
+          <p:nvSpPr>
+            <p:cNvPr id="29" name="TextBox 28">
+              <a:extLst>
+                <a:ext uri="{FF2B5EF4-FFF2-40B4-BE49-F238E27FC236}">
+                  <a16:creationId xmlns:a16="http://schemas.microsoft.com/office/drawing/2014/main" id="{D29A5C20-D18E-7E2E-1C2B-72E5C87D78B4}"/>
+                </a:ext>
+              </a:extLst>
+            </p:cNvPr>
+            <p:cNvSpPr txBox="1"/>
+            <p:nvPr/>
+          </p:nvSpPr>
+          <p:spPr>
+            <a:xfrm>
+              <a:off x="454180" y="3236042"/>
+              <a:ext cx="960519" cy="261610"/>
+            </a:xfrm>
+            <a:prstGeom prst="rect">
+              <a:avLst/>
+            </a:prstGeom>
+            <a:noFill/>
+          </p:spPr>
+          <p:txBody>
+            <a:bodyPr wrap="none" rtlCol="0">
+              <a:spAutoFit/>
+            </a:bodyPr>
+            <a:lstStyle/>
+            <a:p>
+              <a:r>
+                <a:rPr lang="en-US" sz="1100" dirty="0"/>
+                <a:t>GitHub User</a:t>
+              </a:r>
+            </a:p>
+          </p:txBody>
+        </p:sp>
+        <p:pic>
+          <p:nvPicPr>
+            <p:cNvPr id="2050" name="Picture 2" descr="GitHub – Logos Download">
+              <a:extLst>
+                <a:ext uri="{FF2B5EF4-FFF2-40B4-BE49-F238E27FC236}">
+                  <a16:creationId xmlns:a16="http://schemas.microsoft.com/office/drawing/2014/main" id="{7FBFE73C-7600-2E9A-937E-380C0E1433C4}"/>
+                </a:ext>
+              </a:extLst>
+            </p:cNvPr>
+            <p:cNvPicPr>
+              <a:picLocks noChangeAspect="1" noChangeArrowheads="1"/>
+            </p:cNvPicPr>
+            <p:nvPr/>
+          </p:nvPicPr>
+          <p:blipFill>
+            <a:blip r:embed="rId5">
+              <a:extLst>
+                <a:ext uri="{28A0092B-C50C-407E-A947-70E740481C1C}">
+                  <a14:useLocalDpi xmlns:a14="http://schemas.microsoft.com/office/drawing/2010/main" val="0"/>
+                </a:ext>
+              </a:extLst>
+            </a:blip>
+            <a:srcRect/>
+            <a:stretch>
+              <a:fillRect/>
+            </a:stretch>
+          </p:blipFill>
+          <p:spPr bwMode="auto">
+            <a:xfrm>
+              <a:off x="5954160" y="2588682"/>
+              <a:ext cx="685800" cy="685800"/>
+            </a:xfrm>
+            <a:prstGeom prst="rect">
+              <a:avLst/>
+            </a:prstGeom>
+            <a:noFill/>
             <a:extLst>
-              <a:ext uri="{FF2B5EF4-FFF2-40B4-BE49-F238E27FC236}">
-                <a16:creationId xmlns:a16="http://schemas.microsoft.com/office/drawing/2014/main" id="{9C6FA033-BFAC-543C-0182-C355AA735012}"/>
+              <a:ext uri="{909E8E84-426E-40DD-AFC4-6F175D3DCCD1}">
+                <a14:hiddenFill xmlns:a14="http://schemas.microsoft.com/office/drawing/2010/main">
+                  <a:solidFill>
+                    <a:srgbClr val="FFFFFF"/>
+                  </a:solidFill>
+                </a14:hiddenFill>
               </a:ext>
             </a:extLst>
-          </p:cNvPr>
-          <p:cNvPicPr>
-            <a:picLocks noChangeAspect="1" noChangeArrowheads="1"/>
-          </p:cNvPicPr>
-          <p:nvPr/>
-        </p:nvPicPr>
-        <p:blipFill>
-          <a:blip r:embed="rId4">
+          </p:spPr>
+        </p:pic>
+        <p:pic>
+          <p:nvPicPr>
+            <p:cNvPr id="2052" name="Picture 4" descr="Document, file, yaml icon - Download on Iconfinder">
+              <a:extLst>
+                <a:ext uri="{FF2B5EF4-FFF2-40B4-BE49-F238E27FC236}">
+                  <a16:creationId xmlns:a16="http://schemas.microsoft.com/office/drawing/2014/main" id="{76AEBEE8-F029-862D-4820-5D5AB91F7399}"/>
+                </a:ext>
+              </a:extLst>
+            </p:cNvPr>
+            <p:cNvPicPr>
+              <a:picLocks noChangeAspect="1" noChangeArrowheads="1"/>
+            </p:cNvPicPr>
+            <p:nvPr/>
+          </p:nvPicPr>
+          <p:blipFill>
+            <a:blip r:embed="rId6">
+              <a:extLst>
+                <a:ext uri="{28A0092B-C50C-407E-A947-70E740481C1C}">
+                  <a14:useLocalDpi xmlns:a14="http://schemas.microsoft.com/office/drawing/2010/main" val="0"/>
+                </a:ext>
+              </a:extLst>
+            </a:blip>
+            <a:srcRect/>
+            <a:stretch>
+              <a:fillRect/>
+            </a:stretch>
+          </p:blipFill>
+          <p:spPr bwMode="auto">
+            <a:xfrm>
+              <a:off x="1417351" y="2977725"/>
+              <a:ext cx="685800" cy="685800"/>
+            </a:xfrm>
+            <a:prstGeom prst="rect">
+              <a:avLst/>
+            </a:prstGeom>
+            <a:noFill/>
             <a:extLst>
-              <a:ext uri="{28A0092B-C50C-407E-A947-70E740481C1C}">
-                <a14:useLocalDpi xmlns:a14="http://schemas.microsoft.com/office/drawing/2010/main" val="0"/>
+              <a:ext uri="{909E8E84-426E-40DD-AFC4-6F175D3DCCD1}">
+                <a14:hiddenFill xmlns:a14="http://schemas.microsoft.com/office/drawing/2010/main">
+                  <a:solidFill>
+                    <a:srgbClr val="FFFFFF"/>
+                  </a:solidFill>
+                </a14:hiddenFill>
               </a:ext>
             </a:extLst>
-          </a:blip>
-          <a:srcRect/>
-          <a:stretch>
-            <a:fillRect/>
-          </a:stretch>
-        </p:blipFill>
-        <p:spPr bwMode="auto">
-          <a:xfrm>
-            <a:off x="1432495" y="1816707"/>
-            <a:ext cx="685800" cy="685800"/>
-          </a:xfrm>
-          <a:prstGeom prst="rect">
-            <a:avLst/>
-          </a:prstGeom>
-          <a:noFill/>
-          <a:ln>
+          </p:spPr>
+        </p:pic>
+        <p:sp>
+          <p:nvSpPr>
+            <p:cNvPr id="3" name="TextBox 2">
+              <a:extLst>
+                <a:ext uri="{FF2B5EF4-FFF2-40B4-BE49-F238E27FC236}">
+                  <a16:creationId xmlns:a16="http://schemas.microsoft.com/office/drawing/2014/main" id="{8B79E339-42C0-4141-EA55-098FDAF419DE}"/>
+                </a:ext>
+              </a:extLst>
+            </p:cNvPr>
+            <p:cNvSpPr txBox="1"/>
+            <p:nvPr/>
+          </p:nvSpPr>
+          <p:spPr>
+            <a:xfrm>
+              <a:off x="3847091" y="2957926"/>
+              <a:ext cx="1040600" cy="261610"/>
+            </a:xfrm>
+            <a:prstGeom prst="rect">
+              <a:avLst/>
+            </a:prstGeom>
             <a:noFill/>
-          </a:ln>
-          <a:extLst>
-            <a:ext uri="{909E8E84-426E-40DD-AFC4-6F175D3DCCD1}">
-              <a14:hiddenFill xmlns:a14="http://schemas.microsoft.com/office/drawing/2010/main">
-                <a:solidFill>
-                  <a:srgbClr val="FFFFFF"/>
-                </a:solidFill>
-              </a14:hiddenFill>
-            </a:ext>
-          </a:extLst>
-        </p:spPr>
-      </p:pic>
-      <p:sp>
-        <p:nvSpPr>
-          <p:cNvPr id="12" name="TextBox 11">
+          </p:spPr>
+          <p:txBody>
+            <a:bodyPr wrap="square" rtlCol="0">
+              <a:spAutoFit/>
+            </a:bodyPr>
+            <a:lstStyle/>
+            <a:p>
+              <a:r>
+                <a:rPr lang="en-US" sz="1100" dirty="0"/>
+                <a:t>Push Trigger</a:t>
+              </a:r>
+            </a:p>
+          </p:txBody>
+        </p:sp>
+        <p:sp>
+          <p:nvSpPr>
+            <p:cNvPr id="4" name="Rectangle 3">
+              <a:extLst>
+                <a:ext uri="{FF2B5EF4-FFF2-40B4-BE49-F238E27FC236}">
+                  <a16:creationId xmlns:a16="http://schemas.microsoft.com/office/drawing/2014/main" id="{376EE5C7-DEA0-9E94-35D0-4C4734094948}"/>
+                </a:ext>
+              </a:extLst>
+            </p:cNvPr>
+            <p:cNvSpPr/>
+            <p:nvPr/>
+          </p:nvSpPr>
+          <p:spPr>
+            <a:xfrm>
+              <a:off x="2688167" y="1418420"/>
+              <a:ext cx="4436533" cy="3026324"/>
+            </a:xfrm>
+            <a:prstGeom prst="rect">
+              <a:avLst/>
+            </a:prstGeom>
+            <a:noFill/>
+            <a:ln w="6350">
+              <a:solidFill>
+                <a:schemeClr val="tx2">
+                  <a:lumMod val="10000"/>
+                </a:schemeClr>
+              </a:solidFill>
+            </a:ln>
+          </p:spPr>
+          <p:style>
+            <a:lnRef idx="2">
+              <a:schemeClr val="accent1">
+                <a:shade val="50000"/>
+              </a:schemeClr>
+            </a:lnRef>
+            <a:fillRef idx="1">
+              <a:schemeClr val="accent1"/>
+            </a:fillRef>
+            <a:effectRef idx="0">
+              <a:schemeClr val="accent1"/>
+            </a:effectRef>
+            <a:fontRef idx="minor">
+              <a:schemeClr val="lt1"/>
+            </a:fontRef>
+          </p:style>
+          <p:txBody>
+            <a:bodyPr rtlCol="0" anchor="ctr"/>
+            <a:lstStyle/>
+            <a:p>
+              <a:pPr algn="ctr"/>
+              <a:endParaRPr lang="en-US"/>
+            </a:p>
+          </p:txBody>
+        </p:sp>
+        <p:pic>
+          <p:nvPicPr>
+            <p:cNvPr id="2068" name="Picture 20" descr="Hot To Reset / Reinitialise A Git Repository - Git Logo Png Clipart - Full Size Clipart ...">
+              <a:extLst>
+                <a:ext uri="{FF2B5EF4-FFF2-40B4-BE49-F238E27FC236}">
+                  <a16:creationId xmlns:a16="http://schemas.microsoft.com/office/drawing/2014/main" id="{CCE461BD-4EEE-E31C-E225-97F51DC71CEA}"/>
+                </a:ext>
+              </a:extLst>
+            </p:cNvPr>
+            <p:cNvPicPr>
+              <a:picLocks noChangeAspect="1" noChangeArrowheads="1"/>
+            </p:cNvPicPr>
+            <p:nvPr/>
+          </p:nvPicPr>
+          <p:blipFill>
+            <a:blip r:embed="rId7">
+              <a:extLst>
+                <a:ext uri="{28A0092B-C50C-407E-A947-70E740481C1C}">
+                  <a14:useLocalDpi xmlns:a14="http://schemas.microsoft.com/office/drawing/2010/main" val="0"/>
+                </a:ext>
+              </a:extLst>
+            </a:blip>
+            <a:srcRect/>
+            <a:stretch>
+              <a:fillRect/>
+            </a:stretch>
+          </p:blipFill>
+          <p:spPr bwMode="auto">
+            <a:xfrm>
+              <a:off x="3104520" y="2588682"/>
+              <a:ext cx="685800" cy="685800"/>
+            </a:xfrm>
+            <a:prstGeom prst="rect">
+              <a:avLst/>
+            </a:prstGeom>
+            <a:noFill/>
             <a:extLst>
-              <a:ext uri="{FF2B5EF4-FFF2-40B4-BE49-F238E27FC236}">
-                <a16:creationId xmlns:a16="http://schemas.microsoft.com/office/drawing/2014/main" id="{83C80CD1-0D3D-2E2B-BD46-046817AA6B17}"/>
+              <a:ext uri="{909E8E84-426E-40DD-AFC4-6F175D3DCCD1}">
+                <a14:hiddenFill xmlns:a14="http://schemas.microsoft.com/office/drawing/2010/main">
+                  <a:solidFill>
+                    <a:srgbClr val="FFFFFF"/>
+                  </a:solidFill>
+                </a14:hiddenFill>
               </a:ext>
             </a:extLst>
-          </p:cNvPr>
-          <p:cNvSpPr txBox="1"/>
-          <p:nvPr/>
-        </p:nvSpPr>
-        <p:spPr>
-          <a:xfrm>
-            <a:off x="1139980" y="1533673"/>
-            <a:ext cx="1393371" cy="261610"/>
-          </a:xfrm>
-          <a:prstGeom prst="rect">
-            <a:avLst/>
-          </a:prstGeom>
-          <a:noFill/>
-        </p:spPr>
-        <p:txBody>
-          <a:bodyPr wrap="square" rtlCol="0">
-            <a:spAutoFit/>
-          </a:bodyPr>
-          <a:lstStyle/>
-          <a:p>
-            <a:r>
-              <a:rPr lang="en-US" sz="1100" dirty="0"/>
-              <a:t>Blazor WASM App</a:t>
-            </a:r>
-          </a:p>
-        </p:txBody>
-      </p:sp>
-      <p:cxnSp>
-        <p:nvCxnSpPr>
-          <p:cNvPr id="26" name="Straight Arrow Connector 25">
+          </p:spPr>
+        </p:pic>
+        <p:pic>
+          <p:nvPicPr>
+            <p:cNvPr id="7" name="Graphic 6" descr="Users with solid fill">
+              <a:extLst>
+                <a:ext uri="{FF2B5EF4-FFF2-40B4-BE49-F238E27FC236}">
+                  <a16:creationId xmlns:a16="http://schemas.microsoft.com/office/drawing/2014/main" id="{E145A285-785D-6E8F-3B04-085A5A259585}"/>
+                </a:ext>
+              </a:extLst>
+            </p:cNvPr>
+            <p:cNvPicPr>
+              <a:picLocks noChangeAspect="1"/>
+            </p:cNvPicPr>
+            <p:nvPr/>
+          </p:nvPicPr>
+          <p:blipFill>
+            <a:blip r:embed="rId8">
+              <a:extLst>
+                <a:ext uri="{96DAC541-7B7A-43D3-8B79-37D633B846F1}">
+                  <asvg:svgBlip xmlns:asvg="http://schemas.microsoft.com/office/drawing/2016/SVG/main" r:embed="rId9"/>
+                </a:ext>
+              </a:extLst>
+            </a:blip>
+            <a:stretch>
+              <a:fillRect/>
+            </a:stretch>
+          </p:blipFill>
+          <p:spPr>
+            <a:xfrm>
+              <a:off x="7826341" y="2479485"/>
+              <a:ext cx="914400" cy="914400"/>
+            </a:xfrm>
+            <a:prstGeom prst="rect">
+              <a:avLst/>
+            </a:prstGeom>
+          </p:spPr>
+        </p:pic>
+        <p:sp>
+          <p:nvSpPr>
+            <p:cNvPr id="17" name="TextBox 16">
+              <a:extLst>
+                <a:ext uri="{FF2B5EF4-FFF2-40B4-BE49-F238E27FC236}">
+                  <a16:creationId xmlns:a16="http://schemas.microsoft.com/office/drawing/2014/main" id="{E4837A8F-973F-52A3-8CD4-15E70941B172}"/>
+                </a:ext>
+              </a:extLst>
+            </p:cNvPr>
+            <p:cNvSpPr txBox="1"/>
+            <p:nvPr/>
+          </p:nvSpPr>
+          <p:spPr>
+            <a:xfrm>
+              <a:off x="7861790" y="3320625"/>
+              <a:ext cx="843501" cy="261610"/>
+            </a:xfrm>
+            <a:prstGeom prst="rect">
+              <a:avLst/>
+            </a:prstGeom>
+            <a:noFill/>
+          </p:spPr>
+          <p:txBody>
+            <a:bodyPr wrap="none" rtlCol="0">
+              <a:spAutoFit/>
+            </a:bodyPr>
+            <a:lstStyle/>
+            <a:p>
+              <a:r>
+                <a:rPr lang="en-US" sz="1100" dirty="0"/>
+                <a:t>End Users</a:t>
+              </a:r>
+            </a:p>
+          </p:txBody>
+        </p:sp>
+        <p:cxnSp>
+          <p:nvCxnSpPr>
+            <p:cNvPr id="18" name="Straight Arrow Connector 17">
+              <a:extLst>
+                <a:ext uri="{FF2B5EF4-FFF2-40B4-BE49-F238E27FC236}">
+                  <a16:creationId xmlns:a16="http://schemas.microsoft.com/office/drawing/2014/main" id="{F84EB65C-FEA6-2CCF-42FB-11494871984A}"/>
+                </a:ext>
+              </a:extLst>
+            </p:cNvPr>
+            <p:cNvCxnSpPr>
+              <a:cxnSpLocks/>
+              <a:stCxn id="7" idx="1"/>
+              <a:endCxn id="2050" idx="3"/>
+            </p:cNvCxnSpPr>
+            <p:nvPr/>
+          </p:nvCxnSpPr>
+          <p:spPr>
+            <a:xfrm flipH="1" flipV="1">
+              <a:off x="6639960" y="2931582"/>
+              <a:ext cx="1186381" cy="5103"/>
+            </a:xfrm>
+            <a:prstGeom prst="straightConnector1">
+              <a:avLst/>
+            </a:prstGeom>
+            <a:ln>
+              <a:solidFill>
+                <a:schemeClr val="tx2">
+                  <a:lumMod val="10000"/>
+                </a:schemeClr>
+              </a:solidFill>
+              <a:tailEnd type="triangle"/>
+            </a:ln>
+          </p:spPr>
+          <p:style>
+            <a:lnRef idx="1">
+              <a:schemeClr val="accent1"/>
+            </a:lnRef>
+            <a:fillRef idx="0">
+              <a:schemeClr val="accent1"/>
+            </a:fillRef>
+            <a:effectRef idx="0">
+              <a:schemeClr val="accent1"/>
+            </a:effectRef>
+            <a:fontRef idx="minor">
+              <a:schemeClr val="tx1"/>
+            </a:fontRef>
+          </p:style>
+        </p:cxnSp>
+        <p:sp>
+          <p:nvSpPr>
+            <p:cNvPr id="23" name="TextBox 22">
+              <a:extLst>
+                <a:ext uri="{FF2B5EF4-FFF2-40B4-BE49-F238E27FC236}">
+                  <a16:creationId xmlns:a16="http://schemas.microsoft.com/office/drawing/2014/main" id="{B22BB6C8-E60F-598E-A43F-4E895E0BCBD6}"/>
+                </a:ext>
+              </a:extLst>
+            </p:cNvPr>
+            <p:cNvSpPr txBox="1"/>
+            <p:nvPr/>
+          </p:nvSpPr>
+          <p:spPr>
+            <a:xfrm>
+              <a:off x="3076966" y="3366847"/>
+              <a:ext cx="740908" cy="261610"/>
+            </a:xfrm>
+            <a:prstGeom prst="rect">
+              <a:avLst/>
+            </a:prstGeom>
+            <a:noFill/>
+          </p:spPr>
+          <p:txBody>
+            <a:bodyPr wrap="none" rtlCol="0">
+              <a:spAutoFit/>
+            </a:bodyPr>
+            <a:lstStyle/>
+            <a:p>
+              <a:r>
+                <a:rPr lang="en-US" sz="1100" dirty="0"/>
+                <a:t>Git Repo</a:t>
+              </a:r>
+            </a:p>
+          </p:txBody>
+        </p:sp>
+        <p:sp>
+          <p:nvSpPr>
+            <p:cNvPr id="24" name="TextBox 23">
+              <a:extLst>
+                <a:ext uri="{FF2B5EF4-FFF2-40B4-BE49-F238E27FC236}">
+                  <a16:creationId xmlns:a16="http://schemas.microsoft.com/office/drawing/2014/main" id="{6AB3A83F-CB95-C774-3695-0C6A8EFA23B0}"/>
+                </a:ext>
+              </a:extLst>
+            </p:cNvPr>
+            <p:cNvSpPr txBox="1"/>
+            <p:nvPr/>
+          </p:nvSpPr>
+          <p:spPr>
+            <a:xfrm>
+              <a:off x="4220506" y="1615896"/>
+              <a:ext cx="1055097" cy="261610"/>
+            </a:xfrm>
+            <a:prstGeom prst="rect">
+              <a:avLst/>
+            </a:prstGeom>
+            <a:noFill/>
+          </p:spPr>
+          <p:txBody>
+            <a:bodyPr wrap="none" rtlCol="0">
+              <a:spAutoFit/>
+            </a:bodyPr>
+            <a:lstStyle/>
+            <a:p>
+              <a:r>
+                <a:rPr lang="en-US" sz="1100" dirty="0"/>
+                <a:t>GitHub Action</a:t>
+              </a:r>
+            </a:p>
+          </p:txBody>
+        </p:sp>
+        <p:sp>
+          <p:nvSpPr>
+            <p:cNvPr id="27" name="TextBox 26">
+              <a:extLst>
+                <a:ext uri="{FF2B5EF4-FFF2-40B4-BE49-F238E27FC236}">
+                  <a16:creationId xmlns:a16="http://schemas.microsoft.com/office/drawing/2014/main" id="{39381794-7908-5293-E6C3-44FE13C7A080}"/>
+                </a:ext>
+              </a:extLst>
+            </p:cNvPr>
+            <p:cNvSpPr txBox="1"/>
+            <p:nvPr/>
+          </p:nvSpPr>
+          <p:spPr>
+            <a:xfrm>
+              <a:off x="5765504" y="3386259"/>
+              <a:ext cx="1063112" cy="261610"/>
+            </a:xfrm>
+            <a:prstGeom prst="rect">
+              <a:avLst/>
+            </a:prstGeom>
+            <a:noFill/>
+          </p:spPr>
+          <p:txBody>
+            <a:bodyPr wrap="none" rtlCol="0">
+              <a:spAutoFit/>
+            </a:bodyPr>
+            <a:lstStyle/>
+            <a:p>
+              <a:r>
+                <a:rPr lang="en-US" sz="1100" dirty="0"/>
+                <a:t>GitHub Pages</a:t>
+              </a:r>
+            </a:p>
+          </p:txBody>
+        </p:sp>
+        <p:sp>
+          <p:nvSpPr>
+            <p:cNvPr id="49" name="TextBox 48">
+              <a:extLst>
+                <a:ext uri="{FF2B5EF4-FFF2-40B4-BE49-F238E27FC236}">
+                  <a16:creationId xmlns:a16="http://schemas.microsoft.com/office/drawing/2014/main" id="{C9BD6AB8-970A-7055-36D5-85110E4EC9C7}"/>
+                </a:ext>
+              </a:extLst>
+            </p:cNvPr>
+            <p:cNvSpPr txBox="1"/>
+            <p:nvPr/>
+          </p:nvSpPr>
+          <p:spPr>
+            <a:xfrm>
+              <a:off x="1255095" y="3647869"/>
+              <a:ext cx="1040600" cy="261610"/>
+            </a:xfrm>
+            <a:prstGeom prst="rect">
+              <a:avLst/>
+            </a:prstGeom>
+            <a:noFill/>
+          </p:spPr>
+          <p:txBody>
+            <a:bodyPr wrap="square" rtlCol="0">
+              <a:spAutoFit/>
+            </a:bodyPr>
+            <a:lstStyle/>
+            <a:p>
+              <a:r>
+                <a:rPr lang="en-US" sz="1100" dirty="0"/>
+                <a:t>Workflow File</a:t>
+              </a:r>
+            </a:p>
+          </p:txBody>
+        </p:sp>
+        <p:sp>
+          <p:nvSpPr>
+            <p:cNvPr id="50" name="TextBox 49">
+              <a:extLst>
+                <a:ext uri="{FF2B5EF4-FFF2-40B4-BE49-F238E27FC236}">
+                  <a16:creationId xmlns:a16="http://schemas.microsoft.com/office/drawing/2014/main" id="{CE3919D4-2825-09DE-48AD-6DA65784CDE9}"/>
+                </a:ext>
+              </a:extLst>
+            </p:cNvPr>
+            <p:cNvSpPr txBox="1"/>
+            <p:nvPr/>
+          </p:nvSpPr>
+          <p:spPr>
+            <a:xfrm>
+              <a:off x="1435398" y="2692541"/>
+              <a:ext cx="1040600" cy="261610"/>
+            </a:xfrm>
+            <a:prstGeom prst="rect">
+              <a:avLst/>
+            </a:prstGeom>
+            <a:noFill/>
+          </p:spPr>
+          <p:txBody>
+            <a:bodyPr wrap="square" rtlCol="0">
+              <a:spAutoFit/>
+            </a:bodyPr>
+            <a:lstStyle/>
+            <a:p>
+              <a:r>
+                <a:rPr lang="en-US" sz="1100" dirty="0"/>
+                <a:t>Git Push</a:t>
+              </a:r>
+            </a:p>
+          </p:txBody>
+        </p:sp>
+        <p:pic>
+          <p:nvPicPr>
+            <p:cNvPr id="2070" name="Picture 22" descr="Badges - DEV Community">
+              <a:extLst>
+                <a:ext uri="{FF2B5EF4-FFF2-40B4-BE49-F238E27FC236}">
+                  <a16:creationId xmlns:a16="http://schemas.microsoft.com/office/drawing/2014/main" id="{6E668398-F2C8-776A-24D6-930237DE64E7}"/>
+                </a:ext>
+              </a:extLst>
+            </p:cNvPr>
+            <p:cNvPicPr>
+              <a:picLocks noChangeAspect="1" noChangeArrowheads="1"/>
+            </p:cNvPicPr>
+            <p:nvPr/>
+          </p:nvPicPr>
+          <p:blipFill>
+            <a:blip r:embed="rId10">
+              <a:extLst>
+                <a:ext uri="{28A0092B-C50C-407E-A947-70E740481C1C}">
+                  <a14:useLocalDpi xmlns:a14="http://schemas.microsoft.com/office/drawing/2010/main" val="0"/>
+                </a:ext>
+              </a:extLst>
+            </a:blip>
+            <a:srcRect/>
+            <a:stretch>
+              <a:fillRect/>
+            </a:stretch>
+          </p:blipFill>
+          <p:spPr bwMode="auto">
+            <a:xfrm>
+              <a:off x="4338513" y="1880650"/>
+              <a:ext cx="683976" cy="685800"/>
+            </a:xfrm>
+            <a:prstGeom prst="rect">
+              <a:avLst/>
+            </a:prstGeom>
+            <a:noFill/>
             <a:extLst>
-              <a:ext uri="{FF2B5EF4-FFF2-40B4-BE49-F238E27FC236}">
-                <a16:creationId xmlns:a16="http://schemas.microsoft.com/office/drawing/2014/main" id="{BD99EBEA-4BEE-51A2-BFA0-20F56E866CA7}"/>
+              <a:ext uri="{909E8E84-426E-40DD-AFC4-6F175D3DCCD1}">
+                <a14:hiddenFill xmlns:a14="http://schemas.microsoft.com/office/drawing/2010/main">
+                  <a:solidFill>
+                    <a:srgbClr val="FFFFFF"/>
+                  </a:solidFill>
+                </a14:hiddenFill>
               </a:ext>
             </a:extLst>
-          </p:cNvPr>
-          <p:cNvCxnSpPr>
-            <a:cxnSpLocks/>
-            <a:stCxn id="9" idx="3"/>
-            <a:endCxn id="2068" idx="1"/>
-          </p:cNvCxnSpPr>
-          <p:nvPr/>
-        </p:nvCxnSpPr>
-        <p:spPr>
-          <a:xfrm>
-            <a:off x="1139980" y="2931582"/>
-            <a:ext cx="1964540" cy="0"/>
-          </a:xfrm>
-          <a:prstGeom prst="straightConnector1">
-            <a:avLst/>
-          </a:prstGeom>
-          <a:ln>
-            <a:solidFill>
-              <a:schemeClr val="tx2">
-                <a:lumMod val="10000"/>
-              </a:schemeClr>
-            </a:solidFill>
-            <a:tailEnd type="triangle"/>
-          </a:ln>
-        </p:spPr>
-        <p:style>
-          <a:lnRef idx="1">
-            <a:schemeClr val="accent1"/>
-          </a:lnRef>
-          <a:fillRef idx="0">
-            <a:schemeClr val="accent1"/>
-          </a:fillRef>
-          <a:effectRef idx="0">
-            <a:schemeClr val="accent1"/>
-          </a:effectRef>
-          <a:fontRef idx="minor">
-            <a:schemeClr val="tx1"/>
-          </a:fontRef>
-        </p:style>
-      </p:cxnSp>
-      <p:sp>
-        <p:nvSpPr>
-          <p:cNvPr id="29" name="TextBox 28">
-            <a:extLst>
-              <a:ext uri="{FF2B5EF4-FFF2-40B4-BE49-F238E27FC236}">
-                <a16:creationId xmlns:a16="http://schemas.microsoft.com/office/drawing/2014/main" id="{D29A5C20-D18E-7E2E-1C2B-72E5C87D78B4}"/>
-              </a:ext>
-            </a:extLst>
-          </p:cNvPr>
-          <p:cNvSpPr txBox="1"/>
-          <p:nvPr/>
-        </p:nvSpPr>
-        <p:spPr>
-          <a:xfrm>
-            <a:off x="454180" y="3236042"/>
-            <a:ext cx="960519" cy="261610"/>
-          </a:xfrm>
-          <a:prstGeom prst="rect">
-            <a:avLst/>
-          </a:prstGeom>
-          <a:noFill/>
-        </p:spPr>
-        <p:txBody>
-          <a:bodyPr wrap="none" rtlCol="0">
-            <a:spAutoFit/>
-          </a:bodyPr>
-          <a:lstStyle/>
-          <a:p>
-            <a:r>
-              <a:rPr lang="en-US" sz="1100" dirty="0"/>
-              <a:t>GitHub User</a:t>
-            </a:r>
-          </a:p>
-        </p:txBody>
-      </p:sp>
-      <p:pic>
-        <p:nvPicPr>
-          <p:cNvPr id="2050" name="Picture 2" descr="GitHub – Logos Download">
-            <a:extLst>
-              <a:ext uri="{FF2B5EF4-FFF2-40B4-BE49-F238E27FC236}">
-                <a16:creationId xmlns:a16="http://schemas.microsoft.com/office/drawing/2014/main" id="{7FBFE73C-7600-2E9A-937E-380C0E1433C4}"/>
-              </a:ext>
-            </a:extLst>
-          </p:cNvPr>
-          <p:cNvPicPr>
-            <a:picLocks noChangeAspect="1" noChangeArrowheads="1"/>
-          </p:cNvPicPr>
-          <p:nvPr/>
-        </p:nvPicPr>
-        <p:blipFill>
-          <a:blip r:embed="rId5">
-            <a:extLst>
-              <a:ext uri="{28A0092B-C50C-407E-A947-70E740481C1C}">
-                <a14:useLocalDpi xmlns:a14="http://schemas.microsoft.com/office/drawing/2010/main" val="0"/>
-              </a:ext>
-            </a:extLst>
-          </a:blip>
-          <a:srcRect/>
-          <a:stretch>
-            <a:fillRect/>
-          </a:stretch>
-        </p:blipFill>
-        <p:spPr bwMode="auto">
-          <a:xfrm>
-            <a:off x="5954160" y="2588682"/>
-            <a:ext cx="685800" cy="685800"/>
-          </a:xfrm>
-          <a:prstGeom prst="rect">
-            <a:avLst/>
-          </a:prstGeom>
-          <a:noFill/>
-          <a:extLst>
-            <a:ext uri="{909E8E84-426E-40DD-AFC4-6F175D3DCCD1}">
-              <a14:hiddenFill xmlns:a14="http://schemas.microsoft.com/office/drawing/2010/main">
-                <a:solidFill>
-                  <a:srgbClr val="FFFFFF"/>
-                </a:solidFill>
-              </a14:hiddenFill>
-            </a:ext>
-          </a:extLst>
-        </p:spPr>
-      </p:pic>
-      <p:pic>
-        <p:nvPicPr>
-          <p:cNvPr id="2052" name="Picture 4" descr="Document, file, yaml icon - Download on Iconfinder">
-            <a:extLst>
-              <a:ext uri="{FF2B5EF4-FFF2-40B4-BE49-F238E27FC236}">
-                <a16:creationId xmlns:a16="http://schemas.microsoft.com/office/drawing/2014/main" id="{76AEBEE8-F029-862D-4820-5D5AB91F7399}"/>
-              </a:ext>
-            </a:extLst>
-          </p:cNvPr>
-          <p:cNvPicPr>
-            <a:picLocks noChangeAspect="1" noChangeArrowheads="1"/>
-          </p:cNvPicPr>
-          <p:nvPr/>
-        </p:nvPicPr>
-        <p:blipFill>
-          <a:blip r:embed="rId6">
-            <a:extLst>
-              <a:ext uri="{28A0092B-C50C-407E-A947-70E740481C1C}">
-                <a14:useLocalDpi xmlns:a14="http://schemas.microsoft.com/office/drawing/2010/main" val="0"/>
-              </a:ext>
-            </a:extLst>
-          </a:blip>
-          <a:srcRect/>
-          <a:stretch>
-            <a:fillRect/>
-          </a:stretch>
-        </p:blipFill>
-        <p:spPr bwMode="auto">
-          <a:xfrm>
-            <a:off x="1517751" y="3043359"/>
-            <a:ext cx="685800" cy="685800"/>
-          </a:xfrm>
-          <a:prstGeom prst="rect">
-            <a:avLst/>
-          </a:prstGeom>
-          <a:noFill/>
-          <a:extLst>
-            <a:ext uri="{909E8E84-426E-40DD-AFC4-6F175D3DCCD1}">
-              <a14:hiddenFill xmlns:a14="http://schemas.microsoft.com/office/drawing/2010/main">
-                <a:solidFill>
-                  <a:srgbClr val="FFFFFF"/>
-                </a:solidFill>
-              </a14:hiddenFill>
-            </a:ext>
-          </a:extLst>
-        </p:spPr>
-      </p:pic>
-      <p:sp>
-        <p:nvSpPr>
-          <p:cNvPr id="3" name="TextBox 2">
-            <a:extLst>
-              <a:ext uri="{FF2B5EF4-FFF2-40B4-BE49-F238E27FC236}">
-                <a16:creationId xmlns:a16="http://schemas.microsoft.com/office/drawing/2014/main" id="{8B79E339-42C0-4141-EA55-098FDAF419DE}"/>
-              </a:ext>
-            </a:extLst>
-          </p:cNvPr>
-          <p:cNvSpPr txBox="1"/>
-          <p:nvPr/>
-        </p:nvSpPr>
-        <p:spPr>
-          <a:xfrm>
-            <a:off x="3847091" y="2957926"/>
-            <a:ext cx="1040600" cy="261610"/>
-          </a:xfrm>
-          <a:prstGeom prst="rect">
-            <a:avLst/>
-          </a:prstGeom>
-          <a:noFill/>
-        </p:spPr>
-        <p:txBody>
-          <a:bodyPr wrap="square" rtlCol="0">
-            <a:spAutoFit/>
-          </a:bodyPr>
-          <a:lstStyle/>
-          <a:p>
-            <a:r>
-              <a:rPr lang="en-US" sz="1100" dirty="0"/>
-              <a:t>Push Trigger</a:t>
-            </a:r>
-          </a:p>
-        </p:txBody>
-      </p:sp>
-      <p:sp>
-        <p:nvSpPr>
-          <p:cNvPr id="4" name="Rectangle 3">
-            <a:extLst>
-              <a:ext uri="{FF2B5EF4-FFF2-40B4-BE49-F238E27FC236}">
-                <a16:creationId xmlns:a16="http://schemas.microsoft.com/office/drawing/2014/main" id="{376EE5C7-DEA0-9E94-35D0-4C4734094948}"/>
-              </a:ext>
-            </a:extLst>
-          </p:cNvPr>
-          <p:cNvSpPr/>
-          <p:nvPr/>
-        </p:nvSpPr>
-        <p:spPr>
-          <a:xfrm>
-            <a:off x="2688167" y="1418420"/>
-            <a:ext cx="4436533" cy="3026324"/>
-          </a:xfrm>
-          <a:prstGeom prst="rect">
-            <a:avLst/>
-          </a:prstGeom>
-          <a:noFill/>
-          <a:ln w="6350">
-            <a:solidFill>
-              <a:schemeClr val="tx2">
-                <a:lumMod val="10000"/>
-              </a:schemeClr>
-            </a:solidFill>
-          </a:ln>
-        </p:spPr>
-        <p:style>
-          <a:lnRef idx="2">
-            <a:schemeClr val="accent1">
-              <a:shade val="50000"/>
-            </a:schemeClr>
-          </a:lnRef>
-          <a:fillRef idx="1">
-            <a:schemeClr val="accent1"/>
-          </a:fillRef>
-          <a:effectRef idx="0">
-            <a:schemeClr val="accent1"/>
-          </a:effectRef>
-          <a:fontRef idx="minor">
-            <a:schemeClr val="lt1"/>
-          </a:fontRef>
-        </p:style>
-        <p:txBody>
-          <a:bodyPr rtlCol="0" anchor="ctr"/>
-          <a:lstStyle/>
-          <a:p>
-            <a:pPr algn="ctr"/>
-            <a:endParaRPr lang="en-US"/>
-          </a:p>
-        </p:txBody>
-      </p:sp>
-      <p:pic>
-        <p:nvPicPr>
-          <p:cNvPr id="2068" name="Picture 20" descr="Hot To Reset / Reinitialise A Git Repository - Git Logo Png Clipart - Full Size Clipart ...">
-            <a:extLst>
-              <a:ext uri="{FF2B5EF4-FFF2-40B4-BE49-F238E27FC236}">
-                <a16:creationId xmlns:a16="http://schemas.microsoft.com/office/drawing/2014/main" id="{CCE461BD-4EEE-E31C-E225-97F51DC71CEA}"/>
-              </a:ext>
-            </a:extLst>
-          </p:cNvPr>
-          <p:cNvPicPr>
-            <a:picLocks noChangeAspect="1" noChangeArrowheads="1"/>
-          </p:cNvPicPr>
-          <p:nvPr/>
-        </p:nvPicPr>
-        <p:blipFill>
-          <a:blip r:embed="rId7">
-            <a:extLst>
-              <a:ext uri="{28A0092B-C50C-407E-A947-70E740481C1C}">
-                <a14:useLocalDpi xmlns:a14="http://schemas.microsoft.com/office/drawing/2010/main" val="0"/>
-              </a:ext>
-            </a:extLst>
-          </a:blip>
-          <a:srcRect/>
-          <a:stretch>
-            <a:fillRect/>
-          </a:stretch>
-        </p:blipFill>
-        <p:spPr bwMode="auto">
-          <a:xfrm>
-            <a:off x="3104520" y="2588682"/>
-            <a:ext cx="685800" cy="685800"/>
-          </a:xfrm>
-          <a:prstGeom prst="rect">
-            <a:avLst/>
-          </a:prstGeom>
-          <a:noFill/>
-          <a:extLst>
-            <a:ext uri="{909E8E84-426E-40DD-AFC4-6F175D3DCCD1}">
-              <a14:hiddenFill xmlns:a14="http://schemas.microsoft.com/office/drawing/2010/main">
-                <a:solidFill>
-                  <a:srgbClr val="FFFFFF"/>
-                </a:solidFill>
-              </a14:hiddenFill>
-            </a:ext>
-          </a:extLst>
-        </p:spPr>
-      </p:pic>
-      <p:pic>
-        <p:nvPicPr>
-          <p:cNvPr id="7" name="Graphic 6" descr="Users with solid fill">
-            <a:extLst>
-              <a:ext uri="{FF2B5EF4-FFF2-40B4-BE49-F238E27FC236}">
-                <a16:creationId xmlns:a16="http://schemas.microsoft.com/office/drawing/2014/main" id="{E145A285-785D-6E8F-3B04-085A5A259585}"/>
-              </a:ext>
-            </a:extLst>
-          </p:cNvPr>
-          <p:cNvPicPr>
-            <a:picLocks noChangeAspect="1"/>
-          </p:cNvPicPr>
-          <p:nvPr/>
-        </p:nvPicPr>
-        <p:blipFill>
-          <a:blip r:embed="rId8">
-            <a:extLst>
-              <a:ext uri="{96DAC541-7B7A-43D3-8B79-37D633B846F1}">
-                <asvg:svgBlip xmlns:asvg="http://schemas.microsoft.com/office/drawing/2016/SVG/main" r:embed="rId9"/>
-              </a:ext>
-            </a:extLst>
-          </a:blip>
-          <a:stretch>
-            <a:fillRect/>
-          </a:stretch>
-        </p:blipFill>
-        <p:spPr>
-          <a:xfrm>
-            <a:off x="7826341" y="2479485"/>
-            <a:ext cx="914400" cy="914400"/>
-          </a:xfrm>
-          <a:prstGeom prst="rect">
-            <a:avLst/>
-          </a:prstGeom>
-        </p:spPr>
-      </p:pic>
-      <p:sp>
-        <p:nvSpPr>
-          <p:cNvPr id="17" name="TextBox 16">
-            <a:extLst>
-              <a:ext uri="{FF2B5EF4-FFF2-40B4-BE49-F238E27FC236}">
-                <a16:creationId xmlns:a16="http://schemas.microsoft.com/office/drawing/2014/main" id="{E4837A8F-973F-52A3-8CD4-15E70941B172}"/>
-              </a:ext>
-            </a:extLst>
-          </p:cNvPr>
-          <p:cNvSpPr txBox="1"/>
-          <p:nvPr/>
-        </p:nvSpPr>
-        <p:spPr>
-          <a:xfrm>
-            <a:off x="7861790" y="3320625"/>
-            <a:ext cx="843501" cy="261610"/>
-          </a:xfrm>
-          <a:prstGeom prst="rect">
-            <a:avLst/>
-          </a:prstGeom>
-          <a:noFill/>
-        </p:spPr>
-        <p:txBody>
-          <a:bodyPr wrap="none" rtlCol="0">
-            <a:spAutoFit/>
-          </a:bodyPr>
-          <a:lstStyle/>
-          <a:p>
-            <a:r>
-              <a:rPr lang="en-US" sz="1100" dirty="0"/>
-              <a:t>End Users</a:t>
-            </a:r>
-          </a:p>
-        </p:txBody>
-      </p:sp>
-      <p:cxnSp>
-        <p:nvCxnSpPr>
-          <p:cNvPr id="18" name="Straight Arrow Connector 17">
-            <a:extLst>
-              <a:ext uri="{FF2B5EF4-FFF2-40B4-BE49-F238E27FC236}">
-                <a16:creationId xmlns:a16="http://schemas.microsoft.com/office/drawing/2014/main" id="{F84EB65C-FEA6-2CCF-42FB-11494871984A}"/>
-              </a:ext>
-            </a:extLst>
-          </p:cNvPr>
-          <p:cNvCxnSpPr>
-            <a:cxnSpLocks/>
-            <a:stCxn id="7" idx="1"/>
-            <a:endCxn id="2050" idx="3"/>
-          </p:cNvCxnSpPr>
-          <p:nvPr/>
-        </p:nvCxnSpPr>
-        <p:spPr>
-          <a:xfrm flipH="1" flipV="1">
-            <a:off x="6639960" y="2931582"/>
-            <a:ext cx="1186381" cy="5103"/>
-          </a:xfrm>
-          <a:prstGeom prst="straightConnector1">
-            <a:avLst/>
-          </a:prstGeom>
-          <a:ln>
-            <a:solidFill>
-              <a:schemeClr val="tx2">
-                <a:lumMod val="10000"/>
-              </a:schemeClr>
-            </a:solidFill>
-            <a:tailEnd type="triangle"/>
-          </a:ln>
-        </p:spPr>
-        <p:style>
-          <a:lnRef idx="1">
-            <a:schemeClr val="accent1"/>
-          </a:lnRef>
-          <a:fillRef idx="0">
-            <a:schemeClr val="accent1"/>
-          </a:fillRef>
-          <a:effectRef idx="0">
-            <a:schemeClr val="accent1"/>
-          </a:effectRef>
-          <a:fontRef idx="minor">
-            <a:schemeClr val="tx1"/>
-          </a:fontRef>
-        </p:style>
-      </p:cxnSp>
-      <p:sp>
-        <p:nvSpPr>
-          <p:cNvPr id="23" name="TextBox 22">
-            <a:extLst>
-              <a:ext uri="{FF2B5EF4-FFF2-40B4-BE49-F238E27FC236}">
-                <a16:creationId xmlns:a16="http://schemas.microsoft.com/office/drawing/2014/main" id="{B22BB6C8-E60F-598E-A43F-4E895E0BCBD6}"/>
-              </a:ext>
-            </a:extLst>
-          </p:cNvPr>
-          <p:cNvSpPr txBox="1"/>
-          <p:nvPr/>
-        </p:nvSpPr>
-        <p:spPr>
-          <a:xfrm>
-            <a:off x="3076966" y="3366847"/>
-            <a:ext cx="740908" cy="261610"/>
-          </a:xfrm>
-          <a:prstGeom prst="rect">
-            <a:avLst/>
-          </a:prstGeom>
-          <a:noFill/>
-        </p:spPr>
-        <p:txBody>
-          <a:bodyPr wrap="none" rtlCol="0">
-            <a:spAutoFit/>
-          </a:bodyPr>
-          <a:lstStyle/>
-          <a:p>
-            <a:r>
-              <a:rPr lang="en-US" sz="1100" dirty="0"/>
-              <a:t>Git Repo</a:t>
-            </a:r>
-          </a:p>
-        </p:txBody>
-      </p:sp>
-      <p:sp>
-        <p:nvSpPr>
-          <p:cNvPr id="24" name="TextBox 23">
-            <a:extLst>
-              <a:ext uri="{FF2B5EF4-FFF2-40B4-BE49-F238E27FC236}">
-                <a16:creationId xmlns:a16="http://schemas.microsoft.com/office/drawing/2014/main" id="{6AB3A83F-CB95-C774-3695-0C6A8EFA23B0}"/>
-              </a:ext>
-            </a:extLst>
-          </p:cNvPr>
-          <p:cNvSpPr txBox="1"/>
-          <p:nvPr/>
-        </p:nvSpPr>
-        <p:spPr>
-          <a:xfrm>
-            <a:off x="4220506" y="1615896"/>
-            <a:ext cx="1055097" cy="261610"/>
-          </a:xfrm>
-          <a:prstGeom prst="rect">
-            <a:avLst/>
-          </a:prstGeom>
-          <a:noFill/>
-        </p:spPr>
-        <p:txBody>
-          <a:bodyPr wrap="none" rtlCol="0">
-            <a:spAutoFit/>
-          </a:bodyPr>
-          <a:lstStyle/>
-          <a:p>
-            <a:r>
-              <a:rPr lang="en-US" sz="1100" dirty="0"/>
-              <a:t>GitHub Action</a:t>
-            </a:r>
-          </a:p>
-        </p:txBody>
-      </p:sp>
-      <p:sp>
-        <p:nvSpPr>
-          <p:cNvPr id="27" name="TextBox 26">
-            <a:extLst>
-              <a:ext uri="{FF2B5EF4-FFF2-40B4-BE49-F238E27FC236}">
-                <a16:creationId xmlns:a16="http://schemas.microsoft.com/office/drawing/2014/main" id="{39381794-7908-5293-E6C3-44FE13C7A080}"/>
-              </a:ext>
-            </a:extLst>
-          </p:cNvPr>
-          <p:cNvSpPr txBox="1"/>
-          <p:nvPr/>
-        </p:nvSpPr>
-        <p:spPr>
-          <a:xfrm>
-            <a:off x="5765504" y="3386259"/>
-            <a:ext cx="1063112" cy="261610"/>
-          </a:xfrm>
-          <a:prstGeom prst="rect">
-            <a:avLst/>
-          </a:prstGeom>
-          <a:noFill/>
-        </p:spPr>
-        <p:txBody>
-          <a:bodyPr wrap="none" rtlCol="0">
-            <a:spAutoFit/>
-          </a:bodyPr>
-          <a:lstStyle/>
-          <a:p>
-            <a:r>
-              <a:rPr lang="en-US" sz="1100" dirty="0"/>
-              <a:t>GitHub Pages</a:t>
-            </a:r>
-          </a:p>
-        </p:txBody>
-      </p:sp>
-      <p:sp>
-        <p:nvSpPr>
-          <p:cNvPr id="49" name="TextBox 48">
-            <a:extLst>
-              <a:ext uri="{FF2B5EF4-FFF2-40B4-BE49-F238E27FC236}">
-                <a16:creationId xmlns:a16="http://schemas.microsoft.com/office/drawing/2014/main" id="{C9BD6AB8-970A-7055-36D5-85110E4EC9C7}"/>
-              </a:ext>
-            </a:extLst>
-          </p:cNvPr>
-          <p:cNvSpPr txBox="1"/>
-          <p:nvPr/>
-        </p:nvSpPr>
-        <p:spPr>
-          <a:xfrm>
-            <a:off x="1340351" y="3687562"/>
-            <a:ext cx="1040600" cy="261610"/>
-          </a:xfrm>
-          <a:prstGeom prst="rect">
-            <a:avLst/>
-          </a:prstGeom>
-          <a:noFill/>
-        </p:spPr>
-        <p:txBody>
-          <a:bodyPr wrap="square" rtlCol="0">
-            <a:spAutoFit/>
-          </a:bodyPr>
-          <a:lstStyle/>
-          <a:p>
-            <a:r>
-              <a:rPr lang="en-US" sz="1100" dirty="0"/>
-              <a:t>Workflow File</a:t>
-            </a:r>
-          </a:p>
-        </p:txBody>
-      </p:sp>
-      <p:sp>
-        <p:nvSpPr>
-          <p:cNvPr id="50" name="TextBox 49">
-            <a:extLst>
-              <a:ext uri="{FF2B5EF4-FFF2-40B4-BE49-F238E27FC236}">
-                <a16:creationId xmlns:a16="http://schemas.microsoft.com/office/drawing/2014/main" id="{CE3919D4-2825-09DE-48AD-6DA65784CDE9}"/>
-              </a:ext>
-            </a:extLst>
-          </p:cNvPr>
-          <p:cNvSpPr txBox="1"/>
-          <p:nvPr/>
-        </p:nvSpPr>
-        <p:spPr>
-          <a:xfrm>
-            <a:off x="1435398" y="2692541"/>
-            <a:ext cx="1040600" cy="261610"/>
-          </a:xfrm>
-          <a:prstGeom prst="rect">
-            <a:avLst/>
-          </a:prstGeom>
-          <a:noFill/>
-        </p:spPr>
-        <p:txBody>
-          <a:bodyPr wrap="square" rtlCol="0">
-            <a:spAutoFit/>
-          </a:bodyPr>
-          <a:lstStyle/>
-          <a:p>
-            <a:r>
-              <a:rPr lang="en-US" sz="1100" dirty="0"/>
-              <a:t>Git Push</a:t>
-            </a:r>
-          </a:p>
-        </p:txBody>
-      </p:sp>
-      <p:pic>
-        <p:nvPicPr>
-          <p:cNvPr id="2070" name="Picture 22" descr="Badges - DEV Community">
-            <a:extLst>
-              <a:ext uri="{FF2B5EF4-FFF2-40B4-BE49-F238E27FC236}">
-                <a16:creationId xmlns:a16="http://schemas.microsoft.com/office/drawing/2014/main" id="{6E668398-F2C8-776A-24D6-930237DE64E7}"/>
-              </a:ext>
-            </a:extLst>
-          </p:cNvPr>
-          <p:cNvPicPr>
-            <a:picLocks noChangeAspect="1" noChangeArrowheads="1"/>
-          </p:cNvPicPr>
-          <p:nvPr/>
-        </p:nvPicPr>
-        <p:blipFill>
-          <a:blip r:embed="rId10">
-            <a:extLst>
-              <a:ext uri="{28A0092B-C50C-407E-A947-70E740481C1C}">
-                <a14:useLocalDpi xmlns:a14="http://schemas.microsoft.com/office/drawing/2010/main" val="0"/>
-              </a:ext>
-            </a:extLst>
-          </a:blip>
-          <a:srcRect/>
-          <a:stretch>
-            <a:fillRect/>
-          </a:stretch>
-        </p:blipFill>
-        <p:spPr bwMode="auto">
-          <a:xfrm>
-            <a:off x="4338513" y="1880650"/>
-            <a:ext cx="683976" cy="685800"/>
-          </a:xfrm>
-          <a:prstGeom prst="rect">
-            <a:avLst/>
-          </a:prstGeom>
-          <a:noFill/>
-          <a:extLst>
-            <a:ext uri="{909E8E84-426E-40DD-AFC4-6F175D3DCCD1}">
-              <a14:hiddenFill xmlns:a14="http://schemas.microsoft.com/office/drawing/2010/main">
-                <a:solidFill>
-                  <a:srgbClr val="FFFFFF"/>
-                </a:solidFill>
-              </a14:hiddenFill>
-            </a:ext>
-          </a:extLst>
-        </p:spPr>
-      </p:pic>
-      <p:cxnSp>
-        <p:nvCxnSpPr>
-          <p:cNvPr id="52" name="Connector: Elbow 51">
-            <a:extLst>
-              <a:ext uri="{FF2B5EF4-FFF2-40B4-BE49-F238E27FC236}">
-                <a16:creationId xmlns:a16="http://schemas.microsoft.com/office/drawing/2014/main" id="{9A23CDE2-9EB9-0BD5-DFAF-EB99A07ACAAE}"/>
-              </a:ext>
-            </a:extLst>
-          </p:cNvPr>
-          <p:cNvCxnSpPr>
-            <a:cxnSpLocks/>
-            <a:stCxn id="2070" idx="2"/>
-            <a:endCxn id="2068" idx="3"/>
-          </p:cNvCxnSpPr>
-          <p:nvPr/>
-        </p:nvCxnSpPr>
-        <p:spPr>
-          <a:xfrm rot="5400000">
-            <a:off x="4052845" y="2303926"/>
-            <a:ext cx="365132" cy="890181"/>
-          </a:xfrm>
-          <a:prstGeom prst="bentConnector2">
-            <a:avLst/>
-          </a:prstGeom>
-          <a:ln>
-            <a:solidFill>
-              <a:schemeClr val="tx2">
-                <a:lumMod val="10000"/>
-              </a:schemeClr>
-            </a:solidFill>
-            <a:tailEnd type="triangle"/>
-          </a:ln>
-        </p:spPr>
-        <p:style>
-          <a:lnRef idx="1">
-            <a:schemeClr val="accent1"/>
-          </a:lnRef>
-          <a:fillRef idx="0">
-            <a:schemeClr val="accent1"/>
-          </a:fillRef>
-          <a:effectRef idx="0">
-            <a:schemeClr val="accent1"/>
-          </a:effectRef>
-          <a:fontRef idx="minor">
-            <a:schemeClr val="tx1"/>
-          </a:fontRef>
-        </p:style>
-      </p:cxnSp>
-      <p:cxnSp>
-        <p:nvCxnSpPr>
-          <p:cNvPr id="54" name="Connector: Elbow 53">
-            <a:extLst>
-              <a:ext uri="{FF2B5EF4-FFF2-40B4-BE49-F238E27FC236}">
-                <a16:creationId xmlns:a16="http://schemas.microsoft.com/office/drawing/2014/main" id="{7272C6CB-092E-B3FA-6046-38E2EDF183D1}"/>
-              </a:ext>
-            </a:extLst>
-          </p:cNvPr>
-          <p:cNvCxnSpPr>
-            <a:cxnSpLocks/>
-            <a:stCxn id="2070" idx="3"/>
-            <a:endCxn id="2050" idx="1"/>
-          </p:cNvCxnSpPr>
-          <p:nvPr/>
-        </p:nvCxnSpPr>
-        <p:spPr>
-          <a:xfrm>
-            <a:off x="5022489" y="2223550"/>
-            <a:ext cx="931671" cy="708032"/>
-          </a:xfrm>
-          <a:prstGeom prst="bentConnector3">
-            <a:avLst>
-              <a:gd name="adj1" fmla="val 50000"/>
-            </a:avLst>
-          </a:prstGeom>
-          <a:ln>
-            <a:solidFill>
-              <a:schemeClr val="tx2">
-                <a:lumMod val="10000"/>
-              </a:schemeClr>
-            </a:solidFill>
-            <a:tailEnd type="triangle"/>
-          </a:ln>
-        </p:spPr>
-        <p:style>
-          <a:lnRef idx="1">
-            <a:schemeClr val="accent1"/>
-          </a:lnRef>
-          <a:fillRef idx="0">
-            <a:schemeClr val="accent1"/>
-          </a:fillRef>
-          <a:effectRef idx="0">
-            <a:schemeClr val="accent1"/>
-          </a:effectRef>
-          <a:fontRef idx="minor">
-            <a:schemeClr val="tx1"/>
-          </a:fontRef>
-        </p:style>
-      </p:cxnSp>
-      <p:sp>
-        <p:nvSpPr>
-          <p:cNvPr id="57" name="TextBox 56">
-            <a:extLst>
-              <a:ext uri="{FF2B5EF4-FFF2-40B4-BE49-F238E27FC236}">
-                <a16:creationId xmlns:a16="http://schemas.microsoft.com/office/drawing/2014/main" id="{F5738E71-BDD0-8FFF-00B3-8E854869C52C}"/>
-              </a:ext>
-            </a:extLst>
-          </p:cNvPr>
-          <p:cNvSpPr txBox="1"/>
-          <p:nvPr/>
-        </p:nvSpPr>
-        <p:spPr>
-          <a:xfrm>
-            <a:off x="5072375" y="1944177"/>
-            <a:ext cx="1040600" cy="261610"/>
-          </a:xfrm>
-          <a:prstGeom prst="rect">
-            <a:avLst/>
-          </a:prstGeom>
-          <a:noFill/>
-        </p:spPr>
-        <p:txBody>
-          <a:bodyPr wrap="square" rtlCol="0">
-            <a:spAutoFit/>
-          </a:bodyPr>
-          <a:lstStyle/>
-          <a:p>
-            <a:r>
-              <a:rPr lang="en-US" sz="1100" dirty="0"/>
-              <a:t>Deployment</a:t>
-            </a:r>
-          </a:p>
-        </p:txBody>
-      </p:sp>
+          </p:spPr>
+        </p:pic>
+        <p:cxnSp>
+          <p:nvCxnSpPr>
+            <p:cNvPr id="52" name="Connector: Elbow 51">
+              <a:extLst>
+                <a:ext uri="{FF2B5EF4-FFF2-40B4-BE49-F238E27FC236}">
+                  <a16:creationId xmlns:a16="http://schemas.microsoft.com/office/drawing/2014/main" id="{9A23CDE2-9EB9-0BD5-DFAF-EB99A07ACAAE}"/>
+                </a:ext>
+              </a:extLst>
+            </p:cNvPr>
+            <p:cNvCxnSpPr>
+              <a:cxnSpLocks/>
+              <a:stCxn id="2070" idx="2"/>
+              <a:endCxn id="2068" idx="3"/>
+            </p:cNvCxnSpPr>
+            <p:nvPr/>
+          </p:nvCxnSpPr>
+          <p:spPr>
+            <a:xfrm rot="5400000">
+              <a:off x="4052845" y="2303926"/>
+              <a:ext cx="365132" cy="890181"/>
+            </a:xfrm>
+            <a:prstGeom prst="bentConnector2">
+              <a:avLst/>
+            </a:prstGeom>
+            <a:ln>
+              <a:solidFill>
+                <a:schemeClr val="tx2">
+                  <a:lumMod val="10000"/>
+                </a:schemeClr>
+              </a:solidFill>
+              <a:tailEnd type="triangle"/>
+            </a:ln>
+          </p:spPr>
+          <p:style>
+            <a:lnRef idx="1">
+              <a:schemeClr val="accent1"/>
+            </a:lnRef>
+            <a:fillRef idx="0">
+              <a:schemeClr val="accent1"/>
+            </a:fillRef>
+            <a:effectRef idx="0">
+              <a:schemeClr val="accent1"/>
+            </a:effectRef>
+            <a:fontRef idx="minor">
+              <a:schemeClr val="tx1"/>
+            </a:fontRef>
+          </p:style>
+        </p:cxnSp>
+        <p:cxnSp>
+          <p:nvCxnSpPr>
+            <p:cNvPr id="54" name="Connector: Elbow 53">
+              <a:extLst>
+                <a:ext uri="{FF2B5EF4-FFF2-40B4-BE49-F238E27FC236}">
+                  <a16:creationId xmlns:a16="http://schemas.microsoft.com/office/drawing/2014/main" id="{7272C6CB-092E-B3FA-6046-38E2EDF183D1}"/>
+                </a:ext>
+              </a:extLst>
+            </p:cNvPr>
+            <p:cNvCxnSpPr>
+              <a:cxnSpLocks/>
+              <a:stCxn id="2070" idx="3"/>
+              <a:endCxn id="2050" idx="1"/>
+            </p:cNvCxnSpPr>
+            <p:nvPr/>
+          </p:nvCxnSpPr>
+          <p:spPr>
+            <a:xfrm>
+              <a:off x="5022489" y="2223550"/>
+              <a:ext cx="931671" cy="708032"/>
+            </a:xfrm>
+            <a:prstGeom prst="bentConnector3">
+              <a:avLst>
+                <a:gd name="adj1" fmla="val 50000"/>
+              </a:avLst>
+            </a:prstGeom>
+            <a:ln>
+              <a:solidFill>
+                <a:schemeClr val="tx2">
+                  <a:lumMod val="10000"/>
+                </a:schemeClr>
+              </a:solidFill>
+              <a:tailEnd type="triangle"/>
+            </a:ln>
+          </p:spPr>
+          <p:style>
+            <a:lnRef idx="1">
+              <a:schemeClr val="accent1"/>
+            </a:lnRef>
+            <a:fillRef idx="0">
+              <a:schemeClr val="accent1"/>
+            </a:fillRef>
+            <a:effectRef idx="0">
+              <a:schemeClr val="accent1"/>
+            </a:effectRef>
+            <a:fontRef idx="minor">
+              <a:schemeClr val="tx1"/>
+            </a:fontRef>
+          </p:style>
+        </p:cxnSp>
+        <p:sp>
+          <p:nvSpPr>
+            <p:cNvPr id="57" name="TextBox 56">
+              <a:extLst>
+                <a:ext uri="{FF2B5EF4-FFF2-40B4-BE49-F238E27FC236}">
+                  <a16:creationId xmlns:a16="http://schemas.microsoft.com/office/drawing/2014/main" id="{F5738E71-BDD0-8FFF-00B3-8E854869C52C}"/>
+                </a:ext>
+              </a:extLst>
+            </p:cNvPr>
+            <p:cNvSpPr txBox="1"/>
+            <p:nvPr/>
+          </p:nvSpPr>
+          <p:spPr>
+            <a:xfrm>
+              <a:off x="5072375" y="1944177"/>
+              <a:ext cx="1040600" cy="261610"/>
+            </a:xfrm>
+            <a:prstGeom prst="rect">
+              <a:avLst/>
+            </a:prstGeom>
+            <a:noFill/>
+          </p:spPr>
+          <p:txBody>
+            <a:bodyPr wrap="square" rtlCol="0">
+              <a:spAutoFit/>
+            </a:bodyPr>
+            <a:lstStyle/>
+            <a:p>
+              <a:r>
+                <a:rPr lang="en-US" sz="1100" dirty="0"/>
+                <a:t>Deployment</a:t>
+              </a:r>
+            </a:p>
+          </p:txBody>
+        </p:sp>
+      </p:grpSp>
     </p:spTree>
     <p:extLst>
       <p:ext uri="{BB962C8B-B14F-4D97-AF65-F5344CB8AC3E}">
@@ -28803,6 +28577,92 @@
   <p:clrMapOvr>
     <a:masterClrMapping/>
   </p:clrMapOvr>
+  <p:timing>
+    <p:tnLst>
+      <p:par>
+        <p:cTn id="1" dur="indefinite" restart="never" nodeType="tmRoot">
+          <p:childTnLst>
+            <p:seq concurrent="1" nextAc="seek">
+              <p:cTn id="2" dur="indefinite" nodeType="mainSeq">
+                <p:childTnLst>
+                  <p:par>
+                    <p:cTn id="3" fill="hold">
+                      <p:stCondLst>
+                        <p:cond delay="indefinite"/>
+                        <p:cond evt="onBegin" delay="0">
+                          <p:tn val="2"/>
+                        </p:cond>
+                      </p:stCondLst>
+                      <p:childTnLst>
+                        <p:par>
+                          <p:cTn id="4" fill="hold">
+                            <p:stCondLst>
+                              <p:cond delay="0"/>
+                            </p:stCondLst>
+                            <p:childTnLst>
+                              <p:par>
+                                <p:cTn id="5" presetID="10" presetClass="entr" presetSubtype="0" fill="hold" nodeType="withEffect">
+                                  <p:stCondLst>
+                                    <p:cond delay="0"/>
+                                  </p:stCondLst>
+                                  <p:childTnLst>
+                                    <p:set>
+                                      <p:cBhvr>
+                                        <p:cTn id="6" dur="1" fill="hold">
+                                          <p:stCondLst>
+                                            <p:cond delay="0"/>
+                                          </p:stCondLst>
+                                        </p:cTn>
+                                        <p:tgtEl>
+                                          <p:spTgt spid="5"/>
+                                        </p:tgtEl>
+                                        <p:attrNameLst>
+                                          <p:attrName>style.visibility</p:attrName>
+                                        </p:attrNameLst>
+                                      </p:cBhvr>
+                                      <p:to>
+                                        <p:strVal val="visible"/>
+                                      </p:to>
+                                    </p:set>
+                                    <p:animEffect transition="in" filter="fade">
+                                      <p:cBhvr>
+                                        <p:cTn id="7" dur="1500"/>
+                                        <p:tgtEl>
+                                          <p:spTgt spid="5"/>
+                                        </p:tgtEl>
+                                      </p:cBhvr>
+                                    </p:animEffect>
+                                  </p:childTnLst>
+                                </p:cTn>
+                              </p:par>
+                            </p:childTnLst>
+                          </p:cTn>
+                        </p:par>
+                      </p:childTnLst>
+                    </p:cTn>
+                  </p:par>
+                </p:childTnLst>
+              </p:cTn>
+              <p:prevCondLst>
+                <p:cond evt="onPrev" delay="0">
+                  <p:tgtEl>
+                    <p:sldTgt/>
+                  </p:tgtEl>
+                </p:cond>
+              </p:prevCondLst>
+              <p:nextCondLst>
+                <p:cond evt="onNext" delay="0">
+                  <p:tgtEl>
+                    <p:sldTgt/>
+                  </p:tgtEl>
+                </p:cond>
+              </p:nextCondLst>
+            </p:seq>
+          </p:childTnLst>
+        </p:cTn>
+      </p:par>
+    </p:tnLst>
+  </p:timing>
 </p:sld>
 </file>
 
@@ -29468,7 +29328,7 @@
   <p:cSld>
     <p:spTree>
       <p:nvGrpSpPr>
-        <p:cNvPr id="1" name="Shape 101"/>
+        <p:cNvPr id="1" name=""/>
         <p:cNvGrpSpPr/>
         <p:nvPr/>
       </p:nvGrpSpPr>
@@ -29480,176 +29340,12 @@
           <a:chExt cx="0" cy="0"/>
         </a:xfrm>
       </p:grpSpPr>
-      <p:sp>
-        <p:nvSpPr>
-          <p:cNvPr id="2" name="Text Placeholder 4">
+      <p:pic>
+        <p:nvPicPr>
+          <p:cNvPr id="1030" name="Picture 6">
             <a:extLst>
               <a:ext uri="{FF2B5EF4-FFF2-40B4-BE49-F238E27FC236}">
-                <a16:creationId xmlns:a16="http://schemas.microsoft.com/office/drawing/2014/main" id="{E80EADE0-E7D2-C3CA-3044-9E3F7001ABCF}"/>
-              </a:ext>
-            </a:extLst>
-          </p:cNvPr>
-          <p:cNvSpPr txBox="1">
-            <a:spLocks/>
-          </p:cNvSpPr>
-          <p:nvPr/>
-        </p:nvSpPr>
-        <p:spPr>
-          <a:xfrm>
-            <a:off x="1601829" y="1635471"/>
-            <a:ext cx="5615356" cy="369332"/>
-          </a:xfrm>
-          <a:prstGeom prst="rect">
-            <a:avLst/>
-          </a:prstGeom>
-        </p:spPr>
-        <p:txBody>
-          <a:bodyPr vert="horz" lIns="91440" tIns="45720" rIns="91440" bIns="45720" rtlCol="0" anchor="ctr"/>
-          <a:lstStyle>
-            <a:defPPr>
-              <a:defRPr lang="en-US"/>
-            </a:defPPr>
-            <a:lvl1pPr marL="0" algn="ctr" defTabSz="914400" rtl="0" eaLnBrk="1" latinLnBrk="0" hangingPunct="1">
-              <a:defRPr sz="1200" kern="1200">
-                <a:solidFill>
-                  <a:schemeClr val="tx1">
-                    <a:tint val="75000"/>
-                  </a:schemeClr>
-                </a:solidFill>
-                <a:latin typeface="+mn-lt"/>
-                <a:ea typeface="+mn-ea"/>
-                <a:cs typeface="+mn-cs"/>
-              </a:defRPr>
-            </a:lvl1pPr>
-            <a:lvl2pPr marL="457200" algn="l" defTabSz="914400" rtl="0" eaLnBrk="1" latinLnBrk="0" hangingPunct="1">
-              <a:defRPr sz="1800" kern="1200">
-                <a:solidFill>
-                  <a:schemeClr val="tx1"/>
-                </a:solidFill>
-                <a:latin typeface="+mn-lt"/>
-                <a:ea typeface="+mn-ea"/>
-                <a:cs typeface="+mn-cs"/>
-              </a:defRPr>
-            </a:lvl2pPr>
-            <a:lvl3pPr marL="914400" algn="l" defTabSz="914400" rtl="0" eaLnBrk="1" latinLnBrk="0" hangingPunct="1">
-              <a:defRPr sz="1800" kern="1200">
-                <a:solidFill>
-                  <a:schemeClr val="tx1"/>
-                </a:solidFill>
-                <a:latin typeface="+mn-lt"/>
-                <a:ea typeface="+mn-ea"/>
-                <a:cs typeface="+mn-cs"/>
-              </a:defRPr>
-            </a:lvl3pPr>
-            <a:lvl4pPr marL="1371600" algn="l" defTabSz="914400" rtl="0" eaLnBrk="1" latinLnBrk="0" hangingPunct="1">
-              <a:defRPr sz="1800" kern="1200">
-                <a:solidFill>
-                  <a:schemeClr val="tx1"/>
-                </a:solidFill>
-                <a:latin typeface="+mn-lt"/>
-                <a:ea typeface="+mn-ea"/>
-                <a:cs typeface="+mn-cs"/>
-              </a:defRPr>
-            </a:lvl4pPr>
-            <a:lvl5pPr marL="1828800" algn="l" defTabSz="914400" rtl="0" eaLnBrk="1" latinLnBrk="0" hangingPunct="1">
-              <a:defRPr sz="1800" kern="1200">
-                <a:solidFill>
-                  <a:schemeClr val="tx1"/>
-                </a:solidFill>
-                <a:latin typeface="+mn-lt"/>
-                <a:ea typeface="+mn-ea"/>
-                <a:cs typeface="+mn-cs"/>
-              </a:defRPr>
-            </a:lvl5pPr>
-            <a:lvl6pPr marL="2286000" algn="l" defTabSz="914400" rtl="0" eaLnBrk="1" latinLnBrk="0" hangingPunct="1">
-              <a:defRPr sz="1800" kern="1200">
-                <a:solidFill>
-                  <a:schemeClr val="tx1"/>
-                </a:solidFill>
-                <a:latin typeface="+mn-lt"/>
-                <a:ea typeface="+mn-ea"/>
-                <a:cs typeface="+mn-cs"/>
-              </a:defRPr>
-            </a:lvl6pPr>
-            <a:lvl7pPr marL="2743200" algn="l" defTabSz="914400" rtl="0" eaLnBrk="1" latinLnBrk="0" hangingPunct="1">
-              <a:defRPr sz="1800" kern="1200">
-                <a:solidFill>
-                  <a:schemeClr val="tx1"/>
-                </a:solidFill>
-                <a:latin typeface="+mn-lt"/>
-                <a:ea typeface="+mn-ea"/>
-                <a:cs typeface="+mn-cs"/>
-              </a:defRPr>
-            </a:lvl7pPr>
-            <a:lvl8pPr marL="3200400" algn="l" defTabSz="914400" rtl="0" eaLnBrk="1" latinLnBrk="0" hangingPunct="1">
-              <a:defRPr sz="1800" kern="1200">
-                <a:solidFill>
-                  <a:schemeClr val="tx1"/>
-                </a:solidFill>
-                <a:latin typeface="+mn-lt"/>
-                <a:ea typeface="+mn-ea"/>
-                <a:cs typeface="+mn-cs"/>
-              </a:defRPr>
-            </a:lvl8pPr>
-            <a:lvl9pPr marL="3657600" algn="l" defTabSz="914400" rtl="0" eaLnBrk="1" latinLnBrk="0" hangingPunct="1">
-              <a:defRPr sz="1800" kern="1200">
-                <a:solidFill>
-                  <a:schemeClr val="tx1"/>
-                </a:solidFill>
-                <a:latin typeface="+mn-lt"/>
-                <a:ea typeface="+mn-ea"/>
-                <a:cs typeface="+mn-cs"/>
-              </a:defRPr>
-            </a:lvl9pPr>
-          </a:lstStyle>
-          <a:p>
-            <a:r>
-              <a:rPr lang="en-US" sz="2800" dirty="0">
-                <a:solidFill>
-                  <a:schemeClr val="tx1"/>
-                </a:solidFill>
-                <a:latin typeface="Lato" panose="020F0502020204030203" pitchFamily="34" charset="0"/>
-              </a:rPr>
-              <a:t>Isaac Levin</a:t>
-            </a:r>
-          </a:p>
-          <a:p>
-            <a:r>
-              <a:rPr lang="en-US" sz="2800" dirty="0">
-                <a:solidFill>
-                  <a:schemeClr val="tx1"/>
-                </a:solidFill>
-                <a:latin typeface="Lato" panose="020F0502020204030203" pitchFamily="34" charset="0"/>
-              </a:rPr>
-              <a:t>.NET  </a:t>
-            </a:r>
-            <a:r>
-              <a:rPr lang="en-US" sz="2800" dirty="0">
-                <a:solidFill>
-                  <a:srgbClr val="677480"/>
-                </a:solidFill>
-                <a:latin typeface="Lato" panose="020F0502020204030203" pitchFamily="34" charset="0"/>
-              </a:rPr>
-              <a:t>Developer</a:t>
-            </a:r>
-            <a:r>
-              <a:rPr lang="en-US" sz="2800" dirty="0">
-                <a:solidFill>
-                  <a:schemeClr val="tx1"/>
-                </a:solidFill>
-                <a:latin typeface="Lato" panose="020F0502020204030203" pitchFamily="34" charset="0"/>
-              </a:rPr>
-              <a:t> Advocate</a:t>
-            </a:r>
-          </a:p>
-        </p:txBody>
-      </p:sp>
-      <p:pic>
-        <p:nvPicPr>
-          <p:cNvPr id="3" name="Picture 11" descr="See the source image">
-            <a:extLst>
-              <a:ext uri="{FF2B5EF4-FFF2-40B4-BE49-F238E27FC236}">
-                <a16:creationId xmlns:a16="http://schemas.microsoft.com/office/drawing/2014/main" id="{A99AFAE7-803F-CB77-A6E1-541CF41131BC}"/>
+                <a16:creationId xmlns:a16="http://schemas.microsoft.com/office/drawing/2014/main" id="{6F611BD5-1AE4-D9A0-0D32-DA83F52C50A1}"/>
               </a:ext>
             </a:extLst>
           </p:cNvPr>
@@ -29660,13 +29356,6 @@
         </p:nvPicPr>
         <p:blipFill>
           <a:blip r:embed="rId3">
-            <a:duotone>
-              <a:prstClr val="black"/>
-              <a:srgbClr val="2185C5">
-                <a:tint val="45000"/>
-                <a:satMod val="400000"/>
-              </a:srgbClr>
-            </a:duotone>
             <a:extLst>
               <a:ext uri="{28A0092B-C50C-407E-A947-70E740481C1C}">
                 <a14:useLocalDpi xmlns:a14="http://schemas.microsoft.com/office/drawing/2010/main" val="0"/>
@@ -29680,8 +29369,8 @@
         </p:blipFill>
         <p:spPr bwMode="auto">
           <a:xfrm>
-            <a:off x="5001863" y="2995461"/>
-            <a:ext cx="914400" cy="914400"/>
+            <a:off x="4287383" y="3004710"/>
+            <a:ext cx="342900" cy="342900"/>
           </a:xfrm>
           <a:prstGeom prst="rect">
             <a:avLst/>
@@ -29700,10 +29389,10 @@
       </p:pic>
       <p:pic>
         <p:nvPicPr>
-          <p:cNvPr id="4" name="Picture 13" descr="See the source image">
+          <p:cNvPr id="1032" name="Picture 8">
             <a:extLst>
               <a:ext uri="{FF2B5EF4-FFF2-40B4-BE49-F238E27FC236}">
-                <a16:creationId xmlns:a16="http://schemas.microsoft.com/office/drawing/2014/main" id="{EF517974-97A1-4BEF-FFDF-56526BD8B97E}"/>
+                <a16:creationId xmlns:a16="http://schemas.microsoft.com/office/drawing/2014/main" id="{C734F9B3-8AC8-21A3-457B-311C4D81FE73}"/>
               </a:ext>
             </a:extLst>
           </p:cNvPr>
@@ -29714,13 +29403,6 @@
         </p:nvPicPr>
         <p:blipFill>
           <a:blip r:embed="rId4">
-            <a:duotone>
-              <a:prstClr val="black"/>
-              <a:srgbClr val="2185C5">
-                <a:tint val="45000"/>
-                <a:satMod val="400000"/>
-              </a:srgbClr>
-            </a:duotone>
             <a:extLst>
               <a:ext uri="{28A0092B-C50C-407E-A947-70E740481C1C}">
                 <a14:useLocalDpi xmlns:a14="http://schemas.microsoft.com/office/drawing/2010/main" val="0"/>
@@ -29734,8 +29416,8 @@
         </p:blipFill>
         <p:spPr bwMode="auto">
           <a:xfrm>
-            <a:off x="4004932" y="3157420"/>
-            <a:ext cx="809149" cy="685800"/>
+            <a:off x="4782981" y="3004710"/>
+            <a:ext cx="421928" cy="342900"/>
           </a:xfrm>
           <a:prstGeom prst="rect">
             <a:avLst/>
@@ -29754,10 +29436,10 @@
       </p:pic>
       <p:pic>
         <p:nvPicPr>
-          <p:cNvPr id="5" name="Picture 19" descr="See the source image">
+          <p:cNvPr id="1034" name="Picture 10">
             <a:extLst>
               <a:ext uri="{FF2B5EF4-FFF2-40B4-BE49-F238E27FC236}">
-                <a16:creationId xmlns:a16="http://schemas.microsoft.com/office/drawing/2014/main" id="{5680D8E3-ECBD-0DC5-FD87-58562346C902}"/>
+                <a16:creationId xmlns:a16="http://schemas.microsoft.com/office/drawing/2014/main" id="{259C2ADA-9E5B-F3BC-D6FF-373CDAAB0C80}"/>
               </a:ext>
             </a:extLst>
           </p:cNvPr>
@@ -29768,13 +29450,6 @@
         </p:nvPicPr>
         <p:blipFill>
           <a:blip r:embed="rId5">
-            <a:duotone>
-              <a:prstClr val="black"/>
-              <a:srgbClr val="2185C5">
-                <a:tint val="45000"/>
-                <a:satMod val="400000"/>
-              </a:srgbClr>
-            </a:duotone>
             <a:extLst>
               <a:ext uri="{28A0092B-C50C-407E-A947-70E740481C1C}">
                 <a14:useLocalDpi xmlns:a14="http://schemas.microsoft.com/office/drawing/2010/main" val="0"/>
@@ -29788,8 +29463,278 @@
         </p:blipFill>
         <p:spPr bwMode="auto">
           <a:xfrm>
-            <a:off x="2902750" y="3043120"/>
-            <a:ext cx="914400" cy="914400"/>
+            <a:off x="4293860" y="1779198"/>
+            <a:ext cx="342900" cy="342900"/>
+          </a:xfrm>
+          <a:prstGeom prst="rect">
+            <a:avLst/>
+          </a:prstGeom>
+          <a:noFill/>
+          <a:extLst>
+            <a:ext uri="{909E8E84-426E-40DD-AFC4-6F175D3DCCD1}">
+              <a14:hiddenFill xmlns:a14="http://schemas.microsoft.com/office/drawing/2010/main">
+                <a:solidFill>
+                  <a:srgbClr val="FFFFFF"/>
+                </a:solidFill>
+              </a14:hiddenFill>
+            </a:ext>
+          </a:extLst>
+        </p:spPr>
+      </p:pic>
+      <p:pic>
+        <p:nvPicPr>
+          <p:cNvPr id="1036" name="Picture 12">
+            <a:extLst>
+              <a:ext uri="{FF2B5EF4-FFF2-40B4-BE49-F238E27FC236}">
+                <a16:creationId xmlns:a16="http://schemas.microsoft.com/office/drawing/2014/main" id="{3AD2B063-5139-CC8B-584B-8D14C263E0A0}"/>
+              </a:ext>
+            </a:extLst>
+          </p:cNvPr>
+          <p:cNvPicPr>
+            <a:picLocks noChangeAspect="1" noChangeArrowheads="1"/>
+          </p:cNvPicPr>
+          <p:nvPr/>
+        </p:nvPicPr>
+        <p:blipFill>
+          <a:blip r:embed="rId6">
+            <a:extLst>
+              <a:ext uri="{28A0092B-C50C-407E-A947-70E740481C1C}">
+                <a14:useLocalDpi xmlns:a14="http://schemas.microsoft.com/office/drawing/2010/main" val="0"/>
+              </a:ext>
+            </a:extLst>
+          </a:blip>
+          <a:srcRect/>
+          <a:stretch>
+            <a:fillRect/>
+          </a:stretch>
+        </p:blipFill>
+        <p:spPr bwMode="auto">
+          <a:xfrm>
+            <a:off x="5357607" y="3004710"/>
+            <a:ext cx="294010" cy="342900"/>
+          </a:xfrm>
+          <a:prstGeom prst="rect">
+            <a:avLst/>
+          </a:prstGeom>
+          <a:noFill/>
+          <a:extLst>
+            <a:ext uri="{909E8E84-426E-40DD-AFC4-6F175D3DCCD1}">
+              <a14:hiddenFill xmlns:a14="http://schemas.microsoft.com/office/drawing/2010/main">
+                <a:solidFill>
+                  <a:srgbClr val="FFFFFF"/>
+                </a:solidFill>
+              </a14:hiddenFill>
+            </a:ext>
+          </a:extLst>
+        </p:spPr>
+      </p:pic>
+      <p:pic>
+        <p:nvPicPr>
+          <p:cNvPr id="1038" name="Picture 14">
+            <a:extLst>
+              <a:ext uri="{FF2B5EF4-FFF2-40B4-BE49-F238E27FC236}">
+                <a16:creationId xmlns:a16="http://schemas.microsoft.com/office/drawing/2014/main" id="{77FB3005-BA47-2038-E714-73E019FD5A9C}"/>
+              </a:ext>
+            </a:extLst>
+          </p:cNvPr>
+          <p:cNvPicPr>
+            <a:picLocks noChangeAspect="1" noChangeArrowheads="1"/>
+          </p:cNvPicPr>
+          <p:nvPr/>
+        </p:nvPicPr>
+        <p:blipFill>
+          <a:blip r:embed="rId7">
+            <a:extLst>
+              <a:ext uri="{28A0092B-C50C-407E-A947-70E740481C1C}">
+                <a14:useLocalDpi xmlns:a14="http://schemas.microsoft.com/office/drawing/2010/main" val="0"/>
+              </a:ext>
+            </a:extLst>
+          </a:blip>
+          <a:srcRect/>
+          <a:stretch>
+            <a:fillRect/>
+          </a:stretch>
+        </p:blipFill>
+        <p:spPr bwMode="auto">
+          <a:xfrm>
+            <a:off x="4298769" y="3617466"/>
+            <a:ext cx="320129" cy="342900"/>
+          </a:xfrm>
+          <a:prstGeom prst="rect">
+            <a:avLst/>
+          </a:prstGeom>
+          <a:noFill/>
+          <a:extLst>
+            <a:ext uri="{909E8E84-426E-40DD-AFC4-6F175D3DCCD1}">
+              <a14:hiddenFill xmlns:a14="http://schemas.microsoft.com/office/drawing/2010/main">
+                <a:solidFill>
+                  <a:srgbClr val="FFFFFF"/>
+                </a:solidFill>
+              </a14:hiddenFill>
+            </a:ext>
+          </a:extLst>
+        </p:spPr>
+      </p:pic>
+      <p:pic>
+        <p:nvPicPr>
+          <p:cNvPr id="1040" name="Picture 16">
+            <a:extLst>
+              <a:ext uri="{FF2B5EF4-FFF2-40B4-BE49-F238E27FC236}">
+                <a16:creationId xmlns:a16="http://schemas.microsoft.com/office/drawing/2014/main" id="{B4F68F1B-D4D8-421A-A426-81B36D63E885}"/>
+              </a:ext>
+            </a:extLst>
+          </p:cNvPr>
+          <p:cNvPicPr>
+            <a:picLocks noChangeAspect="1" noChangeArrowheads="1"/>
+          </p:cNvPicPr>
+          <p:nvPr/>
+        </p:nvPicPr>
+        <p:blipFill>
+          <a:blip r:embed="rId8">
+            <a:extLst>
+              <a:ext uri="{28A0092B-C50C-407E-A947-70E740481C1C}">
+                <a14:useLocalDpi xmlns:a14="http://schemas.microsoft.com/office/drawing/2010/main" val="0"/>
+              </a:ext>
+            </a:extLst>
+          </a:blip>
+          <a:srcRect/>
+          <a:stretch>
+            <a:fillRect/>
+          </a:stretch>
+        </p:blipFill>
+        <p:spPr bwMode="auto">
+          <a:xfrm>
+            <a:off x="5804314" y="3004710"/>
+            <a:ext cx="495598" cy="342900"/>
+          </a:xfrm>
+          <a:prstGeom prst="rect">
+            <a:avLst/>
+          </a:prstGeom>
+          <a:noFill/>
+          <a:extLst>
+            <a:ext uri="{909E8E84-426E-40DD-AFC4-6F175D3DCCD1}">
+              <a14:hiddenFill xmlns:a14="http://schemas.microsoft.com/office/drawing/2010/main">
+                <a:solidFill>
+                  <a:srgbClr val="FFFFFF"/>
+                </a:solidFill>
+              </a14:hiddenFill>
+            </a:ext>
+          </a:extLst>
+        </p:spPr>
+      </p:pic>
+      <p:pic>
+        <p:nvPicPr>
+          <p:cNvPr id="1042" name="Picture 18" descr="Website icon png, Website icon png Transparent FREE for download on WebStockReview 2022">
+            <a:extLst>
+              <a:ext uri="{FF2B5EF4-FFF2-40B4-BE49-F238E27FC236}">
+                <a16:creationId xmlns:a16="http://schemas.microsoft.com/office/drawing/2014/main" id="{BBF507E8-58F6-9B4C-EF32-CBB50B54AAEB}"/>
+              </a:ext>
+            </a:extLst>
+          </p:cNvPr>
+          <p:cNvPicPr>
+            <a:picLocks noChangeAspect="1" noChangeArrowheads="1"/>
+          </p:cNvPicPr>
+          <p:nvPr/>
+        </p:nvPicPr>
+        <p:blipFill>
+          <a:blip r:embed="rId9">
+            <a:extLst>
+              <a:ext uri="{28A0092B-C50C-407E-A947-70E740481C1C}">
+                <a14:useLocalDpi xmlns:a14="http://schemas.microsoft.com/office/drawing/2010/main" val="0"/>
+              </a:ext>
+            </a:extLst>
+          </a:blip>
+          <a:srcRect/>
+          <a:stretch>
+            <a:fillRect/>
+          </a:stretch>
+        </p:blipFill>
+        <p:spPr bwMode="auto">
+          <a:xfrm>
+            <a:off x="4283070" y="1166442"/>
+            <a:ext cx="342900" cy="342900"/>
+          </a:xfrm>
+          <a:prstGeom prst="rect">
+            <a:avLst/>
+          </a:prstGeom>
+          <a:noFill/>
+          <a:extLst>
+            <a:ext uri="{909E8E84-426E-40DD-AFC4-6F175D3DCCD1}">
+              <a14:hiddenFill xmlns:a14="http://schemas.microsoft.com/office/drawing/2010/main">
+                <a:solidFill>
+                  <a:srgbClr val="FFFFFF"/>
+                </a:solidFill>
+              </a14:hiddenFill>
+            </a:ext>
+          </a:extLst>
+        </p:spPr>
+      </p:pic>
+      <p:pic>
+        <p:nvPicPr>
+          <p:cNvPr id="15" name="Content Placeholder 4" descr="A person smiling for the camera&#10;&#10;Description automatically generated with medium confidence">
+            <a:extLst>
+              <a:ext uri="{FF2B5EF4-FFF2-40B4-BE49-F238E27FC236}">
+                <a16:creationId xmlns:a16="http://schemas.microsoft.com/office/drawing/2014/main" id="{5660B81D-44E9-5658-24D7-57335CA3D213}"/>
+              </a:ext>
+            </a:extLst>
+          </p:cNvPr>
+          <p:cNvPicPr>
+            <a:picLocks noGrp="1" noChangeAspect="1"/>
+          </p:cNvPicPr>
+          <p:nvPr>
+            <p:ph idx="1"/>
+          </p:nvPr>
+        </p:nvPicPr>
+        <p:blipFill>
+          <a:blip r:embed="rId10">
+            <a:extLst>
+              <a:ext uri="{28A0092B-C50C-407E-A947-70E740481C1C}">
+                <a14:useLocalDpi xmlns:a14="http://schemas.microsoft.com/office/drawing/2010/main" val="0"/>
+              </a:ext>
+            </a:extLst>
+          </a:blip>
+          <a:stretch>
+            <a:fillRect/>
+          </a:stretch>
+        </p:blipFill>
+        <p:spPr>
+          <a:xfrm>
+            <a:off x="379290" y="939998"/>
+            <a:ext cx="3263504" cy="3263504"/>
+          </a:xfrm>
+        </p:spPr>
+      </p:pic>
+      <p:pic>
+        <p:nvPicPr>
+          <p:cNvPr id="1044" name="Picture 20" descr="Podcast Icon Png, Transparent Png - kindpng">
+            <a:extLst>
+              <a:ext uri="{FF2B5EF4-FFF2-40B4-BE49-F238E27FC236}">
+                <a16:creationId xmlns:a16="http://schemas.microsoft.com/office/drawing/2014/main" id="{361A3B83-C679-24BF-4AB8-17203DF1A7C5}"/>
+              </a:ext>
+            </a:extLst>
+          </p:cNvPr>
+          <p:cNvPicPr>
+            <a:picLocks noChangeAspect="1" noChangeArrowheads="1"/>
+          </p:cNvPicPr>
+          <p:nvPr/>
+        </p:nvPicPr>
+        <p:blipFill>
+          <a:blip r:embed="rId11">
+            <a:extLst>
+              <a:ext uri="{28A0092B-C50C-407E-A947-70E740481C1C}">
+                <a14:useLocalDpi xmlns:a14="http://schemas.microsoft.com/office/drawing/2010/main" val="0"/>
+              </a:ext>
+            </a:extLst>
+          </a:blip>
+          <a:srcRect/>
+          <a:stretch>
+            <a:fillRect/>
+          </a:stretch>
+        </p:blipFill>
+        <p:spPr bwMode="auto">
+          <a:xfrm>
+            <a:off x="4231460" y="2391954"/>
+            <a:ext cx="444118" cy="342900"/>
           </a:xfrm>
           <a:prstGeom prst="rect">
             <a:avLst/>
@@ -29808,10 +29753,10 @@
       </p:pic>
       <p:sp>
         <p:nvSpPr>
-          <p:cNvPr id="6" name="TextBox 5">
+          <p:cNvPr id="16" name="TextBox 15">
             <a:extLst>
               <a:ext uri="{FF2B5EF4-FFF2-40B4-BE49-F238E27FC236}">
-                <a16:creationId xmlns:a16="http://schemas.microsoft.com/office/drawing/2014/main" id="{EBB05A6D-6B4E-C1EB-9D47-AF872CA3244F}"/>
+                <a16:creationId xmlns:a16="http://schemas.microsoft.com/office/drawing/2014/main" id="{6FD8249F-63A9-2165-604B-E19BF15A4A07}"/>
               </a:ext>
             </a:extLst>
           </p:cNvPr>
@@ -29820,8 +29765,8 @@
         </p:nvSpPr>
         <p:spPr>
           <a:xfrm>
-            <a:off x="3441074" y="2533796"/>
-            <a:ext cx="1936866" cy="461665"/>
+            <a:off x="4917055" y="1166442"/>
+            <a:ext cx="3141505" cy="307777"/>
           </a:xfrm>
           <a:prstGeom prst="rect">
             <a:avLst/>
@@ -29835,22 +29780,184 @@
           <a:lstStyle/>
           <a:p>
             <a:r>
-              <a:rPr lang="en-US" sz="2400" dirty="0">
-                <a:solidFill>
-                  <a:srgbClr val="677480"/>
-                </a:solidFill>
-                <a:latin typeface="Lato" panose="020F0502020204030203" pitchFamily="34" charset="0"/>
+              <a:rPr lang="en-US" b="1" dirty="0">
+                <a:latin typeface="Raleway" pitchFamily="2" charset="0"/>
+              </a:rPr>
+              <a:t>https://www.isaaclevin.com</a:t>
+            </a:r>
+          </a:p>
+        </p:txBody>
+      </p:sp>
+      <p:sp>
+        <p:nvSpPr>
+          <p:cNvPr id="2" name="TextBox 1">
+            <a:extLst>
+              <a:ext uri="{FF2B5EF4-FFF2-40B4-BE49-F238E27FC236}">
+                <a16:creationId xmlns:a16="http://schemas.microsoft.com/office/drawing/2014/main" id="{B8BB7A7A-F4AE-B2FA-180F-F25DECF51C24}"/>
+              </a:ext>
+            </a:extLst>
+          </p:cNvPr>
+          <p:cNvSpPr txBox="1"/>
+          <p:nvPr/>
+        </p:nvSpPr>
+        <p:spPr>
+          <a:xfrm>
+            <a:off x="4917056" y="2398625"/>
+            <a:ext cx="3720406" cy="307777"/>
+          </a:xfrm>
+          <a:prstGeom prst="rect">
+            <a:avLst/>
+          </a:prstGeom>
+          <a:noFill/>
+        </p:spPr>
+        <p:txBody>
+          <a:bodyPr wrap="square" rtlCol="0">
+            <a:spAutoFit/>
+          </a:bodyPr>
+          <a:lstStyle/>
+          <a:p>
+            <a:r>
+              <a:rPr lang="en-US" b="1" dirty="0">
+                <a:latin typeface="Raleway" pitchFamily="2" charset="0"/>
+              </a:rPr>
+              <a:t>https://www.coffeeandopensource.com</a:t>
+            </a:r>
+          </a:p>
+        </p:txBody>
+      </p:sp>
+      <p:sp>
+        <p:nvSpPr>
+          <p:cNvPr id="3" name="TextBox 2">
+            <a:extLst>
+              <a:ext uri="{FF2B5EF4-FFF2-40B4-BE49-F238E27FC236}">
+                <a16:creationId xmlns:a16="http://schemas.microsoft.com/office/drawing/2014/main" id="{6DAE8AA5-7199-40A0-780D-F32942BCC17E}"/>
+              </a:ext>
+            </a:extLst>
+          </p:cNvPr>
+          <p:cNvSpPr txBox="1"/>
+          <p:nvPr/>
+        </p:nvSpPr>
+        <p:spPr>
+          <a:xfrm>
+            <a:off x="4917056" y="1792541"/>
+            <a:ext cx="3416061" cy="307777"/>
+          </a:xfrm>
+          <a:prstGeom prst="rect">
+            <a:avLst/>
+          </a:prstGeom>
+          <a:noFill/>
+        </p:spPr>
+        <p:txBody>
+          <a:bodyPr wrap="square" rtlCol="0">
+            <a:spAutoFit/>
+          </a:bodyPr>
+          <a:lstStyle/>
+          <a:p>
+            <a:r>
+              <a:rPr lang="en-US" b="1" dirty="0">
+                <a:latin typeface="Raleway" pitchFamily="2" charset="0"/>
+              </a:rPr>
+              <a:t>@isaacrobinlevin</a:t>
+            </a:r>
+          </a:p>
+        </p:txBody>
+      </p:sp>
+      <p:sp>
+        <p:nvSpPr>
+          <p:cNvPr id="4" name="TextBox 3">
+            <a:extLst>
+              <a:ext uri="{FF2B5EF4-FFF2-40B4-BE49-F238E27FC236}">
+                <a16:creationId xmlns:a16="http://schemas.microsoft.com/office/drawing/2014/main" id="{289EF3E1-28EE-D862-9964-F2A92AEB3B22}"/>
+              </a:ext>
+            </a:extLst>
+          </p:cNvPr>
+          <p:cNvSpPr txBox="1"/>
+          <p:nvPr/>
+        </p:nvSpPr>
+        <p:spPr>
+          <a:xfrm>
+            <a:off x="6500003" y="3001361"/>
+            <a:ext cx="3416061" cy="307777"/>
+          </a:xfrm>
+          <a:prstGeom prst="rect">
+            <a:avLst/>
+          </a:prstGeom>
+          <a:noFill/>
+        </p:spPr>
+        <p:txBody>
+          <a:bodyPr wrap="square" rtlCol="0">
+            <a:spAutoFit/>
+          </a:bodyPr>
+          <a:lstStyle/>
+          <a:p>
+            <a:r>
+              <a:rPr lang="en-US" b="1" dirty="0">
+                <a:latin typeface="Raleway" pitchFamily="2" charset="0"/>
               </a:rPr>
               <a:t>@isaacrlevin</a:t>
             </a:r>
           </a:p>
         </p:txBody>
       </p:sp>
+      <p:sp>
+        <p:nvSpPr>
+          <p:cNvPr id="5" name="TextBox 4">
+            <a:extLst>
+              <a:ext uri="{FF2B5EF4-FFF2-40B4-BE49-F238E27FC236}">
+                <a16:creationId xmlns:a16="http://schemas.microsoft.com/office/drawing/2014/main" id="{FA9F8FF3-5E1C-BEDF-36D2-DAA777E6B82C}"/>
+              </a:ext>
+            </a:extLst>
+          </p:cNvPr>
+          <p:cNvSpPr txBox="1"/>
+          <p:nvPr/>
+        </p:nvSpPr>
+        <p:spPr>
+          <a:xfrm>
+            <a:off x="4917056" y="3630809"/>
+            <a:ext cx="3416061" cy="307777"/>
+          </a:xfrm>
+          <a:prstGeom prst="rect">
+            <a:avLst/>
+          </a:prstGeom>
+          <a:noFill/>
+        </p:spPr>
+        <p:txBody>
+          <a:bodyPr wrap="square" rtlCol="0">
+            <a:spAutoFit/>
+          </a:bodyPr>
+          <a:lstStyle/>
+          <a:p>
+            <a:r>
+              <a:rPr lang="en-US" b="1" dirty="0">
+                <a:latin typeface="Raleway" pitchFamily="2" charset="0"/>
+              </a:rPr>
+              <a:t>@isaacrlevin@fosstodon.org</a:t>
+            </a:r>
+          </a:p>
+        </p:txBody>
+      </p:sp>
     </p:spTree>
+    <p:extLst>
+      <p:ext uri="{BB962C8B-B14F-4D97-AF65-F5344CB8AC3E}">
+        <p14:creationId xmlns:p14="http://schemas.microsoft.com/office/powerpoint/2010/main" val="4193975586"/>
+      </p:ext>
+    </p:extLst>
   </p:cSld>
   <p:clrMapOvr>
     <a:masterClrMapping/>
   </p:clrMapOvr>
+  <mc:AlternateContent xmlns:mc="http://schemas.openxmlformats.org/markup-compatibility/2006" xmlns:p14="http://schemas.microsoft.com/office/powerpoint/2010/main">
+    <mc:Choice Requires="p14">
+      <p:transition spd="med" p14:dur="700">
+        <p:fade/>
+      </p:transition>
+    </mc:Choice>
+    <mc:Fallback xmlns="">
+      <p:transition spd="med">
+        <p:fade/>
+      </p:transition>
+    </mc:Fallback>
+  </mc:AlternateContent>
 </p:sld>
 </file>
 
@@ -29912,7 +30019,7 @@
           <p:nvPr>
             <p:extLst>
               <p:ext uri="{D42A27DB-BD31-4B8C-83A1-F6EECF244321}">
-                <p14:modId xmlns:p14="http://schemas.microsoft.com/office/powerpoint/2010/main" val="1011733311"/>
+                <p14:modId xmlns:p14="http://schemas.microsoft.com/office/powerpoint/2010/main" val="1300514659"/>
               </p:ext>
             </p:extLst>
           </p:nvPr>

--- a/Running_ASP.NET_Core_Apps_without_a_server.pptx
+++ b/Running_ASP.NET_Core_Apps_without_a_server.pptx
@@ -42,39 +42,32 @@
       <p:regular r:id="rId25"/>
     </p:embeddedFont>
     <p:embeddedFont>
-      <p:font typeface="Calibri" panose="020F0502020204030204" pitchFamily="34" charset="0"/>
+      <p:font typeface="Consolas" panose="020B0609020204030204" pitchFamily="49" charset="0"/>
       <p:regular r:id="rId26"/>
       <p:bold r:id="rId27"/>
       <p:italic r:id="rId28"/>
       <p:boldItalic r:id="rId29"/>
     </p:embeddedFont>
     <p:embeddedFont>
-      <p:font typeface="Consolas" panose="020B0609020204030204" pitchFamily="49" charset="0"/>
+      <p:font typeface="Lato" panose="020F0502020204030203" pitchFamily="34" charset="0"/>
       <p:regular r:id="rId30"/>
       <p:bold r:id="rId31"/>
       <p:italic r:id="rId32"/>
       <p:boldItalic r:id="rId33"/>
     </p:embeddedFont>
     <p:embeddedFont>
-      <p:font typeface="Lato" panose="020F0502020204030203" pitchFamily="34" charset="0"/>
+      <p:font typeface="Raleway" pitchFamily="2" charset="0"/>
       <p:regular r:id="rId34"/>
       <p:bold r:id="rId35"/>
       <p:italic r:id="rId36"/>
       <p:boldItalic r:id="rId37"/>
     </p:embeddedFont>
     <p:embeddedFont>
-      <p:font typeface="Raleway" pitchFamily="2" charset="0"/>
+      <p:font typeface="Segoe UI" panose="020B0502040204020203" pitchFamily="34" charset="0"/>
       <p:regular r:id="rId38"/>
       <p:bold r:id="rId39"/>
       <p:italic r:id="rId40"/>
       <p:boldItalic r:id="rId41"/>
-    </p:embeddedFont>
-    <p:embeddedFont>
-      <p:font typeface="Segoe UI" panose="020B0502040204020203" pitchFamily="34" charset="0"/>
-      <p:regular r:id="rId42"/>
-      <p:bold r:id="rId43"/>
-      <p:italic r:id="rId44"/>
-      <p:boldItalic r:id="rId45"/>
     </p:embeddedFont>
   </p:embeddedFontLst>
   <p:defaultTextStyle>
@@ -14302,7 +14295,7 @@
           <a:p>
             <a:fld id="{DAA7F685-D00E-46D2-B3D2-7876D02DEA59}" type="datetimeFigureOut">
               <a:rPr lang="en-US" smtClean="0"/>
-              <a:t>5/25/2023</a:t>
+              <a:t>11/8/2024</a:t>
             </a:fld>
             <a:endParaRPr lang="en-US"/>
           </a:p>
@@ -29854,11 +29847,14 @@
           <a:lstStyle/>
           <a:p>
             <a:r>
-              <a:rPr lang="en-US" b="1" dirty="0">
+              <a:rPr lang="en-US" b="1">
                 <a:latin typeface="Raleway" pitchFamily="2" charset="0"/>
               </a:rPr>
-              <a:t>@isaacrobinlevin</a:t>
+              <a:t>@isaaclevin</a:t>
             </a:r>
+            <a:endParaRPr lang="en-US" b="1" dirty="0">
+              <a:latin typeface="Raleway" pitchFamily="2" charset="0"/>
+            </a:endParaRPr>
           </a:p>
         </p:txBody>
       </p:sp>
